--- a/doc/eks-architecture-examples/discngine-3decision-architecture-diagram.pptx
+++ b/doc/eks-architecture-examples/discngine-3decision-architecture-diagram.pptx
@@ -104,6 +104,11 @@
       </a:defRPr>
     </a:lvl9pPr>
   </p:defaultTextStyle>
+  <p:extLst>
+    <p:ext uri="{EFAFB233-063F-42B5-8137-9DF3F51BA10A}">
+      <p15:sldGuideLst xmlns:p15="http://schemas.microsoft.com/office/powerpoint/2012/main"/>
+    </p:ext>
+  </p:extLst>
 </p:presentation>
 </file>
 
@@ -238,7 +243,7 @@
           <a:p>
             <a:fld id="{87F3BBB2-E533-43A8-AA78-2DC6FC5FE5A0}" type="datetimeFigureOut">
               <a:rPr lang="en-US" smtClean="0"/>
-              <a:t>8/18/2022</a:t>
+              <a:t>9/15/2022</a:t>
             </a:fld>
             <a:endParaRPr lang="en-US"/>
           </a:p>
@@ -408,7 +413,7 @@
           <a:p>
             <a:fld id="{87F3BBB2-E533-43A8-AA78-2DC6FC5FE5A0}" type="datetimeFigureOut">
               <a:rPr lang="en-US" smtClean="0"/>
-              <a:t>8/18/2022</a:t>
+              <a:t>9/15/2022</a:t>
             </a:fld>
             <a:endParaRPr lang="en-US"/>
           </a:p>
@@ -588,7 +593,7 @@
           <a:p>
             <a:fld id="{87F3BBB2-E533-43A8-AA78-2DC6FC5FE5A0}" type="datetimeFigureOut">
               <a:rPr lang="en-US" smtClean="0"/>
-              <a:t>8/18/2022</a:t>
+              <a:t>9/15/2022</a:t>
             </a:fld>
             <a:endParaRPr lang="en-US"/>
           </a:p>
@@ -758,7 +763,7 @@
           <a:p>
             <a:fld id="{87F3BBB2-E533-43A8-AA78-2DC6FC5FE5A0}" type="datetimeFigureOut">
               <a:rPr lang="en-US" smtClean="0"/>
-              <a:t>8/18/2022</a:t>
+              <a:t>9/15/2022</a:t>
             </a:fld>
             <a:endParaRPr lang="en-US"/>
           </a:p>
@@ -1002,7 +1007,7 @@
           <a:p>
             <a:fld id="{87F3BBB2-E533-43A8-AA78-2DC6FC5FE5A0}" type="datetimeFigureOut">
               <a:rPr lang="en-US" smtClean="0"/>
-              <a:t>8/18/2022</a:t>
+              <a:t>9/15/2022</a:t>
             </a:fld>
             <a:endParaRPr lang="en-US"/>
           </a:p>
@@ -1234,7 +1239,7 @@
           <a:p>
             <a:fld id="{87F3BBB2-E533-43A8-AA78-2DC6FC5FE5A0}" type="datetimeFigureOut">
               <a:rPr lang="en-US" smtClean="0"/>
-              <a:t>8/18/2022</a:t>
+              <a:t>9/15/2022</a:t>
             </a:fld>
             <a:endParaRPr lang="en-US"/>
           </a:p>
@@ -1601,7 +1606,7 @@
           <a:p>
             <a:fld id="{87F3BBB2-E533-43A8-AA78-2DC6FC5FE5A0}" type="datetimeFigureOut">
               <a:rPr lang="en-US" smtClean="0"/>
-              <a:t>8/18/2022</a:t>
+              <a:t>9/15/2022</a:t>
             </a:fld>
             <a:endParaRPr lang="en-US"/>
           </a:p>
@@ -1719,7 +1724,7 @@
           <a:p>
             <a:fld id="{87F3BBB2-E533-43A8-AA78-2DC6FC5FE5A0}" type="datetimeFigureOut">
               <a:rPr lang="en-US" smtClean="0"/>
-              <a:t>8/18/2022</a:t>
+              <a:t>9/15/2022</a:t>
             </a:fld>
             <a:endParaRPr lang="en-US"/>
           </a:p>
@@ -1814,7 +1819,7 @@
           <a:p>
             <a:fld id="{87F3BBB2-E533-43A8-AA78-2DC6FC5FE5A0}" type="datetimeFigureOut">
               <a:rPr lang="en-US" smtClean="0"/>
-              <a:t>8/18/2022</a:t>
+              <a:t>9/15/2022</a:t>
             </a:fld>
             <a:endParaRPr lang="en-US"/>
           </a:p>
@@ -2091,7 +2096,7 @@
           <a:p>
             <a:fld id="{87F3BBB2-E533-43A8-AA78-2DC6FC5FE5A0}" type="datetimeFigureOut">
               <a:rPr lang="en-US" smtClean="0"/>
-              <a:t>8/18/2022</a:t>
+              <a:t>9/15/2022</a:t>
             </a:fld>
             <a:endParaRPr lang="en-US"/>
           </a:p>
@@ -2348,7 +2353,7 @@
           <a:p>
             <a:fld id="{87F3BBB2-E533-43A8-AA78-2DC6FC5FE5A0}" type="datetimeFigureOut">
               <a:rPr lang="en-US" smtClean="0"/>
-              <a:t>8/18/2022</a:t>
+              <a:t>9/15/2022</a:t>
             </a:fld>
             <a:endParaRPr lang="en-US"/>
           </a:p>
@@ -2561,7 +2566,7 @@
           <a:p>
             <a:fld id="{87F3BBB2-E533-43A8-AA78-2DC6FC5FE5A0}" type="datetimeFigureOut">
               <a:rPr lang="en-US" smtClean="0"/>
-              <a:t>8/18/2022</a:t>
+              <a:t>9/15/2022</a:t>
             </a:fld>
             <a:endParaRPr lang="en-US"/>
           </a:p>
@@ -2980,7 +2985,7 @@
         </p:nvSpPr>
         <p:spPr>
           <a:xfrm>
-            <a:off x="13441680" y="7040880"/>
+            <a:off x="13251180" y="7040880"/>
             <a:ext cx="2103120" cy="1463040"/>
           </a:xfrm>
           <a:prstGeom prst="rect">
@@ -3057,7 +3062,7 @@
         </p:nvSpPr>
         <p:spPr>
           <a:xfrm>
-            <a:off x="7040880" y="7406640"/>
+            <a:off x="6850380" y="7406640"/>
             <a:ext cx="8229600" cy="914400"/>
           </a:xfrm>
           <a:prstGeom prst="rect">
@@ -3137,24 +3142,14 @@
               <a:defRPr/>
             </a:pPr>
             <a:r>
-              <a:rPr lang="en-US" sz="1200">
+              <a:rPr lang="en-US" sz="1200" dirty="0">
                 <a:solidFill>
                   <a:srgbClr val="D86613"/>
                 </a:solidFill>
                 <a:latin typeface="Arial" panose="020B0604020202020204" pitchFamily="34" charset="0"/>
                 <a:cs typeface="Arial" panose="020B0604020202020204" pitchFamily="34" charset="0"/>
               </a:rPr>
-              <a:t>				    Auto </a:t>
-            </a:r>
-            <a:r>
-              <a:rPr lang="en-US" sz="1200" dirty="0">
-                <a:solidFill>
-                  <a:srgbClr val="D86613"/>
-                </a:solidFill>
-                <a:latin typeface="Arial" panose="020B0604020202020204" pitchFamily="34" charset="0"/>
-                <a:cs typeface="Arial" panose="020B0604020202020204" pitchFamily="34" charset="0"/>
-              </a:rPr>
-              <a:t>Scaling group</a:t>
+              <a:t>				    Auto Scaling group</a:t>
             </a:r>
           </a:p>
         </p:txBody>
@@ -3173,7 +3168,7 @@
         </p:nvSpPr>
         <p:spPr>
           <a:xfrm>
-            <a:off x="7040880" y="5760720"/>
+            <a:off x="6850380" y="5760720"/>
             <a:ext cx="8229600" cy="914400"/>
           </a:xfrm>
           <a:prstGeom prst="rect">
@@ -3286,8 +3281,8 @@
         </p:nvSpPr>
         <p:spPr>
           <a:xfrm>
-            <a:off x="5669279" y="4389120"/>
-            <a:ext cx="10424160" cy="4297680"/>
+            <a:off x="5478779" y="4389120"/>
+            <a:ext cx="10226043" cy="4297680"/>
           </a:xfrm>
           <a:prstGeom prst="rect">
             <a:avLst/>
@@ -3357,7 +3352,7 @@
         <p:spPr>
           <a:xfrm>
             <a:off x="5212080" y="3657600"/>
-            <a:ext cx="11338560" cy="6766560"/>
+            <a:ext cx="10666095" cy="6600825"/>
           </a:xfrm>
           <a:prstGeom prst="rect">
             <a:avLst/>
@@ -3474,7 +3469,7 @@
         </p:blipFill>
         <p:spPr>
           <a:xfrm>
-            <a:off x="5669280" y="4389120"/>
+            <a:off x="5478780" y="4389120"/>
             <a:ext cx="381000" cy="381000"/>
           </a:xfrm>
           <a:prstGeom prst="rect">
@@ -3496,8 +3491,8 @@
         </p:nvSpPr>
         <p:spPr>
           <a:xfrm>
-            <a:off x="6583680" y="4023360"/>
-            <a:ext cx="2468880" cy="4937760"/>
+            <a:off x="6393180" y="4023360"/>
+            <a:ext cx="2468880" cy="4815840"/>
           </a:xfrm>
           <a:prstGeom prst="rect">
             <a:avLst/>
@@ -3566,7 +3561,7 @@
         </p:nvSpPr>
         <p:spPr>
           <a:xfrm>
-            <a:off x="6766560" y="7040880"/>
+            <a:off x="6576060" y="7040880"/>
             <a:ext cx="2103120" cy="1463040"/>
           </a:xfrm>
           <a:prstGeom prst="rect">
@@ -3643,7 +3638,7 @@
         </p:nvSpPr>
         <p:spPr>
           <a:xfrm>
-            <a:off x="6766560" y="4572000"/>
+            <a:off x="6576060" y="4572000"/>
             <a:ext cx="2103120" cy="2286000"/>
           </a:xfrm>
           <a:prstGeom prst="rect">
@@ -3734,7 +3729,7 @@
         </p:blipFill>
         <p:spPr>
           <a:xfrm>
-            <a:off x="6766560" y="4572000"/>
+            <a:off x="6576060" y="4572000"/>
             <a:ext cx="274320" cy="274320"/>
           </a:xfrm>
           <a:prstGeom prst="rect">
@@ -3770,7 +3765,7 @@
         </p:blipFill>
         <p:spPr>
           <a:xfrm>
-            <a:off x="6766560" y="7040880"/>
+            <a:off x="6576060" y="7040880"/>
             <a:ext cx="274320" cy="274320"/>
           </a:xfrm>
           <a:prstGeom prst="rect">
@@ -3807,7 +3802,7 @@
         </p:blipFill>
         <p:spPr bwMode="auto">
           <a:xfrm>
-            <a:off x="7589520" y="7498080"/>
+            <a:off x="7399020" y="7498080"/>
             <a:ext cx="457200" cy="457200"/>
           </a:xfrm>
           <a:prstGeom prst="rect">
@@ -3852,8 +3847,8 @@
         </p:nvSpPr>
         <p:spPr>
           <a:xfrm>
-            <a:off x="7270798" y="6312199"/>
-            <a:ext cx="1097280" cy="276999"/>
+            <a:off x="7080298" y="6312199"/>
+            <a:ext cx="1097280" cy="261610"/>
           </a:xfrm>
           <a:prstGeom prst="rect">
             <a:avLst/>
@@ -3868,7 +3863,7 @@
           <a:p>
             <a:pPr algn="ctr" defTabSz="914400"/>
             <a:r>
-              <a:rPr lang="en-US" sz="1200" dirty="0">
+              <a:rPr lang="en-US" sz="1100" dirty="0">
                 <a:solidFill>
                   <a:srgbClr val="232F3D"/>
                 </a:solidFill>
@@ -3896,8 +3891,8 @@
         </p:nvSpPr>
         <p:spPr bwMode="auto">
           <a:xfrm>
-            <a:off x="7269850" y="5397800"/>
-            <a:ext cx="1097280" cy="276999"/>
+            <a:off x="7079350" y="5397800"/>
+            <a:ext cx="1097280" cy="261610"/>
           </a:xfrm>
           <a:prstGeom prst="rect">
             <a:avLst/>
@@ -4031,7 +4026,7 @@
           <a:p>
             <a:pPr algn="ctr" eaLnBrk="1" hangingPunct="1"/>
             <a:r>
-              <a:rPr lang="en-US" altLang="en-US" sz="1200" dirty="0">
+              <a:rPr lang="en-US" altLang="en-US" sz="1100" dirty="0">
                 <a:latin typeface="Arial" panose="020B0604020202020204" pitchFamily="34" charset="0"/>
                 <a:ea typeface="Amazon Ember" panose="020B0603020204020204" pitchFamily="34" charset="0"/>
                 <a:cs typeface="Arial" panose="020B0604020202020204" pitchFamily="34" charset="0"/>
@@ -4070,7 +4065,7 @@
         </p:blipFill>
         <p:spPr bwMode="auto">
           <a:xfrm>
-            <a:off x="7589520" y="4937760"/>
+            <a:off x="7399020" y="4937760"/>
             <a:ext cx="457200" cy="457200"/>
           </a:xfrm>
           <a:prstGeom prst="rect">
@@ -4117,8 +4112,8 @@
         </p:nvSpPr>
         <p:spPr bwMode="auto">
           <a:xfrm>
-            <a:off x="7087666" y="7956317"/>
-            <a:ext cx="1463040" cy="276999"/>
+            <a:off x="6897166" y="7956317"/>
+            <a:ext cx="1463040" cy="261610"/>
           </a:xfrm>
           <a:prstGeom prst="rect">
             <a:avLst/>
@@ -4252,7 +4247,7 @@
           <a:p>
             <a:pPr algn="ctr" eaLnBrk="1" hangingPunct="1"/>
             <a:r>
-              <a:rPr lang="en-US" altLang="en-US" sz="1200" dirty="0">
+              <a:rPr lang="en-US" altLang="en-US" sz="1100" dirty="0">
                 <a:latin typeface="Arial" panose="020B0604020202020204" pitchFamily="34" charset="0"/>
                 <a:ea typeface="Amazon Ember" panose="020B0603020204020204" pitchFamily="34" charset="0"/>
                 <a:cs typeface="Arial" panose="020B0604020202020204" pitchFamily="34" charset="0"/>
@@ -4278,7 +4273,7 @@
         </p:nvSpPr>
         <p:spPr bwMode="auto">
           <a:xfrm>
-            <a:off x="6791679" y="9924980"/>
+            <a:off x="6610704" y="9867830"/>
             <a:ext cx="1737360" cy="276999"/>
           </a:xfrm>
           <a:prstGeom prst="rect">
@@ -4439,7 +4434,7 @@
         </p:nvSpPr>
         <p:spPr bwMode="auto">
           <a:xfrm>
-            <a:off x="8527378" y="9923145"/>
+            <a:off x="8346403" y="9865995"/>
             <a:ext cx="1737360" cy="276999"/>
           </a:xfrm>
           <a:prstGeom prst="rect">
@@ -4600,7 +4595,7 @@
         </p:nvSpPr>
         <p:spPr bwMode="auto">
           <a:xfrm>
-            <a:off x="10264172" y="9923145"/>
+            <a:off x="10083197" y="9865995"/>
             <a:ext cx="1737360" cy="276999"/>
           </a:xfrm>
           <a:prstGeom prst="rect">
@@ -4761,7 +4756,7 @@
         </p:nvSpPr>
         <p:spPr bwMode="auto">
           <a:xfrm>
-            <a:off x="12001858" y="9923145"/>
+            <a:off x="11820883" y="9865995"/>
             <a:ext cx="1737360" cy="276999"/>
           </a:xfrm>
           <a:prstGeom prst="rect">
@@ -4906,29 +4901,24 @@
           </a:p>
         </p:txBody>
       </p:sp>
-      <p:pic>
-        <p:nvPicPr>
-          <p:cNvPr id="26" name="Graphic 6">
+      <p:sp>
+        <p:nvSpPr>
+          <p:cNvPr id="31" name="TextBox 12">
             <a:extLst>
               <a:ext uri="{FF2B5EF4-FFF2-40B4-BE49-F238E27FC236}">
-                <a16:creationId xmlns:a16="http://schemas.microsoft.com/office/drawing/2014/main" id="{2DAAE191-41F4-4927-9236-E894D9203014}"/>
+                <a16:creationId xmlns:a16="http://schemas.microsoft.com/office/drawing/2014/main" id="{F3C6BEA9-9ADC-41D2-AD72-BF72C7F16499}"/>
               </a:ext>
             </a:extLst>
           </p:cNvPr>
-          <p:cNvPicPr>
-            <a:picLocks noChangeAspect="1" noChangeArrowheads="1"/>
-          </p:cNvPicPr>
+          <p:cNvSpPr txBox="1">
+            <a:spLocks noChangeArrowheads="1"/>
+          </p:cNvSpPr>
           <p:nvPr/>
-        </p:nvPicPr>
-        <p:blipFill>
-          <a:blip r:embed="rId12"/>
-          <a:srcRect/>
-          <a:stretch/>
-        </p:blipFill>
+        </p:nvSpPr>
         <p:spPr bwMode="auto">
           <a:xfrm>
-            <a:off x="7315200" y="9235440"/>
-            <a:ext cx="685800" cy="685800"/>
+            <a:off x="13559170" y="9865995"/>
+            <a:ext cx="1737360" cy="276999"/>
           </a:xfrm>
           <a:prstGeom prst="rect">
             <a:avLst/>
@@ -4957,13 +4947,127 @@
             </a:ext>
           </a:extLst>
         </p:spPr>
-      </p:pic>
+        <p:txBody>
+          <a:bodyPr>
+            <a:spAutoFit/>
+          </a:bodyPr>
+          <a:lstStyle>
+            <a:lvl1pPr>
+              <a:defRPr>
+                <a:solidFill>
+                  <a:schemeClr val="tx1"/>
+                </a:solidFill>
+                <a:latin typeface="Calibri" panose="020F0502020204030204" pitchFamily="34" charset="0"/>
+              </a:defRPr>
+            </a:lvl1pPr>
+            <a:lvl2pPr marL="742950" indent="-285750">
+              <a:defRPr>
+                <a:solidFill>
+                  <a:schemeClr val="tx1"/>
+                </a:solidFill>
+                <a:latin typeface="Calibri" panose="020F0502020204030204" pitchFamily="34" charset="0"/>
+              </a:defRPr>
+            </a:lvl2pPr>
+            <a:lvl3pPr marL="1143000" indent="-228600">
+              <a:defRPr>
+                <a:solidFill>
+                  <a:schemeClr val="tx1"/>
+                </a:solidFill>
+                <a:latin typeface="Calibri" panose="020F0502020204030204" pitchFamily="34" charset="0"/>
+              </a:defRPr>
+            </a:lvl3pPr>
+            <a:lvl4pPr marL="1600200" indent="-228600">
+              <a:defRPr>
+                <a:solidFill>
+                  <a:schemeClr val="tx1"/>
+                </a:solidFill>
+                <a:latin typeface="Calibri" panose="020F0502020204030204" pitchFamily="34" charset="0"/>
+              </a:defRPr>
+            </a:lvl4pPr>
+            <a:lvl5pPr marL="2057400" indent="-228600">
+              <a:defRPr>
+                <a:solidFill>
+                  <a:schemeClr val="tx1"/>
+                </a:solidFill>
+                <a:latin typeface="Calibri" panose="020F0502020204030204" pitchFamily="34" charset="0"/>
+              </a:defRPr>
+            </a:lvl5pPr>
+            <a:lvl6pPr marL="2514600" indent="-228600" eaLnBrk="0" fontAlgn="base" hangingPunct="0">
+              <a:spcBef>
+                <a:spcPct val="0"/>
+              </a:spcBef>
+              <a:spcAft>
+                <a:spcPct val="0"/>
+              </a:spcAft>
+              <a:defRPr>
+                <a:solidFill>
+                  <a:schemeClr val="tx1"/>
+                </a:solidFill>
+                <a:latin typeface="Calibri" panose="020F0502020204030204" pitchFamily="34" charset="0"/>
+              </a:defRPr>
+            </a:lvl6pPr>
+            <a:lvl7pPr marL="2971800" indent="-228600" eaLnBrk="0" fontAlgn="base" hangingPunct="0">
+              <a:spcBef>
+                <a:spcPct val="0"/>
+              </a:spcBef>
+              <a:spcAft>
+                <a:spcPct val="0"/>
+              </a:spcAft>
+              <a:defRPr>
+                <a:solidFill>
+                  <a:schemeClr val="tx1"/>
+                </a:solidFill>
+                <a:latin typeface="Calibri" panose="020F0502020204030204" pitchFamily="34" charset="0"/>
+              </a:defRPr>
+            </a:lvl7pPr>
+            <a:lvl8pPr marL="3429000" indent="-228600" eaLnBrk="0" fontAlgn="base" hangingPunct="0">
+              <a:spcBef>
+                <a:spcPct val="0"/>
+              </a:spcBef>
+              <a:spcAft>
+                <a:spcPct val="0"/>
+              </a:spcAft>
+              <a:defRPr>
+                <a:solidFill>
+                  <a:schemeClr val="tx1"/>
+                </a:solidFill>
+                <a:latin typeface="Calibri" panose="020F0502020204030204" pitchFamily="34" charset="0"/>
+              </a:defRPr>
+            </a:lvl8pPr>
+            <a:lvl9pPr marL="3886200" indent="-228600" eaLnBrk="0" fontAlgn="base" hangingPunct="0">
+              <a:spcBef>
+                <a:spcPct val="0"/>
+              </a:spcBef>
+              <a:spcAft>
+                <a:spcPct val="0"/>
+              </a:spcAft>
+              <a:defRPr>
+                <a:solidFill>
+                  <a:schemeClr val="tx1"/>
+                </a:solidFill>
+                <a:latin typeface="Calibri" panose="020F0502020204030204" pitchFamily="34" charset="0"/>
+              </a:defRPr>
+            </a:lvl9pPr>
+          </a:lstStyle>
+          <a:p>
+            <a:pPr algn="ctr" eaLnBrk="1" hangingPunct="1"/>
+            <a:r>
+              <a:rPr lang="en-US" altLang="en-US" sz="1200" dirty="0">
+                <a:latin typeface="Arial" panose="020B0604020202020204" pitchFamily="34" charset="0"/>
+                <a:ea typeface="Amazon Ember" panose="020B0603020204020204" pitchFamily="34" charset="0"/>
+                <a:cs typeface="Arial" panose="020B0604020202020204" pitchFamily="34" charset="0"/>
+              </a:rPr>
+              <a:t>Amazon Route 53</a:t>
+            </a:r>
+          </a:p>
+        </p:txBody>
+      </p:sp>
       <p:pic>
         <p:nvPicPr>
-          <p:cNvPr id="27" name="Graphic 23">
+          <p:cNvPr id="55" name="Graphic 60">
             <a:extLst>
               <a:ext uri="{FF2B5EF4-FFF2-40B4-BE49-F238E27FC236}">
-                <a16:creationId xmlns:a16="http://schemas.microsoft.com/office/drawing/2014/main" id="{913FAB25-483B-49B2-B886-87608DE3C9D8}"/>
+                <a16:creationId xmlns:a16="http://schemas.microsoft.com/office/drawing/2014/main" id="{CA881357-9887-4A98-9EA0-DF6FF98BD1DF}"/>
               </a:ext>
             </a:extLst>
           </p:cNvPr>
@@ -4973,7 +5077,7 @@
           <p:nvPr/>
         </p:nvPicPr>
         <p:blipFill>
-          <a:blip r:embed="rId13">
+          <a:blip r:embed="rId12">
             <a:extLst>
               <a:ext uri="{28A0092B-C50C-407E-A947-70E740481C1C}">
                 <a14:useLocalDpi xmlns:a14="http://schemas.microsoft.com/office/drawing/2010/main" val="0"/>
@@ -4987,8 +5091,8 @@
         </p:blipFill>
         <p:spPr bwMode="auto">
           <a:xfrm>
-            <a:off x="9052560" y="9235440"/>
-            <a:ext cx="685800" cy="685800"/>
+            <a:off x="7399020" y="5852160"/>
+            <a:ext cx="457200" cy="457200"/>
           </a:xfrm>
           <a:prstGeom prst="rect">
             <a:avLst/>
@@ -5020,407 +5124,6 @@
       </p:pic>
       <p:pic>
         <p:nvPicPr>
-          <p:cNvPr id="28" name="Graphic 17">
-            <a:extLst>
-              <a:ext uri="{FF2B5EF4-FFF2-40B4-BE49-F238E27FC236}">
-                <a16:creationId xmlns:a16="http://schemas.microsoft.com/office/drawing/2014/main" id="{F7176E33-D490-496A-BD44-F03FDF7A9713}"/>
-              </a:ext>
-            </a:extLst>
-          </p:cNvPr>
-          <p:cNvPicPr>
-            <a:picLocks noChangeAspect="1" noChangeArrowheads="1"/>
-          </p:cNvPicPr>
-          <p:nvPr/>
-        </p:nvPicPr>
-        <p:blipFill>
-          <a:blip r:embed="rId14">
-            <a:extLst>
-              <a:ext uri="{28A0092B-C50C-407E-A947-70E740481C1C}">
-                <a14:useLocalDpi xmlns:a14="http://schemas.microsoft.com/office/drawing/2010/main" val="0"/>
-              </a:ext>
-            </a:extLst>
-          </a:blip>
-          <a:srcRect/>
-          <a:stretch>
-            <a:fillRect/>
-          </a:stretch>
-        </p:blipFill>
-        <p:spPr bwMode="auto">
-          <a:xfrm>
-            <a:off x="10789920" y="9235440"/>
-            <a:ext cx="685800" cy="685800"/>
-          </a:xfrm>
-          <a:prstGeom prst="rect">
-            <a:avLst/>
-          </a:prstGeom>
-          <a:noFill/>
-          <a:ln>
-            <a:noFill/>
-          </a:ln>
-          <a:extLst>
-            <a:ext uri="{909E8E84-426E-40DD-AFC4-6F175D3DCCD1}">
-              <a14:hiddenFill xmlns:a14="http://schemas.microsoft.com/office/drawing/2010/main">
-                <a:solidFill>
-                  <a:srgbClr val="FFFFFF"/>
-                </a:solidFill>
-              </a14:hiddenFill>
-            </a:ext>
-            <a:ext uri="{91240B29-F687-4F45-9708-019B960494DF}">
-              <a14:hiddenLine xmlns:a14="http://schemas.microsoft.com/office/drawing/2010/main" w="9525">
-                <a:solidFill>
-                  <a:srgbClr val="000000"/>
-                </a:solidFill>
-                <a:miter lim="800000"/>
-                <a:headEnd/>
-                <a:tailEnd/>
-              </a14:hiddenLine>
-            </a:ext>
-          </a:extLst>
-        </p:spPr>
-      </p:pic>
-      <p:pic>
-        <p:nvPicPr>
-          <p:cNvPr id="29" name="Graphic 6">
-            <a:extLst>
-              <a:ext uri="{FF2B5EF4-FFF2-40B4-BE49-F238E27FC236}">
-                <a16:creationId xmlns:a16="http://schemas.microsoft.com/office/drawing/2014/main" id="{A8196B71-F48E-4AEB-9157-143AAE0B8955}"/>
-              </a:ext>
-            </a:extLst>
-          </p:cNvPr>
-          <p:cNvPicPr>
-            <a:picLocks noChangeAspect="1" noChangeArrowheads="1"/>
-          </p:cNvPicPr>
-          <p:nvPr/>
-        </p:nvPicPr>
-        <p:blipFill>
-          <a:blip r:embed="rId15">
-            <a:extLst>
-              <a:ext uri="{28A0092B-C50C-407E-A947-70E740481C1C}">
-                <a14:useLocalDpi xmlns:a14="http://schemas.microsoft.com/office/drawing/2010/main" val="0"/>
-              </a:ext>
-            </a:extLst>
-          </a:blip>
-          <a:srcRect/>
-          <a:stretch>
-            <a:fillRect/>
-          </a:stretch>
-        </p:blipFill>
-        <p:spPr bwMode="auto">
-          <a:xfrm>
-            <a:off x="12527280" y="9235440"/>
-            <a:ext cx="685800" cy="685800"/>
-          </a:xfrm>
-          <a:prstGeom prst="rect">
-            <a:avLst/>
-          </a:prstGeom>
-          <a:noFill/>
-          <a:ln>
-            <a:noFill/>
-          </a:ln>
-          <a:extLst>
-            <a:ext uri="{909E8E84-426E-40DD-AFC4-6F175D3DCCD1}">
-              <a14:hiddenFill xmlns:a14="http://schemas.microsoft.com/office/drawing/2010/main">
-                <a:solidFill>
-                  <a:srgbClr val="FFFFFF"/>
-                </a:solidFill>
-              </a14:hiddenFill>
-            </a:ext>
-            <a:ext uri="{91240B29-F687-4F45-9708-019B960494DF}">
-              <a14:hiddenLine xmlns:a14="http://schemas.microsoft.com/office/drawing/2010/main" w="9525">
-                <a:solidFill>
-                  <a:srgbClr val="000000"/>
-                </a:solidFill>
-                <a:miter lim="800000"/>
-                <a:headEnd/>
-                <a:tailEnd/>
-              </a14:hiddenLine>
-            </a:ext>
-          </a:extLst>
-        </p:spPr>
-      </p:pic>
-      <p:pic>
-        <p:nvPicPr>
-          <p:cNvPr id="30" name="Graphic 21">
-            <a:extLst>
-              <a:ext uri="{FF2B5EF4-FFF2-40B4-BE49-F238E27FC236}">
-                <a16:creationId xmlns:a16="http://schemas.microsoft.com/office/drawing/2014/main" id="{106182DE-5107-4EBF-9ECA-E0DDA6034F4D}"/>
-              </a:ext>
-            </a:extLst>
-          </p:cNvPr>
-          <p:cNvPicPr>
-            <a:picLocks noChangeAspect="1" noChangeArrowheads="1"/>
-          </p:cNvPicPr>
-          <p:nvPr/>
-        </p:nvPicPr>
-        <p:blipFill>
-          <a:blip r:embed="rId16">
-            <a:extLst>
-              <a:ext uri="{28A0092B-C50C-407E-A947-70E740481C1C}">
-                <a14:useLocalDpi xmlns:a14="http://schemas.microsoft.com/office/drawing/2010/main" val="0"/>
-              </a:ext>
-            </a:extLst>
-          </a:blip>
-          <a:srcRect/>
-          <a:stretch>
-            <a:fillRect/>
-          </a:stretch>
-        </p:blipFill>
-        <p:spPr bwMode="auto">
-          <a:xfrm>
-            <a:off x="14264640" y="9235440"/>
-            <a:ext cx="685800" cy="685800"/>
-          </a:xfrm>
-          <a:prstGeom prst="rect">
-            <a:avLst/>
-          </a:prstGeom>
-          <a:noFill/>
-          <a:ln>
-            <a:noFill/>
-          </a:ln>
-          <a:extLst>
-            <a:ext uri="{909E8E84-426E-40DD-AFC4-6F175D3DCCD1}">
-              <a14:hiddenFill xmlns:a14="http://schemas.microsoft.com/office/drawing/2010/main">
-                <a:solidFill>
-                  <a:srgbClr val="FFFFFF"/>
-                </a:solidFill>
-              </a14:hiddenFill>
-            </a:ext>
-            <a:ext uri="{91240B29-F687-4F45-9708-019B960494DF}">
-              <a14:hiddenLine xmlns:a14="http://schemas.microsoft.com/office/drawing/2010/main" w="9525">
-                <a:solidFill>
-                  <a:srgbClr val="000000"/>
-                </a:solidFill>
-                <a:miter lim="800000"/>
-                <a:headEnd/>
-                <a:tailEnd/>
-              </a14:hiddenLine>
-            </a:ext>
-          </a:extLst>
-        </p:spPr>
-      </p:pic>
-      <p:sp>
-        <p:nvSpPr>
-          <p:cNvPr id="31" name="TextBox 12">
-            <a:extLst>
-              <a:ext uri="{FF2B5EF4-FFF2-40B4-BE49-F238E27FC236}">
-                <a16:creationId xmlns:a16="http://schemas.microsoft.com/office/drawing/2014/main" id="{F3C6BEA9-9ADC-41D2-AD72-BF72C7F16499}"/>
-              </a:ext>
-            </a:extLst>
-          </p:cNvPr>
-          <p:cNvSpPr txBox="1">
-            <a:spLocks noChangeArrowheads="1"/>
-          </p:cNvSpPr>
-          <p:nvPr/>
-        </p:nvSpPr>
-        <p:spPr bwMode="auto">
-          <a:xfrm>
-            <a:off x="13740145" y="9923145"/>
-            <a:ext cx="1737360" cy="276999"/>
-          </a:xfrm>
-          <a:prstGeom prst="rect">
-            <a:avLst/>
-          </a:prstGeom>
-          <a:noFill/>
-          <a:ln>
-            <a:noFill/>
-          </a:ln>
-          <a:extLst>
-            <a:ext uri="{909E8E84-426E-40DD-AFC4-6F175D3DCCD1}">
-              <a14:hiddenFill xmlns:a14="http://schemas.microsoft.com/office/drawing/2010/main">
-                <a:solidFill>
-                  <a:srgbClr val="FFFFFF"/>
-                </a:solidFill>
-              </a14:hiddenFill>
-            </a:ext>
-            <a:ext uri="{91240B29-F687-4F45-9708-019B960494DF}">
-              <a14:hiddenLine xmlns:a14="http://schemas.microsoft.com/office/drawing/2010/main" w="9525">
-                <a:solidFill>
-                  <a:srgbClr val="000000"/>
-                </a:solidFill>
-                <a:miter lim="800000"/>
-                <a:headEnd/>
-                <a:tailEnd/>
-              </a14:hiddenLine>
-            </a:ext>
-          </a:extLst>
-        </p:spPr>
-        <p:txBody>
-          <a:bodyPr>
-            <a:spAutoFit/>
-          </a:bodyPr>
-          <a:lstStyle>
-            <a:lvl1pPr>
-              <a:defRPr>
-                <a:solidFill>
-                  <a:schemeClr val="tx1"/>
-                </a:solidFill>
-                <a:latin typeface="Calibri" panose="020F0502020204030204" pitchFamily="34" charset="0"/>
-              </a:defRPr>
-            </a:lvl1pPr>
-            <a:lvl2pPr marL="742950" indent="-285750">
-              <a:defRPr>
-                <a:solidFill>
-                  <a:schemeClr val="tx1"/>
-                </a:solidFill>
-                <a:latin typeface="Calibri" panose="020F0502020204030204" pitchFamily="34" charset="0"/>
-              </a:defRPr>
-            </a:lvl2pPr>
-            <a:lvl3pPr marL="1143000" indent="-228600">
-              <a:defRPr>
-                <a:solidFill>
-                  <a:schemeClr val="tx1"/>
-                </a:solidFill>
-                <a:latin typeface="Calibri" panose="020F0502020204030204" pitchFamily="34" charset="0"/>
-              </a:defRPr>
-            </a:lvl3pPr>
-            <a:lvl4pPr marL="1600200" indent="-228600">
-              <a:defRPr>
-                <a:solidFill>
-                  <a:schemeClr val="tx1"/>
-                </a:solidFill>
-                <a:latin typeface="Calibri" panose="020F0502020204030204" pitchFamily="34" charset="0"/>
-              </a:defRPr>
-            </a:lvl4pPr>
-            <a:lvl5pPr marL="2057400" indent="-228600">
-              <a:defRPr>
-                <a:solidFill>
-                  <a:schemeClr val="tx1"/>
-                </a:solidFill>
-                <a:latin typeface="Calibri" panose="020F0502020204030204" pitchFamily="34" charset="0"/>
-              </a:defRPr>
-            </a:lvl5pPr>
-            <a:lvl6pPr marL="2514600" indent="-228600" eaLnBrk="0" fontAlgn="base" hangingPunct="0">
-              <a:spcBef>
-                <a:spcPct val="0"/>
-              </a:spcBef>
-              <a:spcAft>
-                <a:spcPct val="0"/>
-              </a:spcAft>
-              <a:defRPr>
-                <a:solidFill>
-                  <a:schemeClr val="tx1"/>
-                </a:solidFill>
-                <a:latin typeface="Calibri" panose="020F0502020204030204" pitchFamily="34" charset="0"/>
-              </a:defRPr>
-            </a:lvl6pPr>
-            <a:lvl7pPr marL="2971800" indent="-228600" eaLnBrk="0" fontAlgn="base" hangingPunct="0">
-              <a:spcBef>
-                <a:spcPct val="0"/>
-              </a:spcBef>
-              <a:spcAft>
-                <a:spcPct val="0"/>
-              </a:spcAft>
-              <a:defRPr>
-                <a:solidFill>
-                  <a:schemeClr val="tx1"/>
-                </a:solidFill>
-                <a:latin typeface="Calibri" panose="020F0502020204030204" pitchFamily="34" charset="0"/>
-              </a:defRPr>
-            </a:lvl7pPr>
-            <a:lvl8pPr marL="3429000" indent="-228600" eaLnBrk="0" fontAlgn="base" hangingPunct="0">
-              <a:spcBef>
-                <a:spcPct val="0"/>
-              </a:spcBef>
-              <a:spcAft>
-                <a:spcPct val="0"/>
-              </a:spcAft>
-              <a:defRPr>
-                <a:solidFill>
-                  <a:schemeClr val="tx1"/>
-                </a:solidFill>
-                <a:latin typeface="Calibri" panose="020F0502020204030204" pitchFamily="34" charset="0"/>
-              </a:defRPr>
-            </a:lvl8pPr>
-            <a:lvl9pPr marL="3886200" indent="-228600" eaLnBrk="0" fontAlgn="base" hangingPunct="0">
-              <a:spcBef>
-                <a:spcPct val="0"/>
-              </a:spcBef>
-              <a:spcAft>
-                <a:spcPct val="0"/>
-              </a:spcAft>
-              <a:defRPr>
-                <a:solidFill>
-                  <a:schemeClr val="tx1"/>
-                </a:solidFill>
-                <a:latin typeface="Calibri" panose="020F0502020204030204" pitchFamily="34" charset="0"/>
-              </a:defRPr>
-            </a:lvl9pPr>
-          </a:lstStyle>
-          <a:p>
-            <a:pPr algn="ctr" eaLnBrk="1" hangingPunct="1"/>
-            <a:r>
-              <a:rPr lang="en-US" altLang="en-US" sz="1200" dirty="0">
-                <a:latin typeface="Arial" panose="020B0604020202020204" pitchFamily="34" charset="0"/>
-                <a:ea typeface="Amazon Ember" panose="020B0603020204020204" pitchFamily="34" charset="0"/>
-                <a:cs typeface="Arial" panose="020B0604020202020204" pitchFamily="34" charset="0"/>
-              </a:rPr>
-              <a:t>Amazon Route 53</a:t>
-            </a:r>
-          </a:p>
-        </p:txBody>
-      </p:sp>
-      <p:pic>
-        <p:nvPicPr>
-          <p:cNvPr id="55" name="Graphic 60">
-            <a:extLst>
-              <a:ext uri="{FF2B5EF4-FFF2-40B4-BE49-F238E27FC236}">
-                <a16:creationId xmlns:a16="http://schemas.microsoft.com/office/drawing/2014/main" id="{CA881357-9887-4A98-9EA0-DF6FF98BD1DF}"/>
-              </a:ext>
-            </a:extLst>
-          </p:cNvPr>
-          <p:cNvPicPr>
-            <a:picLocks noChangeAspect="1" noChangeArrowheads="1"/>
-          </p:cNvPicPr>
-          <p:nvPr/>
-        </p:nvPicPr>
-        <p:blipFill>
-          <a:blip r:embed="rId17">
-            <a:extLst>
-              <a:ext uri="{28A0092B-C50C-407E-A947-70E740481C1C}">
-                <a14:useLocalDpi xmlns:a14="http://schemas.microsoft.com/office/drawing/2010/main" val="0"/>
-              </a:ext>
-            </a:extLst>
-          </a:blip>
-          <a:srcRect/>
-          <a:stretch>
-            <a:fillRect/>
-          </a:stretch>
-        </p:blipFill>
-        <p:spPr bwMode="auto">
-          <a:xfrm>
-            <a:off x="7589520" y="5852160"/>
-            <a:ext cx="457200" cy="457200"/>
-          </a:xfrm>
-          <a:prstGeom prst="rect">
-            <a:avLst/>
-          </a:prstGeom>
-          <a:noFill/>
-          <a:ln>
-            <a:noFill/>
-          </a:ln>
-          <a:extLst>
-            <a:ext uri="{909E8E84-426E-40DD-AFC4-6F175D3DCCD1}">
-              <a14:hiddenFill xmlns:a14="http://schemas.microsoft.com/office/drawing/2010/main">
-                <a:solidFill>
-                  <a:srgbClr val="FFFFFF"/>
-                </a:solidFill>
-              </a14:hiddenFill>
-            </a:ext>
-            <a:ext uri="{91240B29-F687-4F45-9708-019B960494DF}">
-              <a14:hiddenLine xmlns:a14="http://schemas.microsoft.com/office/drawing/2010/main" w="9525">
-                <a:solidFill>
-                  <a:srgbClr val="000000"/>
-                </a:solidFill>
-                <a:miter lim="800000"/>
-                <a:headEnd/>
-                <a:tailEnd/>
-              </a14:hiddenLine>
-            </a:ext>
-          </a:extLst>
-        </p:spPr>
-      </p:pic>
-      <p:pic>
-        <p:nvPicPr>
           <p:cNvPr id="59" name="Graphic 58">
             <a:extLst>
               <a:ext uri="{FF2B5EF4-FFF2-40B4-BE49-F238E27FC236}">
@@ -5434,10 +5137,10 @@
           <p:nvPr/>
         </p:nvPicPr>
         <p:blipFill>
-          <a:blip r:embed="rId18">
+          <a:blip r:embed="rId13">
             <a:extLst>
               <a:ext uri="{96DAC541-7B7A-43D3-8B79-37D633B846F1}">
-                <asvg:svgBlip xmlns:asvg="http://schemas.microsoft.com/office/drawing/2016/SVG/main" r:embed="rId19"/>
+                <asvg:svgBlip xmlns:asvg="http://schemas.microsoft.com/office/drawing/2016/SVG/main" r:embed="rId14"/>
               </a:ext>
             </a:extLst>
           </a:blip>
@@ -5447,7 +5150,7 @@
         </p:blipFill>
         <p:spPr>
           <a:xfrm>
-            <a:off x="9601200" y="5760720"/>
+            <a:off x="9410700" y="5760720"/>
             <a:ext cx="381000" cy="381000"/>
           </a:xfrm>
           <a:prstGeom prst="rect">
@@ -5470,10 +5173,10 @@
           <p:nvPr/>
         </p:nvPicPr>
         <p:blipFill>
-          <a:blip r:embed="rId18">
+          <a:blip r:embed="rId13">
             <a:extLst>
               <a:ext uri="{96DAC541-7B7A-43D3-8B79-37D633B846F1}">
-                <asvg:svgBlip xmlns:asvg="http://schemas.microsoft.com/office/drawing/2016/SVG/main" r:embed="rId19"/>
+                <asvg:svgBlip xmlns:asvg="http://schemas.microsoft.com/office/drawing/2016/SVG/main" r:embed="rId14"/>
               </a:ext>
             </a:extLst>
           </a:blip>
@@ -5483,7 +5186,7 @@
         </p:blipFill>
         <p:spPr>
           <a:xfrm>
-            <a:off x="9601200" y="7406640"/>
+            <a:off x="9410700" y="7406640"/>
             <a:ext cx="381000" cy="381000"/>
           </a:xfrm>
           <a:prstGeom prst="rect">
@@ -5505,8 +5208,8 @@
         </p:nvSpPr>
         <p:spPr>
           <a:xfrm>
-            <a:off x="10515600" y="4023360"/>
-            <a:ext cx="2468880" cy="4937760"/>
+            <a:off x="10325100" y="4023360"/>
+            <a:ext cx="2468880" cy="4815840"/>
           </a:xfrm>
           <a:prstGeom prst="rect">
             <a:avLst/>
@@ -5592,7 +5295,7 @@
         </p:nvSpPr>
         <p:spPr>
           <a:xfrm>
-            <a:off x="10670841" y="7040880"/>
+            <a:off x="10480341" y="7040880"/>
             <a:ext cx="2103120" cy="1463040"/>
           </a:xfrm>
           <a:prstGeom prst="rect">
@@ -5669,7 +5372,7 @@
         </p:nvSpPr>
         <p:spPr>
           <a:xfrm>
-            <a:off x="10698480" y="4572000"/>
+            <a:off x="10507980" y="4572000"/>
             <a:ext cx="2103120" cy="2286000"/>
           </a:xfrm>
           <a:prstGeom prst="rect">
@@ -5760,7 +5463,7 @@
         </p:blipFill>
         <p:spPr>
           <a:xfrm>
-            <a:off x="10698480" y="4572000"/>
+            <a:off x="10507980" y="4572000"/>
             <a:ext cx="274320" cy="274320"/>
           </a:xfrm>
           <a:prstGeom prst="rect">
@@ -5796,7 +5499,7 @@
         </p:blipFill>
         <p:spPr>
           <a:xfrm>
-            <a:off x="10670841" y="7040880"/>
+            <a:off x="10480341" y="7040880"/>
             <a:ext cx="274320" cy="274320"/>
           </a:xfrm>
           <a:prstGeom prst="rect">
@@ -5833,7 +5536,7 @@
         </p:blipFill>
         <p:spPr bwMode="auto">
           <a:xfrm>
-            <a:off x="11521440" y="7498080"/>
+            <a:off x="11330940" y="7498080"/>
             <a:ext cx="457200" cy="457200"/>
           </a:xfrm>
           <a:prstGeom prst="rect">
@@ -5878,8 +5581,8 @@
         </p:nvSpPr>
         <p:spPr>
           <a:xfrm>
-            <a:off x="11203019" y="6312199"/>
-            <a:ext cx="1097280" cy="276999"/>
+            <a:off x="11012519" y="6312199"/>
+            <a:ext cx="1097280" cy="261610"/>
           </a:xfrm>
           <a:prstGeom prst="rect">
             <a:avLst/>
@@ -5894,7 +5597,7 @@
           <a:p>
             <a:pPr algn="ctr" defTabSz="914400"/>
             <a:r>
-              <a:rPr lang="en-US" sz="1200" dirty="0">
+              <a:rPr lang="en-US" sz="1100" dirty="0">
                 <a:solidFill>
                   <a:srgbClr val="232F3D"/>
                 </a:solidFill>
@@ -5922,8 +5625,8 @@
         </p:nvSpPr>
         <p:spPr bwMode="auto">
           <a:xfrm>
-            <a:off x="11202706" y="5396865"/>
-            <a:ext cx="1097280" cy="276999"/>
+            <a:off x="11012206" y="5396865"/>
+            <a:ext cx="1097280" cy="261610"/>
           </a:xfrm>
           <a:prstGeom prst="rect">
             <a:avLst/>
@@ -6057,7 +5760,7 @@
           <a:p>
             <a:pPr algn="ctr" eaLnBrk="1" hangingPunct="1"/>
             <a:r>
-              <a:rPr lang="en-US" altLang="en-US" sz="1200" dirty="0">
+              <a:rPr lang="en-US" altLang="en-US" sz="1100" dirty="0">
                 <a:latin typeface="Arial" panose="020B0604020202020204" pitchFamily="34" charset="0"/>
                 <a:ea typeface="Amazon Ember" panose="020B0603020204020204" pitchFamily="34" charset="0"/>
                 <a:cs typeface="Arial" panose="020B0604020202020204" pitchFamily="34" charset="0"/>
@@ -6096,7 +5799,7 @@
         </p:blipFill>
         <p:spPr bwMode="auto">
           <a:xfrm>
-            <a:off x="11521440" y="4937760"/>
+            <a:off x="11330940" y="4937760"/>
             <a:ext cx="457200" cy="457200"/>
           </a:xfrm>
           <a:prstGeom prst="rect">
@@ -6143,8 +5846,8 @@
         </p:nvSpPr>
         <p:spPr bwMode="auto">
           <a:xfrm>
-            <a:off x="11018617" y="7956317"/>
-            <a:ext cx="1463040" cy="276999"/>
+            <a:off x="10828117" y="7956317"/>
+            <a:ext cx="1463040" cy="261610"/>
           </a:xfrm>
           <a:prstGeom prst="rect">
             <a:avLst/>
@@ -6278,7 +5981,7 @@
           <a:p>
             <a:pPr algn="ctr" eaLnBrk="1" hangingPunct="1"/>
             <a:r>
-              <a:rPr lang="en-US" altLang="en-US" sz="1200" dirty="0">
+              <a:rPr lang="en-US" altLang="en-US" sz="1100" dirty="0">
                 <a:latin typeface="Arial" panose="020B0604020202020204" pitchFamily="34" charset="0"/>
                 <a:ea typeface="Amazon Ember" panose="020B0603020204020204" pitchFamily="34" charset="0"/>
                 <a:cs typeface="Arial" panose="020B0604020202020204" pitchFamily="34" charset="0"/>
@@ -6303,11 +6006,11 @@
           <p:nvPr/>
         </p:nvPicPr>
         <p:blipFill>
-          <a:blip r:embed="rId20">
+          <a:blip r:embed="rId15">
             <a:extLst>
               <a:ext uri="{BEBA8EAE-BF5A-486C-A8C5-ECC9F3942E4B}">
                 <a14:imgProps xmlns:a14="http://schemas.microsoft.com/office/drawing/2010/main">
-                  <a14:imgLayer r:embed="rId21">
+                  <a14:imgLayer r:embed="rId16">
                     <a14:imgEffect>
                       <a14:artisticBlur/>
                     </a14:imgEffect>
@@ -6326,7 +6029,7 @@
         </p:blipFill>
         <p:spPr bwMode="auto">
           <a:xfrm>
-            <a:off x="11521440" y="5852160"/>
+            <a:off x="11330940" y="5852160"/>
             <a:ext cx="457200" cy="457200"/>
           </a:xfrm>
           <a:prstGeom prst="rect">
@@ -6371,8 +6074,8 @@
         </p:nvSpPr>
         <p:spPr>
           <a:xfrm>
-            <a:off x="13258800" y="4023360"/>
-            <a:ext cx="2468880" cy="4937760"/>
+            <a:off x="13068300" y="4023360"/>
+            <a:ext cx="2468880" cy="4815840"/>
           </a:xfrm>
           <a:prstGeom prst="rect">
             <a:avLst/>
@@ -6422,25 +6125,8 @@
                 <a:latin typeface="Arial" panose="020B0604020202020204" pitchFamily="34" charset="0"/>
                 <a:cs typeface="Arial" panose="020B0604020202020204" pitchFamily="34" charset="0"/>
               </a:rPr>
-              <a:t>Availability </a:t>
-            </a:r>
-            <a:r>
-              <a:rPr lang="en-US" sz="1200">
-                <a:solidFill>
-                  <a:srgbClr val="5B9CD5"/>
-                </a:solidFill>
-                <a:latin typeface="Arial" panose="020B0604020202020204" pitchFamily="34" charset="0"/>
-                <a:cs typeface="Arial" panose="020B0604020202020204" pitchFamily="34" charset="0"/>
-              </a:rPr>
-              <a:t>Zone 3</a:t>
-            </a:r>
-            <a:endParaRPr lang="en-US" sz="1200" dirty="0">
-              <a:solidFill>
-                <a:srgbClr val="5B9CD5"/>
-              </a:solidFill>
-              <a:latin typeface="Arial" panose="020B0604020202020204" pitchFamily="34" charset="0"/>
-              <a:cs typeface="Arial" panose="020B0604020202020204" pitchFamily="34" charset="0"/>
-            </a:endParaRPr>
+              <a:t>Availability Zone 3</a:t>
+            </a:r>
           </a:p>
         </p:txBody>
       </p:sp>
@@ -6458,7 +6144,7 @@
         </p:nvSpPr>
         <p:spPr>
           <a:xfrm>
-            <a:off x="13441680" y="4572000"/>
+            <a:off x="13251180" y="4572000"/>
             <a:ext cx="2103120" cy="2286000"/>
           </a:xfrm>
           <a:prstGeom prst="rect">
@@ -6549,7 +6235,7 @@
         </p:blipFill>
         <p:spPr>
           <a:xfrm>
-            <a:off x="13441680" y="4572000"/>
+            <a:off x="13251180" y="4572000"/>
             <a:ext cx="274320" cy="274320"/>
           </a:xfrm>
           <a:prstGeom prst="rect">
@@ -6585,7 +6271,7 @@
         </p:blipFill>
         <p:spPr>
           <a:xfrm>
-            <a:off x="13441680" y="7040880"/>
+            <a:off x="13251180" y="7040880"/>
             <a:ext cx="274320" cy="274320"/>
           </a:xfrm>
           <a:prstGeom prst="rect">
@@ -6622,7 +6308,7 @@
         </p:blipFill>
         <p:spPr bwMode="auto">
           <a:xfrm>
-            <a:off x="14264640" y="7498080"/>
+            <a:off x="14074140" y="7498080"/>
             <a:ext cx="457200" cy="457200"/>
           </a:xfrm>
           <a:prstGeom prst="rect">
@@ -6667,8 +6353,8 @@
         </p:nvSpPr>
         <p:spPr>
           <a:xfrm>
-            <a:off x="13945250" y="6312199"/>
-            <a:ext cx="1097280" cy="276999"/>
+            <a:off x="13754750" y="6312199"/>
+            <a:ext cx="1097280" cy="261610"/>
           </a:xfrm>
           <a:prstGeom prst="rect">
             <a:avLst/>
@@ -6683,7 +6369,7 @@
           <a:p>
             <a:pPr algn="ctr" defTabSz="914400"/>
             <a:r>
-              <a:rPr lang="en-US" sz="1200" dirty="0">
+              <a:rPr lang="en-US" sz="1100" dirty="0">
                 <a:solidFill>
                   <a:srgbClr val="232F3D"/>
                 </a:solidFill>
@@ -6711,8 +6397,8 @@
         </p:nvSpPr>
         <p:spPr bwMode="auto">
           <a:xfrm>
-            <a:off x="13944937" y="5397800"/>
-            <a:ext cx="1097280" cy="276999"/>
+            <a:off x="13754437" y="5397800"/>
+            <a:ext cx="1097280" cy="261610"/>
           </a:xfrm>
           <a:prstGeom prst="rect">
             <a:avLst/>
@@ -6846,7 +6532,7 @@
           <a:p>
             <a:pPr algn="ctr" eaLnBrk="1" hangingPunct="1"/>
             <a:r>
-              <a:rPr lang="en-US" altLang="en-US" sz="1200" dirty="0">
+              <a:rPr lang="en-US" altLang="en-US" sz="1100" dirty="0">
                 <a:latin typeface="Arial" panose="020B0604020202020204" pitchFamily="34" charset="0"/>
                 <a:ea typeface="Amazon Ember" panose="020B0603020204020204" pitchFamily="34" charset="0"/>
                 <a:cs typeface="Arial" panose="020B0604020202020204" pitchFamily="34" charset="0"/>
@@ -6885,7 +6571,7 @@
         </p:blipFill>
         <p:spPr bwMode="auto">
           <a:xfrm>
-            <a:off x="14264640" y="4937760"/>
+            <a:off x="14074140" y="4937760"/>
             <a:ext cx="457200" cy="457200"/>
           </a:xfrm>
           <a:prstGeom prst="rect">
@@ -6932,8 +6618,8 @@
         </p:nvSpPr>
         <p:spPr bwMode="auto">
           <a:xfrm>
-            <a:off x="13762753" y="7956317"/>
-            <a:ext cx="1463040" cy="276999"/>
+            <a:off x="13572253" y="7956317"/>
+            <a:ext cx="1463040" cy="261610"/>
           </a:xfrm>
           <a:prstGeom prst="rect">
             <a:avLst/>
@@ -7067,7 +6753,7 @@
           <a:p>
             <a:pPr algn="ctr" eaLnBrk="1" hangingPunct="1"/>
             <a:r>
-              <a:rPr lang="en-US" altLang="en-US" sz="1200" dirty="0">
+              <a:rPr lang="en-US" altLang="en-US" sz="1100" dirty="0">
                 <a:latin typeface="Arial" panose="020B0604020202020204" pitchFamily="34" charset="0"/>
                 <a:ea typeface="Amazon Ember" panose="020B0603020204020204" pitchFamily="34" charset="0"/>
                 <a:cs typeface="Arial" panose="020B0604020202020204" pitchFamily="34" charset="0"/>
@@ -7083,6 +6769,247 @@
             <a:extLst>
               <a:ext uri="{FF2B5EF4-FFF2-40B4-BE49-F238E27FC236}">
                 <a16:creationId xmlns:a16="http://schemas.microsoft.com/office/drawing/2014/main" id="{B8028ADB-9C6C-4375-8CB1-5A88EC8A3568}"/>
+              </a:ext>
+            </a:extLst>
+          </p:cNvPr>
+          <p:cNvPicPr>
+            <a:picLocks noChangeAspect="1" noChangeArrowheads="1"/>
+          </p:cNvPicPr>
+          <p:nvPr/>
+        </p:nvPicPr>
+        <p:blipFill>
+          <a:blip r:embed="rId15">
+            <a:extLst>
+              <a:ext uri="{BEBA8EAE-BF5A-486C-A8C5-ECC9F3942E4B}">
+                <a14:imgProps xmlns:a14="http://schemas.microsoft.com/office/drawing/2010/main">
+                  <a14:imgLayer r:embed="rId16">
+                    <a14:imgEffect>
+                      <a14:artisticBlur/>
+                    </a14:imgEffect>
+                  </a14:imgLayer>
+                </a14:imgProps>
+              </a:ext>
+              <a:ext uri="{28A0092B-C50C-407E-A947-70E740481C1C}">
+                <a14:useLocalDpi xmlns:a14="http://schemas.microsoft.com/office/drawing/2010/main" val="0"/>
+              </a:ext>
+            </a:extLst>
+          </a:blip>
+          <a:srcRect/>
+          <a:stretch>
+            <a:fillRect/>
+          </a:stretch>
+        </p:blipFill>
+        <p:spPr bwMode="auto">
+          <a:xfrm>
+            <a:off x="14074140" y="5852160"/>
+            <a:ext cx="457200" cy="457200"/>
+          </a:xfrm>
+          <a:prstGeom prst="rect">
+            <a:avLst/>
+          </a:prstGeom>
+          <a:noFill/>
+          <a:ln>
+            <a:noFill/>
+          </a:ln>
+          <a:extLst>
+            <a:ext uri="{909E8E84-426E-40DD-AFC4-6F175D3DCCD1}">
+              <a14:hiddenFill xmlns:a14="http://schemas.microsoft.com/office/drawing/2010/main">
+                <a:solidFill>
+                  <a:srgbClr val="FFFFFF"/>
+                </a:solidFill>
+              </a14:hiddenFill>
+            </a:ext>
+            <a:ext uri="{91240B29-F687-4F45-9708-019B960494DF}">
+              <a14:hiddenLine xmlns:a14="http://schemas.microsoft.com/office/drawing/2010/main" w="9525">
+                <a:solidFill>
+                  <a:srgbClr val="000000"/>
+                </a:solidFill>
+                <a:miter lim="800000"/>
+                <a:headEnd/>
+                <a:tailEnd/>
+              </a14:hiddenLine>
+            </a:ext>
+          </a:extLst>
+        </p:spPr>
+      </p:pic>
+      <p:pic>
+        <p:nvPicPr>
+          <p:cNvPr id="54" name="Graphic 6">
+            <a:extLst>
+              <a:ext uri="{FF2B5EF4-FFF2-40B4-BE49-F238E27FC236}">
+                <a16:creationId xmlns:a16="http://schemas.microsoft.com/office/drawing/2014/main" id="{04775A14-BDC6-49C2-8478-CBB47DE32DD6}"/>
+              </a:ext>
+            </a:extLst>
+          </p:cNvPr>
+          <p:cNvPicPr>
+            <a:picLocks noChangeAspect="1" noChangeArrowheads="1"/>
+          </p:cNvPicPr>
+          <p:nvPr/>
+        </p:nvPicPr>
+        <p:blipFill>
+          <a:blip r:embed="rId17"/>
+          <a:srcRect/>
+          <a:stretch/>
+        </p:blipFill>
+        <p:spPr bwMode="auto">
+          <a:xfrm>
+            <a:off x="7098384" y="9102477"/>
+            <a:ext cx="762000" cy="762000"/>
+          </a:xfrm>
+          <a:prstGeom prst="rect">
+            <a:avLst/>
+          </a:prstGeom>
+          <a:noFill/>
+          <a:ln>
+            <a:noFill/>
+          </a:ln>
+          <a:extLst>
+            <a:ext uri="{909E8E84-426E-40DD-AFC4-6F175D3DCCD1}">
+              <a14:hiddenFill xmlns:a14="http://schemas.microsoft.com/office/drawing/2010/main">
+                <a:solidFill>
+                  <a:srgbClr val="FFFFFF"/>
+                </a:solidFill>
+              </a14:hiddenFill>
+            </a:ext>
+            <a:ext uri="{91240B29-F687-4F45-9708-019B960494DF}">
+              <a14:hiddenLine xmlns:a14="http://schemas.microsoft.com/office/drawing/2010/main" w="9525">
+                <a:solidFill>
+                  <a:srgbClr val="000000"/>
+                </a:solidFill>
+                <a:miter lim="800000"/>
+                <a:headEnd/>
+                <a:tailEnd/>
+              </a14:hiddenLine>
+            </a:ext>
+          </a:extLst>
+        </p:spPr>
+      </p:pic>
+      <p:pic>
+        <p:nvPicPr>
+          <p:cNvPr id="56" name="Graphic 23">
+            <a:extLst>
+              <a:ext uri="{FF2B5EF4-FFF2-40B4-BE49-F238E27FC236}">
+                <a16:creationId xmlns:a16="http://schemas.microsoft.com/office/drawing/2014/main" id="{C6AE94D9-8FC3-4CC3-BEC1-D8868CDAF30B}"/>
+              </a:ext>
+            </a:extLst>
+          </p:cNvPr>
+          <p:cNvPicPr>
+            <a:picLocks noChangeAspect="1" noChangeArrowheads="1"/>
+          </p:cNvPicPr>
+          <p:nvPr/>
+        </p:nvPicPr>
+        <p:blipFill>
+          <a:blip r:embed="rId18">
+            <a:extLst>
+              <a:ext uri="{28A0092B-C50C-407E-A947-70E740481C1C}">
+                <a14:useLocalDpi xmlns:a14="http://schemas.microsoft.com/office/drawing/2010/main" val="0"/>
+              </a:ext>
+            </a:extLst>
+          </a:blip>
+          <a:srcRect/>
+          <a:stretch>
+            <a:fillRect/>
+          </a:stretch>
+        </p:blipFill>
+        <p:spPr bwMode="auto">
+          <a:xfrm>
+            <a:off x="8834083" y="9102477"/>
+            <a:ext cx="762000" cy="762000"/>
+          </a:xfrm>
+          <a:prstGeom prst="rect">
+            <a:avLst/>
+          </a:prstGeom>
+          <a:noFill/>
+          <a:ln>
+            <a:noFill/>
+          </a:ln>
+          <a:extLst>
+            <a:ext uri="{909E8E84-426E-40DD-AFC4-6F175D3DCCD1}">
+              <a14:hiddenFill xmlns:a14="http://schemas.microsoft.com/office/drawing/2010/main">
+                <a:solidFill>
+                  <a:srgbClr val="FFFFFF"/>
+                </a:solidFill>
+              </a14:hiddenFill>
+            </a:ext>
+            <a:ext uri="{91240B29-F687-4F45-9708-019B960494DF}">
+              <a14:hiddenLine xmlns:a14="http://schemas.microsoft.com/office/drawing/2010/main" w="9525">
+                <a:solidFill>
+                  <a:srgbClr val="000000"/>
+                </a:solidFill>
+                <a:miter lim="800000"/>
+                <a:headEnd/>
+                <a:tailEnd/>
+              </a14:hiddenLine>
+            </a:ext>
+          </a:extLst>
+        </p:spPr>
+      </p:pic>
+      <p:pic>
+        <p:nvPicPr>
+          <p:cNvPr id="57" name="Graphic 17">
+            <a:extLst>
+              <a:ext uri="{FF2B5EF4-FFF2-40B4-BE49-F238E27FC236}">
+                <a16:creationId xmlns:a16="http://schemas.microsoft.com/office/drawing/2014/main" id="{0F0098D1-7284-4423-A181-2CFF8FF95B0F}"/>
+              </a:ext>
+            </a:extLst>
+          </p:cNvPr>
+          <p:cNvPicPr>
+            <a:picLocks noChangeAspect="1" noChangeArrowheads="1"/>
+          </p:cNvPicPr>
+          <p:nvPr/>
+        </p:nvPicPr>
+        <p:blipFill>
+          <a:blip r:embed="rId19">
+            <a:extLst>
+              <a:ext uri="{28A0092B-C50C-407E-A947-70E740481C1C}">
+                <a14:useLocalDpi xmlns:a14="http://schemas.microsoft.com/office/drawing/2010/main" val="0"/>
+              </a:ext>
+            </a:extLst>
+          </a:blip>
+          <a:srcRect/>
+          <a:stretch>
+            <a:fillRect/>
+          </a:stretch>
+        </p:blipFill>
+        <p:spPr bwMode="auto">
+          <a:xfrm>
+            <a:off x="10565227" y="9102477"/>
+            <a:ext cx="762000" cy="762000"/>
+          </a:xfrm>
+          <a:prstGeom prst="rect">
+            <a:avLst/>
+          </a:prstGeom>
+          <a:noFill/>
+          <a:ln>
+            <a:noFill/>
+          </a:ln>
+          <a:extLst>
+            <a:ext uri="{909E8E84-426E-40DD-AFC4-6F175D3DCCD1}">
+              <a14:hiddenFill xmlns:a14="http://schemas.microsoft.com/office/drawing/2010/main">
+                <a:solidFill>
+                  <a:srgbClr val="FFFFFF"/>
+                </a:solidFill>
+              </a14:hiddenFill>
+            </a:ext>
+            <a:ext uri="{91240B29-F687-4F45-9708-019B960494DF}">
+              <a14:hiddenLine xmlns:a14="http://schemas.microsoft.com/office/drawing/2010/main" w="9525">
+                <a:solidFill>
+                  <a:srgbClr val="000000"/>
+                </a:solidFill>
+                <a:miter lim="800000"/>
+                <a:headEnd/>
+                <a:tailEnd/>
+              </a14:hiddenLine>
+            </a:ext>
+          </a:extLst>
+        </p:spPr>
+      </p:pic>
+      <p:pic>
+        <p:nvPicPr>
+          <p:cNvPr id="62" name="Graphic 6">
+            <a:extLst>
+              <a:ext uri="{FF2B5EF4-FFF2-40B4-BE49-F238E27FC236}">
+                <a16:creationId xmlns:a16="http://schemas.microsoft.com/office/drawing/2014/main" id="{ECFF1106-CBAA-45E0-9A94-FC620828373A}"/>
               </a:ext>
             </a:extLst>
           </p:cNvPr>
@@ -7094,15 +7021,6 @@
         <p:blipFill>
           <a:blip r:embed="rId20">
             <a:extLst>
-              <a:ext uri="{BEBA8EAE-BF5A-486C-A8C5-ECC9F3942E4B}">
-                <a14:imgProps xmlns:a14="http://schemas.microsoft.com/office/drawing/2010/main">
-                  <a14:imgLayer r:embed="rId21">
-                    <a14:imgEffect>
-                      <a14:artisticBlur/>
-                    </a14:imgEffect>
-                  </a14:imgLayer>
-                </a14:imgProps>
-              </a:ext>
               <a:ext uri="{28A0092B-C50C-407E-A947-70E740481C1C}">
                 <a14:useLocalDpi xmlns:a14="http://schemas.microsoft.com/office/drawing/2010/main" val="0"/>
               </a:ext>
@@ -7115,8 +7033,68 @@
         </p:blipFill>
         <p:spPr bwMode="auto">
           <a:xfrm>
-            <a:off x="14264640" y="5852160"/>
-            <a:ext cx="457200" cy="457200"/>
+            <a:off x="12308563" y="9102477"/>
+            <a:ext cx="762000" cy="762000"/>
+          </a:xfrm>
+          <a:prstGeom prst="rect">
+            <a:avLst/>
+          </a:prstGeom>
+          <a:noFill/>
+          <a:ln>
+            <a:noFill/>
+          </a:ln>
+          <a:extLst>
+            <a:ext uri="{909E8E84-426E-40DD-AFC4-6F175D3DCCD1}">
+              <a14:hiddenFill xmlns:a14="http://schemas.microsoft.com/office/drawing/2010/main">
+                <a:solidFill>
+                  <a:srgbClr val="FFFFFF"/>
+                </a:solidFill>
+              </a14:hiddenFill>
+            </a:ext>
+            <a:ext uri="{91240B29-F687-4F45-9708-019B960494DF}">
+              <a14:hiddenLine xmlns:a14="http://schemas.microsoft.com/office/drawing/2010/main" w="9525">
+                <a:solidFill>
+                  <a:srgbClr val="000000"/>
+                </a:solidFill>
+                <a:miter lim="800000"/>
+                <a:headEnd/>
+                <a:tailEnd/>
+              </a14:hiddenLine>
+            </a:ext>
+          </a:extLst>
+        </p:spPr>
+      </p:pic>
+      <p:pic>
+        <p:nvPicPr>
+          <p:cNvPr id="63" name="Graphic 21">
+            <a:extLst>
+              <a:ext uri="{FF2B5EF4-FFF2-40B4-BE49-F238E27FC236}">
+                <a16:creationId xmlns:a16="http://schemas.microsoft.com/office/drawing/2014/main" id="{42B75D60-C1A5-4DC5-8A46-B143144EAF10}"/>
+              </a:ext>
+            </a:extLst>
+          </p:cNvPr>
+          <p:cNvPicPr>
+            <a:picLocks noChangeAspect="1" noChangeArrowheads="1"/>
+          </p:cNvPicPr>
+          <p:nvPr/>
+        </p:nvPicPr>
+        <p:blipFill>
+          <a:blip r:embed="rId21">
+            <a:extLst>
+              <a:ext uri="{28A0092B-C50C-407E-A947-70E740481C1C}">
+                <a14:useLocalDpi xmlns:a14="http://schemas.microsoft.com/office/drawing/2010/main" val="0"/>
+              </a:ext>
+            </a:extLst>
+          </a:blip>
+          <a:srcRect/>
+          <a:stretch>
+            <a:fillRect/>
+          </a:stretch>
+        </p:blipFill>
+        <p:spPr bwMode="auto">
+          <a:xfrm>
+            <a:off x="14046850" y="9102477"/>
+            <a:ext cx="762000" cy="762000"/>
           </a:xfrm>
           <a:prstGeom prst="rect">
             <a:avLst/>

--- a/doc/eks-architecture-examples/discngine-3decision-architecture-diagram.pptx
+++ b/doc/eks-architecture-examples/discngine-3decision-architecture-diagram.pptx
@@ -243,7 +243,7 @@
           <a:p>
             <a:fld id="{87F3BBB2-E533-43A8-AA78-2DC6FC5FE5A0}" type="datetimeFigureOut">
               <a:rPr lang="en-US" smtClean="0"/>
-              <a:t>9/15/2022</a:t>
+              <a:t>1/31/2023</a:t>
             </a:fld>
             <a:endParaRPr lang="en-US"/>
           </a:p>
@@ -413,7 +413,7 @@
           <a:p>
             <a:fld id="{87F3BBB2-E533-43A8-AA78-2DC6FC5FE5A0}" type="datetimeFigureOut">
               <a:rPr lang="en-US" smtClean="0"/>
-              <a:t>9/15/2022</a:t>
+              <a:t>1/31/2023</a:t>
             </a:fld>
             <a:endParaRPr lang="en-US"/>
           </a:p>
@@ -593,7 +593,7 @@
           <a:p>
             <a:fld id="{87F3BBB2-E533-43A8-AA78-2DC6FC5FE5A0}" type="datetimeFigureOut">
               <a:rPr lang="en-US" smtClean="0"/>
-              <a:t>9/15/2022</a:t>
+              <a:t>1/31/2023</a:t>
             </a:fld>
             <a:endParaRPr lang="en-US"/>
           </a:p>
@@ -763,7 +763,7 @@
           <a:p>
             <a:fld id="{87F3BBB2-E533-43A8-AA78-2DC6FC5FE5A0}" type="datetimeFigureOut">
               <a:rPr lang="en-US" smtClean="0"/>
-              <a:t>9/15/2022</a:t>
+              <a:t>1/31/2023</a:t>
             </a:fld>
             <a:endParaRPr lang="en-US"/>
           </a:p>
@@ -1007,7 +1007,7 @@
           <a:p>
             <a:fld id="{87F3BBB2-E533-43A8-AA78-2DC6FC5FE5A0}" type="datetimeFigureOut">
               <a:rPr lang="en-US" smtClean="0"/>
-              <a:t>9/15/2022</a:t>
+              <a:t>1/31/2023</a:t>
             </a:fld>
             <a:endParaRPr lang="en-US"/>
           </a:p>
@@ -1239,7 +1239,7 @@
           <a:p>
             <a:fld id="{87F3BBB2-E533-43A8-AA78-2DC6FC5FE5A0}" type="datetimeFigureOut">
               <a:rPr lang="en-US" smtClean="0"/>
-              <a:t>9/15/2022</a:t>
+              <a:t>1/31/2023</a:t>
             </a:fld>
             <a:endParaRPr lang="en-US"/>
           </a:p>
@@ -1606,7 +1606,7 @@
           <a:p>
             <a:fld id="{87F3BBB2-E533-43A8-AA78-2DC6FC5FE5A0}" type="datetimeFigureOut">
               <a:rPr lang="en-US" smtClean="0"/>
-              <a:t>9/15/2022</a:t>
+              <a:t>1/31/2023</a:t>
             </a:fld>
             <a:endParaRPr lang="en-US"/>
           </a:p>
@@ -1724,7 +1724,7 @@
           <a:p>
             <a:fld id="{87F3BBB2-E533-43A8-AA78-2DC6FC5FE5A0}" type="datetimeFigureOut">
               <a:rPr lang="en-US" smtClean="0"/>
-              <a:t>9/15/2022</a:t>
+              <a:t>1/31/2023</a:t>
             </a:fld>
             <a:endParaRPr lang="en-US"/>
           </a:p>
@@ -1819,7 +1819,7 @@
           <a:p>
             <a:fld id="{87F3BBB2-E533-43A8-AA78-2DC6FC5FE5A0}" type="datetimeFigureOut">
               <a:rPr lang="en-US" smtClean="0"/>
-              <a:t>9/15/2022</a:t>
+              <a:t>1/31/2023</a:t>
             </a:fld>
             <a:endParaRPr lang="en-US"/>
           </a:p>
@@ -2096,7 +2096,7 @@
           <a:p>
             <a:fld id="{87F3BBB2-E533-43A8-AA78-2DC6FC5FE5A0}" type="datetimeFigureOut">
               <a:rPr lang="en-US" smtClean="0"/>
-              <a:t>9/15/2022</a:t>
+              <a:t>1/31/2023</a:t>
             </a:fld>
             <a:endParaRPr lang="en-US"/>
           </a:p>
@@ -2353,7 +2353,7 @@
           <a:p>
             <a:fld id="{87F3BBB2-E533-43A8-AA78-2DC6FC5FE5A0}" type="datetimeFigureOut">
               <a:rPr lang="en-US" smtClean="0"/>
-              <a:t>9/15/2022</a:t>
+              <a:t>1/31/2023</a:t>
             </a:fld>
             <a:endParaRPr lang="en-US"/>
           </a:p>
@@ -2566,7 +2566,7 @@
           <a:p>
             <a:fld id="{87F3BBB2-E533-43A8-AA78-2DC6FC5FE5A0}" type="datetimeFigureOut">
               <a:rPr lang="en-US" smtClean="0"/>
-              <a:t>9/15/2022</a:t>
+              <a:t>1/31/2023</a:t>
             </a:fld>
             <a:endParaRPr lang="en-US"/>
           </a:p>
@@ -3269,10 +3269,10 @@
       </p:sp>
       <p:sp>
         <p:nvSpPr>
-          <p:cNvPr id="6" name="Rectangle 5">
+          <p:cNvPr id="7" name="Rectangle 6">
             <a:extLst>
               <a:ext uri="{FF2B5EF4-FFF2-40B4-BE49-F238E27FC236}">
-                <a16:creationId xmlns:a16="http://schemas.microsoft.com/office/drawing/2014/main" id="{E224EF4A-F530-439B-8E10-A6186EC36069}"/>
+                <a16:creationId xmlns:a16="http://schemas.microsoft.com/office/drawing/2014/main" id="{5CE804D4-5B67-4F1D-ACB3-17E80D07136F}"/>
               </a:ext>
             </a:extLst>
           </p:cNvPr>
@@ -3281,8 +3281,8 @@
         </p:nvSpPr>
         <p:spPr>
           <a:xfrm>
-            <a:off x="5478779" y="4389120"/>
-            <a:ext cx="10226043" cy="4297680"/>
+            <a:off x="5212080" y="3657600"/>
+            <a:ext cx="10666095" cy="6600825"/>
           </a:xfrm>
           <a:prstGeom prst="rect">
             <a:avLst/>
@@ -3290,7 +3290,7 @@
           <a:noFill/>
           <a:ln w="12700">
             <a:solidFill>
-              <a:srgbClr val="1E8900"/>
+              <a:schemeClr val="tx1"/>
             </a:solidFill>
           </a:ln>
         </p:spPr>
@@ -3325,76 +3325,6 @@
             </a:pPr>
             <a:r>
               <a:rPr lang="en-US" sz="1200" dirty="0">
-                <a:ln w="0"/>
-                <a:solidFill>
-                  <a:srgbClr val="1E8900"/>
-                </a:solidFill>
-                <a:latin typeface="Arial" panose="020B0604020202020204" pitchFamily="34" charset="0"/>
-                <a:cs typeface="Arial" panose="020B0604020202020204" pitchFamily="34" charset="0"/>
-              </a:rPr>
-              <a:t>VPC</a:t>
-            </a:r>
-          </a:p>
-        </p:txBody>
-      </p:sp>
-      <p:sp>
-        <p:nvSpPr>
-          <p:cNvPr id="7" name="Rectangle 6">
-            <a:extLst>
-              <a:ext uri="{FF2B5EF4-FFF2-40B4-BE49-F238E27FC236}">
-                <a16:creationId xmlns:a16="http://schemas.microsoft.com/office/drawing/2014/main" id="{5CE804D4-5B67-4F1D-ACB3-17E80D07136F}"/>
-              </a:ext>
-            </a:extLst>
-          </p:cNvPr>
-          <p:cNvSpPr/>
-          <p:nvPr/>
-        </p:nvSpPr>
-        <p:spPr>
-          <a:xfrm>
-            <a:off x="5212080" y="3657600"/>
-            <a:ext cx="10666095" cy="6600825"/>
-          </a:xfrm>
-          <a:prstGeom prst="rect">
-            <a:avLst/>
-          </a:prstGeom>
-          <a:noFill/>
-          <a:ln w="12700">
-            <a:solidFill>
-              <a:schemeClr val="tx1"/>
-            </a:solidFill>
-          </a:ln>
-        </p:spPr>
-        <p:style>
-          <a:lnRef idx="2">
-            <a:schemeClr val="accent1">
-              <a:shade val="50000"/>
-            </a:schemeClr>
-          </a:lnRef>
-          <a:fillRef idx="1">
-            <a:schemeClr val="accent1"/>
-          </a:fillRef>
-          <a:effectRef idx="0">
-            <a:schemeClr val="accent1"/>
-          </a:effectRef>
-          <a:fontRef idx="minor">
-            <a:schemeClr val="lt1"/>
-          </a:fontRef>
-        </p:style>
-        <p:txBody>
-          <a:bodyPr lIns="502920" tIns="91440"/>
-          <a:lstStyle/>
-          <a:p>
-            <a:pPr eaLnBrk="1" fontAlgn="auto" hangingPunct="1">
-              <a:spcBef>
-                <a:spcPts val="0"/>
-              </a:spcBef>
-              <a:spcAft>
-                <a:spcPts val="0"/>
-              </a:spcAft>
-              <a:defRPr/>
-            </a:pPr>
-            <a:r>
-              <a:rPr lang="en-US" sz="1200" dirty="0">
                 <a:solidFill>
                   <a:sysClr val="windowText" lastClr="000000"/>
                 </a:solidFill>
@@ -3434,42 +3364,6 @@
         <p:spPr>
           <a:xfrm>
             <a:off x="5212080" y="3657600"/>
-            <a:ext cx="381000" cy="381000"/>
-          </a:xfrm>
-          <a:prstGeom prst="rect">
-            <a:avLst/>
-          </a:prstGeom>
-        </p:spPr>
-      </p:pic>
-      <p:pic>
-        <p:nvPicPr>
-          <p:cNvPr id="9" name="Graphic 8">
-            <a:extLst>
-              <a:ext uri="{FF2B5EF4-FFF2-40B4-BE49-F238E27FC236}">
-                <a16:creationId xmlns:a16="http://schemas.microsoft.com/office/drawing/2014/main" id="{00BE814C-5D37-4C59-ABEE-E4B7E26BD5B1}"/>
-              </a:ext>
-            </a:extLst>
-          </p:cNvPr>
-          <p:cNvPicPr>
-            <a:picLocks noChangeAspect="1"/>
-          </p:cNvPicPr>
-          <p:nvPr/>
-        </p:nvPicPr>
-        <p:blipFill>
-          <a:blip r:embed="rId4">
-            <a:extLst>
-              <a:ext uri="{96DAC541-7B7A-43D3-8B79-37D633B846F1}">
-                <asvg:svgBlip xmlns:asvg="http://schemas.microsoft.com/office/drawing/2016/SVG/main" r:embed="rId5"/>
-              </a:ext>
-            </a:extLst>
-          </a:blip>
-          <a:stretch>
-            <a:fillRect/>
-          </a:stretch>
-        </p:blipFill>
-        <p:spPr>
-          <a:xfrm>
-            <a:off x="5478780" y="4389120"/>
             <a:ext cx="381000" cy="381000"/>
           </a:xfrm>
           <a:prstGeom prst="rect">
@@ -3716,10 +3610,10 @@
           <p:nvPr/>
         </p:nvPicPr>
         <p:blipFill>
-          <a:blip r:embed="rId6">
+          <a:blip r:embed="rId4">
             <a:extLst>
               <a:ext uri="{96DAC541-7B7A-43D3-8B79-37D633B846F1}">
-                <asvg:svgBlip xmlns:asvg="http://schemas.microsoft.com/office/drawing/2016/SVG/main" r:embed="rId7"/>
+                <asvg:svgBlip xmlns:asvg="http://schemas.microsoft.com/office/drawing/2016/SVG/main" r:embed="rId5"/>
               </a:ext>
             </a:extLst>
           </a:blip>
@@ -3752,10 +3646,10 @@
           <p:nvPr/>
         </p:nvPicPr>
         <p:blipFill>
-          <a:blip r:embed="rId8">
+          <a:blip r:embed="rId6">
             <a:extLst>
               <a:ext uri="{96DAC541-7B7A-43D3-8B79-37D633B846F1}">
-                <asvg:svgBlip xmlns:asvg="http://schemas.microsoft.com/office/drawing/2016/SVG/main" r:embed="rId9"/>
+                <asvg:svgBlip xmlns:asvg="http://schemas.microsoft.com/office/drawing/2016/SVG/main" r:embed="rId7"/>
               </a:ext>
             </a:extLst>
           </a:blip>
@@ -3788,7 +3682,7 @@
           <p:nvPr/>
         </p:nvPicPr>
         <p:blipFill>
-          <a:blip r:embed="rId10" cstate="print">
+          <a:blip r:embed="rId8" cstate="print">
             <a:extLst>
               <a:ext uri="{28A0092B-C50C-407E-A947-70E740481C1C}">
                 <a14:useLocalDpi xmlns:a14="http://schemas.microsoft.com/office/drawing/2010/main" val="0"/>
@@ -4051,7 +3945,7 @@
           <p:nvPr/>
         </p:nvPicPr>
         <p:blipFill>
-          <a:blip r:embed="rId11" cstate="print">
+          <a:blip r:embed="rId9" cstate="print">
             <a:extLst>
               <a:ext uri="{28A0092B-C50C-407E-A947-70E740481C1C}">
                 <a14:useLocalDpi xmlns:a14="http://schemas.microsoft.com/office/drawing/2010/main" val="0"/>
@@ -5077,7 +4971,7 @@
           <p:nvPr/>
         </p:nvPicPr>
         <p:blipFill>
-          <a:blip r:embed="rId12">
+          <a:blip r:embed="rId10">
             <a:extLst>
               <a:ext uri="{28A0092B-C50C-407E-A947-70E740481C1C}">
                 <a14:useLocalDpi xmlns:a14="http://schemas.microsoft.com/office/drawing/2010/main" val="0"/>
@@ -5137,10 +5031,10 @@
           <p:nvPr/>
         </p:nvPicPr>
         <p:blipFill>
-          <a:blip r:embed="rId13">
+          <a:blip r:embed="rId11">
             <a:extLst>
               <a:ext uri="{96DAC541-7B7A-43D3-8B79-37D633B846F1}">
-                <asvg:svgBlip xmlns:asvg="http://schemas.microsoft.com/office/drawing/2016/SVG/main" r:embed="rId14"/>
+                <asvg:svgBlip xmlns:asvg="http://schemas.microsoft.com/office/drawing/2016/SVG/main" r:embed="rId12"/>
               </a:ext>
             </a:extLst>
           </a:blip>
@@ -5173,10 +5067,10 @@
           <p:nvPr/>
         </p:nvPicPr>
         <p:blipFill>
-          <a:blip r:embed="rId13">
+          <a:blip r:embed="rId11">
             <a:extLst>
               <a:ext uri="{96DAC541-7B7A-43D3-8B79-37D633B846F1}">
-                <asvg:svgBlip xmlns:asvg="http://schemas.microsoft.com/office/drawing/2016/SVG/main" r:embed="rId14"/>
+                <asvg:svgBlip xmlns:asvg="http://schemas.microsoft.com/office/drawing/2016/SVG/main" r:embed="rId12"/>
               </a:ext>
             </a:extLst>
           </a:blip>
@@ -5450,10 +5344,10 @@
           <p:nvPr/>
         </p:nvPicPr>
         <p:blipFill>
-          <a:blip r:embed="rId6">
+          <a:blip r:embed="rId4">
             <a:extLst>
               <a:ext uri="{96DAC541-7B7A-43D3-8B79-37D633B846F1}">
-                <asvg:svgBlip xmlns:asvg="http://schemas.microsoft.com/office/drawing/2016/SVG/main" r:embed="rId7"/>
+                <asvg:svgBlip xmlns:asvg="http://schemas.microsoft.com/office/drawing/2016/SVG/main" r:embed="rId5"/>
               </a:ext>
             </a:extLst>
           </a:blip>
@@ -5486,10 +5380,10 @@
           <p:nvPr/>
         </p:nvPicPr>
         <p:blipFill>
-          <a:blip r:embed="rId8">
+          <a:blip r:embed="rId6">
             <a:extLst>
               <a:ext uri="{96DAC541-7B7A-43D3-8B79-37D633B846F1}">
-                <asvg:svgBlip xmlns:asvg="http://schemas.microsoft.com/office/drawing/2016/SVG/main" r:embed="rId9"/>
+                <asvg:svgBlip xmlns:asvg="http://schemas.microsoft.com/office/drawing/2016/SVG/main" r:embed="rId7"/>
               </a:ext>
             </a:extLst>
           </a:blip>
@@ -5522,7 +5416,7 @@
           <p:nvPr/>
         </p:nvPicPr>
         <p:blipFill>
-          <a:blip r:embed="rId10" cstate="print">
+          <a:blip r:embed="rId8" cstate="print">
             <a:extLst>
               <a:ext uri="{28A0092B-C50C-407E-A947-70E740481C1C}">
                 <a14:useLocalDpi xmlns:a14="http://schemas.microsoft.com/office/drawing/2010/main" val="0"/>
@@ -5785,7 +5679,7 @@
           <p:nvPr/>
         </p:nvPicPr>
         <p:blipFill>
-          <a:blip r:embed="rId11" cstate="print">
+          <a:blip r:embed="rId9" cstate="print">
             <a:extLst>
               <a:ext uri="{28A0092B-C50C-407E-A947-70E740481C1C}">
                 <a14:useLocalDpi xmlns:a14="http://schemas.microsoft.com/office/drawing/2010/main" val="0"/>
@@ -6006,11 +5900,11 @@
           <p:nvPr/>
         </p:nvPicPr>
         <p:blipFill>
-          <a:blip r:embed="rId15">
+          <a:blip r:embed="rId13">
             <a:extLst>
               <a:ext uri="{BEBA8EAE-BF5A-486C-A8C5-ECC9F3942E4B}">
                 <a14:imgProps xmlns:a14="http://schemas.microsoft.com/office/drawing/2010/main">
-                  <a14:imgLayer r:embed="rId16">
+                  <a14:imgLayer r:embed="rId14">
                     <a14:imgEffect>
                       <a14:artisticBlur/>
                     </a14:imgEffect>
@@ -6222,10 +6116,10 @@
           <p:nvPr/>
         </p:nvPicPr>
         <p:blipFill>
-          <a:blip r:embed="rId6">
+          <a:blip r:embed="rId4">
             <a:extLst>
               <a:ext uri="{96DAC541-7B7A-43D3-8B79-37D633B846F1}">
-                <asvg:svgBlip xmlns:asvg="http://schemas.microsoft.com/office/drawing/2016/SVG/main" r:embed="rId7"/>
+                <asvg:svgBlip xmlns:asvg="http://schemas.microsoft.com/office/drawing/2016/SVG/main" r:embed="rId5"/>
               </a:ext>
             </a:extLst>
           </a:blip>
@@ -6258,10 +6152,10 @@
           <p:nvPr/>
         </p:nvPicPr>
         <p:blipFill>
-          <a:blip r:embed="rId8">
+          <a:blip r:embed="rId6">
             <a:extLst>
               <a:ext uri="{96DAC541-7B7A-43D3-8B79-37D633B846F1}">
-                <asvg:svgBlip xmlns:asvg="http://schemas.microsoft.com/office/drawing/2016/SVG/main" r:embed="rId9"/>
+                <asvg:svgBlip xmlns:asvg="http://schemas.microsoft.com/office/drawing/2016/SVG/main" r:embed="rId7"/>
               </a:ext>
             </a:extLst>
           </a:blip>
@@ -6294,7 +6188,7 @@
           <p:nvPr/>
         </p:nvPicPr>
         <p:blipFill>
-          <a:blip r:embed="rId10" cstate="print">
+          <a:blip r:embed="rId8" cstate="print">
             <a:extLst>
               <a:ext uri="{28A0092B-C50C-407E-A947-70E740481C1C}">
                 <a14:useLocalDpi xmlns:a14="http://schemas.microsoft.com/office/drawing/2010/main" val="0"/>
@@ -6557,7 +6451,7 @@
           <p:nvPr/>
         </p:nvPicPr>
         <p:blipFill>
-          <a:blip r:embed="rId11" cstate="print">
+          <a:blip r:embed="rId9" cstate="print">
             <a:extLst>
               <a:ext uri="{28A0092B-C50C-407E-A947-70E740481C1C}">
                 <a14:useLocalDpi xmlns:a14="http://schemas.microsoft.com/office/drawing/2010/main" val="0"/>
@@ -6778,11 +6672,11 @@
           <p:nvPr/>
         </p:nvPicPr>
         <p:blipFill>
-          <a:blip r:embed="rId15">
+          <a:blip r:embed="rId13">
             <a:extLst>
               <a:ext uri="{BEBA8EAE-BF5A-486C-A8C5-ECC9F3942E4B}">
                 <a14:imgProps xmlns:a14="http://schemas.microsoft.com/office/drawing/2010/main">
-                  <a14:imgLayer r:embed="rId16">
+                  <a14:imgLayer r:embed="rId14">
                     <a14:imgEffect>
                       <a14:artisticBlur/>
                     </a14:imgEffect>
@@ -6847,7 +6741,7 @@
           <p:nvPr/>
         </p:nvPicPr>
         <p:blipFill>
-          <a:blip r:embed="rId17"/>
+          <a:blip r:embed="rId15"/>
           <a:srcRect/>
           <a:stretch/>
         </p:blipFill>
@@ -6890,6 +6784,126 @@
             <a:extLst>
               <a:ext uri="{FF2B5EF4-FFF2-40B4-BE49-F238E27FC236}">
                 <a16:creationId xmlns:a16="http://schemas.microsoft.com/office/drawing/2014/main" id="{C6AE94D9-8FC3-4CC3-BEC1-D8868CDAF30B}"/>
+              </a:ext>
+            </a:extLst>
+          </p:cNvPr>
+          <p:cNvPicPr>
+            <a:picLocks noChangeAspect="1" noChangeArrowheads="1"/>
+          </p:cNvPicPr>
+          <p:nvPr/>
+        </p:nvPicPr>
+        <p:blipFill>
+          <a:blip r:embed="rId16">
+            <a:extLst>
+              <a:ext uri="{28A0092B-C50C-407E-A947-70E740481C1C}">
+                <a14:useLocalDpi xmlns:a14="http://schemas.microsoft.com/office/drawing/2010/main" val="0"/>
+              </a:ext>
+            </a:extLst>
+          </a:blip>
+          <a:srcRect/>
+          <a:stretch>
+            <a:fillRect/>
+          </a:stretch>
+        </p:blipFill>
+        <p:spPr bwMode="auto">
+          <a:xfrm>
+            <a:off x="8834083" y="9102477"/>
+            <a:ext cx="762000" cy="762000"/>
+          </a:xfrm>
+          <a:prstGeom prst="rect">
+            <a:avLst/>
+          </a:prstGeom>
+          <a:noFill/>
+          <a:ln>
+            <a:noFill/>
+          </a:ln>
+          <a:extLst>
+            <a:ext uri="{909E8E84-426E-40DD-AFC4-6F175D3DCCD1}">
+              <a14:hiddenFill xmlns:a14="http://schemas.microsoft.com/office/drawing/2010/main">
+                <a:solidFill>
+                  <a:srgbClr val="FFFFFF"/>
+                </a:solidFill>
+              </a14:hiddenFill>
+            </a:ext>
+            <a:ext uri="{91240B29-F687-4F45-9708-019B960494DF}">
+              <a14:hiddenLine xmlns:a14="http://schemas.microsoft.com/office/drawing/2010/main" w="9525">
+                <a:solidFill>
+                  <a:srgbClr val="000000"/>
+                </a:solidFill>
+                <a:miter lim="800000"/>
+                <a:headEnd/>
+                <a:tailEnd/>
+              </a14:hiddenLine>
+            </a:ext>
+          </a:extLst>
+        </p:spPr>
+      </p:pic>
+      <p:pic>
+        <p:nvPicPr>
+          <p:cNvPr id="57" name="Graphic 17">
+            <a:extLst>
+              <a:ext uri="{FF2B5EF4-FFF2-40B4-BE49-F238E27FC236}">
+                <a16:creationId xmlns:a16="http://schemas.microsoft.com/office/drawing/2014/main" id="{0F0098D1-7284-4423-A181-2CFF8FF95B0F}"/>
+              </a:ext>
+            </a:extLst>
+          </p:cNvPr>
+          <p:cNvPicPr>
+            <a:picLocks noChangeAspect="1" noChangeArrowheads="1"/>
+          </p:cNvPicPr>
+          <p:nvPr/>
+        </p:nvPicPr>
+        <p:blipFill>
+          <a:blip r:embed="rId17">
+            <a:extLst>
+              <a:ext uri="{28A0092B-C50C-407E-A947-70E740481C1C}">
+                <a14:useLocalDpi xmlns:a14="http://schemas.microsoft.com/office/drawing/2010/main" val="0"/>
+              </a:ext>
+            </a:extLst>
+          </a:blip>
+          <a:srcRect/>
+          <a:stretch>
+            <a:fillRect/>
+          </a:stretch>
+        </p:blipFill>
+        <p:spPr bwMode="auto">
+          <a:xfrm>
+            <a:off x="10565227" y="9102477"/>
+            <a:ext cx="762000" cy="762000"/>
+          </a:xfrm>
+          <a:prstGeom prst="rect">
+            <a:avLst/>
+          </a:prstGeom>
+          <a:noFill/>
+          <a:ln>
+            <a:noFill/>
+          </a:ln>
+          <a:extLst>
+            <a:ext uri="{909E8E84-426E-40DD-AFC4-6F175D3DCCD1}">
+              <a14:hiddenFill xmlns:a14="http://schemas.microsoft.com/office/drawing/2010/main">
+                <a:solidFill>
+                  <a:srgbClr val="FFFFFF"/>
+                </a:solidFill>
+              </a14:hiddenFill>
+            </a:ext>
+            <a:ext uri="{91240B29-F687-4F45-9708-019B960494DF}">
+              <a14:hiddenLine xmlns:a14="http://schemas.microsoft.com/office/drawing/2010/main" w="9525">
+                <a:solidFill>
+                  <a:srgbClr val="000000"/>
+                </a:solidFill>
+                <a:miter lim="800000"/>
+                <a:headEnd/>
+                <a:tailEnd/>
+              </a14:hiddenLine>
+            </a:ext>
+          </a:extLst>
+        </p:spPr>
+      </p:pic>
+      <p:pic>
+        <p:nvPicPr>
+          <p:cNvPr id="62" name="Graphic 6">
+            <a:extLst>
+              <a:ext uri="{FF2B5EF4-FFF2-40B4-BE49-F238E27FC236}">
+                <a16:creationId xmlns:a16="http://schemas.microsoft.com/office/drawing/2014/main" id="{ECFF1106-CBAA-45E0-9A94-FC620828373A}"/>
               </a:ext>
             </a:extLst>
           </p:cNvPr>
@@ -6913,7 +6927,7 @@
         </p:blipFill>
         <p:spPr bwMode="auto">
           <a:xfrm>
-            <a:off x="8834083" y="9102477"/>
+            <a:off x="12308563" y="9102477"/>
             <a:ext cx="762000" cy="762000"/>
           </a:xfrm>
           <a:prstGeom prst="rect">
@@ -6946,10 +6960,10 @@
       </p:pic>
       <p:pic>
         <p:nvPicPr>
-          <p:cNvPr id="57" name="Graphic 17">
+          <p:cNvPr id="63" name="Graphic 21">
             <a:extLst>
               <a:ext uri="{FF2B5EF4-FFF2-40B4-BE49-F238E27FC236}">
-                <a16:creationId xmlns:a16="http://schemas.microsoft.com/office/drawing/2014/main" id="{0F0098D1-7284-4423-A181-2CFF8FF95B0F}"/>
+                <a16:creationId xmlns:a16="http://schemas.microsoft.com/office/drawing/2014/main" id="{42B75D60-C1A5-4DC5-8A46-B143144EAF10}"/>
               </a:ext>
             </a:extLst>
           </p:cNvPr>
@@ -6973,7 +6987,7 @@
         </p:blipFill>
         <p:spPr bwMode="auto">
           <a:xfrm>
-            <a:off x="10565227" y="9102477"/>
+            <a:off x="14046850" y="9102477"/>
             <a:ext cx="762000" cy="762000"/>
           </a:xfrm>
           <a:prstGeom prst="rect">
@@ -7004,124 +7018,109 @@
           </a:extLst>
         </p:spPr>
       </p:pic>
+      <p:sp>
+        <p:nvSpPr>
+          <p:cNvPr id="65" name="Rectangle 64">
+            <a:extLst>
+              <a:ext uri="{FF2B5EF4-FFF2-40B4-BE49-F238E27FC236}">
+                <a16:creationId xmlns:a16="http://schemas.microsoft.com/office/drawing/2014/main" id="{7B46BFA1-FFEF-4CD7-89B2-9C3BD0BD10E3}"/>
+              </a:ext>
+            </a:extLst>
+          </p:cNvPr>
+          <p:cNvSpPr/>
+          <p:nvPr/>
+        </p:nvSpPr>
+        <p:spPr bwMode="auto">
+          <a:xfrm>
+            <a:off x="5478778" y="4383072"/>
+            <a:ext cx="10226042" cy="4297680"/>
+          </a:xfrm>
+          <a:prstGeom prst="rect">
+            <a:avLst/>
+          </a:prstGeom>
+          <a:noFill/>
+          <a:ln w="12700">
+            <a:solidFill>
+              <a:srgbClr val="693BC5"/>
+            </a:solidFill>
+          </a:ln>
+        </p:spPr>
+        <p:style>
+          <a:lnRef idx="2">
+            <a:schemeClr val="accent1">
+              <a:shade val="50000"/>
+            </a:schemeClr>
+          </a:lnRef>
+          <a:fillRef idx="1">
+            <a:schemeClr val="accent1"/>
+          </a:fillRef>
+          <a:effectRef idx="0">
+            <a:schemeClr val="accent1"/>
+          </a:effectRef>
+          <a:fontRef idx="minor">
+            <a:schemeClr val="lt1"/>
+          </a:fontRef>
+        </p:style>
+        <p:txBody>
+          <a:bodyPr lIns="502920" tIns="91440"/>
+          <a:lstStyle/>
+          <a:p>
+            <a:pPr eaLnBrk="1" fontAlgn="auto" hangingPunct="1">
+              <a:spcBef>
+                <a:spcPts val="0"/>
+              </a:spcBef>
+              <a:spcAft>
+                <a:spcPts val="0"/>
+              </a:spcAft>
+              <a:defRPr/>
+            </a:pPr>
+            <a:r>
+              <a:rPr lang="en-US" sz="1200" dirty="0">
+                <a:ln w="0"/>
+                <a:solidFill>
+                  <a:srgbClr val="693BC5"/>
+                </a:solidFill>
+                <a:latin typeface="Arial" panose="020B0604020202020204" pitchFamily="34" charset="0"/>
+                <a:cs typeface="Arial" panose="020B0604020202020204" pitchFamily="34" charset="0"/>
+              </a:rPr>
+              <a:t>VPC</a:t>
+            </a:r>
+          </a:p>
+        </p:txBody>
+      </p:sp>
       <p:pic>
         <p:nvPicPr>
-          <p:cNvPr id="62" name="Graphic 6">
+          <p:cNvPr id="66" name="Graphic 65">
             <a:extLst>
               <a:ext uri="{FF2B5EF4-FFF2-40B4-BE49-F238E27FC236}">
-                <a16:creationId xmlns:a16="http://schemas.microsoft.com/office/drawing/2014/main" id="{ECFF1106-CBAA-45E0-9A94-FC620828373A}"/>
+                <a16:creationId xmlns:a16="http://schemas.microsoft.com/office/drawing/2014/main" id="{4DCC58C8-D301-4020-BA64-FF92329D4A56}"/>
               </a:ext>
             </a:extLst>
           </p:cNvPr>
           <p:cNvPicPr>
-            <a:picLocks noChangeAspect="1" noChangeArrowheads="1"/>
+            <a:picLocks noChangeAspect="1"/>
           </p:cNvPicPr>
           <p:nvPr/>
         </p:nvPicPr>
         <p:blipFill>
           <a:blip r:embed="rId20">
             <a:extLst>
-              <a:ext uri="{28A0092B-C50C-407E-A947-70E740481C1C}">
-                <a14:useLocalDpi xmlns:a14="http://schemas.microsoft.com/office/drawing/2010/main" val="0"/>
+              <a:ext uri="{96DAC541-7B7A-43D3-8B79-37D633B846F1}">
+                <asvg:svgBlip xmlns:asvg="http://schemas.microsoft.com/office/drawing/2016/SVG/main" r:embed="rId21"/>
               </a:ext>
             </a:extLst>
           </a:blip>
           <a:srcRect/>
-          <a:stretch>
-            <a:fillRect/>
-          </a:stretch>
+          <a:stretch/>
         </p:blipFill>
-        <p:spPr bwMode="auto">
-          <a:xfrm>
-            <a:off x="12308563" y="9102477"/>
-            <a:ext cx="762000" cy="762000"/>
+        <p:spPr>
+          <a:xfrm>
+            <a:off x="5480366" y="4383072"/>
+            <a:ext cx="381000" cy="381000"/>
           </a:xfrm>
           <a:prstGeom prst="rect">
             <a:avLst/>
           </a:prstGeom>
-          <a:noFill/>
-          <a:ln>
-            <a:noFill/>
-          </a:ln>
-          <a:extLst>
-            <a:ext uri="{909E8E84-426E-40DD-AFC4-6F175D3DCCD1}">
-              <a14:hiddenFill xmlns:a14="http://schemas.microsoft.com/office/drawing/2010/main">
-                <a:solidFill>
-                  <a:srgbClr val="FFFFFF"/>
-                </a:solidFill>
-              </a14:hiddenFill>
-            </a:ext>
-            <a:ext uri="{91240B29-F687-4F45-9708-019B960494DF}">
-              <a14:hiddenLine xmlns:a14="http://schemas.microsoft.com/office/drawing/2010/main" w="9525">
-                <a:solidFill>
-                  <a:srgbClr val="000000"/>
-                </a:solidFill>
-                <a:miter lim="800000"/>
-                <a:headEnd/>
-                <a:tailEnd/>
-              </a14:hiddenLine>
-            </a:ext>
-          </a:extLst>
-        </p:spPr>
-      </p:pic>
-      <p:pic>
-        <p:nvPicPr>
-          <p:cNvPr id="63" name="Graphic 21">
-            <a:extLst>
-              <a:ext uri="{FF2B5EF4-FFF2-40B4-BE49-F238E27FC236}">
-                <a16:creationId xmlns:a16="http://schemas.microsoft.com/office/drawing/2014/main" id="{42B75D60-C1A5-4DC5-8A46-B143144EAF10}"/>
-              </a:ext>
-            </a:extLst>
-          </p:cNvPr>
-          <p:cNvPicPr>
-            <a:picLocks noChangeAspect="1" noChangeArrowheads="1"/>
-          </p:cNvPicPr>
-          <p:nvPr/>
-        </p:nvPicPr>
-        <p:blipFill>
-          <a:blip r:embed="rId21">
-            <a:extLst>
-              <a:ext uri="{28A0092B-C50C-407E-A947-70E740481C1C}">
-                <a14:useLocalDpi xmlns:a14="http://schemas.microsoft.com/office/drawing/2010/main" val="0"/>
-              </a:ext>
-            </a:extLst>
-          </a:blip>
-          <a:srcRect/>
-          <a:stretch>
-            <a:fillRect/>
-          </a:stretch>
-        </p:blipFill>
-        <p:spPr bwMode="auto">
-          <a:xfrm>
-            <a:off x="14046850" y="9102477"/>
-            <a:ext cx="762000" cy="762000"/>
-          </a:xfrm>
-          <a:prstGeom prst="rect">
-            <a:avLst/>
-          </a:prstGeom>
-          <a:noFill/>
-          <a:ln>
-            <a:noFill/>
-          </a:ln>
-          <a:extLst>
-            <a:ext uri="{909E8E84-426E-40DD-AFC4-6F175D3DCCD1}">
-              <a14:hiddenFill xmlns:a14="http://schemas.microsoft.com/office/drawing/2010/main">
-                <a:solidFill>
-                  <a:srgbClr val="FFFFFF"/>
-                </a:solidFill>
-              </a14:hiddenFill>
-            </a:ext>
-            <a:ext uri="{91240B29-F687-4F45-9708-019B960494DF}">
-              <a14:hiddenLine xmlns:a14="http://schemas.microsoft.com/office/drawing/2010/main" w="9525">
-                <a:solidFill>
-                  <a:srgbClr val="000000"/>
-                </a:solidFill>
-                <a:miter lim="800000"/>
-                <a:headEnd/>
-                <a:tailEnd/>
-              </a14:hiddenLine>
-            </a:ext>
-          </a:extLst>
         </p:spPr>
       </p:pic>
     </p:spTree>

--- a/doc/eks-architecture-examples/discngine-3decision-architecture-diagram.pptx
+++ b/doc/eks-architecture-examples/discngine-3decision-architecture-diagram.pptx
@@ -243,7 +243,7 @@
           <a:p>
             <a:fld id="{87F3BBB2-E533-43A8-AA78-2DC6FC5FE5A0}" type="datetimeFigureOut">
               <a:rPr lang="en-US" smtClean="0"/>
-              <a:t>1/31/2023</a:t>
+              <a:t>2/9/2023</a:t>
             </a:fld>
             <a:endParaRPr lang="en-US"/>
           </a:p>
@@ -413,7 +413,7 @@
           <a:p>
             <a:fld id="{87F3BBB2-E533-43A8-AA78-2DC6FC5FE5A0}" type="datetimeFigureOut">
               <a:rPr lang="en-US" smtClean="0"/>
-              <a:t>1/31/2023</a:t>
+              <a:t>2/9/2023</a:t>
             </a:fld>
             <a:endParaRPr lang="en-US"/>
           </a:p>
@@ -593,7 +593,7 @@
           <a:p>
             <a:fld id="{87F3BBB2-E533-43A8-AA78-2DC6FC5FE5A0}" type="datetimeFigureOut">
               <a:rPr lang="en-US" smtClean="0"/>
-              <a:t>1/31/2023</a:t>
+              <a:t>2/9/2023</a:t>
             </a:fld>
             <a:endParaRPr lang="en-US"/>
           </a:p>
@@ -763,7 +763,7 @@
           <a:p>
             <a:fld id="{87F3BBB2-E533-43A8-AA78-2DC6FC5FE5A0}" type="datetimeFigureOut">
               <a:rPr lang="en-US" smtClean="0"/>
-              <a:t>1/31/2023</a:t>
+              <a:t>2/9/2023</a:t>
             </a:fld>
             <a:endParaRPr lang="en-US"/>
           </a:p>
@@ -1007,7 +1007,7 @@
           <a:p>
             <a:fld id="{87F3BBB2-E533-43A8-AA78-2DC6FC5FE5A0}" type="datetimeFigureOut">
               <a:rPr lang="en-US" smtClean="0"/>
-              <a:t>1/31/2023</a:t>
+              <a:t>2/9/2023</a:t>
             </a:fld>
             <a:endParaRPr lang="en-US"/>
           </a:p>
@@ -1239,7 +1239,7 @@
           <a:p>
             <a:fld id="{87F3BBB2-E533-43A8-AA78-2DC6FC5FE5A0}" type="datetimeFigureOut">
               <a:rPr lang="en-US" smtClean="0"/>
-              <a:t>1/31/2023</a:t>
+              <a:t>2/9/2023</a:t>
             </a:fld>
             <a:endParaRPr lang="en-US"/>
           </a:p>
@@ -1606,7 +1606,7 @@
           <a:p>
             <a:fld id="{87F3BBB2-E533-43A8-AA78-2DC6FC5FE5A0}" type="datetimeFigureOut">
               <a:rPr lang="en-US" smtClean="0"/>
-              <a:t>1/31/2023</a:t>
+              <a:t>2/9/2023</a:t>
             </a:fld>
             <a:endParaRPr lang="en-US"/>
           </a:p>
@@ -1724,7 +1724,7 @@
           <a:p>
             <a:fld id="{87F3BBB2-E533-43A8-AA78-2DC6FC5FE5A0}" type="datetimeFigureOut">
               <a:rPr lang="en-US" smtClean="0"/>
-              <a:t>1/31/2023</a:t>
+              <a:t>2/9/2023</a:t>
             </a:fld>
             <a:endParaRPr lang="en-US"/>
           </a:p>
@@ -1819,7 +1819,7 @@
           <a:p>
             <a:fld id="{87F3BBB2-E533-43A8-AA78-2DC6FC5FE5A0}" type="datetimeFigureOut">
               <a:rPr lang="en-US" smtClean="0"/>
-              <a:t>1/31/2023</a:t>
+              <a:t>2/9/2023</a:t>
             </a:fld>
             <a:endParaRPr lang="en-US"/>
           </a:p>
@@ -2096,7 +2096,7 @@
           <a:p>
             <a:fld id="{87F3BBB2-E533-43A8-AA78-2DC6FC5FE5A0}" type="datetimeFigureOut">
               <a:rPr lang="en-US" smtClean="0"/>
-              <a:t>1/31/2023</a:t>
+              <a:t>2/9/2023</a:t>
             </a:fld>
             <a:endParaRPr lang="en-US"/>
           </a:p>
@@ -2353,7 +2353,7 @@
           <a:p>
             <a:fld id="{87F3BBB2-E533-43A8-AA78-2DC6FC5FE5A0}" type="datetimeFigureOut">
               <a:rPr lang="en-US" smtClean="0"/>
-              <a:t>1/31/2023</a:t>
+              <a:t>2/9/2023</a:t>
             </a:fld>
             <a:endParaRPr lang="en-US"/>
           </a:p>
@@ -2566,7 +2566,7 @@
           <a:p>
             <a:fld id="{87F3BBB2-E533-43A8-AA78-2DC6FC5FE5A0}" type="datetimeFigureOut">
               <a:rPr lang="en-US" smtClean="0"/>
-              <a:t>1/31/2023</a:t>
+              <a:t>2/9/2023</a:t>
             </a:fld>
             <a:endParaRPr lang="en-US"/>
           </a:p>
@@ -2973,10 +2973,10 @@
       </p:grpSpPr>
       <p:sp>
         <p:nvSpPr>
-          <p:cNvPr id="96" name="Rectangle 95">
+          <p:cNvPr id="67" name="Rectangle 66">
             <a:extLst>
               <a:ext uri="{FF2B5EF4-FFF2-40B4-BE49-F238E27FC236}">
-                <a16:creationId xmlns:a16="http://schemas.microsoft.com/office/drawing/2014/main" id="{DFACEE11-2F7D-4BC8-A2AB-946F5C7A3CA3}"/>
+                <a16:creationId xmlns:a16="http://schemas.microsoft.com/office/drawing/2014/main" id="{A780B0EF-0419-4857-97F0-EBA51E876D06}"/>
               </a:ext>
             </a:extLst>
           </p:cNvPr>
@@ -2985,8 +2985,8 @@
         </p:nvSpPr>
         <p:spPr>
           <a:xfrm>
-            <a:off x="13251180" y="7040880"/>
-            <a:ext cx="2103120" cy="1463040"/>
+            <a:off x="6547425" y="7019592"/>
+            <a:ext cx="2075481" cy="1463040"/>
           </a:xfrm>
           <a:prstGeom prst="rect">
             <a:avLst/>
@@ -2996,83 +2996,8 @@
               <a:alpha val="9804"/>
             </a:srgbClr>
           </a:solidFill>
-          <a:ln w="12700" cap="flat" cmpd="sng" algn="ctr">
+          <a:ln w="12700">
             <a:noFill/>
-            <a:prstDash val="dash"/>
-            <a:miter lim="800000"/>
-          </a:ln>
-          <a:effectLst/>
-        </p:spPr>
-        <p:txBody>
-          <a:bodyPr rot="0" spcFirstLastPara="0" vertOverflow="overflow" horzOverflow="overflow" vert="horz" wrap="square" lIns="338328" tIns="45720" rIns="91440" bIns="45720" numCol="1" spcCol="0" rtlCol="0" fromWordArt="0" anchor="t" anchorCtr="0" forceAA="0" compatLnSpc="1">
-            <a:prstTxWarp prst="textNoShape">
-              <a:avLst/>
-            </a:prstTxWarp>
-            <a:noAutofit/>
-          </a:bodyPr>
-          <a:lstStyle/>
-          <a:p>
-            <a:pPr marL="0" marR="0" lvl="0" indent="0" defTabSz="914400" eaLnBrk="1" fontAlgn="auto" latinLnBrk="0" hangingPunct="1">
-              <a:lnSpc>
-                <a:spcPct val="100000"/>
-              </a:lnSpc>
-              <a:spcBef>
-                <a:spcPts val="0"/>
-              </a:spcBef>
-              <a:spcAft>
-                <a:spcPts val="0"/>
-              </a:spcAft>
-              <a:buClrTx/>
-              <a:buSzTx/>
-              <a:buFontTx/>
-              <a:buNone/>
-              <a:tabLst/>
-              <a:defRPr/>
-            </a:pPr>
-            <a:r>
-              <a:rPr kumimoji="0" lang="en-US" sz="1200" b="0" i="0" u="none" strike="noStrike" kern="0" cap="none" spc="0" normalizeH="0" baseline="0" noProof="0" dirty="0">
-                <a:ln>
-                  <a:noFill/>
-                </a:ln>
-                <a:solidFill>
-                  <a:srgbClr val="007CBC"/>
-                </a:solidFill>
-                <a:effectLst/>
-                <a:uLnTx/>
-                <a:uFillTx/>
-                <a:latin typeface="Arial" panose="020B0604020202020204" pitchFamily="34" charset="0"/>
-                <a:cs typeface="Arial" panose="020B0604020202020204" pitchFamily="34" charset="0"/>
-              </a:rPr>
-              <a:t>Private subnet</a:t>
-            </a:r>
-          </a:p>
-        </p:txBody>
-      </p:sp>
-      <p:sp>
-        <p:nvSpPr>
-          <p:cNvPr id="60" name="Rectangle 59">
-            <a:extLst>
-              <a:ext uri="{FF2B5EF4-FFF2-40B4-BE49-F238E27FC236}">
-                <a16:creationId xmlns:a16="http://schemas.microsoft.com/office/drawing/2014/main" id="{16313980-912B-4B66-B892-A8136BB74A82}"/>
-              </a:ext>
-            </a:extLst>
-          </p:cNvPr>
-          <p:cNvSpPr/>
-          <p:nvPr/>
-        </p:nvSpPr>
-        <p:spPr>
-          <a:xfrm>
-            <a:off x="6850380" y="7406640"/>
-            <a:ext cx="8229600" cy="914400"/>
-          </a:xfrm>
-          <a:prstGeom prst="rect">
-            <a:avLst/>
-          </a:prstGeom>
-          <a:noFill/>
-          <a:ln w="12700">
-            <a:solidFill>
-              <a:srgbClr val="D86613"/>
-            </a:solidFill>
             <a:prstDash val="dash"/>
           </a:ln>
         </p:spPr>
@@ -3093,6 +3018,328 @@
           </a:fontRef>
         </p:style>
         <p:txBody>
+          <a:bodyPr lIns="502920"/>
+          <a:lstStyle/>
+          <a:p>
+            <a:pPr eaLnBrk="1" fontAlgn="auto" hangingPunct="1">
+              <a:spcBef>
+                <a:spcPts val="0"/>
+              </a:spcBef>
+              <a:spcAft>
+                <a:spcPts val="0"/>
+              </a:spcAft>
+              <a:defRPr/>
+            </a:pPr>
+            <a:r>
+              <a:rPr lang="en-US" sz="1200" dirty="0">
+                <a:solidFill>
+                  <a:srgbClr val="5B9CD5"/>
+                </a:solidFill>
+                <a:latin typeface="Arial" panose="020B0604020202020204" pitchFamily="34" charset="0"/>
+                <a:cs typeface="Arial" panose="020B0604020202020204" pitchFamily="34" charset="0"/>
+              </a:rPr>
+              <a:t>Private subnet</a:t>
+            </a:r>
+          </a:p>
+        </p:txBody>
+      </p:sp>
+      <p:pic>
+        <p:nvPicPr>
+          <p:cNvPr id="68" name="Graphic 67">
+            <a:extLst>
+              <a:ext uri="{FF2B5EF4-FFF2-40B4-BE49-F238E27FC236}">
+                <a16:creationId xmlns:a16="http://schemas.microsoft.com/office/drawing/2014/main" id="{C75C7DC0-1DFB-4571-84D1-0709F7AF8FCF}"/>
+              </a:ext>
+            </a:extLst>
+          </p:cNvPr>
+          <p:cNvPicPr>
+            <a:picLocks noChangeAspect="1"/>
+          </p:cNvPicPr>
+          <p:nvPr/>
+        </p:nvPicPr>
+        <p:blipFill>
+          <a:blip r:embed="rId2">
+            <a:extLst>
+              <a:ext uri="{96DAC541-7B7A-43D3-8B79-37D633B846F1}">
+                <asvg:svgBlip xmlns:asvg="http://schemas.microsoft.com/office/drawing/2016/SVG/main" r:embed="rId3"/>
+              </a:ext>
+            </a:extLst>
+          </a:blip>
+          <a:stretch>
+            <a:fillRect/>
+          </a:stretch>
+        </p:blipFill>
+        <p:spPr>
+          <a:xfrm>
+            <a:off x="6547425" y="7009148"/>
+            <a:ext cx="381000" cy="381000"/>
+          </a:xfrm>
+          <a:prstGeom prst="rect">
+            <a:avLst/>
+          </a:prstGeom>
+        </p:spPr>
+      </p:pic>
+      <p:sp>
+        <p:nvSpPr>
+          <p:cNvPr id="69" name="Rectangle 68">
+            <a:extLst>
+              <a:ext uri="{FF2B5EF4-FFF2-40B4-BE49-F238E27FC236}">
+                <a16:creationId xmlns:a16="http://schemas.microsoft.com/office/drawing/2014/main" id="{C3F5568A-2B49-43FB-BB1F-E220BD86322B}"/>
+              </a:ext>
+            </a:extLst>
+          </p:cNvPr>
+          <p:cNvSpPr/>
+          <p:nvPr/>
+        </p:nvSpPr>
+        <p:spPr>
+          <a:xfrm>
+            <a:off x="10507979" y="7019592"/>
+            <a:ext cx="2075481" cy="1463040"/>
+          </a:xfrm>
+          <a:prstGeom prst="rect">
+            <a:avLst/>
+          </a:prstGeom>
+          <a:solidFill>
+            <a:srgbClr val="007CBC">
+              <a:alpha val="9804"/>
+            </a:srgbClr>
+          </a:solidFill>
+          <a:ln w="12700">
+            <a:noFill/>
+            <a:prstDash val="dash"/>
+          </a:ln>
+        </p:spPr>
+        <p:style>
+          <a:lnRef idx="2">
+            <a:schemeClr val="accent1">
+              <a:shade val="50000"/>
+            </a:schemeClr>
+          </a:lnRef>
+          <a:fillRef idx="1">
+            <a:schemeClr val="accent1"/>
+          </a:fillRef>
+          <a:effectRef idx="0">
+            <a:schemeClr val="accent1"/>
+          </a:effectRef>
+          <a:fontRef idx="minor">
+            <a:schemeClr val="lt1"/>
+          </a:fontRef>
+        </p:style>
+        <p:txBody>
+          <a:bodyPr lIns="502920"/>
+          <a:lstStyle/>
+          <a:p>
+            <a:pPr eaLnBrk="1" fontAlgn="auto" hangingPunct="1">
+              <a:spcBef>
+                <a:spcPts val="0"/>
+              </a:spcBef>
+              <a:spcAft>
+                <a:spcPts val="0"/>
+              </a:spcAft>
+              <a:defRPr/>
+            </a:pPr>
+            <a:r>
+              <a:rPr lang="en-US" sz="1200" dirty="0">
+                <a:solidFill>
+                  <a:srgbClr val="5B9CD5"/>
+                </a:solidFill>
+                <a:latin typeface="Arial" panose="020B0604020202020204" pitchFamily="34" charset="0"/>
+                <a:cs typeface="Arial" panose="020B0604020202020204" pitchFamily="34" charset="0"/>
+              </a:rPr>
+              <a:t>Private subnet</a:t>
+            </a:r>
+          </a:p>
+        </p:txBody>
+      </p:sp>
+      <p:pic>
+        <p:nvPicPr>
+          <p:cNvPr id="70" name="Graphic 69">
+            <a:extLst>
+              <a:ext uri="{FF2B5EF4-FFF2-40B4-BE49-F238E27FC236}">
+                <a16:creationId xmlns:a16="http://schemas.microsoft.com/office/drawing/2014/main" id="{EC9F2B48-47F0-4045-9BF2-5BD758C28D67}"/>
+              </a:ext>
+            </a:extLst>
+          </p:cNvPr>
+          <p:cNvPicPr>
+            <a:picLocks noChangeAspect="1"/>
+          </p:cNvPicPr>
+          <p:nvPr/>
+        </p:nvPicPr>
+        <p:blipFill>
+          <a:blip r:embed="rId2">
+            <a:extLst>
+              <a:ext uri="{96DAC541-7B7A-43D3-8B79-37D633B846F1}">
+                <asvg:svgBlip xmlns:asvg="http://schemas.microsoft.com/office/drawing/2016/SVG/main" r:embed="rId3"/>
+              </a:ext>
+            </a:extLst>
+          </a:blip>
+          <a:stretch>
+            <a:fillRect/>
+          </a:stretch>
+        </p:blipFill>
+        <p:spPr>
+          <a:xfrm>
+            <a:off x="10507979" y="7021180"/>
+            <a:ext cx="381000" cy="381000"/>
+          </a:xfrm>
+          <a:prstGeom prst="rect">
+            <a:avLst/>
+          </a:prstGeom>
+        </p:spPr>
+      </p:pic>
+      <p:sp>
+        <p:nvSpPr>
+          <p:cNvPr id="71" name="Rectangle 70">
+            <a:extLst>
+              <a:ext uri="{FF2B5EF4-FFF2-40B4-BE49-F238E27FC236}">
+                <a16:creationId xmlns:a16="http://schemas.microsoft.com/office/drawing/2014/main" id="{1406D1B2-EDA8-4A48-89E8-E4A3A75F4718}"/>
+              </a:ext>
+            </a:extLst>
+          </p:cNvPr>
+          <p:cNvSpPr/>
+          <p:nvPr/>
+        </p:nvSpPr>
+        <p:spPr>
+          <a:xfrm>
+            <a:off x="13250973" y="7019592"/>
+            <a:ext cx="2075481" cy="1463040"/>
+          </a:xfrm>
+          <a:prstGeom prst="rect">
+            <a:avLst/>
+          </a:prstGeom>
+          <a:solidFill>
+            <a:srgbClr val="007CBC">
+              <a:alpha val="9804"/>
+            </a:srgbClr>
+          </a:solidFill>
+          <a:ln w="12700">
+            <a:noFill/>
+            <a:prstDash val="dash"/>
+          </a:ln>
+        </p:spPr>
+        <p:style>
+          <a:lnRef idx="2">
+            <a:schemeClr val="accent1">
+              <a:shade val="50000"/>
+            </a:schemeClr>
+          </a:lnRef>
+          <a:fillRef idx="1">
+            <a:schemeClr val="accent1"/>
+          </a:fillRef>
+          <a:effectRef idx="0">
+            <a:schemeClr val="accent1"/>
+          </a:effectRef>
+          <a:fontRef idx="minor">
+            <a:schemeClr val="lt1"/>
+          </a:fontRef>
+        </p:style>
+        <p:txBody>
+          <a:bodyPr lIns="502920"/>
+          <a:lstStyle/>
+          <a:p>
+            <a:pPr eaLnBrk="1" fontAlgn="auto" hangingPunct="1">
+              <a:spcBef>
+                <a:spcPts val="0"/>
+              </a:spcBef>
+              <a:spcAft>
+                <a:spcPts val="0"/>
+              </a:spcAft>
+              <a:defRPr/>
+            </a:pPr>
+            <a:r>
+              <a:rPr lang="en-US" sz="1200" dirty="0">
+                <a:solidFill>
+                  <a:srgbClr val="5B9CD5"/>
+                </a:solidFill>
+                <a:latin typeface="Arial" panose="020B0604020202020204" pitchFamily="34" charset="0"/>
+                <a:cs typeface="Arial" panose="020B0604020202020204" pitchFamily="34" charset="0"/>
+              </a:rPr>
+              <a:t>Private subnet</a:t>
+            </a:r>
+          </a:p>
+        </p:txBody>
+      </p:sp>
+      <p:pic>
+        <p:nvPicPr>
+          <p:cNvPr id="72" name="Graphic 71">
+            <a:extLst>
+              <a:ext uri="{FF2B5EF4-FFF2-40B4-BE49-F238E27FC236}">
+                <a16:creationId xmlns:a16="http://schemas.microsoft.com/office/drawing/2014/main" id="{F8A7518F-4484-41A5-927E-A03B7BA8023B}"/>
+              </a:ext>
+            </a:extLst>
+          </p:cNvPr>
+          <p:cNvPicPr>
+            <a:picLocks noChangeAspect="1"/>
+          </p:cNvPicPr>
+          <p:nvPr/>
+        </p:nvPicPr>
+        <p:blipFill>
+          <a:blip r:embed="rId2">
+            <a:extLst>
+              <a:ext uri="{96DAC541-7B7A-43D3-8B79-37D633B846F1}">
+                <asvg:svgBlip xmlns:asvg="http://schemas.microsoft.com/office/drawing/2016/SVG/main" r:embed="rId3"/>
+              </a:ext>
+            </a:extLst>
+          </a:blip>
+          <a:stretch>
+            <a:fillRect/>
+          </a:stretch>
+        </p:blipFill>
+        <p:spPr>
+          <a:xfrm>
+            <a:off x="13250973" y="7021180"/>
+            <a:ext cx="381000" cy="381000"/>
+          </a:xfrm>
+          <a:prstGeom prst="rect">
+            <a:avLst/>
+          </a:prstGeom>
+        </p:spPr>
+      </p:pic>
+      <p:sp>
+        <p:nvSpPr>
+          <p:cNvPr id="60" name="Rectangle 59">
+            <a:extLst>
+              <a:ext uri="{FF2B5EF4-FFF2-40B4-BE49-F238E27FC236}">
+                <a16:creationId xmlns:a16="http://schemas.microsoft.com/office/drawing/2014/main" id="{16313980-912B-4B66-B892-A8136BB74A82}"/>
+              </a:ext>
+            </a:extLst>
+          </p:cNvPr>
+          <p:cNvSpPr/>
+          <p:nvPr/>
+        </p:nvSpPr>
+        <p:spPr>
+          <a:xfrm>
+            <a:off x="6850380" y="7478832"/>
+            <a:ext cx="8229600" cy="914400"/>
+          </a:xfrm>
+          <a:prstGeom prst="rect">
+            <a:avLst/>
+          </a:prstGeom>
+          <a:noFill/>
+          <a:ln w="12700">
+            <a:solidFill>
+              <a:srgbClr val="D86613"/>
+            </a:solidFill>
+            <a:prstDash val="dash"/>
+          </a:ln>
+        </p:spPr>
+        <p:style>
+          <a:lnRef idx="2">
+            <a:schemeClr val="accent1">
+              <a:shade val="50000"/>
+            </a:schemeClr>
+          </a:lnRef>
+          <a:fillRef idx="1">
+            <a:schemeClr val="accent1"/>
+          </a:fillRef>
+          <a:effectRef idx="0">
+            <a:schemeClr val="accent1"/>
+          </a:effectRef>
+          <a:fontRef idx="minor">
+            <a:schemeClr val="lt1"/>
+          </a:fontRef>
+        </p:style>
+        <p:txBody>
           <a:bodyPr tIns="91440"/>
           <a:lstStyle/>
           <a:p>
@@ -3351,10 +3598,10 @@
           <p:nvPr/>
         </p:nvPicPr>
         <p:blipFill>
-          <a:blip r:embed="rId2">
+          <a:blip r:embed="rId4">
             <a:extLst>
               <a:ext uri="{96DAC541-7B7A-43D3-8B79-37D633B846F1}">
-                <asvg:svgBlip xmlns:asvg="http://schemas.microsoft.com/office/drawing/2016/SVG/main" r:embed="rId3"/>
+                <asvg:svgBlip xmlns:asvg="http://schemas.microsoft.com/office/drawing/2016/SVG/main" r:embed="rId5"/>
               </a:ext>
             </a:extLst>
           </a:blip>
@@ -3385,7 +3632,7 @@
         </p:nvSpPr>
         <p:spPr>
           <a:xfrm>
-            <a:off x="6393180" y="4023360"/>
+            <a:off x="6369116" y="4023360"/>
             <a:ext cx="2468880" cy="4815840"/>
           </a:xfrm>
           <a:prstGeom prst="rect">
@@ -3441,232 +3688,6 @@
           </a:p>
         </p:txBody>
       </p:sp>
-      <p:sp>
-        <p:nvSpPr>
-          <p:cNvPr id="11" name="Rectangle 10">
-            <a:extLst>
-              <a:ext uri="{FF2B5EF4-FFF2-40B4-BE49-F238E27FC236}">
-                <a16:creationId xmlns:a16="http://schemas.microsoft.com/office/drawing/2014/main" id="{584BC9CB-C96F-4593-A03D-6D65A299974A}"/>
-              </a:ext>
-            </a:extLst>
-          </p:cNvPr>
-          <p:cNvSpPr/>
-          <p:nvPr/>
-        </p:nvSpPr>
-        <p:spPr>
-          <a:xfrm>
-            <a:off x="6576060" y="7040880"/>
-            <a:ext cx="2103120" cy="1463040"/>
-          </a:xfrm>
-          <a:prstGeom prst="rect">
-            <a:avLst/>
-          </a:prstGeom>
-          <a:solidFill>
-            <a:srgbClr val="007CBC">
-              <a:alpha val="9804"/>
-            </a:srgbClr>
-          </a:solidFill>
-          <a:ln w="12700" cap="flat" cmpd="sng" algn="ctr">
-            <a:noFill/>
-            <a:prstDash val="dash"/>
-            <a:miter lim="800000"/>
-          </a:ln>
-          <a:effectLst/>
-        </p:spPr>
-        <p:txBody>
-          <a:bodyPr rot="0" spcFirstLastPara="0" vertOverflow="overflow" horzOverflow="overflow" vert="horz" wrap="square" lIns="338328" tIns="45720" rIns="91440" bIns="45720" numCol="1" spcCol="0" rtlCol="0" fromWordArt="0" anchor="t" anchorCtr="0" forceAA="0" compatLnSpc="1">
-            <a:prstTxWarp prst="textNoShape">
-              <a:avLst/>
-            </a:prstTxWarp>
-            <a:noAutofit/>
-          </a:bodyPr>
-          <a:lstStyle/>
-          <a:p>
-            <a:pPr marL="0" marR="0" lvl="0" indent="0" defTabSz="914400" eaLnBrk="1" fontAlgn="auto" latinLnBrk="0" hangingPunct="1">
-              <a:lnSpc>
-                <a:spcPct val="100000"/>
-              </a:lnSpc>
-              <a:spcBef>
-                <a:spcPts val="0"/>
-              </a:spcBef>
-              <a:spcAft>
-                <a:spcPts val="0"/>
-              </a:spcAft>
-              <a:buClrTx/>
-              <a:buSzTx/>
-              <a:buFontTx/>
-              <a:buNone/>
-              <a:tabLst/>
-              <a:defRPr/>
-            </a:pPr>
-            <a:r>
-              <a:rPr kumimoji="0" lang="en-US" sz="1200" b="0" i="0" u="none" strike="noStrike" kern="0" cap="none" spc="0" normalizeH="0" baseline="0" noProof="0" dirty="0">
-                <a:ln>
-                  <a:noFill/>
-                </a:ln>
-                <a:solidFill>
-                  <a:srgbClr val="007CBC"/>
-                </a:solidFill>
-                <a:effectLst/>
-                <a:uLnTx/>
-                <a:uFillTx/>
-                <a:latin typeface="Arial" panose="020B0604020202020204" pitchFamily="34" charset="0"/>
-                <a:cs typeface="Arial" panose="020B0604020202020204" pitchFamily="34" charset="0"/>
-              </a:rPr>
-              <a:t>Private subnet</a:t>
-            </a:r>
-          </a:p>
-        </p:txBody>
-      </p:sp>
-      <p:sp>
-        <p:nvSpPr>
-          <p:cNvPr id="12" name="Rectangle 11">
-            <a:extLst>
-              <a:ext uri="{FF2B5EF4-FFF2-40B4-BE49-F238E27FC236}">
-                <a16:creationId xmlns:a16="http://schemas.microsoft.com/office/drawing/2014/main" id="{991293FB-7293-45EB-9400-6C9BE6797D97}"/>
-              </a:ext>
-            </a:extLst>
-          </p:cNvPr>
-          <p:cNvSpPr/>
-          <p:nvPr/>
-        </p:nvSpPr>
-        <p:spPr>
-          <a:xfrm>
-            <a:off x="6576060" y="4572000"/>
-            <a:ext cx="2103120" cy="2286000"/>
-          </a:xfrm>
-          <a:prstGeom prst="rect">
-            <a:avLst/>
-          </a:prstGeom>
-          <a:solidFill>
-            <a:srgbClr val="1D8900">
-              <a:alpha val="9804"/>
-            </a:srgbClr>
-          </a:solidFill>
-          <a:ln w="12700" cap="flat" cmpd="sng" algn="ctr">
-            <a:noFill/>
-            <a:prstDash val="dash"/>
-            <a:miter lim="800000"/>
-          </a:ln>
-          <a:effectLst/>
-        </p:spPr>
-        <p:txBody>
-          <a:bodyPr rot="0" spcFirstLastPara="0" vertOverflow="overflow" horzOverflow="overflow" vert="horz" wrap="square" lIns="338328" tIns="45720" rIns="91440" bIns="45720" numCol="1" spcCol="0" rtlCol="0" fromWordArt="0" anchor="t" anchorCtr="0" forceAA="0" compatLnSpc="1">
-            <a:prstTxWarp prst="textNoShape">
-              <a:avLst/>
-            </a:prstTxWarp>
-            <a:noAutofit/>
-          </a:bodyPr>
-          <a:lstStyle/>
-          <a:p>
-            <a:pPr marL="0" marR="0" lvl="0" indent="0" defTabSz="914400" eaLnBrk="1" fontAlgn="auto" latinLnBrk="0" hangingPunct="1">
-              <a:lnSpc>
-                <a:spcPct val="100000"/>
-              </a:lnSpc>
-              <a:spcBef>
-                <a:spcPts val="0"/>
-              </a:spcBef>
-              <a:spcAft>
-                <a:spcPts val="0"/>
-              </a:spcAft>
-              <a:buClrTx/>
-              <a:buSzTx/>
-              <a:buFontTx/>
-              <a:buNone/>
-              <a:tabLst/>
-              <a:defRPr/>
-            </a:pPr>
-            <a:r>
-              <a:rPr kumimoji="0" lang="en-US" sz="1200" b="0" i="0" u="none" strike="noStrike" kern="0" cap="none" spc="0" normalizeH="0" baseline="0" noProof="0" dirty="0">
-                <a:ln>
-                  <a:noFill/>
-                </a:ln>
-                <a:solidFill>
-                  <a:srgbClr val="1D8900"/>
-                </a:solidFill>
-                <a:effectLst/>
-                <a:uLnTx/>
-                <a:uFillTx/>
-                <a:latin typeface="Arial" panose="020B0604020202020204" pitchFamily="34" charset="0"/>
-                <a:cs typeface="Arial" panose="020B0604020202020204" pitchFamily="34" charset="0"/>
-              </a:rPr>
-              <a:t>Public subnet</a:t>
-            </a:r>
-          </a:p>
-        </p:txBody>
-      </p:sp>
-      <p:pic>
-        <p:nvPicPr>
-          <p:cNvPr id="13" name="Graphic 10">
-            <a:extLst>
-              <a:ext uri="{FF2B5EF4-FFF2-40B4-BE49-F238E27FC236}">
-                <a16:creationId xmlns:a16="http://schemas.microsoft.com/office/drawing/2014/main" id="{6F009B28-33B1-4525-9FEA-BF7F7AEF0734}"/>
-              </a:ext>
-            </a:extLst>
-          </p:cNvPr>
-          <p:cNvPicPr>
-            <a:picLocks noChangeAspect="1"/>
-          </p:cNvPicPr>
-          <p:nvPr/>
-        </p:nvPicPr>
-        <p:blipFill>
-          <a:blip r:embed="rId4">
-            <a:extLst>
-              <a:ext uri="{96DAC541-7B7A-43D3-8B79-37D633B846F1}">
-                <asvg:svgBlip xmlns:asvg="http://schemas.microsoft.com/office/drawing/2016/SVG/main" r:embed="rId5"/>
-              </a:ext>
-            </a:extLst>
-          </a:blip>
-          <a:stretch>
-            <a:fillRect/>
-          </a:stretch>
-        </p:blipFill>
-        <p:spPr>
-          <a:xfrm>
-            <a:off x="6576060" y="4572000"/>
-            <a:ext cx="274320" cy="274320"/>
-          </a:xfrm>
-          <a:prstGeom prst="rect">
-            <a:avLst/>
-          </a:prstGeom>
-        </p:spPr>
-      </p:pic>
-      <p:pic>
-        <p:nvPicPr>
-          <p:cNvPr id="15" name="Graphic 13">
-            <a:extLst>
-              <a:ext uri="{FF2B5EF4-FFF2-40B4-BE49-F238E27FC236}">
-                <a16:creationId xmlns:a16="http://schemas.microsoft.com/office/drawing/2014/main" id="{D6E60AC6-3972-49EF-B028-38AAC997164D}"/>
-              </a:ext>
-            </a:extLst>
-          </p:cNvPr>
-          <p:cNvPicPr>
-            <a:picLocks noChangeAspect="1"/>
-          </p:cNvPicPr>
-          <p:nvPr/>
-        </p:nvPicPr>
-        <p:blipFill>
-          <a:blip r:embed="rId6">
-            <a:extLst>
-              <a:ext uri="{96DAC541-7B7A-43D3-8B79-37D633B846F1}">
-                <asvg:svgBlip xmlns:asvg="http://schemas.microsoft.com/office/drawing/2016/SVG/main" r:embed="rId7"/>
-              </a:ext>
-            </a:extLst>
-          </a:blip>
-          <a:stretch>
-            <a:fillRect/>
-          </a:stretch>
-        </p:blipFill>
-        <p:spPr>
-          <a:xfrm>
-            <a:off x="6576060" y="7040880"/>
-            <a:ext cx="274320" cy="274320"/>
-          </a:xfrm>
-          <a:prstGeom prst="rect">
-            <a:avLst/>
-          </a:prstGeom>
-        </p:spPr>
-      </p:pic>
       <p:pic>
         <p:nvPicPr>
           <p:cNvPr id="16" name="Graphic 62">
@@ -3682,7 +3703,7 @@
           <p:nvPr/>
         </p:nvPicPr>
         <p:blipFill>
-          <a:blip r:embed="rId8" cstate="print">
+          <a:blip r:embed="rId6" cstate="print">
             <a:extLst>
               <a:ext uri="{28A0092B-C50C-407E-A947-70E740481C1C}">
                 <a14:useLocalDpi xmlns:a14="http://schemas.microsoft.com/office/drawing/2010/main" val="0"/>
@@ -3696,7 +3717,7 @@
         </p:blipFill>
         <p:spPr bwMode="auto">
           <a:xfrm>
-            <a:off x="7399020" y="7498080"/>
+            <a:off x="7374956" y="7594336"/>
             <a:ext cx="457200" cy="457200"/>
           </a:xfrm>
           <a:prstGeom prst="rect">
@@ -3741,7 +3762,7 @@
         </p:nvSpPr>
         <p:spPr>
           <a:xfrm>
-            <a:off x="7080298" y="6312199"/>
+            <a:off x="7056234" y="6312199"/>
             <a:ext cx="1097280" cy="261610"/>
           </a:xfrm>
           <a:prstGeom prst="rect">
@@ -3785,7 +3806,7 @@
         </p:nvSpPr>
         <p:spPr bwMode="auto">
           <a:xfrm>
-            <a:off x="7079350" y="5397800"/>
+            <a:off x="7055286" y="5397800"/>
             <a:ext cx="1097280" cy="261610"/>
           </a:xfrm>
           <a:prstGeom prst="rect">
@@ -3945,7 +3966,7 @@
           <p:nvPr/>
         </p:nvPicPr>
         <p:blipFill>
-          <a:blip r:embed="rId9" cstate="print">
+          <a:blip r:embed="rId7" cstate="print">
             <a:extLst>
               <a:ext uri="{28A0092B-C50C-407E-A947-70E740481C1C}">
                 <a14:useLocalDpi xmlns:a14="http://schemas.microsoft.com/office/drawing/2010/main" val="0"/>
@@ -3959,7 +3980,7 @@
         </p:blipFill>
         <p:spPr bwMode="auto">
           <a:xfrm>
-            <a:off x="7399020" y="4937760"/>
+            <a:off x="7374956" y="4937760"/>
             <a:ext cx="457200" cy="457200"/>
           </a:xfrm>
           <a:prstGeom prst="rect">
@@ -4006,7 +4027,7 @@
         </p:nvSpPr>
         <p:spPr bwMode="auto">
           <a:xfrm>
-            <a:off x="6897166" y="7956317"/>
+            <a:off x="6873102" y="8052573"/>
             <a:ext cx="1463040" cy="261610"/>
           </a:xfrm>
           <a:prstGeom prst="rect">
@@ -4971,7 +4992,7 @@
           <p:nvPr/>
         </p:nvPicPr>
         <p:blipFill>
-          <a:blip r:embed="rId10">
+          <a:blip r:embed="rId8">
             <a:extLst>
               <a:ext uri="{28A0092B-C50C-407E-A947-70E740481C1C}">
                 <a14:useLocalDpi xmlns:a14="http://schemas.microsoft.com/office/drawing/2010/main" val="0"/>
@@ -4985,7 +5006,7 @@
         </p:blipFill>
         <p:spPr bwMode="auto">
           <a:xfrm>
-            <a:off x="7399020" y="5852160"/>
+            <a:off x="7374956" y="5852160"/>
             <a:ext cx="457200" cy="457200"/>
           </a:xfrm>
           <a:prstGeom prst="rect">
@@ -5031,10 +5052,10 @@
           <p:nvPr/>
         </p:nvPicPr>
         <p:blipFill>
-          <a:blip r:embed="rId11">
+          <a:blip r:embed="rId9">
             <a:extLst>
               <a:ext uri="{96DAC541-7B7A-43D3-8B79-37D633B846F1}">
-                <asvg:svgBlip xmlns:asvg="http://schemas.microsoft.com/office/drawing/2016/SVG/main" r:embed="rId12"/>
+                <asvg:svgBlip xmlns:asvg="http://schemas.microsoft.com/office/drawing/2016/SVG/main" r:embed="rId10"/>
               </a:ext>
             </a:extLst>
           </a:blip>
@@ -5067,10 +5088,10 @@
           <p:nvPr/>
         </p:nvPicPr>
         <p:blipFill>
-          <a:blip r:embed="rId11">
+          <a:blip r:embed="rId9">
             <a:extLst>
               <a:ext uri="{96DAC541-7B7A-43D3-8B79-37D633B846F1}">
-                <asvg:svgBlip xmlns:asvg="http://schemas.microsoft.com/office/drawing/2016/SVG/main" r:embed="rId12"/>
+                <asvg:svgBlip xmlns:asvg="http://schemas.microsoft.com/office/drawing/2016/SVG/main" r:embed="rId10"/>
               </a:ext>
             </a:extLst>
           </a:blip>
@@ -5080,7 +5101,7 @@
         </p:blipFill>
         <p:spPr>
           <a:xfrm>
-            <a:off x="9410700" y="7406640"/>
+            <a:off x="9410700" y="7478832"/>
             <a:ext cx="381000" cy="381000"/>
           </a:xfrm>
           <a:prstGeom prst="rect">
@@ -5175,232 +5196,6 @@
           </a:p>
         </p:txBody>
       </p:sp>
-      <p:sp>
-        <p:nvSpPr>
-          <p:cNvPr id="85" name="Rectangle 84">
-            <a:extLst>
-              <a:ext uri="{FF2B5EF4-FFF2-40B4-BE49-F238E27FC236}">
-                <a16:creationId xmlns:a16="http://schemas.microsoft.com/office/drawing/2014/main" id="{0F1FC343-DBE8-4D00-989A-6C6D0C23A70B}"/>
-              </a:ext>
-            </a:extLst>
-          </p:cNvPr>
-          <p:cNvSpPr/>
-          <p:nvPr/>
-        </p:nvSpPr>
-        <p:spPr>
-          <a:xfrm>
-            <a:off x="10480341" y="7040880"/>
-            <a:ext cx="2103120" cy="1463040"/>
-          </a:xfrm>
-          <a:prstGeom prst="rect">
-            <a:avLst/>
-          </a:prstGeom>
-          <a:solidFill>
-            <a:srgbClr val="007CBC">
-              <a:alpha val="9804"/>
-            </a:srgbClr>
-          </a:solidFill>
-          <a:ln w="12700" cap="flat" cmpd="sng" algn="ctr">
-            <a:noFill/>
-            <a:prstDash val="dash"/>
-            <a:miter lim="800000"/>
-          </a:ln>
-          <a:effectLst/>
-        </p:spPr>
-        <p:txBody>
-          <a:bodyPr rot="0" spcFirstLastPara="0" vertOverflow="overflow" horzOverflow="overflow" vert="horz" wrap="square" lIns="338328" tIns="45720" rIns="91440" bIns="45720" numCol="1" spcCol="0" rtlCol="0" fromWordArt="0" anchor="t" anchorCtr="0" forceAA="0" compatLnSpc="1">
-            <a:prstTxWarp prst="textNoShape">
-              <a:avLst/>
-            </a:prstTxWarp>
-            <a:noAutofit/>
-          </a:bodyPr>
-          <a:lstStyle/>
-          <a:p>
-            <a:pPr marL="0" marR="0" lvl="0" indent="0" defTabSz="914400" eaLnBrk="1" fontAlgn="auto" latinLnBrk="0" hangingPunct="1">
-              <a:lnSpc>
-                <a:spcPct val="100000"/>
-              </a:lnSpc>
-              <a:spcBef>
-                <a:spcPts val="0"/>
-              </a:spcBef>
-              <a:spcAft>
-                <a:spcPts val="0"/>
-              </a:spcAft>
-              <a:buClrTx/>
-              <a:buSzTx/>
-              <a:buFontTx/>
-              <a:buNone/>
-              <a:tabLst/>
-              <a:defRPr/>
-            </a:pPr>
-            <a:r>
-              <a:rPr kumimoji="0" lang="en-US" sz="1200" b="0" i="0" u="none" strike="noStrike" kern="0" cap="none" spc="0" normalizeH="0" baseline="0" noProof="0" dirty="0">
-                <a:ln>
-                  <a:noFill/>
-                </a:ln>
-                <a:solidFill>
-                  <a:srgbClr val="007CBC"/>
-                </a:solidFill>
-                <a:effectLst/>
-                <a:uLnTx/>
-                <a:uFillTx/>
-                <a:latin typeface="Arial" panose="020B0604020202020204" pitchFamily="34" charset="0"/>
-                <a:cs typeface="Arial" panose="020B0604020202020204" pitchFamily="34" charset="0"/>
-              </a:rPr>
-              <a:t>Private subnet</a:t>
-            </a:r>
-          </a:p>
-        </p:txBody>
-      </p:sp>
-      <p:sp>
-        <p:nvSpPr>
-          <p:cNvPr id="86" name="Rectangle 85">
-            <a:extLst>
-              <a:ext uri="{FF2B5EF4-FFF2-40B4-BE49-F238E27FC236}">
-                <a16:creationId xmlns:a16="http://schemas.microsoft.com/office/drawing/2014/main" id="{D05CBFF4-466C-496D-9FAF-CC38C79AD777}"/>
-              </a:ext>
-            </a:extLst>
-          </p:cNvPr>
-          <p:cNvSpPr/>
-          <p:nvPr/>
-        </p:nvSpPr>
-        <p:spPr>
-          <a:xfrm>
-            <a:off x="10507980" y="4572000"/>
-            <a:ext cx="2103120" cy="2286000"/>
-          </a:xfrm>
-          <a:prstGeom prst="rect">
-            <a:avLst/>
-          </a:prstGeom>
-          <a:solidFill>
-            <a:srgbClr val="1D8900">
-              <a:alpha val="9804"/>
-            </a:srgbClr>
-          </a:solidFill>
-          <a:ln w="12700" cap="flat" cmpd="sng" algn="ctr">
-            <a:noFill/>
-            <a:prstDash val="dash"/>
-            <a:miter lim="800000"/>
-          </a:ln>
-          <a:effectLst/>
-        </p:spPr>
-        <p:txBody>
-          <a:bodyPr rot="0" spcFirstLastPara="0" vertOverflow="overflow" horzOverflow="overflow" vert="horz" wrap="square" lIns="338328" tIns="45720" rIns="91440" bIns="45720" numCol="1" spcCol="0" rtlCol="0" fromWordArt="0" anchor="t" anchorCtr="0" forceAA="0" compatLnSpc="1">
-            <a:prstTxWarp prst="textNoShape">
-              <a:avLst/>
-            </a:prstTxWarp>
-            <a:noAutofit/>
-          </a:bodyPr>
-          <a:lstStyle/>
-          <a:p>
-            <a:pPr marL="0" marR="0" lvl="0" indent="0" defTabSz="914400" eaLnBrk="1" fontAlgn="auto" latinLnBrk="0" hangingPunct="1">
-              <a:lnSpc>
-                <a:spcPct val="100000"/>
-              </a:lnSpc>
-              <a:spcBef>
-                <a:spcPts val="0"/>
-              </a:spcBef>
-              <a:spcAft>
-                <a:spcPts val="0"/>
-              </a:spcAft>
-              <a:buClrTx/>
-              <a:buSzTx/>
-              <a:buFontTx/>
-              <a:buNone/>
-              <a:tabLst/>
-              <a:defRPr/>
-            </a:pPr>
-            <a:r>
-              <a:rPr kumimoji="0" lang="en-US" sz="1200" b="0" i="0" u="none" strike="noStrike" kern="0" cap="none" spc="0" normalizeH="0" baseline="0" noProof="0" dirty="0">
-                <a:ln>
-                  <a:noFill/>
-                </a:ln>
-                <a:solidFill>
-                  <a:srgbClr val="1D8900"/>
-                </a:solidFill>
-                <a:effectLst/>
-                <a:uLnTx/>
-                <a:uFillTx/>
-                <a:latin typeface="Arial" panose="020B0604020202020204" pitchFamily="34" charset="0"/>
-                <a:cs typeface="Arial" panose="020B0604020202020204" pitchFamily="34" charset="0"/>
-              </a:rPr>
-              <a:t>Public subnet</a:t>
-            </a:r>
-          </a:p>
-        </p:txBody>
-      </p:sp>
-      <p:pic>
-        <p:nvPicPr>
-          <p:cNvPr id="87" name="Graphic 10">
-            <a:extLst>
-              <a:ext uri="{FF2B5EF4-FFF2-40B4-BE49-F238E27FC236}">
-                <a16:creationId xmlns:a16="http://schemas.microsoft.com/office/drawing/2014/main" id="{C70B8DCD-94D4-4667-9B38-E48AC83ACE15}"/>
-              </a:ext>
-            </a:extLst>
-          </p:cNvPr>
-          <p:cNvPicPr>
-            <a:picLocks noChangeAspect="1"/>
-          </p:cNvPicPr>
-          <p:nvPr/>
-        </p:nvPicPr>
-        <p:blipFill>
-          <a:blip r:embed="rId4">
-            <a:extLst>
-              <a:ext uri="{96DAC541-7B7A-43D3-8B79-37D633B846F1}">
-                <asvg:svgBlip xmlns:asvg="http://schemas.microsoft.com/office/drawing/2016/SVG/main" r:embed="rId5"/>
-              </a:ext>
-            </a:extLst>
-          </a:blip>
-          <a:stretch>
-            <a:fillRect/>
-          </a:stretch>
-        </p:blipFill>
-        <p:spPr>
-          <a:xfrm>
-            <a:off x="10507980" y="4572000"/>
-            <a:ext cx="274320" cy="274320"/>
-          </a:xfrm>
-          <a:prstGeom prst="rect">
-            <a:avLst/>
-          </a:prstGeom>
-        </p:spPr>
-      </p:pic>
-      <p:pic>
-        <p:nvPicPr>
-          <p:cNvPr id="88" name="Graphic 13">
-            <a:extLst>
-              <a:ext uri="{FF2B5EF4-FFF2-40B4-BE49-F238E27FC236}">
-                <a16:creationId xmlns:a16="http://schemas.microsoft.com/office/drawing/2014/main" id="{1CD9B340-ED1C-4DC4-BBC7-01C170E48A1E}"/>
-              </a:ext>
-            </a:extLst>
-          </p:cNvPr>
-          <p:cNvPicPr>
-            <a:picLocks noChangeAspect="1"/>
-          </p:cNvPicPr>
-          <p:nvPr/>
-        </p:nvPicPr>
-        <p:blipFill>
-          <a:blip r:embed="rId6">
-            <a:extLst>
-              <a:ext uri="{96DAC541-7B7A-43D3-8B79-37D633B846F1}">
-                <asvg:svgBlip xmlns:asvg="http://schemas.microsoft.com/office/drawing/2016/SVG/main" r:embed="rId7"/>
-              </a:ext>
-            </a:extLst>
-          </a:blip>
-          <a:stretch>
-            <a:fillRect/>
-          </a:stretch>
-        </p:blipFill>
-        <p:spPr>
-          <a:xfrm>
-            <a:off x="10480341" y="7040880"/>
-            <a:ext cx="274320" cy="274320"/>
-          </a:xfrm>
-          <a:prstGeom prst="rect">
-            <a:avLst/>
-          </a:prstGeom>
-        </p:spPr>
-      </p:pic>
       <p:pic>
         <p:nvPicPr>
           <p:cNvPr id="89" name="Graphic 62">
@@ -5416,7 +5211,7 @@
           <p:nvPr/>
         </p:nvPicPr>
         <p:blipFill>
-          <a:blip r:embed="rId8" cstate="print">
+          <a:blip r:embed="rId6" cstate="print">
             <a:extLst>
               <a:ext uri="{28A0092B-C50C-407E-A947-70E740481C1C}">
                 <a14:useLocalDpi xmlns:a14="http://schemas.microsoft.com/office/drawing/2010/main" val="0"/>
@@ -5430,7 +5225,7 @@
         </p:blipFill>
         <p:spPr bwMode="auto">
           <a:xfrm>
-            <a:off x="11330940" y="7498080"/>
+            <a:off x="11330940" y="7594336"/>
             <a:ext cx="457200" cy="457200"/>
           </a:xfrm>
           <a:prstGeom prst="rect">
@@ -5679,7 +5474,7 @@
           <p:nvPr/>
         </p:nvPicPr>
         <p:blipFill>
-          <a:blip r:embed="rId9" cstate="print">
+          <a:blip r:embed="rId7" cstate="print">
             <a:extLst>
               <a:ext uri="{28A0092B-C50C-407E-A947-70E740481C1C}">
                 <a14:useLocalDpi xmlns:a14="http://schemas.microsoft.com/office/drawing/2010/main" val="0"/>
@@ -5740,7 +5535,7 @@
         </p:nvSpPr>
         <p:spPr bwMode="auto">
           <a:xfrm>
-            <a:off x="10828117" y="7956317"/>
+            <a:off x="10828117" y="8052573"/>
             <a:ext cx="1463040" cy="261610"/>
           </a:xfrm>
           <a:prstGeom prst="rect">
@@ -5900,11 +5695,11 @@
           <p:nvPr/>
         </p:nvPicPr>
         <p:blipFill>
-          <a:blip r:embed="rId13">
+          <a:blip r:embed="rId11">
             <a:extLst>
               <a:ext uri="{BEBA8EAE-BF5A-486C-A8C5-ECC9F3942E4B}">
                 <a14:imgProps xmlns:a14="http://schemas.microsoft.com/office/drawing/2010/main">
-                  <a14:imgLayer r:embed="rId14">
+                  <a14:imgLayer r:embed="rId12">
                     <a14:imgEffect>
                       <a14:artisticBlur/>
                     </a14:imgEffect>
@@ -6024,155 +5819,6 @@
           </a:p>
         </p:txBody>
       </p:sp>
-      <p:sp>
-        <p:nvSpPr>
-          <p:cNvPr id="97" name="Rectangle 96">
-            <a:extLst>
-              <a:ext uri="{FF2B5EF4-FFF2-40B4-BE49-F238E27FC236}">
-                <a16:creationId xmlns:a16="http://schemas.microsoft.com/office/drawing/2014/main" id="{79BF5C0A-6E4F-41EF-A3E6-647A3D997054}"/>
-              </a:ext>
-            </a:extLst>
-          </p:cNvPr>
-          <p:cNvSpPr/>
-          <p:nvPr/>
-        </p:nvSpPr>
-        <p:spPr>
-          <a:xfrm>
-            <a:off x="13251180" y="4572000"/>
-            <a:ext cx="2103120" cy="2286000"/>
-          </a:xfrm>
-          <a:prstGeom prst="rect">
-            <a:avLst/>
-          </a:prstGeom>
-          <a:solidFill>
-            <a:srgbClr val="1D8900">
-              <a:alpha val="9804"/>
-            </a:srgbClr>
-          </a:solidFill>
-          <a:ln w="12700" cap="flat" cmpd="sng" algn="ctr">
-            <a:noFill/>
-            <a:prstDash val="dash"/>
-            <a:miter lim="800000"/>
-          </a:ln>
-          <a:effectLst/>
-        </p:spPr>
-        <p:txBody>
-          <a:bodyPr rot="0" spcFirstLastPara="0" vertOverflow="overflow" horzOverflow="overflow" vert="horz" wrap="square" lIns="338328" tIns="45720" rIns="91440" bIns="45720" numCol="1" spcCol="0" rtlCol="0" fromWordArt="0" anchor="t" anchorCtr="0" forceAA="0" compatLnSpc="1">
-            <a:prstTxWarp prst="textNoShape">
-              <a:avLst/>
-            </a:prstTxWarp>
-            <a:noAutofit/>
-          </a:bodyPr>
-          <a:lstStyle/>
-          <a:p>
-            <a:pPr marL="0" marR="0" lvl="0" indent="0" defTabSz="914400" eaLnBrk="1" fontAlgn="auto" latinLnBrk="0" hangingPunct="1">
-              <a:lnSpc>
-                <a:spcPct val="100000"/>
-              </a:lnSpc>
-              <a:spcBef>
-                <a:spcPts val="0"/>
-              </a:spcBef>
-              <a:spcAft>
-                <a:spcPts val="0"/>
-              </a:spcAft>
-              <a:buClrTx/>
-              <a:buSzTx/>
-              <a:buFontTx/>
-              <a:buNone/>
-              <a:tabLst/>
-              <a:defRPr/>
-            </a:pPr>
-            <a:r>
-              <a:rPr kumimoji="0" lang="en-US" sz="1200" b="0" i="0" u="none" strike="noStrike" kern="0" cap="none" spc="0" normalizeH="0" baseline="0" noProof="0" dirty="0">
-                <a:ln>
-                  <a:noFill/>
-                </a:ln>
-                <a:solidFill>
-                  <a:srgbClr val="1D8900"/>
-                </a:solidFill>
-                <a:effectLst/>
-                <a:uLnTx/>
-                <a:uFillTx/>
-                <a:latin typeface="Arial" panose="020B0604020202020204" pitchFamily="34" charset="0"/>
-                <a:cs typeface="Arial" panose="020B0604020202020204" pitchFamily="34" charset="0"/>
-              </a:rPr>
-              <a:t>Public subnet</a:t>
-            </a:r>
-          </a:p>
-        </p:txBody>
-      </p:sp>
-      <p:pic>
-        <p:nvPicPr>
-          <p:cNvPr id="98" name="Graphic 10">
-            <a:extLst>
-              <a:ext uri="{FF2B5EF4-FFF2-40B4-BE49-F238E27FC236}">
-                <a16:creationId xmlns:a16="http://schemas.microsoft.com/office/drawing/2014/main" id="{CB59F79C-11B6-4962-A6A4-FBC4BD8A4ADE}"/>
-              </a:ext>
-            </a:extLst>
-          </p:cNvPr>
-          <p:cNvPicPr>
-            <a:picLocks noChangeAspect="1"/>
-          </p:cNvPicPr>
-          <p:nvPr/>
-        </p:nvPicPr>
-        <p:blipFill>
-          <a:blip r:embed="rId4">
-            <a:extLst>
-              <a:ext uri="{96DAC541-7B7A-43D3-8B79-37D633B846F1}">
-                <asvg:svgBlip xmlns:asvg="http://schemas.microsoft.com/office/drawing/2016/SVG/main" r:embed="rId5"/>
-              </a:ext>
-            </a:extLst>
-          </a:blip>
-          <a:stretch>
-            <a:fillRect/>
-          </a:stretch>
-        </p:blipFill>
-        <p:spPr>
-          <a:xfrm>
-            <a:off x="13251180" y="4572000"/>
-            <a:ext cx="274320" cy="274320"/>
-          </a:xfrm>
-          <a:prstGeom prst="rect">
-            <a:avLst/>
-          </a:prstGeom>
-        </p:spPr>
-      </p:pic>
-      <p:pic>
-        <p:nvPicPr>
-          <p:cNvPr id="99" name="Graphic 13">
-            <a:extLst>
-              <a:ext uri="{FF2B5EF4-FFF2-40B4-BE49-F238E27FC236}">
-                <a16:creationId xmlns:a16="http://schemas.microsoft.com/office/drawing/2014/main" id="{A3B78C29-AB97-4D1C-B2D8-28A0CEF697EA}"/>
-              </a:ext>
-            </a:extLst>
-          </p:cNvPr>
-          <p:cNvPicPr>
-            <a:picLocks noChangeAspect="1"/>
-          </p:cNvPicPr>
-          <p:nvPr/>
-        </p:nvPicPr>
-        <p:blipFill>
-          <a:blip r:embed="rId6">
-            <a:extLst>
-              <a:ext uri="{96DAC541-7B7A-43D3-8B79-37D633B846F1}">
-                <asvg:svgBlip xmlns:asvg="http://schemas.microsoft.com/office/drawing/2016/SVG/main" r:embed="rId7"/>
-              </a:ext>
-            </a:extLst>
-          </a:blip>
-          <a:stretch>
-            <a:fillRect/>
-          </a:stretch>
-        </p:blipFill>
-        <p:spPr>
-          <a:xfrm>
-            <a:off x="13251180" y="7040880"/>
-            <a:ext cx="274320" cy="274320"/>
-          </a:xfrm>
-          <a:prstGeom prst="rect">
-            <a:avLst/>
-          </a:prstGeom>
-        </p:spPr>
-      </p:pic>
       <p:pic>
         <p:nvPicPr>
           <p:cNvPr id="100" name="Graphic 62">
@@ -6188,7 +5834,7 @@
           <p:nvPr/>
         </p:nvPicPr>
         <p:blipFill>
-          <a:blip r:embed="rId8" cstate="print">
+          <a:blip r:embed="rId6" cstate="print">
             <a:extLst>
               <a:ext uri="{28A0092B-C50C-407E-A947-70E740481C1C}">
                 <a14:useLocalDpi xmlns:a14="http://schemas.microsoft.com/office/drawing/2010/main" val="0"/>
@@ -6202,7 +5848,7 @@
         </p:blipFill>
         <p:spPr bwMode="auto">
           <a:xfrm>
-            <a:off x="14074140" y="7498080"/>
+            <a:off x="14074140" y="7594336"/>
             <a:ext cx="457200" cy="457200"/>
           </a:xfrm>
           <a:prstGeom prst="rect">
@@ -6451,7 +6097,7 @@
           <p:nvPr/>
         </p:nvPicPr>
         <p:blipFill>
-          <a:blip r:embed="rId9" cstate="print">
+          <a:blip r:embed="rId7" cstate="print">
             <a:extLst>
               <a:ext uri="{28A0092B-C50C-407E-A947-70E740481C1C}">
                 <a14:useLocalDpi xmlns:a14="http://schemas.microsoft.com/office/drawing/2010/main" val="0"/>
@@ -6512,7 +6158,7 @@
         </p:nvSpPr>
         <p:spPr bwMode="auto">
           <a:xfrm>
-            <a:off x="13572253" y="7956317"/>
+            <a:off x="13572253" y="8052573"/>
             <a:ext cx="1463040" cy="261610"/>
           </a:xfrm>
           <a:prstGeom prst="rect">
@@ -6672,11 +6318,11 @@
           <p:nvPr/>
         </p:nvPicPr>
         <p:blipFill>
-          <a:blip r:embed="rId13">
+          <a:blip r:embed="rId11">
             <a:extLst>
               <a:ext uri="{BEBA8EAE-BF5A-486C-A8C5-ECC9F3942E4B}">
                 <a14:imgProps xmlns:a14="http://schemas.microsoft.com/office/drawing/2010/main">
-                  <a14:imgLayer r:embed="rId14">
+                  <a14:imgLayer r:embed="rId12">
                     <a14:imgEffect>
                       <a14:artisticBlur/>
                     </a14:imgEffect>
@@ -6741,7 +6387,7 @@
           <p:nvPr/>
         </p:nvPicPr>
         <p:blipFill>
-          <a:blip r:embed="rId15"/>
+          <a:blip r:embed="rId13"/>
           <a:srcRect/>
           <a:stretch/>
         </p:blipFill>
@@ -6784,6 +6430,126 @@
             <a:extLst>
               <a:ext uri="{FF2B5EF4-FFF2-40B4-BE49-F238E27FC236}">
                 <a16:creationId xmlns:a16="http://schemas.microsoft.com/office/drawing/2014/main" id="{C6AE94D9-8FC3-4CC3-BEC1-D8868CDAF30B}"/>
+              </a:ext>
+            </a:extLst>
+          </p:cNvPr>
+          <p:cNvPicPr>
+            <a:picLocks noChangeAspect="1" noChangeArrowheads="1"/>
+          </p:cNvPicPr>
+          <p:nvPr/>
+        </p:nvPicPr>
+        <p:blipFill>
+          <a:blip r:embed="rId14">
+            <a:extLst>
+              <a:ext uri="{28A0092B-C50C-407E-A947-70E740481C1C}">
+                <a14:useLocalDpi xmlns:a14="http://schemas.microsoft.com/office/drawing/2010/main" val="0"/>
+              </a:ext>
+            </a:extLst>
+          </a:blip>
+          <a:srcRect/>
+          <a:stretch>
+            <a:fillRect/>
+          </a:stretch>
+        </p:blipFill>
+        <p:spPr bwMode="auto">
+          <a:xfrm>
+            <a:off x="8834083" y="9102477"/>
+            <a:ext cx="762000" cy="762000"/>
+          </a:xfrm>
+          <a:prstGeom prst="rect">
+            <a:avLst/>
+          </a:prstGeom>
+          <a:noFill/>
+          <a:ln>
+            <a:noFill/>
+          </a:ln>
+          <a:extLst>
+            <a:ext uri="{909E8E84-426E-40DD-AFC4-6F175D3DCCD1}">
+              <a14:hiddenFill xmlns:a14="http://schemas.microsoft.com/office/drawing/2010/main">
+                <a:solidFill>
+                  <a:srgbClr val="FFFFFF"/>
+                </a:solidFill>
+              </a14:hiddenFill>
+            </a:ext>
+            <a:ext uri="{91240B29-F687-4F45-9708-019B960494DF}">
+              <a14:hiddenLine xmlns:a14="http://schemas.microsoft.com/office/drawing/2010/main" w="9525">
+                <a:solidFill>
+                  <a:srgbClr val="000000"/>
+                </a:solidFill>
+                <a:miter lim="800000"/>
+                <a:headEnd/>
+                <a:tailEnd/>
+              </a14:hiddenLine>
+            </a:ext>
+          </a:extLst>
+        </p:spPr>
+      </p:pic>
+      <p:pic>
+        <p:nvPicPr>
+          <p:cNvPr id="57" name="Graphic 17">
+            <a:extLst>
+              <a:ext uri="{FF2B5EF4-FFF2-40B4-BE49-F238E27FC236}">
+                <a16:creationId xmlns:a16="http://schemas.microsoft.com/office/drawing/2014/main" id="{0F0098D1-7284-4423-A181-2CFF8FF95B0F}"/>
+              </a:ext>
+            </a:extLst>
+          </p:cNvPr>
+          <p:cNvPicPr>
+            <a:picLocks noChangeAspect="1" noChangeArrowheads="1"/>
+          </p:cNvPicPr>
+          <p:nvPr/>
+        </p:nvPicPr>
+        <p:blipFill>
+          <a:blip r:embed="rId15">
+            <a:extLst>
+              <a:ext uri="{28A0092B-C50C-407E-A947-70E740481C1C}">
+                <a14:useLocalDpi xmlns:a14="http://schemas.microsoft.com/office/drawing/2010/main" val="0"/>
+              </a:ext>
+            </a:extLst>
+          </a:blip>
+          <a:srcRect/>
+          <a:stretch>
+            <a:fillRect/>
+          </a:stretch>
+        </p:blipFill>
+        <p:spPr bwMode="auto">
+          <a:xfrm>
+            <a:off x="10565227" y="9102477"/>
+            <a:ext cx="762000" cy="762000"/>
+          </a:xfrm>
+          <a:prstGeom prst="rect">
+            <a:avLst/>
+          </a:prstGeom>
+          <a:noFill/>
+          <a:ln>
+            <a:noFill/>
+          </a:ln>
+          <a:extLst>
+            <a:ext uri="{909E8E84-426E-40DD-AFC4-6F175D3DCCD1}">
+              <a14:hiddenFill xmlns:a14="http://schemas.microsoft.com/office/drawing/2010/main">
+                <a:solidFill>
+                  <a:srgbClr val="FFFFFF"/>
+                </a:solidFill>
+              </a14:hiddenFill>
+            </a:ext>
+            <a:ext uri="{91240B29-F687-4F45-9708-019B960494DF}">
+              <a14:hiddenLine xmlns:a14="http://schemas.microsoft.com/office/drawing/2010/main" w="9525">
+                <a:solidFill>
+                  <a:srgbClr val="000000"/>
+                </a:solidFill>
+                <a:miter lim="800000"/>
+                <a:headEnd/>
+                <a:tailEnd/>
+              </a14:hiddenLine>
+            </a:ext>
+          </a:extLst>
+        </p:spPr>
+      </p:pic>
+      <p:pic>
+        <p:nvPicPr>
+          <p:cNvPr id="62" name="Graphic 6">
+            <a:extLst>
+              <a:ext uri="{FF2B5EF4-FFF2-40B4-BE49-F238E27FC236}">
+                <a16:creationId xmlns:a16="http://schemas.microsoft.com/office/drawing/2014/main" id="{ECFF1106-CBAA-45E0-9A94-FC620828373A}"/>
               </a:ext>
             </a:extLst>
           </p:cNvPr>
@@ -6807,7 +6573,7 @@
         </p:blipFill>
         <p:spPr bwMode="auto">
           <a:xfrm>
-            <a:off x="8834083" y="9102477"/>
+            <a:off x="12308563" y="9102477"/>
             <a:ext cx="762000" cy="762000"/>
           </a:xfrm>
           <a:prstGeom prst="rect">
@@ -6840,10 +6606,10 @@
       </p:pic>
       <p:pic>
         <p:nvPicPr>
-          <p:cNvPr id="57" name="Graphic 17">
+          <p:cNvPr id="63" name="Graphic 21">
             <a:extLst>
               <a:ext uri="{FF2B5EF4-FFF2-40B4-BE49-F238E27FC236}">
-                <a16:creationId xmlns:a16="http://schemas.microsoft.com/office/drawing/2014/main" id="{0F0098D1-7284-4423-A181-2CFF8FF95B0F}"/>
+                <a16:creationId xmlns:a16="http://schemas.microsoft.com/office/drawing/2014/main" id="{42B75D60-C1A5-4DC5-8A46-B143144EAF10}"/>
               </a:ext>
             </a:extLst>
           </p:cNvPr>
@@ -6854,126 +6620,6 @@
         </p:nvPicPr>
         <p:blipFill>
           <a:blip r:embed="rId17">
-            <a:extLst>
-              <a:ext uri="{28A0092B-C50C-407E-A947-70E740481C1C}">
-                <a14:useLocalDpi xmlns:a14="http://schemas.microsoft.com/office/drawing/2010/main" val="0"/>
-              </a:ext>
-            </a:extLst>
-          </a:blip>
-          <a:srcRect/>
-          <a:stretch>
-            <a:fillRect/>
-          </a:stretch>
-        </p:blipFill>
-        <p:spPr bwMode="auto">
-          <a:xfrm>
-            <a:off x="10565227" y="9102477"/>
-            <a:ext cx="762000" cy="762000"/>
-          </a:xfrm>
-          <a:prstGeom prst="rect">
-            <a:avLst/>
-          </a:prstGeom>
-          <a:noFill/>
-          <a:ln>
-            <a:noFill/>
-          </a:ln>
-          <a:extLst>
-            <a:ext uri="{909E8E84-426E-40DD-AFC4-6F175D3DCCD1}">
-              <a14:hiddenFill xmlns:a14="http://schemas.microsoft.com/office/drawing/2010/main">
-                <a:solidFill>
-                  <a:srgbClr val="FFFFFF"/>
-                </a:solidFill>
-              </a14:hiddenFill>
-            </a:ext>
-            <a:ext uri="{91240B29-F687-4F45-9708-019B960494DF}">
-              <a14:hiddenLine xmlns:a14="http://schemas.microsoft.com/office/drawing/2010/main" w="9525">
-                <a:solidFill>
-                  <a:srgbClr val="000000"/>
-                </a:solidFill>
-                <a:miter lim="800000"/>
-                <a:headEnd/>
-                <a:tailEnd/>
-              </a14:hiddenLine>
-            </a:ext>
-          </a:extLst>
-        </p:spPr>
-      </p:pic>
-      <p:pic>
-        <p:nvPicPr>
-          <p:cNvPr id="62" name="Graphic 6">
-            <a:extLst>
-              <a:ext uri="{FF2B5EF4-FFF2-40B4-BE49-F238E27FC236}">
-                <a16:creationId xmlns:a16="http://schemas.microsoft.com/office/drawing/2014/main" id="{ECFF1106-CBAA-45E0-9A94-FC620828373A}"/>
-              </a:ext>
-            </a:extLst>
-          </p:cNvPr>
-          <p:cNvPicPr>
-            <a:picLocks noChangeAspect="1" noChangeArrowheads="1"/>
-          </p:cNvPicPr>
-          <p:nvPr/>
-        </p:nvPicPr>
-        <p:blipFill>
-          <a:blip r:embed="rId18">
-            <a:extLst>
-              <a:ext uri="{28A0092B-C50C-407E-A947-70E740481C1C}">
-                <a14:useLocalDpi xmlns:a14="http://schemas.microsoft.com/office/drawing/2010/main" val="0"/>
-              </a:ext>
-            </a:extLst>
-          </a:blip>
-          <a:srcRect/>
-          <a:stretch>
-            <a:fillRect/>
-          </a:stretch>
-        </p:blipFill>
-        <p:spPr bwMode="auto">
-          <a:xfrm>
-            <a:off x="12308563" y="9102477"/>
-            <a:ext cx="762000" cy="762000"/>
-          </a:xfrm>
-          <a:prstGeom prst="rect">
-            <a:avLst/>
-          </a:prstGeom>
-          <a:noFill/>
-          <a:ln>
-            <a:noFill/>
-          </a:ln>
-          <a:extLst>
-            <a:ext uri="{909E8E84-426E-40DD-AFC4-6F175D3DCCD1}">
-              <a14:hiddenFill xmlns:a14="http://schemas.microsoft.com/office/drawing/2010/main">
-                <a:solidFill>
-                  <a:srgbClr val="FFFFFF"/>
-                </a:solidFill>
-              </a14:hiddenFill>
-            </a:ext>
-            <a:ext uri="{91240B29-F687-4F45-9708-019B960494DF}">
-              <a14:hiddenLine xmlns:a14="http://schemas.microsoft.com/office/drawing/2010/main" w="9525">
-                <a:solidFill>
-                  <a:srgbClr val="000000"/>
-                </a:solidFill>
-                <a:miter lim="800000"/>
-                <a:headEnd/>
-                <a:tailEnd/>
-              </a14:hiddenLine>
-            </a:ext>
-          </a:extLst>
-        </p:spPr>
-      </p:pic>
-      <p:pic>
-        <p:nvPicPr>
-          <p:cNvPr id="63" name="Graphic 21">
-            <a:extLst>
-              <a:ext uri="{FF2B5EF4-FFF2-40B4-BE49-F238E27FC236}">
-                <a16:creationId xmlns:a16="http://schemas.microsoft.com/office/drawing/2014/main" id="{42B75D60-C1A5-4DC5-8A46-B143144EAF10}"/>
-              </a:ext>
-            </a:extLst>
-          </p:cNvPr>
-          <p:cNvPicPr>
-            <a:picLocks noChangeAspect="1" noChangeArrowheads="1"/>
-          </p:cNvPicPr>
-          <p:nvPr/>
-        </p:nvPicPr>
-        <p:blipFill>
-          <a:blip r:embed="rId19">
             <a:extLst>
               <a:ext uri="{28A0092B-C50C-407E-A947-70E740481C1C}">
                 <a14:useLocalDpi xmlns:a14="http://schemas.microsoft.com/office/drawing/2010/main" val="0"/>
@@ -7103,10 +6749,10 @@
           <p:nvPr/>
         </p:nvPicPr>
         <p:blipFill>
-          <a:blip r:embed="rId20">
+          <a:blip r:embed="rId18">
             <a:extLst>
               <a:ext uri="{96DAC541-7B7A-43D3-8B79-37D633B846F1}">
-                <asvg:svgBlip xmlns:asvg="http://schemas.microsoft.com/office/drawing/2016/SVG/main" r:embed="rId21"/>
+                <asvg:svgBlip xmlns:asvg="http://schemas.microsoft.com/office/drawing/2016/SVG/main" r:embed="rId19"/>
               </a:ext>
             </a:extLst>
           </a:blip>
@@ -7116,6 +6762,318 @@
         <p:spPr>
           <a:xfrm>
             <a:off x="5480366" y="4383072"/>
+            <a:ext cx="381000" cy="381000"/>
+          </a:xfrm>
+          <a:prstGeom prst="rect">
+            <a:avLst/>
+          </a:prstGeom>
+        </p:spPr>
+      </p:pic>
+      <p:sp>
+        <p:nvSpPr>
+          <p:cNvPr id="75" name="Rectangle 74">
+            <a:extLst>
+              <a:ext uri="{FF2B5EF4-FFF2-40B4-BE49-F238E27FC236}">
+                <a16:creationId xmlns:a16="http://schemas.microsoft.com/office/drawing/2014/main" id="{4DDA990D-4C92-4A36-B915-748448103B85}"/>
+              </a:ext>
+            </a:extLst>
+          </p:cNvPr>
+          <p:cNvSpPr/>
+          <p:nvPr/>
+        </p:nvSpPr>
+        <p:spPr>
+          <a:xfrm>
+            <a:off x="6547425" y="4583304"/>
+            <a:ext cx="2075688" cy="2294205"/>
+          </a:xfrm>
+          <a:prstGeom prst="rect">
+            <a:avLst/>
+          </a:prstGeom>
+          <a:solidFill>
+            <a:srgbClr val="1D8900">
+              <a:alpha val="9804"/>
+            </a:srgbClr>
+          </a:solidFill>
+          <a:ln w="12700">
+            <a:noFill/>
+            <a:prstDash val="dash"/>
+          </a:ln>
+        </p:spPr>
+        <p:style>
+          <a:lnRef idx="2">
+            <a:schemeClr val="accent1">
+              <a:shade val="50000"/>
+            </a:schemeClr>
+          </a:lnRef>
+          <a:fillRef idx="1">
+            <a:schemeClr val="accent1"/>
+          </a:fillRef>
+          <a:effectRef idx="0">
+            <a:schemeClr val="accent1"/>
+          </a:effectRef>
+          <a:fontRef idx="minor">
+            <a:schemeClr val="lt1"/>
+          </a:fontRef>
+        </p:style>
+        <p:txBody>
+          <a:bodyPr rot="0" spcFirstLastPara="0" vertOverflow="overflow" horzOverflow="overflow" vert="horz" wrap="square" lIns="502920" tIns="68580" rIns="137160" bIns="68580" numCol="1" spcCol="0" rtlCol="0" fromWordArt="0" anchor="t" anchorCtr="0" forceAA="0" compatLnSpc="1">
+            <a:prstTxWarp prst="textNoShape">
+              <a:avLst/>
+            </a:prstTxWarp>
+            <a:noAutofit/>
+          </a:bodyPr>
+          <a:lstStyle/>
+          <a:p>
+            <a:r>
+              <a:rPr lang="en-US" sz="1200" dirty="0">
+                <a:solidFill>
+                  <a:srgbClr val="1E8900"/>
+                </a:solidFill>
+                <a:latin typeface="Arial" panose="020B0604020202020204" pitchFamily="34" charset="0"/>
+                <a:cs typeface="Arial" panose="020B0604020202020204" pitchFamily="34" charset="0"/>
+              </a:rPr>
+              <a:t>Public subnet</a:t>
+            </a:r>
+          </a:p>
+        </p:txBody>
+      </p:sp>
+      <p:pic>
+        <p:nvPicPr>
+          <p:cNvPr id="76" name="Graphic 75">
+            <a:extLst>
+              <a:ext uri="{FF2B5EF4-FFF2-40B4-BE49-F238E27FC236}">
+                <a16:creationId xmlns:a16="http://schemas.microsoft.com/office/drawing/2014/main" id="{3E2ABB06-2B74-4794-BDC7-48FA93E802F5}"/>
+              </a:ext>
+            </a:extLst>
+          </p:cNvPr>
+          <p:cNvPicPr>
+            <a:picLocks noChangeAspect="1"/>
+          </p:cNvPicPr>
+          <p:nvPr/>
+        </p:nvPicPr>
+        <p:blipFill>
+          <a:blip r:embed="rId20">
+            <a:extLst>
+              <a:ext uri="{96DAC541-7B7A-43D3-8B79-37D633B846F1}">
+                <asvg:svgBlip xmlns:asvg="http://schemas.microsoft.com/office/drawing/2016/SVG/main" r:embed="rId21"/>
+              </a:ext>
+            </a:extLst>
+          </a:blip>
+          <a:stretch>
+            <a:fillRect/>
+          </a:stretch>
+        </p:blipFill>
+        <p:spPr>
+          <a:xfrm>
+            <a:off x="6547425" y="4583305"/>
+            <a:ext cx="381000" cy="381000"/>
+          </a:xfrm>
+          <a:prstGeom prst="rect">
+            <a:avLst/>
+          </a:prstGeom>
+        </p:spPr>
+      </p:pic>
+      <p:sp>
+        <p:nvSpPr>
+          <p:cNvPr id="77" name="Rectangle 76">
+            <a:extLst>
+              <a:ext uri="{FF2B5EF4-FFF2-40B4-BE49-F238E27FC236}">
+                <a16:creationId xmlns:a16="http://schemas.microsoft.com/office/drawing/2014/main" id="{25BEA593-E713-4EF1-8E8A-A70F1085D273}"/>
+              </a:ext>
+            </a:extLst>
+          </p:cNvPr>
+          <p:cNvSpPr/>
+          <p:nvPr/>
+        </p:nvSpPr>
+        <p:spPr>
+          <a:xfrm>
+            <a:off x="10507979" y="4573124"/>
+            <a:ext cx="2075688" cy="2294205"/>
+          </a:xfrm>
+          <a:prstGeom prst="rect">
+            <a:avLst/>
+          </a:prstGeom>
+          <a:solidFill>
+            <a:srgbClr val="1D8900">
+              <a:alpha val="9804"/>
+            </a:srgbClr>
+          </a:solidFill>
+          <a:ln w="12700">
+            <a:noFill/>
+            <a:prstDash val="dash"/>
+          </a:ln>
+        </p:spPr>
+        <p:style>
+          <a:lnRef idx="2">
+            <a:schemeClr val="accent1">
+              <a:shade val="50000"/>
+            </a:schemeClr>
+          </a:lnRef>
+          <a:fillRef idx="1">
+            <a:schemeClr val="accent1"/>
+          </a:fillRef>
+          <a:effectRef idx="0">
+            <a:schemeClr val="accent1"/>
+          </a:effectRef>
+          <a:fontRef idx="minor">
+            <a:schemeClr val="lt1"/>
+          </a:fontRef>
+        </p:style>
+        <p:txBody>
+          <a:bodyPr rot="0" spcFirstLastPara="0" vertOverflow="overflow" horzOverflow="overflow" vert="horz" wrap="square" lIns="502920" tIns="68580" rIns="137160" bIns="68580" numCol="1" spcCol="0" rtlCol="0" fromWordArt="0" anchor="t" anchorCtr="0" forceAA="0" compatLnSpc="1">
+            <a:prstTxWarp prst="textNoShape">
+              <a:avLst/>
+            </a:prstTxWarp>
+            <a:noAutofit/>
+          </a:bodyPr>
+          <a:lstStyle/>
+          <a:p>
+            <a:r>
+              <a:rPr lang="en-US" sz="1200" dirty="0">
+                <a:solidFill>
+                  <a:srgbClr val="1E8900"/>
+                </a:solidFill>
+                <a:latin typeface="Arial" panose="020B0604020202020204" pitchFamily="34" charset="0"/>
+                <a:cs typeface="Arial" panose="020B0604020202020204" pitchFamily="34" charset="0"/>
+              </a:rPr>
+              <a:t>Public subnet</a:t>
+            </a:r>
+          </a:p>
+        </p:txBody>
+      </p:sp>
+      <p:pic>
+        <p:nvPicPr>
+          <p:cNvPr id="78" name="Graphic 77">
+            <a:extLst>
+              <a:ext uri="{FF2B5EF4-FFF2-40B4-BE49-F238E27FC236}">
+                <a16:creationId xmlns:a16="http://schemas.microsoft.com/office/drawing/2014/main" id="{58BCE3E5-1ECD-48BC-A4B4-58590C508EE3}"/>
+              </a:ext>
+            </a:extLst>
+          </p:cNvPr>
+          <p:cNvPicPr>
+            <a:picLocks noChangeAspect="1"/>
+          </p:cNvPicPr>
+          <p:nvPr/>
+        </p:nvPicPr>
+        <p:blipFill>
+          <a:blip r:embed="rId20">
+            <a:extLst>
+              <a:ext uri="{96DAC541-7B7A-43D3-8B79-37D633B846F1}">
+                <asvg:svgBlip xmlns:asvg="http://schemas.microsoft.com/office/drawing/2016/SVG/main" r:embed="rId21"/>
+              </a:ext>
+            </a:extLst>
+          </a:blip>
+          <a:stretch>
+            <a:fillRect/>
+          </a:stretch>
+        </p:blipFill>
+        <p:spPr>
+          <a:xfrm>
+            <a:off x="10507979" y="4573125"/>
+            <a:ext cx="381000" cy="381000"/>
+          </a:xfrm>
+          <a:prstGeom prst="rect">
+            <a:avLst/>
+          </a:prstGeom>
+        </p:spPr>
+      </p:pic>
+      <p:sp>
+        <p:nvSpPr>
+          <p:cNvPr id="81" name="Rectangle 80">
+            <a:extLst>
+              <a:ext uri="{FF2B5EF4-FFF2-40B4-BE49-F238E27FC236}">
+                <a16:creationId xmlns:a16="http://schemas.microsoft.com/office/drawing/2014/main" id="{A97FD959-2657-4D69-AABC-059E75CDE7A7}"/>
+              </a:ext>
+            </a:extLst>
+          </p:cNvPr>
+          <p:cNvSpPr/>
+          <p:nvPr/>
+        </p:nvSpPr>
+        <p:spPr>
+          <a:xfrm>
+            <a:off x="13250973" y="4556576"/>
+            <a:ext cx="2075688" cy="2294205"/>
+          </a:xfrm>
+          <a:prstGeom prst="rect">
+            <a:avLst/>
+          </a:prstGeom>
+          <a:solidFill>
+            <a:srgbClr val="1D8900">
+              <a:alpha val="9804"/>
+            </a:srgbClr>
+          </a:solidFill>
+          <a:ln w="12700">
+            <a:noFill/>
+            <a:prstDash val="dash"/>
+          </a:ln>
+        </p:spPr>
+        <p:style>
+          <a:lnRef idx="2">
+            <a:schemeClr val="accent1">
+              <a:shade val="50000"/>
+            </a:schemeClr>
+          </a:lnRef>
+          <a:fillRef idx="1">
+            <a:schemeClr val="accent1"/>
+          </a:fillRef>
+          <a:effectRef idx="0">
+            <a:schemeClr val="accent1"/>
+          </a:effectRef>
+          <a:fontRef idx="minor">
+            <a:schemeClr val="lt1"/>
+          </a:fontRef>
+        </p:style>
+        <p:txBody>
+          <a:bodyPr rot="0" spcFirstLastPara="0" vertOverflow="overflow" horzOverflow="overflow" vert="horz" wrap="square" lIns="502920" tIns="68580" rIns="137160" bIns="68580" numCol="1" spcCol="0" rtlCol="0" fromWordArt="0" anchor="t" anchorCtr="0" forceAA="0" compatLnSpc="1">
+            <a:prstTxWarp prst="textNoShape">
+              <a:avLst/>
+            </a:prstTxWarp>
+            <a:noAutofit/>
+          </a:bodyPr>
+          <a:lstStyle/>
+          <a:p>
+            <a:r>
+              <a:rPr lang="en-US" sz="1200" dirty="0">
+                <a:solidFill>
+                  <a:srgbClr val="1E8900"/>
+                </a:solidFill>
+                <a:latin typeface="Arial" panose="020B0604020202020204" pitchFamily="34" charset="0"/>
+                <a:cs typeface="Arial" panose="020B0604020202020204" pitchFamily="34" charset="0"/>
+              </a:rPr>
+              <a:t>Public subnet</a:t>
+            </a:r>
+          </a:p>
+        </p:txBody>
+      </p:sp>
+      <p:pic>
+        <p:nvPicPr>
+          <p:cNvPr id="82" name="Graphic 81">
+            <a:extLst>
+              <a:ext uri="{FF2B5EF4-FFF2-40B4-BE49-F238E27FC236}">
+                <a16:creationId xmlns:a16="http://schemas.microsoft.com/office/drawing/2014/main" id="{FF758C1A-ABEF-4B87-A468-EB0F700B5F4C}"/>
+              </a:ext>
+            </a:extLst>
+          </p:cNvPr>
+          <p:cNvPicPr>
+            <a:picLocks noChangeAspect="1"/>
+          </p:cNvPicPr>
+          <p:nvPr/>
+        </p:nvPicPr>
+        <p:blipFill>
+          <a:blip r:embed="rId20">
+            <a:extLst>
+              <a:ext uri="{96DAC541-7B7A-43D3-8B79-37D633B846F1}">
+                <asvg:svgBlip xmlns:asvg="http://schemas.microsoft.com/office/drawing/2016/SVG/main" r:embed="rId21"/>
+              </a:ext>
+            </a:extLst>
+          </a:blip>
+          <a:stretch>
+            <a:fillRect/>
+          </a:stretch>
+        </p:blipFill>
+        <p:spPr>
+          <a:xfrm>
+            <a:off x="13250973" y="4556577"/>
             <a:ext cx="381000" cy="381000"/>
           </a:xfrm>
           <a:prstGeom prst="rect">

--- a/doc/eks-architecture-examples/discngine-3decision-architecture-diagram.pptx
+++ b/doc/eks-architecture-examples/discngine-3decision-architecture-diagram.pptx
@@ -243,7 +243,7 @@
           <a:p>
             <a:fld id="{87F3BBB2-E533-43A8-AA78-2DC6FC5FE5A0}" type="datetimeFigureOut">
               <a:rPr lang="en-US" smtClean="0"/>
-              <a:t>2/9/2023</a:t>
+              <a:t>4/17/2023</a:t>
             </a:fld>
             <a:endParaRPr lang="en-US"/>
           </a:p>
@@ -413,7 +413,7 @@
           <a:p>
             <a:fld id="{87F3BBB2-E533-43A8-AA78-2DC6FC5FE5A0}" type="datetimeFigureOut">
               <a:rPr lang="en-US" smtClean="0"/>
-              <a:t>2/9/2023</a:t>
+              <a:t>4/17/2023</a:t>
             </a:fld>
             <a:endParaRPr lang="en-US"/>
           </a:p>
@@ -593,7 +593,7 @@
           <a:p>
             <a:fld id="{87F3BBB2-E533-43A8-AA78-2DC6FC5FE5A0}" type="datetimeFigureOut">
               <a:rPr lang="en-US" smtClean="0"/>
-              <a:t>2/9/2023</a:t>
+              <a:t>4/17/2023</a:t>
             </a:fld>
             <a:endParaRPr lang="en-US"/>
           </a:p>
@@ -763,7 +763,7 @@
           <a:p>
             <a:fld id="{87F3BBB2-E533-43A8-AA78-2DC6FC5FE5A0}" type="datetimeFigureOut">
               <a:rPr lang="en-US" smtClean="0"/>
-              <a:t>2/9/2023</a:t>
+              <a:t>4/17/2023</a:t>
             </a:fld>
             <a:endParaRPr lang="en-US"/>
           </a:p>
@@ -1007,7 +1007,7 @@
           <a:p>
             <a:fld id="{87F3BBB2-E533-43A8-AA78-2DC6FC5FE5A0}" type="datetimeFigureOut">
               <a:rPr lang="en-US" smtClean="0"/>
-              <a:t>2/9/2023</a:t>
+              <a:t>4/17/2023</a:t>
             </a:fld>
             <a:endParaRPr lang="en-US"/>
           </a:p>
@@ -1239,7 +1239,7 @@
           <a:p>
             <a:fld id="{87F3BBB2-E533-43A8-AA78-2DC6FC5FE5A0}" type="datetimeFigureOut">
               <a:rPr lang="en-US" smtClean="0"/>
-              <a:t>2/9/2023</a:t>
+              <a:t>4/17/2023</a:t>
             </a:fld>
             <a:endParaRPr lang="en-US"/>
           </a:p>
@@ -1606,7 +1606,7 @@
           <a:p>
             <a:fld id="{87F3BBB2-E533-43A8-AA78-2DC6FC5FE5A0}" type="datetimeFigureOut">
               <a:rPr lang="en-US" smtClean="0"/>
-              <a:t>2/9/2023</a:t>
+              <a:t>4/17/2023</a:t>
             </a:fld>
             <a:endParaRPr lang="en-US"/>
           </a:p>
@@ -1724,7 +1724,7 @@
           <a:p>
             <a:fld id="{87F3BBB2-E533-43A8-AA78-2DC6FC5FE5A0}" type="datetimeFigureOut">
               <a:rPr lang="en-US" smtClean="0"/>
-              <a:t>2/9/2023</a:t>
+              <a:t>4/17/2023</a:t>
             </a:fld>
             <a:endParaRPr lang="en-US"/>
           </a:p>
@@ -1819,7 +1819,7 @@
           <a:p>
             <a:fld id="{87F3BBB2-E533-43A8-AA78-2DC6FC5FE5A0}" type="datetimeFigureOut">
               <a:rPr lang="en-US" smtClean="0"/>
-              <a:t>2/9/2023</a:t>
+              <a:t>4/17/2023</a:t>
             </a:fld>
             <a:endParaRPr lang="en-US"/>
           </a:p>
@@ -2096,7 +2096,7 @@
           <a:p>
             <a:fld id="{87F3BBB2-E533-43A8-AA78-2DC6FC5FE5A0}" type="datetimeFigureOut">
               <a:rPr lang="en-US" smtClean="0"/>
-              <a:t>2/9/2023</a:t>
+              <a:t>4/17/2023</a:t>
             </a:fld>
             <a:endParaRPr lang="en-US"/>
           </a:p>
@@ -2353,7 +2353,7 @@
           <a:p>
             <a:fld id="{87F3BBB2-E533-43A8-AA78-2DC6FC5FE5A0}" type="datetimeFigureOut">
               <a:rPr lang="en-US" smtClean="0"/>
-              <a:t>2/9/2023</a:t>
+              <a:t>4/17/2023</a:t>
             </a:fld>
             <a:endParaRPr lang="en-US"/>
           </a:p>
@@ -2566,7 +2566,7 @@
           <a:p>
             <a:fld id="{87F3BBB2-E533-43A8-AA78-2DC6FC5FE5A0}" type="datetimeFigureOut">
               <a:rPr lang="en-US" smtClean="0"/>
-              <a:t>2/9/2023</a:t>
+              <a:t>4/17/2023</a:t>
             </a:fld>
             <a:endParaRPr lang="en-US"/>
           </a:p>
@@ -2973,569 +2973,1279 @@
       </p:grpSpPr>
       <p:sp>
         <p:nvSpPr>
-          <p:cNvPr id="67" name="Rectangle 66">
+          <p:cNvPr id="22" name="TextBox 12">
             <a:extLst>
               <a:ext uri="{FF2B5EF4-FFF2-40B4-BE49-F238E27FC236}">
-                <a16:creationId xmlns:a16="http://schemas.microsoft.com/office/drawing/2014/main" id="{A780B0EF-0419-4857-97F0-EBA51E876D06}"/>
+                <a16:creationId xmlns:a16="http://schemas.microsoft.com/office/drawing/2014/main" id="{9D0E20BB-D8FD-4B32-9BC4-FCF149D8447F}"/>
               </a:ext>
             </a:extLst>
           </p:cNvPr>
-          <p:cNvSpPr/>
+          <p:cNvSpPr txBox="1">
+            <a:spLocks noChangeArrowheads="1"/>
+          </p:cNvSpPr>
           <p:nvPr/>
         </p:nvSpPr>
-        <p:spPr>
+        <p:spPr bwMode="auto">
           <a:xfrm>
-            <a:off x="6547425" y="7019592"/>
-            <a:ext cx="2075481" cy="1463040"/>
+            <a:off x="6035094" y="11689387"/>
+            <a:ext cx="1737360" cy="276999"/>
           </a:xfrm>
           <a:prstGeom prst="rect">
             <a:avLst/>
           </a:prstGeom>
-          <a:solidFill>
-            <a:srgbClr val="007CBC">
-              <a:alpha val="9804"/>
-            </a:srgbClr>
-          </a:solidFill>
-          <a:ln w="12700">
+          <a:noFill/>
+          <a:ln>
             <a:noFill/>
-            <a:prstDash val="dash"/>
           </a:ln>
+          <a:extLst>
+            <a:ext uri="{909E8E84-426E-40DD-AFC4-6F175D3DCCD1}">
+              <a14:hiddenFill xmlns:a14="http://schemas.microsoft.com/office/drawing/2010/main">
+                <a:solidFill>
+                  <a:srgbClr val="FFFFFF"/>
+                </a:solidFill>
+              </a14:hiddenFill>
+            </a:ext>
+            <a:ext uri="{91240B29-F687-4F45-9708-019B960494DF}">
+              <a14:hiddenLine xmlns:a14="http://schemas.microsoft.com/office/drawing/2010/main" w="9525">
+                <a:solidFill>
+                  <a:srgbClr val="000000"/>
+                </a:solidFill>
+                <a:miter lim="800000"/>
+                <a:headEnd/>
+                <a:tailEnd/>
+              </a14:hiddenLine>
+            </a:ext>
+          </a:extLst>
         </p:spPr>
-        <p:style>
-          <a:lnRef idx="2">
-            <a:schemeClr val="accent1">
-              <a:shade val="50000"/>
-            </a:schemeClr>
-          </a:lnRef>
-          <a:fillRef idx="1">
-            <a:schemeClr val="accent1"/>
-          </a:fillRef>
-          <a:effectRef idx="0">
-            <a:schemeClr val="accent1"/>
-          </a:effectRef>
-          <a:fontRef idx="minor">
-            <a:schemeClr val="lt1"/>
-          </a:fontRef>
-        </p:style>
-        <p:txBody>
-          <a:bodyPr lIns="502920"/>
-          <a:lstStyle/>
-          <a:p>
-            <a:pPr eaLnBrk="1" fontAlgn="auto" hangingPunct="1">
+        <p:txBody>
+          <a:bodyPr>
+            <a:spAutoFit/>
+          </a:bodyPr>
+          <a:lstStyle>
+            <a:lvl1pPr>
+              <a:defRPr>
+                <a:solidFill>
+                  <a:schemeClr val="tx1"/>
+                </a:solidFill>
+                <a:latin typeface="Calibri" panose="020F0502020204030204" pitchFamily="34" charset="0"/>
+              </a:defRPr>
+            </a:lvl1pPr>
+            <a:lvl2pPr marL="742950" indent="-285750">
+              <a:defRPr>
+                <a:solidFill>
+                  <a:schemeClr val="tx1"/>
+                </a:solidFill>
+                <a:latin typeface="Calibri" panose="020F0502020204030204" pitchFamily="34" charset="0"/>
+              </a:defRPr>
+            </a:lvl2pPr>
+            <a:lvl3pPr marL="1143000" indent="-228600">
+              <a:defRPr>
+                <a:solidFill>
+                  <a:schemeClr val="tx1"/>
+                </a:solidFill>
+                <a:latin typeface="Calibri" panose="020F0502020204030204" pitchFamily="34" charset="0"/>
+              </a:defRPr>
+            </a:lvl3pPr>
+            <a:lvl4pPr marL="1600200" indent="-228600">
+              <a:defRPr>
+                <a:solidFill>
+                  <a:schemeClr val="tx1"/>
+                </a:solidFill>
+                <a:latin typeface="Calibri" panose="020F0502020204030204" pitchFamily="34" charset="0"/>
+              </a:defRPr>
+            </a:lvl4pPr>
+            <a:lvl5pPr marL="2057400" indent="-228600">
+              <a:defRPr>
+                <a:solidFill>
+                  <a:schemeClr val="tx1"/>
+                </a:solidFill>
+                <a:latin typeface="Calibri" panose="020F0502020204030204" pitchFamily="34" charset="0"/>
+              </a:defRPr>
+            </a:lvl5pPr>
+            <a:lvl6pPr marL="2514600" indent="-228600" eaLnBrk="0" fontAlgn="base" hangingPunct="0">
               <a:spcBef>
-                <a:spcPts val="0"/>
+                <a:spcPct val="0"/>
               </a:spcBef>
               <a:spcAft>
-                <a:spcPts val="0"/>
+                <a:spcPct val="0"/>
               </a:spcAft>
-              <a:defRPr/>
-            </a:pPr>
+              <a:defRPr>
+                <a:solidFill>
+                  <a:schemeClr val="tx1"/>
+                </a:solidFill>
+                <a:latin typeface="Calibri" panose="020F0502020204030204" pitchFamily="34" charset="0"/>
+              </a:defRPr>
+            </a:lvl6pPr>
+            <a:lvl7pPr marL="2971800" indent="-228600" eaLnBrk="0" fontAlgn="base" hangingPunct="0">
+              <a:spcBef>
+                <a:spcPct val="0"/>
+              </a:spcBef>
+              <a:spcAft>
+                <a:spcPct val="0"/>
+              </a:spcAft>
+              <a:defRPr>
+                <a:solidFill>
+                  <a:schemeClr val="tx1"/>
+                </a:solidFill>
+                <a:latin typeface="Calibri" panose="020F0502020204030204" pitchFamily="34" charset="0"/>
+              </a:defRPr>
+            </a:lvl7pPr>
+            <a:lvl8pPr marL="3429000" indent="-228600" eaLnBrk="0" fontAlgn="base" hangingPunct="0">
+              <a:spcBef>
+                <a:spcPct val="0"/>
+              </a:spcBef>
+              <a:spcAft>
+                <a:spcPct val="0"/>
+              </a:spcAft>
+              <a:defRPr>
+                <a:solidFill>
+                  <a:schemeClr val="tx1"/>
+                </a:solidFill>
+                <a:latin typeface="Calibri" panose="020F0502020204030204" pitchFamily="34" charset="0"/>
+              </a:defRPr>
+            </a:lvl8pPr>
+            <a:lvl9pPr marL="3886200" indent="-228600" eaLnBrk="0" fontAlgn="base" hangingPunct="0">
+              <a:spcBef>
+                <a:spcPct val="0"/>
+              </a:spcBef>
+              <a:spcAft>
+                <a:spcPct val="0"/>
+              </a:spcAft>
+              <a:defRPr>
+                <a:solidFill>
+                  <a:schemeClr val="tx1"/>
+                </a:solidFill>
+                <a:latin typeface="Calibri" panose="020F0502020204030204" pitchFamily="34" charset="0"/>
+              </a:defRPr>
+            </a:lvl9pPr>
+          </a:lstStyle>
+          <a:p>
+            <a:pPr algn="ctr" eaLnBrk="1" hangingPunct="1"/>
+            <a:r>
+              <a:rPr lang="en-US" altLang="en-US" sz="1200" dirty="0">
+                <a:latin typeface="Arial" panose="020B0604020202020204" pitchFamily="34" charset="0"/>
+                <a:ea typeface="Amazon Ember" panose="020B0603020204020204" pitchFamily="34" charset="0"/>
+                <a:cs typeface="Arial" panose="020B0604020202020204" pitchFamily="34" charset="0"/>
+              </a:rPr>
+              <a:t>Elastic Load Balancing</a:t>
+            </a:r>
+          </a:p>
+        </p:txBody>
+      </p:sp>
+      <p:sp>
+        <p:nvSpPr>
+          <p:cNvPr id="23" name="TextBox 9">
+            <a:extLst>
+              <a:ext uri="{FF2B5EF4-FFF2-40B4-BE49-F238E27FC236}">
+                <a16:creationId xmlns:a16="http://schemas.microsoft.com/office/drawing/2014/main" id="{7B3F2410-50D0-43A7-A68B-41492420D351}"/>
+              </a:ext>
+            </a:extLst>
+          </p:cNvPr>
+          <p:cNvSpPr txBox="1">
+            <a:spLocks noChangeArrowheads="1"/>
+          </p:cNvSpPr>
+          <p:nvPr/>
+        </p:nvSpPr>
+        <p:spPr bwMode="auto">
+          <a:xfrm>
+            <a:off x="8110876" y="11688301"/>
+            <a:ext cx="1737360" cy="276999"/>
+          </a:xfrm>
+          <a:prstGeom prst="rect">
+            <a:avLst/>
+          </a:prstGeom>
+          <a:noFill/>
+          <a:ln>
+            <a:noFill/>
+          </a:ln>
+          <a:extLst>
+            <a:ext uri="{909E8E84-426E-40DD-AFC4-6F175D3DCCD1}">
+              <a14:hiddenFill xmlns:a14="http://schemas.microsoft.com/office/drawing/2010/main">
+                <a:solidFill>
+                  <a:srgbClr val="FFFFFF"/>
+                </a:solidFill>
+              </a14:hiddenFill>
+            </a:ext>
+            <a:ext uri="{91240B29-F687-4F45-9708-019B960494DF}">
+              <a14:hiddenLine xmlns:a14="http://schemas.microsoft.com/office/drawing/2010/main" w="9525">
+                <a:solidFill>
+                  <a:srgbClr val="000000"/>
+                </a:solidFill>
+                <a:miter lim="800000"/>
+                <a:headEnd/>
+                <a:tailEnd/>
+              </a14:hiddenLine>
+            </a:ext>
+          </a:extLst>
+        </p:spPr>
+        <p:txBody>
+          <a:bodyPr wrap="square">
+            <a:spAutoFit/>
+          </a:bodyPr>
+          <a:lstStyle>
+            <a:lvl1pPr>
+              <a:defRPr>
+                <a:solidFill>
+                  <a:schemeClr val="tx1"/>
+                </a:solidFill>
+                <a:latin typeface="Calibri" panose="020F0502020204030204" pitchFamily="34" charset="0"/>
+              </a:defRPr>
+            </a:lvl1pPr>
+            <a:lvl2pPr marL="742950" indent="-285750">
+              <a:defRPr>
+                <a:solidFill>
+                  <a:schemeClr val="tx1"/>
+                </a:solidFill>
+                <a:latin typeface="Calibri" panose="020F0502020204030204" pitchFamily="34" charset="0"/>
+              </a:defRPr>
+            </a:lvl2pPr>
+            <a:lvl3pPr marL="1143000" indent="-228600">
+              <a:defRPr>
+                <a:solidFill>
+                  <a:schemeClr val="tx1"/>
+                </a:solidFill>
+                <a:latin typeface="Calibri" panose="020F0502020204030204" pitchFamily="34" charset="0"/>
+              </a:defRPr>
+            </a:lvl3pPr>
+            <a:lvl4pPr marL="1600200" indent="-228600">
+              <a:defRPr>
+                <a:solidFill>
+                  <a:schemeClr val="tx1"/>
+                </a:solidFill>
+                <a:latin typeface="Calibri" panose="020F0502020204030204" pitchFamily="34" charset="0"/>
+              </a:defRPr>
+            </a:lvl4pPr>
+            <a:lvl5pPr marL="2057400" indent="-228600">
+              <a:defRPr>
+                <a:solidFill>
+                  <a:schemeClr val="tx1"/>
+                </a:solidFill>
+                <a:latin typeface="Calibri" panose="020F0502020204030204" pitchFamily="34" charset="0"/>
+              </a:defRPr>
+            </a:lvl5pPr>
+            <a:lvl6pPr marL="2514600" indent="-228600" eaLnBrk="0" fontAlgn="base" hangingPunct="0">
+              <a:spcBef>
+                <a:spcPct val="0"/>
+              </a:spcBef>
+              <a:spcAft>
+                <a:spcPct val="0"/>
+              </a:spcAft>
+              <a:defRPr>
+                <a:solidFill>
+                  <a:schemeClr val="tx1"/>
+                </a:solidFill>
+                <a:latin typeface="Calibri" panose="020F0502020204030204" pitchFamily="34" charset="0"/>
+              </a:defRPr>
+            </a:lvl6pPr>
+            <a:lvl7pPr marL="2971800" indent="-228600" eaLnBrk="0" fontAlgn="base" hangingPunct="0">
+              <a:spcBef>
+                <a:spcPct val="0"/>
+              </a:spcBef>
+              <a:spcAft>
+                <a:spcPct val="0"/>
+              </a:spcAft>
+              <a:defRPr>
+                <a:solidFill>
+                  <a:schemeClr val="tx1"/>
+                </a:solidFill>
+                <a:latin typeface="Calibri" panose="020F0502020204030204" pitchFamily="34" charset="0"/>
+              </a:defRPr>
+            </a:lvl7pPr>
+            <a:lvl8pPr marL="3429000" indent="-228600" eaLnBrk="0" fontAlgn="base" hangingPunct="0">
+              <a:spcBef>
+                <a:spcPct val="0"/>
+              </a:spcBef>
+              <a:spcAft>
+                <a:spcPct val="0"/>
+              </a:spcAft>
+              <a:defRPr>
+                <a:solidFill>
+                  <a:schemeClr val="tx1"/>
+                </a:solidFill>
+                <a:latin typeface="Calibri" panose="020F0502020204030204" pitchFamily="34" charset="0"/>
+              </a:defRPr>
+            </a:lvl8pPr>
+            <a:lvl9pPr marL="3886200" indent="-228600" eaLnBrk="0" fontAlgn="base" hangingPunct="0">
+              <a:spcBef>
+                <a:spcPct val="0"/>
+              </a:spcBef>
+              <a:spcAft>
+                <a:spcPct val="0"/>
+              </a:spcAft>
+              <a:defRPr>
+                <a:solidFill>
+                  <a:schemeClr val="tx1"/>
+                </a:solidFill>
+                <a:latin typeface="Calibri" panose="020F0502020204030204" pitchFamily="34" charset="0"/>
+              </a:defRPr>
+            </a:lvl9pPr>
+          </a:lstStyle>
+          <a:p>
+            <a:pPr algn="ctr" eaLnBrk="1" hangingPunct="1"/>
+            <a:r>
+              <a:rPr lang="en-US" altLang="en-US" sz="1200" dirty="0">
+                <a:latin typeface="Arial" panose="020B0604020202020204" pitchFamily="34" charset="0"/>
+                <a:ea typeface="Amazon Ember" panose="020B0603020204020204" pitchFamily="34" charset="0"/>
+                <a:cs typeface="Arial" panose="020B0604020202020204" pitchFamily="34" charset="0"/>
+              </a:rPr>
+              <a:t>Amazon EKS</a:t>
+            </a:r>
+          </a:p>
+        </p:txBody>
+      </p:sp>
+      <p:sp>
+        <p:nvSpPr>
+          <p:cNvPr id="24" name="TextBox 9">
+            <a:extLst>
+              <a:ext uri="{FF2B5EF4-FFF2-40B4-BE49-F238E27FC236}">
+                <a16:creationId xmlns:a16="http://schemas.microsoft.com/office/drawing/2014/main" id="{7C6CEF76-EC75-4B39-AD30-BFCE43CC1F6F}"/>
+              </a:ext>
+            </a:extLst>
+          </p:cNvPr>
+          <p:cNvSpPr txBox="1">
+            <a:spLocks noChangeArrowheads="1"/>
+          </p:cNvSpPr>
+          <p:nvPr/>
+        </p:nvSpPr>
+        <p:spPr bwMode="auto">
+          <a:xfrm>
+            <a:off x="10187404" y="11689550"/>
+            <a:ext cx="1737360" cy="276999"/>
+          </a:xfrm>
+          <a:prstGeom prst="rect">
+            <a:avLst/>
+          </a:prstGeom>
+          <a:noFill/>
+          <a:ln>
+            <a:noFill/>
+          </a:ln>
+          <a:extLst>
+            <a:ext uri="{909E8E84-426E-40DD-AFC4-6F175D3DCCD1}">
+              <a14:hiddenFill xmlns:a14="http://schemas.microsoft.com/office/drawing/2010/main">
+                <a:solidFill>
+                  <a:srgbClr val="FFFFFF"/>
+                </a:solidFill>
+              </a14:hiddenFill>
+            </a:ext>
+            <a:ext uri="{91240B29-F687-4F45-9708-019B960494DF}">
+              <a14:hiddenLine xmlns:a14="http://schemas.microsoft.com/office/drawing/2010/main" w="9525">
+                <a:solidFill>
+                  <a:srgbClr val="000000"/>
+                </a:solidFill>
+                <a:miter lim="800000"/>
+                <a:headEnd/>
+                <a:tailEnd/>
+              </a14:hiddenLine>
+            </a:ext>
+          </a:extLst>
+        </p:spPr>
+        <p:txBody>
+          <a:bodyPr>
+            <a:spAutoFit/>
+          </a:bodyPr>
+          <a:lstStyle>
+            <a:lvl1pPr>
+              <a:defRPr>
+                <a:solidFill>
+                  <a:schemeClr val="tx1"/>
+                </a:solidFill>
+                <a:latin typeface="Calibri" panose="020F0502020204030204" pitchFamily="34" charset="0"/>
+              </a:defRPr>
+            </a:lvl1pPr>
+            <a:lvl2pPr marL="742950" indent="-285750">
+              <a:defRPr>
+                <a:solidFill>
+                  <a:schemeClr val="tx1"/>
+                </a:solidFill>
+                <a:latin typeface="Calibri" panose="020F0502020204030204" pitchFamily="34" charset="0"/>
+              </a:defRPr>
+            </a:lvl2pPr>
+            <a:lvl3pPr marL="1143000" indent="-228600">
+              <a:defRPr>
+                <a:solidFill>
+                  <a:schemeClr val="tx1"/>
+                </a:solidFill>
+                <a:latin typeface="Calibri" panose="020F0502020204030204" pitchFamily="34" charset="0"/>
+              </a:defRPr>
+            </a:lvl3pPr>
+            <a:lvl4pPr marL="1600200" indent="-228600">
+              <a:defRPr>
+                <a:solidFill>
+                  <a:schemeClr val="tx1"/>
+                </a:solidFill>
+                <a:latin typeface="Calibri" panose="020F0502020204030204" pitchFamily="34" charset="0"/>
+              </a:defRPr>
+            </a:lvl4pPr>
+            <a:lvl5pPr marL="2057400" indent="-228600">
+              <a:defRPr>
+                <a:solidFill>
+                  <a:schemeClr val="tx1"/>
+                </a:solidFill>
+                <a:latin typeface="Calibri" panose="020F0502020204030204" pitchFamily="34" charset="0"/>
+              </a:defRPr>
+            </a:lvl5pPr>
+            <a:lvl6pPr marL="2514600" indent="-228600" eaLnBrk="0" fontAlgn="base" hangingPunct="0">
+              <a:spcBef>
+                <a:spcPct val="0"/>
+              </a:spcBef>
+              <a:spcAft>
+                <a:spcPct val="0"/>
+              </a:spcAft>
+              <a:defRPr>
+                <a:solidFill>
+                  <a:schemeClr val="tx1"/>
+                </a:solidFill>
+                <a:latin typeface="Calibri" panose="020F0502020204030204" pitchFamily="34" charset="0"/>
+              </a:defRPr>
+            </a:lvl6pPr>
+            <a:lvl7pPr marL="2971800" indent="-228600" eaLnBrk="0" fontAlgn="base" hangingPunct="0">
+              <a:spcBef>
+                <a:spcPct val="0"/>
+              </a:spcBef>
+              <a:spcAft>
+                <a:spcPct val="0"/>
+              </a:spcAft>
+              <a:defRPr>
+                <a:solidFill>
+                  <a:schemeClr val="tx1"/>
+                </a:solidFill>
+                <a:latin typeface="Calibri" panose="020F0502020204030204" pitchFamily="34" charset="0"/>
+              </a:defRPr>
+            </a:lvl7pPr>
+            <a:lvl8pPr marL="3429000" indent="-228600" eaLnBrk="0" fontAlgn="base" hangingPunct="0">
+              <a:spcBef>
+                <a:spcPct val="0"/>
+              </a:spcBef>
+              <a:spcAft>
+                <a:spcPct val="0"/>
+              </a:spcAft>
+              <a:defRPr>
+                <a:solidFill>
+                  <a:schemeClr val="tx1"/>
+                </a:solidFill>
+                <a:latin typeface="Calibri" panose="020F0502020204030204" pitchFamily="34" charset="0"/>
+              </a:defRPr>
+            </a:lvl8pPr>
+            <a:lvl9pPr marL="3886200" indent="-228600" eaLnBrk="0" fontAlgn="base" hangingPunct="0">
+              <a:spcBef>
+                <a:spcPct val="0"/>
+              </a:spcBef>
+              <a:spcAft>
+                <a:spcPct val="0"/>
+              </a:spcAft>
+              <a:defRPr>
+                <a:solidFill>
+                  <a:schemeClr val="tx1"/>
+                </a:solidFill>
+                <a:latin typeface="Calibri" panose="020F0502020204030204" pitchFamily="34" charset="0"/>
+              </a:defRPr>
+            </a:lvl9pPr>
+          </a:lstStyle>
+          <a:p>
+            <a:pPr algn="ctr" eaLnBrk="1" hangingPunct="1"/>
+            <a:r>
+              <a:rPr lang="en-US" altLang="en-US" sz="1200" dirty="0">
+                <a:latin typeface="Arial" panose="020B0604020202020204" pitchFamily="34" charset="0"/>
+                <a:ea typeface="Amazon Ember" panose="020B0603020204020204" pitchFamily="34" charset="0"/>
+                <a:cs typeface="Arial" panose="020B0604020202020204" pitchFamily="34" charset="0"/>
+              </a:rPr>
+              <a:t>Amazon EBS</a:t>
+            </a:r>
+          </a:p>
+        </p:txBody>
+      </p:sp>
+      <p:sp>
+        <p:nvSpPr>
+          <p:cNvPr id="25" name="TextBox 9">
+            <a:extLst>
+              <a:ext uri="{FF2B5EF4-FFF2-40B4-BE49-F238E27FC236}">
+                <a16:creationId xmlns:a16="http://schemas.microsoft.com/office/drawing/2014/main" id="{EA5CC5E6-B365-431C-AC4B-A68DD432BD3F}"/>
+              </a:ext>
+            </a:extLst>
+          </p:cNvPr>
+          <p:cNvSpPr txBox="1">
+            <a:spLocks noChangeArrowheads="1"/>
+          </p:cNvSpPr>
+          <p:nvPr/>
+        </p:nvSpPr>
+        <p:spPr bwMode="auto">
+          <a:xfrm>
+            <a:off x="12304937" y="11688300"/>
+            <a:ext cx="1737360" cy="276999"/>
+          </a:xfrm>
+          <a:prstGeom prst="rect">
+            <a:avLst/>
+          </a:prstGeom>
+          <a:noFill/>
+          <a:ln>
+            <a:noFill/>
+          </a:ln>
+          <a:extLst>
+            <a:ext uri="{909E8E84-426E-40DD-AFC4-6F175D3DCCD1}">
+              <a14:hiddenFill xmlns:a14="http://schemas.microsoft.com/office/drawing/2010/main">
+                <a:solidFill>
+                  <a:srgbClr val="FFFFFF"/>
+                </a:solidFill>
+              </a14:hiddenFill>
+            </a:ext>
+            <a:ext uri="{91240B29-F687-4F45-9708-019B960494DF}">
+              <a14:hiddenLine xmlns:a14="http://schemas.microsoft.com/office/drawing/2010/main" w="9525">
+                <a:solidFill>
+                  <a:srgbClr val="000000"/>
+                </a:solidFill>
+                <a:miter lim="800000"/>
+                <a:headEnd/>
+                <a:tailEnd/>
+              </a14:hiddenLine>
+            </a:ext>
+          </a:extLst>
+        </p:spPr>
+        <p:txBody>
+          <a:bodyPr>
+            <a:spAutoFit/>
+          </a:bodyPr>
+          <a:lstStyle>
+            <a:lvl1pPr>
+              <a:defRPr>
+                <a:solidFill>
+                  <a:schemeClr val="tx1"/>
+                </a:solidFill>
+                <a:latin typeface="Calibri" panose="020F0502020204030204" pitchFamily="34" charset="0"/>
+              </a:defRPr>
+            </a:lvl1pPr>
+            <a:lvl2pPr marL="742950" indent="-285750">
+              <a:defRPr>
+                <a:solidFill>
+                  <a:schemeClr val="tx1"/>
+                </a:solidFill>
+                <a:latin typeface="Calibri" panose="020F0502020204030204" pitchFamily="34" charset="0"/>
+              </a:defRPr>
+            </a:lvl2pPr>
+            <a:lvl3pPr marL="1143000" indent="-228600">
+              <a:defRPr>
+                <a:solidFill>
+                  <a:schemeClr val="tx1"/>
+                </a:solidFill>
+                <a:latin typeface="Calibri" panose="020F0502020204030204" pitchFamily="34" charset="0"/>
+              </a:defRPr>
+            </a:lvl3pPr>
+            <a:lvl4pPr marL="1600200" indent="-228600">
+              <a:defRPr>
+                <a:solidFill>
+                  <a:schemeClr val="tx1"/>
+                </a:solidFill>
+                <a:latin typeface="Calibri" panose="020F0502020204030204" pitchFamily="34" charset="0"/>
+              </a:defRPr>
+            </a:lvl4pPr>
+            <a:lvl5pPr marL="2057400" indent="-228600">
+              <a:defRPr>
+                <a:solidFill>
+                  <a:schemeClr val="tx1"/>
+                </a:solidFill>
+                <a:latin typeface="Calibri" panose="020F0502020204030204" pitchFamily="34" charset="0"/>
+              </a:defRPr>
+            </a:lvl5pPr>
+            <a:lvl6pPr marL="2514600" indent="-228600" eaLnBrk="0" fontAlgn="base" hangingPunct="0">
+              <a:spcBef>
+                <a:spcPct val="0"/>
+              </a:spcBef>
+              <a:spcAft>
+                <a:spcPct val="0"/>
+              </a:spcAft>
+              <a:defRPr>
+                <a:solidFill>
+                  <a:schemeClr val="tx1"/>
+                </a:solidFill>
+                <a:latin typeface="Calibri" panose="020F0502020204030204" pitchFamily="34" charset="0"/>
+              </a:defRPr>
+            </a:lvl6pPr>
+            <a:lvl7pPr marL="2971800" indent="-228600" eaLnBrk="0" fontAlgn="base" hangingPunct="0">
+              <a:spcBef>
+                <a:spcPct val="0"/>
+              </a:spcBef>
+              <a:spcAft>
+                <a:spcPct val="0"/>
+              </a:spcAft>
+              <a:defRPr>
+                <a:solidFill>
+                  <a:schemeClr val="tx1"/>
+                </a:solidFill>
+                <a:latin typeface="Calibri" panose="020F0502020204030204" pitchFamily="34" charset="0"/>
+              </a:defRPr>
+            </a:lvl7pPr>
+            <a:lvl8pPr marL="3429000" indent="-228600" eaLnBrk="0" fontAlgn="base" hangingPunct="0">
+              <a:spcBef>
+                <a:spcPct val="0"/>
+              </a:spcBef>
+              <a:spcAft>
+                <a:spcPct val="0"/>
+              </a:spcAft>
+              <a:defRPr>
+                <a:solidFill>
+                  <a:schemeClr val="tx1"/>
+                </a:solidFill>
+                <a:latin typeface="Calibri" panose="020F0502020204030204" pitchFamily="34" charset="0"/>
+              </a:defRPr>
+            </a:lvl8pPr>
+            <a:lvl9pPr marL="3886200" indent="-228600" eaLnBrk="0" fontAlgn="base" hangingPunct="0">
+              <a:spcBef>
+                <a:spcPct val="0"/>
+              </a:spcBef>
+              <a:spcAft>
+                <a:spcPct val="0"/>
+              </a:spcAft>
+              <a:defRPr>
+                <a:solidFill>
+                  <a:schemeClr val="tx1"/>
+                </a:solidFill>
+                <a:latin typeface="Calibri" panose="020F0502020204030204" pitchFamily="34" charset="0"/>
+              </a:defRPr>
+            </a:lvl9pPr>
+          </a:lstStyle>
+          <a:p>
+            <a:pPr algn="ctr" eaLnBrk="1" hangingPunct="1"/>
+            <a:r>
+              <a:rPr lang="en-US" altLang="en-US" sz="1200" dirty="0">
+                <a:latin typeface="Arial" panose="020B0604020202020204" pitchFamily="34" charset="0"/>
+                <a:ea typeface="Amazon Ember" panose="020B0603020204020204" pitchFamily="34" charset="0"/>
+                <a:cs typeface="Arial" panose="020B0604020202020204" pitchFamily="34" charset="0"/>
+              </a:rPr>
+              <a:t>Amazon RDS</a:t>
+            </a:r>
+          </a:p>
+        </p:txBody>
+      </p:sp>
+      <p:sp>
+        <p:nvSpPr>
+          <p:cNvPr id="31" name="TextBox 12">
+            <a:extLst>
+              <a:ext uri="{FF2B5EF4-FFF2-40B4-BE49-F238E27FC236}">
+                <a16:creationId xmlns:a16="http://schemas.microsoft.com/office/drawing/2014/main" id="{F3C6BEA9-9ADC-41D2-AD72-BF72C7F16499}"/>
+              </a:ext>
+            </a:extLst>
+          </p:cNvPr>
+          <p:cNvSpPr txBox="1">
+            <a:spLocks noChangeArrowheads="1"/>
+          </p:cNvSpPr>
+          <p:nvPr/>
+        </p:nvSpPr>
+        <p:spPr bwMode="auto">
+          <a:xfrm>
+            <a:off x="14407584" y="11689475"/>
+            <a:ext cx="1737360" cy="276999"/>
+          </a:xfrm>
+          <a:prstGeom prst="rect">
+            <a:avLst/>
+          </a:prstGeom>
+          <a:noFill/>
+          <a:ln>
+            <a:noFill/>
+          </a:ln>
+          <a:extLst>
+            <a:ext uri="{909E8E84-426E-40DD-AFC4-6F175D3DCCD1}">
+              <a14:hiddenFill xmlns:a14="http://schemas.microsoft.com/office/drawing/2010/main">
+                <a:solidFill>
+                  <a:srgbClr val="FFFFFF"/>
+                </a:solidFill>
+              </a14:hiddenFill>
+            </a:ext>
+            <a:ext uri="{91240B29-F687-4F45-9708-019B960494DF}">
+              <a14:hiddenLine xmlns:a14="http://schemas.microsoft.com/office/drawing/2010/main" w="9525">
+                <a:solidFill>
+                  <a:srgbClr val="000000"/>
+                </a:solidFill>
+                <a:miter lim="800000"/>
+                <a:headEnd/>
+                <a:tailEnd/>
+              </a14:hiddenLine>
+            </a:ext>
+          </a:extLst>
+        </p:spPr>
+        <p:txBody>
+          <a:bodyPr>
+            <a:spAutoFit/>
+          </a:bodyPr>
+          <a:lstStyle>
+            <a:lvl1pPr>
+              <a:defRPr>
+                <a:solidFill>
+                  <a:schemeClr val="tx1"/>
+                </a:solidFill>
+                <a:latin typeface="Calibri" panose="020F0502020204030204" pitchFamily="34" charset="0"/>
+              </a:defRPr>
+            </a:lvl1pPr>
+            <a:lvl2pPr marL="742950" indent="-285750">
+              <a:defRPr>
+                <a:solidFill>
+                  <a:schemeClr val="tx1"/>
+                </a:solidFill>
+                <a:latin typeface="Calibri" panose="020F0502020204030204" pitchFamily="34" charset="0"/>
+              </a:defRPr>
+            </a:lvl2pPr>
+            <a:lvl3pPr marL="1143000" indent="-228600">
+              <a:defRPr>
+                <a:solidFill>
+                  <a:schemeClr val="tx1"/>
+                </a:solidFill>
+                <a:latin typeface="Calibri" panose="020F0502020204030204" pitchFamily="34" charset="0"/>
+              </a:defRPr>
+            </a:lvl3pPr>
+            <a:lvl4pPr marL="1600200" indent="-228600">
+              <a:defRPr>
+                <a:solidFill>
+                  <a:schemeClr val="tx1"/>
+                </a:solidFill>
+                <a:latin typeface="Calibri" panose="020F0502020204030204" pitchFamily="34" charset="0"/>
+              </a:defRPr>
+            </a:lvl4pPr>
+            <a:lvl5pPr marL="2057400" indent="-228600">
+              <a:defRPr>
+                <a:solidFill>
+                  <a:schemeClr val="tx1"/>
+                </a:solidFill>
+                <a:latin typeface="Calibri" panose="020F0502020204030204" pitchFamily="34" charset="0"/>
+              </a:defRPr>
+            </a:lvl5pPr>
+            <a:lvl6pPr marL="2514600" indent="-228600" eaLnBrk="0" fontAlgn="base" hangingPunct="0">
+              <a:spcBef>
+                <a:spcPct val="0"/>
+              </a:spcBef>
+              <a:spcAft>
+                <a:spcPct val="0"/>
+              </a:spcAft>
+              <a:defRPr>
+                <a:solidFill>
+                  <a:schemeClr val="tx1"/>
+                </a:solidFill>
+                <a:latin typeface="Calibri" panose="020F0502020204030204" pitchFamily="34" charset="0"/>
+              </a:defRPr>
+            </a:lvl6pPr>
+            <a:lvl7pPr marL="2971800" indent="-228600" eaLnBrk="0" fontAlgn="base" hangingPunct="0">
+              <a:spcBef>
+                <a:spcPct val="0"/>
+              </a:spcBef>
+              <a:spcAft>
+                <a:spcPct val="0"/>
+              </a:spcAft>
+              <a:defRPr>
+                <a:solidFill>
+                  <a:schemeClr val="tx1"/>
+                </a:solidFill>
+                <a:latin typeface="Calibri" panose="020F0502020204030204" pitchFamily="34" charset="0"/>
+              </a:defRPr>
+            </a:lvl7pPr>
+            <a:lvl8pPr marL="3429000" indent="-228600" eaLnBrk="0" fontAlgn="base" hangingPunct="0">
+              <a:spcBef>
+                <a:spcPct val="0"/>
+              </a:spcBef>
+              <a:spcAft>
+                <a:spcPct val="0"/>
+              </a:spcAft>
+              <a:defRPr>
+                <a:solidFill>
+                  <a:schemeClr val="tx1"/>
+                </a:solidFill>
+                <a:latin typeface="Calibri" panose="020F0502020204030204" pitchFamily="34" charset="0"/>
+              </a:defRPr>
+            </a:lvl8pPr>
+            <a:lvl9pPr marL="3886200" indent="-228600" eaLnBrk="0" fontAlgn="base" hangingPunct="0">
+              <a:spcBef>
+                <a:spcPct val="0"/>
+              </a:spcBef>
+              <a:spcAft>
+                <a:spcPct val="0"/>
+              </a:spcAft>
+              <a:defRPr>
+                <a:solidFill>
+                  <a:schemeClr val="tx1"/>
+                </a:solidFill>
+                <a:latin typeface="Calibri" panose="020F0502020204030204" pitchFamily="34" charset="0"/>
+              </a:defRPr>
+            </a:lvl9pPr>
+          </a:lstStyle>
+          <a:p>
+            <a:pPr algn="ctr" eaLnBrk="1" hangingPunct="1"/>
+            <a:r>
+              <a:rPr lang="en-US" altLang="en-US" sz="1200" dirty="0">
+                <a:latin typeface="Arial" panose="020B0604020202020204" pitchFamily="34" charset="0"/>
+                <a:ea typeface="Amazon Ember" panose="020B0603020204020204" pitchFamily="34" charset="0"/>
+                <a:cs typeface="Arial" panose="020B0604020202020204" pitchFamily="34" charset="0"/>
+              </a:rPr>
+              <a:t>Route 53</a:t>
+            </a:r>
+          </a:p>
+        </p:txBody>
+      </p:sp>
+      <p:sp>
+        <p:nvSpPr>
+          <p:cNvPr id="90" name="TextBox 89">
+            <a:extLst>
+              <a:ext uri="{FF2B5EF4-FFF2-40B4-BE49-F238E27FC236}">
+                <a16:creationId xmlns:a16="http://schemas.microsoft.com/office/drawing/2014/main" id="{FE96AF15-D4DB-4A53-BA9F-D632F7597B7A}"/>
+              </a:ext>
+            </a:extLst>
+          </p:cNvPr>
+          <p:cNvSpPr txBox="1"/>
+          <p:nvPr/>
+        </p:nvSpPr>
+        <p:spPr>
+          <a:xfrm>
+            <a:off x="11112400" y="8047620"/>
+            <a:ext cx="1097280" cy="276999"/>
+          </a:xfrm>
+          <a:prstGeom prst="rect">
+            <a:avLst/>
+          </a:prstGeom>
+          <a:noFill/>
+        </p:spPr>
+        <p:txBody>
+          <a:bodyPr wrap="square" rtlCol="0">
+            <a:spAutoFit/>
+          </a:bodyPr>
+          <a:lstStyle/>
+          <a:p>
+            <a:pPr algn="ctr" defTabSz="914400"/>
             <a:r>
               <a:rPr lang="en-US" sz="1200" dirty="0">
                 <a:solidFill>
-                  <a:srgbClr val="5B9CD5"/>
+                  <a:srgbClr val="232F3D"/>
                 </a:solidFill>
                 <a:latin typeface="Arial" panose="020B0604020202020204" pitchFamily="34" charset="0"/>
                 <a:cs typeface="Arial" panose="020B0604020202020204" pitchFamily="34" charset="0"/>
               </a:rPr>
-              <a:t>Private subnet</a:t>
+              <a:t>Bastion host</a:t>
             </a:r>
           </a:p>
         </p:txBody>
       </p:sp>
       <p:pic>
         <p:nvPicPr>
-          <p:cNvPr id="68" name="Graphic 67">
+          <p:cNvPr id="94" name="Graphic 60">
             <a:extLst>
               <a:ext uri="{FF2B5EF4-FFF2-40B4-BE49-F238E27FC236}">
-                <a16:creationId xmlns:a16="http://schemas.microsoft.com/office/drawing/2014/main" id="{C75C7DC0-1DFB-4571-84D1-0709F7AF8FCF}"/>
+                <a16:creationId xmlns:a16="http://schemas.microsoft.com/office/drawing/2014/main" id="{8A73B818-CCB0-4EFE-A9B8-1C3B7B2A4AAB}"/>
               </a:ext>
             </a:extLst>
           </p:cNvPr>
           <p:cNvPicPr>
-            <a:picLocks noChangeAspect="1"/>
+            <a:picLocks noChangeAspect="1" noChangeArrowheads="1"/>
           </p:cNvPicPr>
           <p:nvPr/>
         </p:nvPicPr>
         <p:blipFill>
           <a:blip r:embed="rId2">
             <a:extLst>
-              <a:ext uri="{96DAC541-7B7A-43D3-8B79-37D633B846F1}">
-                <asvg:svgBlip xmlns:asvg="http://schemas.microsoft.com/office/drawing/2016/SVG/main" r:embed="rId3"/>
+              <a:ext uri="{BEBA8EAE-BF5A-486C-A8C5-ECC9F3942E4B}">
+                <a14:imgProps xmlns:a14="http://schemas.microsoft.com/office/drawing/2010/main">
+                  <a14:imgLayer r:embed="rId3">
+                    <a14:imgEffect>
+                      <a14:artisticBlur/>
+                    </a14:imgEffect>
+                  </a14:imgLayer>
+                </a14:imgProps>
+              </a:ext>
+              <a:ext uri="{28A0092B-C50C-407E-A947-70E740481C1C}">
+                <a14:useLocalDpi xmlns:a14="http://schemas.microsoft.com/office/drawing/2010/main" val="0"/>
               </a:ext>
             </a:extLst>
           </a:blip>
+          <a:srcRect/>
           <a:stretch>
             <a:fillRect/>
           </a:stretch>
         </p:blipFill>
-        <p:spPr>
+        <p:spPr bwMode="auto">
           <a:xfrm>
-            <a:off x="6547425" y="7009148"/>
-            <a:ext cx="381000" cy="381000"/>
+            <a:off x="11431295" y="7589487"/>
+            <a:ext cx="457200" cy="457200"/>
           </a:xfrm>
           <a:prstGeom prst="rect">
             <a:avLst/>
           </a:prstGeom>
+          <a:noFill/>
+          <a:ln>
+            <a:noFill/>
+          </a:ln>
+          <a:extLst>
+            <a:ext uri="{909E8E84-426E-40DD-AFC4-6F175D3DCCD1}">
+              <a14:hiddenFill xmlns:a14="http://schemas.microsoft.com/office/drawing/2010/main">
+                <a:solidFill>
+                  <a:srgbClr val="FFFFFF"/>
+                </a:solidFill>
+              </a14:hiddenFill>
+            </a:ext>
+            <a:ext uri="{91240B29-F687-4F45-9708-019B960494DF}">
+              <a14:hiddenLine xmlns:a14="http://schemas.microsoft.com/office/drawing/2010/main" w="9525">
+                <a:solidFill>
+                  <a:srgbClr val="000000"/>
+                </a:solidFill>
+                <a:miter lim="800000"/>
+                <a:headEnd/>
+                <a:tailEnd/>
+              </a14:hiddenLine>
+            </a:ext>
+          </a:extLst>
         </p:spPr>
       </p:pic>
       <p:sp>
         <p:nvSpPr>
-          <p:cNvPr id="69" name="Rectangle 68">
+          <p:cNvPr id="101" name="TextBox 100">
             <a:extLst>
               <a:ext uri="{FF2B5EF4-FFF2-40B4-BE49-F238E27FC236}">
-                <a16:creationId xmlns:a16="http://schemas.microsoft.com/office/drawing/2014/main" id="{C3F5568A-2B49-43FB-BB1F-E220BD86322B}"/>
+                <a16:creationId xmlns:a16="http://schemas.microsoft.com/office/drawing/2014/main" id="{348D2AD6-C7CF-4D6A-A1B9-22F5DD819963}"/>
               </a:ext>
             </a:extLst>
           </p:cNvPr>
-          <p:cNvSpPr/>
+          <p:cNvSpPr txBox="1"/>
           <p:nvPr/>
         </p:nvSpPr>
         <p:spPr>
           <a:xfrm>
-            <a:off x="10507979" y="7019592"/>
-            <a:ext cx="2075481" cy="1463040"/>
+            <a:off x="13877820" y="8019044"/>
+            <a:ext cx="1097280" cy="276999"/>
           </a:xfrm>
           <a:prstGeom prst="rect">
             <a:avLst/>
           </a:prstGeom>
-          <a:solidFill>
-            <a:srgbClr val="007CBC">
-              <a:alpha val="9804"/>
-            </a:srgbClr>
-          </a:solidFill>
-          <a:ln w="12700">
-            <a:noFill/>
-            <a:prstDash val="dash"/>
-          </a:ln>
+          <a:noFill/>
         </p:spPr>
-        <p:style>
-          <a:lnRef idx="2">
-            <a:schemeClr val="accent1">
-              <a:shade val="50000"/>
-            </a:schemeClr>
-          </a:lnRef>
-          <a:fillRef idx="1">
-            <a:schemeClr val="accent1"/>
-          </a:fillRef>
-          <a:effectRef idx="0">
-            <a:schemeClr val="accent1"/>
-          </a:effectRef>
-          <a:fontRef idx="minor">
-            <a:schemeClr val="lt1"/>
-          </a:fontRef>
-        </p:style>
-        <p:txBody>
-          <a:bodyPr lIns="502920"/>
+        <p:txBody>
+          <a:bodyPr wrap="square" rtlCol="0">
+            <a:spAutoFit/>
+          </a:bodyPr>
           <a:lstStyle/>
           <a:p>
-            <a:pPr eaLnBrk="1" fontAlgn="auto" hangingPunct="1">
-              <a:spcBef>
-                <a:spcPts val="0"/>
-              </a:spcBef>
-              <a:spcAft>
-                <a:spcPts val="0"/>
-              </a:spcAft>
-              <a:defRPr/>
-            </a:pPr>
+            <a:pPr algn="ctr" defTabSz="914400"/>
             <a:r>
               <a:rPr lang="en-US" sz="1200" dirty="0">
                 <a:solidFill>
-                  <a:srgbClr val="5B9CD5"/>
+                  <a:srgbClr val="232F3D"/>
                 </a:solidFill>
                 <a:latin typeface="Arial" panose="020B0604020202020204" pitchFamily="34" charset="0"/>
                 <a:cs typeface="Arial" panose="020B0604020202020204" pitchFamily="34" charset="0"/>
               </a:rPr>
-              <a:t>Private subnet</a:t>
+              <a:t>Bastion host</a:t>
             </a:r>
           </a:p>
         </p:txBody>
       </p:sp>
       <p:pic>
         <p:nvPicPr>
-          <p:cNvPr id="70" name="Graphic 69">
+          <p:cNvPr id="105" name="Graphic 60">
             <a:extLst>
               <a:ext uri="{FF2B5EF4-FFF2-40B4-BE49-F238E27FC236}">
-                <a16:creationId xmlns:a16="http://schemas.microsoft.com/office/drawing/2014/main" id="{EC9F2B48-47F0-4045-9BF2-5BD758C28D67}"/>
+                <a16:creationId xmlns:a16="http://schemas.microsoft.com/office/drawing/2014/main" id="{B8028ADB-9C6C-4375-8CB1-5A88EC8A3568}"/>
               </a:ext>
             </a:extLst>
           </p:cNvPr>
           <p:cNvPicPr>
-            <a:picLocks noChangeAspect="1"/>
+            <a:picLocks noChangeAspect="1" noChangeArrowheads="1"/>
           </p:cNvPicPr>
           <p:nvPr/>
         </p:nvPicPr>
         <p:blipFill>
           <a:blip r:embed="rId2">
             <a:extLst>
-              <a:ext uri="{96DAC541-7B7A-43D3-8B79-37D633B846F1}">
-                <asvg:svgBlip xmlns:asvg="http://schemas.microsoft.com/office/drawing/2016/SVG/main" r:embed="rId3"/>
+              <a:ext uri="{BEBA8EAE-BF5A-486C-A8C5-ECC9F3942E4B}">
+                <a14:imgProps xmlns:a14="http://schemas.microsoft.com/office/drawing/2010/main">
+                  <a14:imgLayer r:embed="rId3">
+                    <a14:imgEffect>
+                      <a14:artisticBlur/>
+                    </a14:imgEffect>
+                  </a14:imgLayer>
+                </a14:imgProps>
+              </a:ext>
+              <a:ext uri="{28A0092B-C50C-407E-A947-70E740481C1C}">
+                <a14:useLocalDpi xmlns:a14="http://schemas.microsoft.com/office/drawing/2010/main" val="0"/>
               </a:ext>
             </a:extLst>
           </a:blip>
+          <a:srcRect/>
           <a:stretch>
             <a:fillRect/>
           </a:stretch>
         </p:blipFill>
-        <p:spPr>
+        <p:spPr bwMode="auto">
           <a:xfrm>
-            <a:off x="10507979" y="7021180"/>
-            <a:ext cx="381000" cy="381000"/>
-          </a:xfrm>
-          <a:prstGeom prst="rect">
-            <a:avLst/>
-          </a:prstGeom>
-        </p:spPr>
-      </p:pic>
-      <p:sp>
-        <p:nvSpPr>
-          <p:cNvPr id="71" name="Rectangle 70">
-            <a:extLst>
-              <a:ext uri="{FF2B5EF4-FFF2-40B4-BE49-F238E27FC236}">
-                <a16:creationId xmlns:a16="http://schemas.microsoft.com/office/drawing/2014/main" id="{1406D1B2-EDA8-4A48-89E8-E4A3A75F4718}"/>
-              </a:ext>
-            </a:extLst>
-          </p:cNvPr>
-          <p:cNvSpPr/>
-          <p:nvPr/>
-        </p:nvSpPr>
-        <p:spPr>
-          <a:xfrm>
-            <a:off x="13250973" y="7019592"/>
-            <a:ext cx="2075481" cy="1463040"/>
-          </a:xfrm>
-          <a:prstGeom prst="rect">
-            <a:avLst/>
-          </a:prstGeom>
-          <a:solidFill>
-            <a:srgbClr val="007CBC">
-              <a:alpha val="9804"/>
-            </a:srgbClr>
-          </a:solidFill>
-          <a:ln w="12700">
-            <a:noFill/>
-            <a:prstDash val="dash"/>
-          </a:ln>
-        </p:spPr>
-        <p:style>
-          <a:lnRef idx="2">
-            <a:schemeClr val="accent1">
-              <a:shade val="50000"/>
-            </a:schemeClr>
-          </a:lnRef>
-          <a:fillRef idx="1">
-            <a:schemeClr val="accent1"/>
-          </a:fillRef>
-          <a:effectRef idx="0">
-            <a:schemeClr val="accent1"/>
-          </a:effectRef>
-          <a:fontRef idx="minor">
-            <a:schemeClr val="lt1"/>
-          </a:fontRef>
-        </p:style>
-        <p:txBody>
-          <a:bodyPr lIns="502920"/>
-          <a:lstStyle/>
-          <a:p>
-            <a:pPr eaLnBrk="1" fontAlgn="auto" hangingPunct="1">
-              <a:spcBef>
-                <a:spcPts val="0"/>
-              </a:spcBef>
-              <a:spcAft>
-                <a:spcPts val="0"/>
-              </a:spcAft>
-              <a:defRPr/>
-            </a:pPr>
-            <a:r>
-              <a:rPr lang="en-US" sz="1200" dirty="0">
-                <a:solidFill>
-                  <a:srgbClr val="5B9CD5"/>
-                </a:solidFill>
-                <a:latin typeface="Arial" panose="020B0604020202020204" pitchFamily="34" charset="0"/>
-                <a:cs typeface="Arial" panose="020B0604020202020204" pitchFamily="34" charset="0"/>
-              </a:rPr>
-              <a:t>Private subnet</a:t>
-            </a:r>
-          </a:p>
-        </p:txBody>
-      </p:sp>
-      <p:pic>
-        <p:nvPicPr>
-          <p:cNvPr id="72" name="Graphic 71">
-            <a:extLst>
-              <a:ext uri="{FF2B5EF4-FFF2-40B4-BE49-F238E27FC236}">
-                <a16:creationId xmlns:a16="http://schemas.microsoft.com/office/drawing/2014/main" id="{F8A7518F-4484-41A5-927E-A03B7BA8023B}"/>
-              </a:ext>
-            </a:extLst>
-          </p:cNvPr>
-          <p:cNvPicPr>
-            <a:picLocks noChangeAspect="1"/>
-          </p:cNvPicPr>
-          <p:nvPr/>
-        </p:nvPicPr>
-        <p:blipFill>
-          <a:blip r:embed="rId2">
-            <a:extLst>
-              <a:ext uri="{96DAC541-7B7A-43D3-8B79-37D633B846F1}">
-                <asvg:svgBlip xmlns:asvg="http://schemas.microsoft.com/office/drawing/2016/SVG/main" r:embed="rId3"/>
-              </a:ext>
-            </a:extLst>
-          </a:blip>
-          <a:stretch>
-            <a:fillRect/>
-          </a:stretch>
-        </p:blipFill>
-        <p:spPr>
-          <a:xfrm>
-            <a:off x="13250973" y="7021180"/>
-            <a:ext cx="381000" cy="381000"/>
-          </a:xfrm>
-          <a:prstGeom prst="rect">
-            <a:avLst/>
-          </a:prstGeom>
-        </p:spPr>
-      </p:pic>
-      <p:sp>
-        <p:nvSpPr>
-          <p:cNvPr id="60" name="Rectangle 59">
-            <a:extLst>
-              <a:ext uri="{FF2B5EF4-FFF2-40B4-BE49-F238E27FC236}">
-                <a16:creationId xmlns:a16="http://schemas.microsoft.com/office/drawing/2014/main" id="{16313980-912B-4B66-B892-A8136BB74A82}"/>
-              </a:ext>
-            </a:extLst>
-          </p:cNvPr>
-          <p:cNvSpPr/>
-          <p:nvPr/>
-        </p:nvSpPr>
-        <p:spPr>
-          <a:xfrm>
-            <a:off x="6850380" y="7478832"/>
-            <a:ext cx="8229600" cy="914400"/>
+            <a:off x="14174495" y="7589487"/>
+            <a:ext cx="457200" cy="457200"/>
           </a:xfrm>
           <a:prstGeom prst="rect">
             <a:avLst/>
           </a:prstGeom>
           <a:noFill/>
-          <a:ln w="12700">
-            <a:solidFill>
-              <a:srgbClr val="D86613"/>
-            </a:solidFill>
-            <a:prstDash val="dash"/>
+          <a:ln>
+            <a:noFill/>
           </a:ln>
+          <a:extLst>
+            <a:ext uri="{909E8E84-426E-40DD-AFC4-6F175D3DCCD1}">
+              <a14:hiddenFill xmlns:a14="http://schemas.microsoft.com/office/drawing/2010/main">
+                <a:solidFill>
+                  <a:srgbClr val="FFFFFF"/>
+                </a:solidFill>
+              </a14:hiddenFill>
+            </a:ext>
+            <a:ext uri="{91240B29-F687-4F45-9708-019B960494DF}">
+              <a14:hiddenLine xmlns:a14="http://schemas.microsoft.com/office/drawing/2010/main" w="9525">
+                <a:solidFill>
+                  <a:srgbClr val="000000"/>
+                </a:solidFill>
+                <a:miter lim="800000"/>
+                <a:headEnd/>
+                <a:tailEnd/>
+              </a14:hiddenLine>
+            </a:ext>
+          </a:extLst>
         </p:spPr>
-        <p:style>
-          <a:lnRef idx="2">
-            <a:schemeClr val="accent1">
-              <a:shade val="50000"/>
-            </a:schemeClr>
-          </a:lnRef>
-          <a:fillRef idx="1">
-            <a:schemeClr val="accent1"/>
-          </a:fillRef>
-          <a:effectRef idx="0">
-            <a:schemeClr val="accent1"/>
-          </a:effectRef>
-          <a:fontRef idx="minor">
-            <a:schemeClr val="lt1"/>
-          </a:fontRef>
-        </p:style>
-        <p:txBody>
-          <a:bodyPr tIns="91440"/>
-          <a:lstStyle/>
-          <a:p>
-            <a:pPr algn="ctr" eaLnBrk="1" fontAlgn="auto" hangingPunct="1">
-              <a:spcBef>
-                <a:spcPts val="0"/>
-              </a:spcBef>
-              <a:spcAft>
-                <a:spcPts val="0"/>
-              </a:spcAft>
-              <a:defRPr/>
-            </a:pPr>
-            <a:endParaRPr lang="en-US" sz="1200" dirty="0">
-              <a:solidFill>
-                <a:srgbClr val="D86613"/>
-              </a:solidFill>
-              <a:latin typeface="Arial" panose="020B0604020202020204" pitchFamily="34" charset="0"/>
-              <a:cs typeface="Arial" panose="020B0604020202020204" pitchFamily="34" charset="0"/>
-            </a:endParaRPr>
-          </a:p>
-          <a:p>
-            <a:pPr algn="ctr" eaLnBrk="1" fontAlgn="auto" hangingPunct="1">
-              <a:spcBef>
-                <a:spcPts val="0"/>
-              </a:spcBef>
-              <a:spcAft>
-                <a:spcPts val="0"/>
-              </a:spcAft>
-              <a:defRPr/>
-            </a:pPr>
-            <a:endParaRPr lang="en-US" sz="1200" dirty="0">
-              <a:solidFill>
-                <a:srgbClr val="D86613"/>
-              </a:solidFill>
-              <a:latin typeface="Arial" panose="020B0604020202020204" pitchFamily="34" charset="0"/>
-              <a:cs typeface="Arial" panose="020B0604020202020204" pitchFamily="34" charset="0"/>
-            </a:endParaRPr>
-          </a:p>
-          <a:p>
-            <a:pPr eaLnBrk="1" fontAlgn="auto" hangingPunct="1">
-              <a:spcBef>
-                <a:spcPts val="0"/>
-              </a:spcBef>
-              <a:spcAft>
-                <a:spcPts val="0"/>
-              </a:spcAft>
-              <a:defRPr/>
-            </a:pPr>
-            <a:r>
-              <a:rPr lang="en-US" sz="1200" dirty="0">
-                <a:solidFill>
-                  <a:srgbClr val="D86613"/>
-                </a:solidFill>
-                <a:latin typeface="Arial" panose="020B0604020202020204" pitchFamily="34" charset="0"/>
-                <a:cs typeface="Arial" panose="020B0604020202020204" pitchFamily="34" charset="0"/>
-              </a:rPr>
-              <a:t>				    Auto Scaling group</a:t>
-            </a:r>
-          </a:p>
-        </p:txBody>
-      </p:sp>
-      <p:sp>
-        <p:nvSpPr>
-          <p:cNvPr id="58" name="Rectangle 57">
+      </p:pic>
+      <p:sp>
+        <p:nvSpPr>
+          <p:cNvPr id="53" name="TextBox 19">
             <a:extLst>
               <a:ext uri="{FF2B5EF4-FFF2-40B4-BE49-F238E27FC236}">
-                <a16:creationId xmlns:a16="http://schemas.microsoft.com/office/drawing/2014/main" id="{8B7F71F9-7292-4FAC-A695-EC318C7EC7E2}"/>
+                <a16:creationId xmlns:a16="http://schemas.microsoft.com/office/drawing/2014/main" id="{07DD33BE-C527-4C77-8058-4403D2FB7B6A}"/>
               </a:ext>
             </a:extLst>
           </p:cNvPr>
-          <p:cNvSpPr/>
+          <p:cNvSpPr txBox="1">
+            <a:spLocks noChangeArrowheads="1"/>
+          </p:cNvSpPr>
           <p:nvPr/>
         </p:nvSpPr>
-        <p:spPr>
+        <p:spPr bwMode="auto">
           <a:xfrm>
-            <a:off x="6850380" y="5760720"/>
-            <a:ext cx="8229600" cy="914400"/>
+            <a:off x="4894058" y="2358959"/>
+            <a:ext cx="12388033" cy="1508105"/>
           </a:xfrm>
           <a:prstGeom prst="rect">
             <a:avLst/>
           </a:prstGeom>
           <a:noFill/>
-          <a:ln w="12700">
-            <a:solidFill>
-              <a:srgbClr val="D86613"/>
-            </a:solidFill>
-            <a:prstDash val="dash"/>
+          <a:ln>
+            <a:noFill/>
           </a:ln>
+          <a:extLst>
+            <a:ext uri="{909E8E84-426E-40DD-AFC4-6F175D3DCCD1}">
+              <a14:hiddenFill xmlns:a14="http://schemas.microsoft.com/office/drawing/2010/main">
+                <a:solidFill>
+                  <a:srgbClr val="FFFFFF"/>
+                </a:solidFill>
+              </a14:hiddenFill>
+            </a:ext>
+            <a:ext uri="{91240B29-F687-4F45-9708-019B960494DF}">
+              <a14:hiddenLine xmlns:a14="http://schemas.microsoft.com/office/drawing/2010/main" w="9525">
+                <a:solidFill>
+                  <a:srgbClr val="000000"/>
+                </a:solidFill>
+                <a:miter lim="800000"/>
+                <a:headEnd/>
+                <a:tailEnd/>
+              </a14:hiddenLine>
+            </a:ext>
+          </a:extLst>
         </p:spPr>
-        <p:style>
-          <a:lnRef idx="2">
-            <a:schemeClr val="accent1">
-              <a:shade val="50000"/>
-            </a:schemeClr>
-          </a:lnRef>
-          <a:fillRef idx="1">
-            <a:schemeClr val="accent1"/>
-          </a:fillRef>
-          <a:effectRef idx="0">
-            <a:schemeClr val="accent1"/>
-          </a:effectRef>
-          <a:fontRef idx="minor">
-            <a:schemeClr val="lt1"/>
-          </a:fontRef>
-        </p:style>
-        <p:txBody>
-          <a:bodyPr tIns="91440"/>
-          <a:lstStyle/>
-          <a:p>
-            <a:pPr algn="ctr" eaLnBrk="1" fontAlgn="auto" hangingPunct="1">
+        <p:txBody>
+          <a:bodyPr wrap="square">
+            <a:spAutoFit/>
+          </a:bodyPr>
+          <a:lstStyle>
+            <a:lvl1pPr>
+              <a:defRPr>
+                <a:solidFill>
+                  <a:schemeClr val="tx1"/>
+                </a:solidFill>
+                <a:latin typeface="Calibri" panose="020F0502020204030204" pitchFamily="34" charset="0"/>
+              </a:defRPr>
+            </a:lvl1pPr>
+            <a:lvl2pPr marL="742950" indent="-285750">
+              <a:defRPr>
+                <a:solidFill>
+                  <a:schemeClr val="tx1"/>
+                </a:solidFill>
+                <a:latin typeface="Calibri" panose="020F0502020204030204" pitchFamily="34" charset="0"/>
+              </a:defRPr>
+            </a:lvl2pPr>
+            <a:lvl3pPr marL="1143000" indent="-228600">
+              <a:defRPr>
+                <a:solidFill>
+                  <a:schemeClr val="tx1"/>
+                </a:solidFill>
+                <a:latin typeface="Calibri" panose="020F0502020204030204" pitchFamily="34" charset="0"/>
+              </a:defRPr>
+            </a:lvl3pPr>
+            <a:lvl4pPr marL="1600200" indent="-228600">
+              <a:defRPr>
+                <a:solidFill>
+                  <a:schemeClr val="tx1"/>
+                </a:solidFill>
+                <a:latin typeface="Calibri" panose="020F0502020204030204" pitchFamily="34" charset="0"/>
+              </a:defRPr>
+            </a:lvl4pPr>
+            <a:lvl5pPr marL="2057400" indent="-228600">
+              <a:defRPr>
+                <a:solidFill>
+                  <a:schemeClr val="tx1"/>
+                </a:solidFill>
+                <a:latin typeface="Calibri" panose="020F0502020204030204" pitchFamily="34" charset="0"/>
+              </a:defRPr>
+            </a:lvl5pPr>
+            <a:lvl6pPr marL="2514600" indent="-228600" eaLnBrk="0" fontAlgn="base" hangingPunct="0">
               <a:spcBef>
-                <a:spcPts val="0"/>
+                <a:spcPct val="0"/>
               </a:spcBef>
               <a:spcAft>
-                <a:spcPts val="0"/>
+                <a:spcPct val="0"/>
               </a:spcAft>
-              <a:defRPr/>
-            </a:pPr>
-            <a:endParaRPr lang="en-US" sz="1200" dirty="0">
-              <a:solidFill>
-                <a:srgbClr val="D86613"/>
-              </a:solidFill>
-              <a:latin typeface="Arial" panose="020B0604020202020204" pitchFamily="34" charset="0"/>
-              <a:cs typeface="Arial" panose="020B0604020202020204" pitchFamily="34" charset="0"/>
-            </a:endParaRPr>
-          </a:p>
-          <a:p>
-            <a:pPr algn="ctr" eaLnBrk="1" fontAlgn="auto" hangingPunct="1">
+              <a:defRPr>
+                <a:solidFill>
+                  <a:schemeClr val="tx1"/>
+                </a:solidFill>
+                <a:latin typeface="Calibri" panose="020F0502020204030204" pitchFamily="34" charset="0"/>
+              </a:defRPr>
+            </a:lvl6pPr>
+            <a:lvl7pPr marL="2971800" indent="-228600" eaLnBrk="0" fontAlgn="base" hangingPunct="0">
               <a:spcBef>
-                <a:spcPts val="0"/>
+                <a:spcPct val="0"/>
               </a:spcBef>
               <a:spcAft>
-                <a:spcPts val="0"/>
+                <a:spcPct val="0"/>
               </a:spcAft>
-              <a:defRPr/>
-            </a:pPr>
-            <a:endParaRPr lang="en-US" sz="1200" dirty="0">
-              <a:solidFill>
-                <a:srgbClr val="D86613"/>
-              </a:solidFill>
-              <a:latin typeface="Arial" panose="020B0604020202020204" pitchFamily="34" charset="0"/>
-              <a:cs typeface="Arial" panose="020B0604020202020204" pitchFamily="34" charset="0"/>
-            </a:endParaRPr>
-          </a:p>
-          <a:p>
-            <a:pPr eaLnBrk="1" fontAlgn="auto" hangingPunct="1">
+              <a:defRPr>
+                <a:solidFill>
+                  <a:schemeClr val="tx1"/>
+                </a:solidFill>
+                <a:latin typeface="Calibri" panose="020F0502020204030204" pitchFamily="34" charset="0"/>
+              </a:defRPr>
+            </a:lvl7pPr>
+            <a:lvl8pPr marL="3429000" indent="-228600" eaLnBrk="0" fontAlgn="base" hangingPunct="0">
               <a:spcBef>
-                <a:spcPts val="0"/>
+                <a:spcPct val="0"/>
               </a:spcBef>
               <a:spcAft>
-                <a:spcPts val="0"/>
+                <a:spcPct val="0"/>
               </a:spcAft>
-              <a:defRPr/>
-            </a:pPr>
-            <a:r>
-              <a:rPr lang="en-US" sz="1200">
-                <a:solidFill>
-                  <a:srgbClr val="D86613"/>
-                </a:solidFill>
+              <a:defRPr>
+                <a:solidFill>
+                  <a:schemeClr val="tx1"/>
+                </a:solidFill>
+                <a:latin typeface="Calibri" panose="020F0502020204030204" pitchFamily="34" charset="0"/>
+              </a:defRPr>
+            </a:lvl8pPr>
+            <a:lvl9pPr marL="3886200" indent="-228600" eaLnBrk="0" fontAlgn="base" hangingPunct="0">
+              <a:spcBef>
+                <a:spcPct val="0"/>
+              </a:spcBef>
+              <a:spcAft>
+                <a:spcPct val="0"/>
+              </a:spcAft>
+              <a:defRPr>
+                <a:solidFill>
+                  <a:schemeClr val="tx1"/>
+                </a:solidFill>
+                <a:latin typeface="Calibri" panose="020F0502020204030204" pitchFamily="34" charset="0"/>
+              </a:defRPr>
+            </a:lvl9pPr>
+          </a:lstStyle>
+          <a:p>
+            <a:pPr algn="ctr" eaLnBrk="1" hangingPunct="1"/>
+            <a:r>
+              <a:rPr lang="en-US" altLang="en-US" sz="2000" b="1" dirty="0">
                 <a:latin typeface="Arial" panose="020B0604020202020204" pitchFamily="34" charset="0"/>
+                <a:ea typeface="Amazon Ember" panose="020B0603020204020204" pitchFamily="34" charset="0"/>
                 <a:cs typeface="Arial" panose="020B0604020202020204" pitchFamily="34" charset="0"/>
               </a:rPr>
-              <a:t>				    Auto Scaling group</a:t>
-            </a:r>
-            <a:endParaRPr lang="en-US" sz="1200" dirty="0">
-              <a:solidFill>
-                <a:srgbClr val="D86613"/>
-              </a:solidFill>
-              <a:latin typeface="Arial" panose="020B0604020202020204" pitchFamily="34" charset="0"/>
-              <a:cs typeface="Arial" panose="020B0604020202020204" pitchFamily="34" charset="0"/>
-            </a:endParaRPr>
-          </a:p>
-        </p:txBody>
-      </p:sp>
-      <p:sp>
-        <p:nvSpPr>
-          <p:cNvPr id="7" name="Rectangle 6">
+              <a:t>Example EKS architecture</a:t>
+            </a:r>
+          </a:p>
+          <a:p>
+            <a:pPr algn="ctr" eaLnBrk="1" hangingPunct="1"/>
+            <a:r>
+              <a:rPr lang="en-US" altLang="en-US" dirty="0">
+                <a:latin typeface="Arial" panose="020B0604020202020204" pitchFamily="34" charset="0"/>
+                <a:ea typeface="Amazon Ember" panose="020B0603020204020204" pitchFamily="34" charset="0"/>
+                <a:cs typeface="Arial" panose="020B0604020202020204" pitchFamily="34" charset="0"/>
+              </a:rPr>
+              <a:t>Updated 4/17/2023</a:t>
+            </a:r>
+            <a:br>
+              <a:rPr lang="en-US" altLang="en-US" dirty="0">
+                <a:latin typeface="Arial" panose="020B0604020202020204" pitchFamily="34" charset="0"/>
+                <a:ea typeface="Amazon Ember" panose="020B0603020204020204" pitchFamily="34" charset="0"/>
+                <a:cs typeface="Arial" panose="020B0604020202020204" pitchFamily="34" charset="0"/>
+              </a:rPr>
+            </a:br>
+            <a:br>
+              <a:rPr lang="en-US" altLang="en-US" dirty="0">
+                <a:latin typeface="Arial" panose="020B0604020202020204" pitchFamily="34" charset="0"/>
+                <a:ea typeface="Amazon Ember" panose="020B0603020204020204" pitchFamily="34" charset="0"/>
+                <a:cs typeface="Arial" panose="020B0604020202020204" pitchFamily="34" charset="0"/>
+              </a:rPr>
+            </a:br>
+            <a:r>
+              <a:rPr lang="en-US" altLang="en-US" dirty="0">
+                <a:latin typeface="Arial" panose="020B0604020202020204" pitchFamily="34" charset="0"/>
+                <a:ea typeface="Amazon Ember" panose="020B0603020204020204" pitchFamily="34" charset="0"/>
+                <a:cs typeface="Arial" panose="020B0604020202020204" pitchFamily="34" charset="0"/>
+              </a:rPr>
+              <a:t>For your diagrams, download the latest PowerPoint deck (“toolkit”) from the </a:t>
+            </a:r>
+            <a:r>
+              <a:rPr lang="en-US" altLang="en-US" dirty="0">
+                <a:latin typeface="Arial" panose="020B0604020202020204" pitchFamily="34" charset="0"/>
+                <a:ea typeface="Amazon Ember" panose="020B0603020204020204" pitchFamily="34" charset="0"/>
+                <a:cs typeface="Arial" panose="020B0604020202020204" pitchFamily="34" charset="0"/>
+                <a:hlinkClick r:id="rId4"/>
+              </a:rPr>
+              <a:t>AWS Architecture Icons</a:t>
+            </a:r>
+            <a:r>
+              <a:rPr lang="en-US" altLang="en-US" dirty="0">
+                <a:latin typeface="Arial" panose="020B0604020202020204" pitchFamily="34" charset="0"/>
+                <a:ea typeface="Amazon Ember" panose="020B0603020204020204" pitchFamily="34" charset="0"/>
+                <a:cs typeface="Arial" panose="020B0604020202020204" pitchFamily="34" charset="0"/>
+              </a:rPr>
+              <a:t> page. </a:t>
+            </a:r>
+            <a:br>
+              <a:rPr lang="en-US" altLang="en-US" dirty="0">
+                <a:latin typeface="Arial" panose="020B0604020202020204" pitchFamily="34" charset="0"/>
+                <a:ea typeface="Amazon Ember" panose="020B0603020204020204" pitchFamily="34" charset="0"/>
+                <a:cs typeface="Arial" panose="020B0604020202020204" pitchFamily="34" charset="0"/>
+              </a:rPr>
+            </a:br>
+            <a:r>
+              <a:rPr lang="en-US" altLang="en-US" dirty="0">
+                <a:latin typeface="Arial" panose="020B0604020202020204" pitchFamily="34" charset="0"/>
+                <a:ea typeface="Amazon Ember" panose="020B0603020204020204" pitchFamily="34" charset="0"/>
+                <a:cs typeface="Arial" panose="020B0604020202020204" pitchFamily="34" charset="0"/>
+              </a:rPr>
+              <a:t>Use only the elements in that deck, which is updated quarterly.</a:t>
+            </a:r>
+          </a:p>
+        </p:txBody>
+      </p:sp>
+      <p:sp>
+        <p:nvSpPr>
+          <p:cNvPr id="74" name="Rectangle 73">
             <a:extLst>
               <a:ext uri="{FF2B5EF4-FFF2-40B4-BE49-F238E27FC236}">
-                <a16:creationId xmlns:a16="http://schemas.microsoft.com/office/drawing/2014/main" id="{5CE804D4-5B67-4F1D-ACB3-17E80D07136F}"/>
+                <a16:creationId xmlns:a16="http://schemas.microsoft.com/office/drawing/2014/main" id="{0C79BD1B-A31D-45D7-A798-AE3D23FE5040}"/>
               </a:ext>
             </a:extLst>
           </p:cNvPr>
           <p:cNvSpPr/>
           <p:nvPr/>
         </p:nvSpPr>
-        <p:spPr>
+        <p:spPr bwMode="auto">
           <a:xfrm>
-            <a:off x="5212080" y="3657600"/>
-            <a:ext cx="10666095" cy="6600825"/>
+            <a:off x="5760720" y="5120640"/>
+            <a:ext cx="10425168" cy="6949440"/>
           </a:xfrm>
           <a:prstGeom prst="rect">
             <a:avLst/>
           </a:prstGeom>
           <a:noFill/>
-          <a:ln w="12700">
+          <a:ln w="15875">
             <a:solidFill>
               <a:schemeClr val="tx1"/>
             </a:solidFill>
@@ -3573,7 +4283,7 @@
             <a:r>
               <a:rPr lang="en-US" sz="1200" dirty="0">
                 <a:solidFill>
-                  <a:sysClr val="windowText" lastClr="000000"/>
+                  <a:schemeClr val="tx1"/>
                 </a:solidFill>
                 <a:latin typeface="Arial" panose="020B0604020202020204" pitchFamily="34" charset="0"/>
                 <a:cs typeface="Arial" panose="020B0604020202020204" pitchFamily="34" charset="0"/>
@@ -3585,10 +4295,10 @@
       </p:sp>
       <p:pic>
         <p:nvPicPr>
-          <p:cNvPr id="8" name="Graphic 7">
+          <p:cNvPr id="79" name="Graphic 78">
             <a:extLst>
               <a:ext uri="{FF2B5EF4-FFF2-40B4-BE49-F238E27FC236}">
-                <a16:creationId xmlns:a16="http://schemas.microsoft.com/office/drawing/2014/main" id="{F86A490D-4B8F-4601-BD11-290D10FFF74B}"/>
+                <a16:creationId xmlns:a16="http://schemas.microsoft.com/office/drawing/2014/main" id="{E1E50E00-E475-4B3D-95F9-2584462B8DBC}"/>
               </a:ext>
             </a:extLst>
           </p:cNvPr>
@@ -3598,10 +4308,10 @@
           <p:nvPr/>
         </p:nvPicPr>
         <p:blipFill>
-          <a:blip r:embed="rId4">
+          <a:blip r:embed="rId5">
             <a:extLst>
               <a:ext uri="{96DAC541-7B7A-43D3-8B79-37D633B846F1}">
-                <asvg:svgBlip xmlns:asvg="http://schemas.microsoft.com/office/drawing/2016/SVG/main" r:embed="rId5"/>
+                <asvg:svgBlip xmlns:asvg="http://schemas.microsoft.com/office/drawing/2016/SVG/main" r:embed="rId6"/>
               </a:ext>
             </a:extLst>
           </a:blip>
@@ -3610,7 +4320,7 @@
         </p:blipFill>
         <p:spPr>
           <a:xfrm>
-            <a:off x="5212080" y="3657600"/>
+            <a:off x="5760720" y="5120640"/>
             <a:ext cx="381000" cy="381000"/>
           </a:xfrm>
           <a:prstGeom prst="rect">
@@ -3620,28 +4330,133 @@
       </p:pic>
       <p:sp>
         <p:nvSpPr>
-          <p:cNvPr id="10" name="Rectangle 9">
+          <p:cNvPr id="85" name="Rectangle 84">
             <a:extLst>
               <a:ext uri="{FF2B5EF4-FFF2-40B4-BE49-F238E27FC236}">
-                <a16:creationId xmlns:a16="http://schemas.microsoft.com/office/drawing/2014/main" id="{98B5F3E8-3DE1-43D0-A1E7-26E69F31ED03}"/>
+                <a16:creationId xmlns:a16="http://schemas.microsoft.com/office/drawing/2014/main" id="{83A2807F-8375-4E37-B2BD-538FC4185C69}"/>
               </a:ext>
             </a:extLst>
           </p:cNvPr>
           <p:cNvSpPr/>
           <p:nvPr/>
         </p:nvSpPr>
-        <p:spPr>
+        <p:spPr bwMode="auto">
           <a:xfrm>
-            <a:off x="6369116" y="4023360"/>
-            <a:ext cx="2468880" cy="4815840"/>
+            <a:off x="6035040" y="5943600"/>
+            <a:ext cx="9875466" cy="4542817"/>
           </a:xfrm>
           <a:prstGeom prst="rect">
             <a:avLst/>
           </a:prstGeom>
           <a:noFill/>
-          <a:ln w="12700">
+          <a:ln w="15875">
             <a:solidFill>
-              <a:srgbClr val="5B9CD5"/>
+              <a:srgbClr val="8C4FFF"/>
+            </a:solidFill>
+          </a:ln>
+        </p:spPr>
+        <p:style>
+          <a:lnRef idx="2">
+            <a:schemeClr val="accent1">
+              <a:shade val="50000"/>
+            </a:schemeClr>
+          </a:lnRef>
+          <a:fillRef idx="1">
+            <a:schemeClr val="accent1"/>
+          </a:fillRef>
+          <a:effectRef idx="0">
+            <a:schemeClr val="accent1"/>
+          </a:effectRef>
+          <a:fontRef idx="minor">
+            <a:schemeClr val="lt1"/>
+          </a:fontRef>
+        </p:style>
+        <p:txBody>
+          <a:bodyPr lIns="502920" tIns="91440"/>
+          <a:lstStyle/>
+          <a:p>
+            <a:pPr eaLnBrk="1" fontAlgn="auto" hangingPunct="1">
+              <a:spcBef>
+                <a:spcPts val="0"/>
+              </a:spcBef>
+              <a:spcAft>
+                <a:spcPts val="0"/>
+              </a:spcAft>
+              <a:defRPr/>
+            </a:pPr>
+            <a:r>
+              <a:rPr lang="en-US" sz="1200" dirty="0">
+                <a:ln w="0"/>
+                <a:solidFill>
+                  <a:schemeClr val="tx1"/>
+                </a:solidFill>
+                <a:latin typeface="Arial" panose="020B0604020202020204" pitchFamily="34" charset="0"/>
+                <a:cs typeface="Arial" panose="020B0604020202020204" pitchFamily="34" charset="0"/>
+              </a:rPr>
+              <a:t>VPC</a:t>
+            </a:r>
+          </a:p>
+        </p:txBody>
+      </p:sp>
+      <p:pic>
+        <p:nvPicPr>
+          <p:cNvPr id="86" name="Graphic 85">
+            <a:extLst>
+              <a:ext uri="{FF2B5EF4-FFF2-40B4-BE49-F238E27FC236}">
+                <a16:creationId xmlns:a16="http://schemas.microsoft.com/office/drawing/2014/main" id="{387C3F0E-6B54-43D1-98FE-CCAA37B55147}"/>
+              </a:ext>
+            </a:extLst>
+          </p:cNvPr>
+          <p:cNvPicPr>
+            <a:picLocks noChangeAspect="1"/>
+          </p:cNvPicPr>
+          <p:nvPr/>
+        </p:nvPicPr>
+        <p:blipFill>
+          <a:blip r:embed="rId7">
+            <a:extLst>
+              <a:ext uri="{96DAC541-7B7A-43D3-8B79-37D633B846F1}">
+                <asvg:svgBlip xmlns:asvg="http://schemas.microsoft.com/office/drawing/2016/SVG/main" r:embed="rId8"/>
+              </a:ext>
+            </a:extLst>
+          </a:blip>
+          <a:srcRect/>
+          <a:stretch/>
+        </p:blipFill>
+        <p:spPr>
+          <a:xfrm>
+            <a:off x="6035040" y="5943600"/>
+            <a:ext cx="381000" cy="381000"/>
+          </a:xfrm>
+          <a:prstGeom prst="rect">
+            <a:avLst/>
+          </a:prstGeom>
+        </p:spPr>
+      </p:pic>
+      <p:sp>
+        <p:nvSpPr>
+          <p:cNvPr id="88" name="Rectangle 87">
+            <a:extLst>
+              <a:ext uri="{FF2B5EF4-FFF2-40B4-BE49-F238E27FC236}">
+                <a16:creationId xmlns:a16="http://schemas.microsoft.com/office/drawing/2014/main" id="{ECB991AA-1672-4B0C-A412-C2EAB33BAFEE}"/>
+              </a:ext>
+            </a:extLst>
+          </p:cNvPr>
+          <p:cNvSpPr/>
+          <p:nvPr/>
+        </p:nvSpPr>
+        <p:spPr bwMode="auto">
+          <a:xfrm>
+            <a:off x="6478641" y="5577804"/>
+            <a:ext cx="2468880" cy="5029200"/>
+          </a:xfrm>
+          <a:prstGeom prst="rect">
+            <a:avLst/>
+          </a:prstGeom>
+          <a:noFill/>
+          <a:ln w="15875">
+            <a:solidFill>
+              <a:srgbClr val="00A4A6"/>
             </a:solidFill>
             <a:prstDash val="dash"/>
           </a:ln>
@@ -3678,7 +4493,7 @@
             <a:r>
               <a:rPr lang="en-US" sz="1200" dirty="0">
                 <a:solidFill>
-                  <a:srgbClr val="5B9CD5"/>
+                  <a:schemeClr val="tx1"/>
                 </a:solidFill>
                 <a:latin typeface="Arial" panose="020B0604020202020204" pitchFamily="34" charset="0"/>
                 <a:cs typeface="Arial" panose="020B0604020202020204" pitchFamily="34" charset="0"/>
@@ -3688,1451 +4503,30 @@
           </a:p>
         </p:txBody>
       </p:sp>
-      <p:pic>
-        <p:nvPicPr>
-          <p:cNvPr id="16" name="Graphic 62">
+      <p:sp>
+        <p:nvSpPr>
+          <p:cNvPr id="97" name="Rectangle 96">
             <a:extLst>
               <a:ext uri="{FF2B5EF4-FFF2-40B4-BE49-F238E27FC236}">
-                <a16:creationId xmlns:a16="http://schemas.microsoft.com/office/drawing/2014/main" id="{506C3755-29DF-4B02-8792-9775A01E94D4}"/>
+                <a16:creationId xmlns:a16="http://schemas.microsoft.com/office/drawing/2014/main" id="{281EB053-9B97-450B-877F-8A5B068B5C0B}"/>
               </a:ext>
             </a:extLst>
           </p:cNvPr>
-          <p:cNvPicPr>
-            <a:picLocks noChangeAspect="1" noChangeArrowheads="1"/>
-          </p:cNvPicPr>
+          <p:cNvSpPr/>
           <p:nvPr/>
-        </p:nvPicPr>
-        <p:blipFill>
-          <a:blip r:embed="rId6" cstate="print">
-            <a:extLst>
-              <a:ext uri="{28A0092B-C50C-407E-A947-70E740481C1C}">
-                <a14:useLocalDpi xmlns:a14="http://schemas.microsoft.com/office/drawing/2010/main" val="0"/>
-              </a:ext>
-            </a:extLst>
-          </a:blip>
-          <a:srcRect/>
-          <a:stretch>
-            <a:fillRect/>
-          </a:stretch>
-        </p:blipFill>
+        </p:nvSpPr>
         <p:spPr bwMode="auto">
           <a:xfrm>
-            <a:off x="7374956" y="7594336"/>
-            <a:ext cx="457200" cy="457200"/>
+            <a:off x="10428624" y="5577804"/>
+            <a:ext cx="2468880" cy="5029200"/>
           </a:xfrm>
           <a:prstGeom prst="rect">
             <a:avLst/>
           </a:prstGeom>
           <a:noFill/>
-          <a:ln>
-            <a:noFill/>
-          </a:ln>
-          <a:extLst>
-            <a:ext uri="{909E8E84-426E-40DD-AFC4-6F175D3DCCD1}">
-              <a14:hiddenFill xmlns:a14="http://schemas.microsoft.com/office/drawing/2010/main">
-                <a:solidFill>
-                  <a:srgbClr val="FFFFFF"/>
-                </a:solidFill>
-              </a14:hiddenFill>
-            </a:ext>
-            <a:ext uri="{91240B29-F687-4F45-9708-019B960494DF}">
-              <a14:hiddenLine xmlns:a14="http://schemas.microsoft.com/office/drawing/2010/main" w="9525">
-                <a:solidFill>
-                  <a:srgbClr val="000000"/>
-                </a:solidFill>
-                <a:miter lim="800000"/>
-                <a:headEnd/>
-                <a:tailEnd/>
-              </a14:hiddenLine>
-            </a:ext>
-          </a:extLst>
-        </p:spPr>
-      </p:pic>
-      <p:sp>
-        <p:nvSpPr>
-          <p:cNvPr id="18" name="TextBox 17">
-            <a:extLst>
-              <a:ext uri="{FF2B5EF4-FFF2-40B4-BE49-F238E27FC236}">
-                <a16:creationId xmlns:a16="http://schemas.microsoft.com/office/drawing/2014/main" id="{8BCA3F41-B77A-48D2-84E2-441C4141784D}"/>
-              </a:ext>
-            </a:extLst>
-          </p:cNvPr>
-          <p:cNvSpPr txBox="1"/>
-          <p:nvPr/>
-        </p:nvSpPr>
-        <p:spPr>
-          <a:xfrm>
-            <a:off x="7056234" y="6312199"/>
-            <a:ext cx="1097280" cy="261610"/>
-          </a:xfrm>
-          <a:prstGeom prst="rect">
-            <a:avLst/>
-          </a:prstGeom>
-          <a:noFill/>
-        </p:spPr>
-        <p:txBody>
-          <a:bodyPr wrap="square" rtlCol="0">
-            <a:spAutoFit/>
-          </a:bodyPr>
-          <a:lstStyle/>
-          <a:p>
-            <a:pPr algn="ctr" defTabSz="914400"/>
-            <a:r>
-              <a:rPr lang="en-US" sz="1100" dirty="0">
-                <a:solidFill>
-                  <a:srgbClr val="232F3D"/>
-                </a:solidFill>
-                <a:latin typeface="Arial" panose="020B0604020202020204" pitchFamily="34" charset="0"/>
-                <a:cs typeface="Arial" panose="020B0604020202020204" pitchFamily="34" charset="0"/>
-              </a:rPr>
-              <a:t>Bastion host</a:t>
-            </a:r>
-          </a:p>
-        </p:txBody>
-      </p:sp>
-      <p:sp>
-        <p:nvSpPr>
-          <p:cNvPr id="19" name="TextBox 17">
-            <a:extLst>
-              <a:ext uri="{FF2B5EF4-FFF2-40B4-BE49-F238E27FC236}">
-                <a16:creationId xmlns:a16="http://schemas.microsoft.com/office/drawing/2014/main" id="{31365CDB-ED54-4B4E-9662-AF87C8FC0E7E}"/>
-              </a:ext>
-            </a:extLst>
-          </p:cNvPr>
-          <p:cNvSpPr txBox="1">
-            <a:spLocks noChangeArrowheads="1"/>
-          </p:cNvSpPr>
-          <p:nvPr/>
-        </p:nvSpPr>
-        <p:spPr bwMode="auto">
-          <a:xfrm>
-            <a:off x="7055286" y="5397800"/>
-            <a:ext cx="1097280" cy="261610"/>
-          </a:xfrm>
-          <a:prstGeom prst="rect">
-            <a:avLst/>
-          </a:prstGeom>
-          <a:noFill/>
-          <a:ln>
-            <a:noFill/>
-          </a:ln>
-          <a:extLst>
-            <a:ext uri="{909E8E84-426E-40DD-AFC4-6F175D3DCCD1}">
-              <a14:hiddenFill xmlns:a14="http://schemas.microsoft.com/office/drawing/2010/main">
-                <a:solidFill>
-                  <a:srgbClr val="FFFFFF"/>
-                </a:solidFill>
-              </a14:hiddenFill>
-            </a:ext>
-            <a:ext uri="{91240B29-F687-4F45-9708-019B960494DF}">
-              <a14:hiddenLine xmlns:a14="http://schemas.microsoft.com/office/drawing/2010/main" w="9525">
-                <a:solidFill>
-                  <a:srgbClr val="000000"/>
-                </a:solidFill>
-                <a:miter lim="800000"/>
-                <a:headEnd/>
-                <a:tailEnd/>
-              </a14:hiddenLine>
-            </a:ext>
-          </a:extLst>
-        </p:spPr>
-        <p:txBody>
-          <a:bodyPr wrap="square">
-            <a:spAutoFit/>
-          </a:bodyPr>
-          <a:lstStyle>
-            <a:lvl1pPr>
-              <a:defRPr>
-                <a:solidFill>
-                  <a:schemeClr val="tx1"/>
-                </a:solidFill>
-                <a:latin typeface="Calibri" panose="020F0502020204030204" pitchFamily="34" charset="0"/>
-              </a:defRPr>
-            </a:lvl1pPr>
-            <a:lvl2pPr marL="742950" indent="-285750">
-              <a:defRPr>
-                <a:solidFill>
-                  <a:schemeClr val="tx1"/>
-                </a:solidFill>
-                <a:latin typeface="Calibri" panose="020F0502020204030204" pitchFamily="34" charset="0"/>
-              </a:defRPr>
-            </a:lvl2pPr>
-            <a:lvl3pPr marL="1143000" indent="-228600">
-              <a:defRPr>
-                <a:solidFill>
-                  <a:schemeClr val="tx1"/>
-                </a:solidFill>
-                <a:latin typeface="Calibri" panose="020F0502020204030204" pitchFamily="34" charset="0"/>
-              </a:defRPr>
-            </a:lvl3pPr>
-            <a:lvl4pPr marL="1600200" indent="-228600">
-              <a:defRPr>
-                <a:solidFill>
-                  <a:schemeClr val="tx1"/>
-                </a:solidFill>
-                <a:latin typeface="Calibri" panose="020F0502020204030204" pitchFamily="34" charset="0"/>
-              </a:defRPr>
-            </a:lvl4pPr>
-            <a:lvl5pPr marL="2057400" indent="-228600">
-              <a:defRPr>
-                <a:solidFill>
-                  <a:schemeClr val="tx1"/>
-                </a:solidFill>
-                <a:latin typeface="Calibri" panose="020F0502020204030204" pitchFamily="34" charset="0"/>
-              </a:defRPr>
-            </a:lvl5pPr>
-            <a:lvl6pPr marL="2514600" indent="-228600" eaLnBrk="0" fontAlgn="base" hangingPunct="0">
-              <a:spcBef>
-                <a:spcPct val="0"/>
-              </a:spcBef>
-              <a:spcAft>
-                <a:spcPct val="0"/>
-              </a:spcAft>
-              <a:defRPr>
-                <a:solidFill>
-                  <a:schemeClr val="tx1"/>
-                </a:solidFill>
-                <a:latin typeface="Calibri" panose="020F0502020204030204" pitchFamily="34" charset="0"/>
-              </a:defRPr>
-            </a:lvl6pPr>
-            <a:lvl7pPr marL="2971800" indent="-228600" eaLnBrk="0" fontAlgn="base" hangingPunct="0">
-              <a:spcBef>
-                <a:spcPct val="0"/>
-              </a:spcBef>
-              <a:spcAft>
-                <a:spcPct val="0"/>
-              </a:spcAft>
-              <a:defRPr>
-                <a:solidFill>
-                  <a:schemeClr val="tx1"/>
-                </a:solidFill>
-                <a:latin typeface="Calibri" panose="020F0502020204030204" pitchFamily="34" charset="0"/>
-              </a:defRPr>
-            </a:lvl7pPr>
-            <a:lvl8pPr marL="3429000" indent="-228600" eaLnBrk="0" fontAlgn="base" hangingPunct="0">
-              <a:spcBef>
-                <a:spcPct val="0"/>
-              </a:spcBef>
-              <a:spcAft>
-                <a:spcPct val="0"/>
-              </a:spcAft>
-              <a:defRPr>
-                <a:solidFill>
-                  <a:schemeClr val="tx1"/>
-                </a:solidFill>
-                <a:latin typeface="Calibri" panose="020F0502020204030204" pitchFamily="34" charset="0"/>
-              </a:defRPr>
-            </a:lvl8pPr>
-            <a:lvl9pPr marL="3886200" indent="-228600" eaLnBrk="0" fontAlgn="base" hangingPunct="0">
-              <a:spcBef>
-                <a:spcPct val="0"/>
-              </a:spcBef>
-              <a:spcAft>
-                <a:spcPct val="0"/>
-              </a:spcAft>
-              <a:defRPr>
-                <a:solidFill>
-                  <a:schemeClr val="tx1"/>
-                </a:solidFill>
-                <a:latin typeface="Calibri" panose="020F0502020204030204" pitchFamily="34" charset="0"/>
-              </a:defRPr>
-            </a:lvl9pPr>
-          </a:lstStyle>
-          <a:p>
-            <a:pPr algn="ctr" eaLnBrk="1" hangingPunct="1"/>
-            <a:r>
-              <a:rPr lang="en-US" altLang="en-US" sz="1100" dirty="0">
-                <a:latin typeface="Arial" panose="020B0604020202020204" pitchFamily="34" charset="0"/>
-                <a:ea typeface="Amazon Ember" panose="020B0603020204020204" pitchFamily="34" charset="0"/>
-                <a:cs typeface="Arial" panose="020B0604020202020204" pitchFamily="34" charset="0"/>
-              </a:rPr>
-              <a:t>NAT gateway</a:t>
-            </a:r>
-          </a:p>
-        </p:txBody>
-      </p:sp>
-      <p:pic>
-        <p:nvPicPr>
-          <p:cNvPr id="20" name="Graphic 35">
-            <a:extLst>
-              <a:ext uri="{FF2B5EF4-FFF2-40B4-BE49-F238E27FC236}">
-                <a16:creationId xmlns:a16="http://schemas.microsoft.com/office/drawing/2014/main" id="{142F5CC6-F8E2-4478-97A5-19CF58C5BD91}"/>
-              </a:ext>
-            </a:extLst>
-          </p:cNvPr>
-          <p:cNvPicPr>
-            <a:picLocks noChangeAspect="1" noChangeArrowheads="1"/>
-          </p:cNvPicPr>
-          <p:nvPr/>
-        </p:nvPicPr>
-        <p:blipFill>
-          <a:blip r:embed="rId7" cstate="print">
-            <a:extLst>
-              <a:ext uri="{28A0092B-C50C-407E-A947-70E740481C1C}">
-                <a14:useLocalDpi xmlns:a14="http://schemas.microsoft.com/office/drawing/2010/main" val="0"/>
-              </a:ext>
-            </a:extLst>
-          </a:blip>
-          <a:srcRect/>
-          <a:stretch>
-            <a:fillRect/>
-          </a:stretch>
-        </p:blipFill>
-        <p:spPr bwMode="auto">
-          <a:xfrm>
-            <a:off x="7374956" y="4937760"/>
-            <a:ext cx="457200" cy="457200"/>
-          </a:xfrm>
-          <a:prstGeom prst="rect">
-            <a:avLst/>
-          </a:prstGeom>
-          <a:noFill/>
-          <a:ln>
-            <a:noFill/>
-          </a:ln>
-          <a:extLst>
-            <a:ext uri="{909E8E84-426E-40DD-AFC4-6F175D3DCCD1}">
-              <a14:hiddenFill xmlns:a14="http://schemas.microsoft.com/office/drawing/2010/main">
-                <a:solidFill>
-                  <a:srgbClr val="FFFFFF"/>
-                </a:solidFill>
-              </a14:hiddenFill>
-            </a:ext>
-            <a:ext uri="{91240B29-F687-4F45-9708-019B960494DF}">
-              <a14:hiddenLine xmlns:a14="http://schemas.microsoft.com/office/drawing/2010/main" w="9525">
-                <a:solidFill>
-                  <a:srgbClr val="000000"/>
-                </a:solidFill>
-                <a:miter lim="800000"/>
-                <a:headEnd/>
-                <a:tailEnd/>
-              </a14:hiddenLine>
-            </a:ext>
-          </a:extLst>
-        </p:spPr>
-      </p:pic>
-      <p:sp>
-        <p:nvSpPr>
-          <p:cNvPr id="21" name="TextBox 17">
-            <a:extLst>
-              <a:ext uri="{FF2B5EF4-FFF2-40B4-BE49-F238E27FC236}">
-                <a16:creationId xmlns:a16="http://schemas.microsoft.com/office/drawing/2014/main" id="{B57CA097-3550-4C24-BD79-4F3DDCF3B2A9}"/>
-              </a:ext>
-            </a:extLst>
-          </p:cNvPr>
-          <p:cNvSpPr txBox="1">
-            <a:spLocks noChangeArrowheads="1"/>
-          </p:cNvSpPr>
-          <p:nvPr/>
-        </p:nvSpPr>
-        <p:spPr bwMode="auto">
-          <a:xfrm>
-            <a:off x="6873102" y="8052573"/>
-            <a:ext cx="1463040" cy="261610"/>
-          </a:xfrm>
-          <a:prstGeom prst="rect">
-            <a:avLst/>
-          </a:prstGeom>
-          <a:noFill/>
-          <a:ln>
-            <a:noFill/>
-          </a:ln>
-          <a:extLst>
-            <a:ext uri="{909E8E84-426E-40DD-AFC4-6F175D3DCCD1}">
-              <a14:hiddenFill xmlns:a14="http://schemas.microsoft.com/office/drawing/2010/main">
-                <a:solidFill>
-                  <a:srgbClr val="FFFFFF"/>
-                </a:solidFill>
-              </a14:hiddenFill>
-            </a:ext>
-            <a:ext uri="{91240B29-F687-4F45-9708-019B960494DF}">
-              <a14:hiddenLine xmlns:a14="http://schemas.microsoft.com/office/drawing/2010/main" w="9525">
-                <a:solidFill>
-                  <a:srgbClr val="000000"/>
-                </a:solidFill>
-                <a:miter lim="800000"/>
-                <a:headEnd/>
-                <a:tailEnd/>
-              </a14:hiddenLine>
-            </a:ext>
-          </a:extLst>
-        </p:spPr>
-        <p:txBody>
-          <a:bodyPr wrap="square">
-            <a:spAutoFit/>
-          </a:bodyPr>
-          <a:lstStyle>
-            <a:lvl1pPr>
-              <a:defRPr>
-                <a:solidFill>
-                  <a:schemeClr val="tx1"/>
-                </a:solidFill>
-                <a:latin typeface="Calibri" panose="020F0502020204030204" pitchFamily="34" charset="0"/>
-              </a:defRPr>
-            </a:lvl1pPr>
-            <a:lvl2pPr marL="742950" indent="-285750">
-              <a:defRPr>
-                <a:solidFill>
-                  <a:schemeClr val="tx1"/>
-                </a:solidFill>
-                <a:latin typeface="Calibri" panose="020F0502020204030204" pitchFamily="34" charset="0"/>
-              </a:defRPr>
-            </a:lvl2pPr>
-            <a:lvl3pPr marL="1143000" indent="-228600">
-              <a:defRPr>
-                <a:solidFill>
-                  <a:schemeClr val="tx1"/>
-                </a:solidFill>
-                <a:latin typeface="Calibri" panose="020F0502020204030204" pitchFamily="34" charset="0"/>
-              </a:defRPr>
-            </a:lvl3pPr>
-            <a:lvl4pPr marL="1600200" indent="-228600">
-              <a:defRPr>
-                <a:solidFill>
-                  <a:schemeClr val="tx1"/>
-                </a:solidFill>
-                <a:latin typeface="Calibri" panose="020F0502020204030204" pitchFamily="34" charset="0"/>
-              </a:defRPr>
-            </a:lvl4pPr>
-            <a:lvl5pPr marL="2057400" indent="-228600">
-              <a:defRPr>
-                <a:solidFill>
-                  <a:schemeClr val="tx1"/>
-                </a:solidFill>
-                <a:latin typeface="Calibri" panose="020F0502020204030204" pitchFamily="34" charset="0"/>
-              </a:defRPr>
-            </a:lvl5pPr>
-            <a:lvl6pPr marL="2514600" indent="-228600" eaLnBrk="0" fontAlgn="base" hangingPunct="0">
-              <a:spcBef>
-                <a:spcPct val="0"/>
-              </a:spcBef>
-              <a:spcAft>
-                <a:spcPct val="0"/>
-              </a:spcAft>
-              <a:defRPr>
-                <a:solidFill>
-                  <a:schemeClr val="tx1"/>
-                </a:solidFill>
-                <a:latin typeface="Calibri" panose="020F0502020204030204" pitchFamily="34" charset="0"/>
-              </a:defRPr>
-            </a:lvl6pPr>
-            <a:lvl7pPr marL="2971800" indent="-228600" eaLnBrk="0" fontAlgn="base" hangingPunct="0">
-              <a:spcBef>
-                <a:spcPct val="0"/>
-              </a:spcBef>
-              <a:spcAft>
-                <a:spcPct val="0"/>
-              </a:spcAft>
-              <a:defRPr>
-                <a:solidFill>
-                  <a:schemeClr val="tx1"/>
-                </a:solidFill>
-                <a:latin typeface="Calibri" panose="020F0502020204030204" pitchFamily="34" charset="0"/>
-              </a:defRPr>
-            </a:lvl7pPr>
-            <a:lvl8pPr marL="3429000" indent="-228600" eaLnBrk="0" fontAlgn="base" hangingPunct="0">
-              <a:spcBef>
-                <a:spcPct val="0"/>
-              </a:spcBef>
-              <a:spcAft>
-                <a:spcPct val="0"/>
-              </a:spcAft>
-              <a:defRPr>
-                <a:solidFill>
-                  <a:schemeClr val="tx1"/>
-                </a:solidFill>
-                <a:latin typeface="Calibri" panose="020F0502020204030204" pitchFamily="34" charset="0"/>
-              </a:defRPr>
-            </a:lvl8pPr>
-            <a:lvl9pPr marL="3886200" indent="-228600" eaLnBrk="0" fontAlgn="base" hangingPunct="0">
-              <a:spcBef>
-                <a:spcPct val="0"/>
-              </a:spcBef>
-              <a:spcAft>
-                <a:spcPct val="0"/>
-              </a:spcAft>
-              <a:defRPr>
-                <a:solidFill>
-                  <a:schemeClr val="tx1"/>
-                </a:solidFill>
-                <a:latin typeface="Calibri" panose="020F0502020204030204" pitchFamily="34" charset="0"/>
-              </a:defRPr>
-            </a:lvl9pPr>
-          </a:lstStyle>
-          <a:p>
-            <a:pPr algn="ctr" eaLnBrk="1" hangingPunct="1"/>
-            <a:r>
-              <a:rPr lang="en-US" altLang="en-US" sz="1100" dirty="0">
-                <a:latin typeface="Arial" panose="020B0604020202020204" pitchFamily="34" charset="0"/>
-                <a:ea typeface="Amazon Ember" panose="020B0603020204020204" pitchFamily="34" charset="0"/>
-                <a:cs typeface="Arial" panose="020B0604020202020204" pitchFamily="34" charset="0"/>
-              </a:rPr>
-              <a:t>Kubernetes nodes</a:t>
-            </a:r>
-          </a:p>
-        </p:txBody>
-      </p:sp>
-      <p:sp>
-        <p:nvSpPr>
-          <p:cNvPr id="22" name="TextBox 12">
-            <a:extLst>
-              <a:ext uri="{FF2B5EF4-FFF2-40B4-BE49-F238E27FC236}">
-                <a16:creationId xmlns:a16="http://schemas.microsoft.com/office/drawing/2014/main" id="{9D0E20BB-D8FD-4B32-9BC4-FCF149D8447F}"/>
-              </a:ext>
-            </a:extLst>
-          </p:cNvPr>
-          <p:cNvSpPr txBox="1">
-            <a:spLocks noChangeArrowheads="1"/>
-          </p:cNvSpPr>
-          <p:nvPr/>
-        </p:nvSpPr>
-        <p:spPr bwMode="auto">
-          <a:xfrm>
-            <a:off x="6610704" y="9867830"/>
-            <a:ext cx="1737360" cy="276999"/>
-          </a:xfrm>
-          <a:prstGeom prst="rect">
-            <a:avLst/>
-          </a:prstGeom>
-          <a:noFill/>
-          <a:ln>
-            <a:noFill/>
-          </a:ln>
-          <a:extLst>
-            <a:ext uri="{909E8E84-426E-40DD-AFC4-6F175D3DCCD1}">
-              <a14:hiddenFill xmlns:a14="http://schemas.microsoft.com/office/drawing/2010/main">
-                <a:solidFill>
-                  <a:srgbClr val="FFFFFF"/>
-                </a:solidFill>
-              </a14:hiddenFill>
-            </a:ext>
-            <a:ext uri="{91240B29-F687-4F45-9708-019B960494DF}">
-              <a14:hiddenLine xmlns:a14="http://schemas.microsoft.com/office/drawing/2010/main" w="9525">
-                <a:solidFill>
-                  <a:srgbClr val="000000"/>
-                </a:solidFill>
-                <a:miter lim="800000"/>
-                <a:headEnd/>
-                <a:tailEnd/>
-              </a14:hiddenLine>
-            </a:ext>
-          </a:extLst>
-        </p:spPr>
-        <p:txBody>
-          <a:bodyPr>
-            <a:spAutoFit/>
-          </a:bodyPr>
-          <a:lstStyle>
-            <a:lvl1pPr>
-              <a:defRPr>
-                <a:solidFill>
-                  <a:schemeClr val="tx1"/>
-                </a:solidFill>
-                <a:latin typeface="Calibri" panose="020F0502020204030204" pitchFamily="34" charset="0"/>
-              </a:defRPr>
-            </a:lvl1pPr>
-            <a:lvl2pPr marL="742950" indent="-285750">
-              <a:defRPr>
-                <a:solidFill>
-                  <a:schemeClr val="tx1"/>
-                </a:solidFill>
-                <a:latin typeface="Calibri" panose="020F0502020204030204" pitchFamily="34" charset="0"/>
-              </a:defRPr>
-            </a:lvl2pPr>
-            <a:lvl3pPr marL="1143000" indent="-228600">
-              <a:defRPr>
-                <a:solidFill>
-                  <a:schemeClr val="tx1"/>
-                </a:solidFill>
-                <a:latin typeface="Calibri" panose="020F0502020204030204" pitchFamily="34" charset="0"/>
-              </a:defRPr>
-            </a:lvl3pPr>
-            <a:lvl4pPr marL="1600200" indent="-228600">
-              <a:defRPr>
-                <a:solidFill>
-                  <a:schemeClr val="tx1"/>
-                </a:solidFill>
-                <a:latin typeface="Calibri" panose="020F0502020204030204" pitchFamily="34" charset="0"/>
-              </a:defRPr>
-            </a:lvl4pPr>
-            <a:lvl5pPr marL="2057400" indent="-228600">
-              <a:defRPr>
-                <a:solidFill>
-                  <a:schemeClr val="tx1"/>
-                </a:solidFill>
-                <a:latin typeface="Calibri" panose="020F0502020204030204" pitchFamily="34" charset="0"/>
-              </a:defRPr>
-            </a:lvl5pPr>
-            <a:lvl6pPr marL="2514600" indent="-228600" eaLnBrk="0" fontAlgn="base" hangingPunct="0">
-              <a:spcBef>
-                <a:spcPct val="0"/>
-              </a:spcBef>
-              <a:spcAft>
-                <a:spcPct val="0"/>
-              </a:spcAft>
-              <a:defRPr>
-                <a:solidFill>
-                  <a:schemeClr val="tx1"/>
-                </a:solidFill>
-                <a:latin typeface="Calibri" panose="020F0502020204030204" pitchFamily="34" charset="0"/>
-              </a:defRPr>
-            </a:lvl6pPr>
-            <a:lvl7pPr marL="2971800" indent="-228600" eaLnBrk="0" fontAlgn="base" hangingPunct="0">
-              <a:spcBef>
-                <a:spcPct val="0"/>
-              </a:spcBef>
-              <a:spcAft>
-                <a:spcPct val="0"/>
-              </a:spcAft>
-              <a:defRPr>
-                <a:solidFill>
-                  <a:schemeClr val="tx1"/>
-                </a:solidFill>
-                <a:latin typeface="Calibri" panose="020F0502020204030204" pitchFamily="34" charset="0"/>
-              </a:defRPr>
-            </a:lvl7pPr>
-            <a:lvl8pPr marL="3429000" indent="-228600" eaLnBrk="0" fontAlgn="base" hangingPunct="0">
-              <a:spcBef>
-                <a:spcPct val="0"/>
-              </a:spcBef>
-              <a:spcAft>
-                <a:spcPct val="0"/>
-              </a:spcAft>
-              <a:defRPr>
-                <a:solidFill>
-                  <a:schemeClr val="tx1"/>
-                </a:solidFill>
-                <a:latin typeface="Calibri" panose="020F0502020204030204" pitchFamily="34" charset="0"/>
-              </a:defRPr>
-            </a:lvl8pPr>
-            <a:lvl9pPr marL="3886200" indent="-228600" eaLnBrk="0" fontAlgn="base" hangingPunct="0">
-              <a:spcBef>
-                <a:spcPct val="0"/>
-              </a:spcBef>
-              <a:spcAft>
-                <a:spcPct val="0"/>
-              </a:spcAft>
-              <a:defRPr>
-                <a:solidFill>
-                  <a:schemeClr val="tx1"/>
-                </a:solidFill>
-                <a:latin typeface="Calibri" panose="020F0502020204030204" pitchFamily="34" charset="0"/>
-              </a:defRPr>
-            </a:lvl9pPr>
-          </a:lstStyle>
-          <a:p>
-            <a:pPr algn="ctr" eaLnBrk="1" hangingPunct="1"/>
-            <a:r>
-              <a:rPr lang="en-US" altLang="en-US" sz="1200" dirty="0">
-                <a:latin typeface="Arial" panose="020B0604020202020204" pitchFamily="34" charset="0"/>
-                <a:ea typeface="Amazon Ember" panose="020B0603020204020204" pitchFamily="34" charset="0"/>
-                <a:cs typeface="Arial" panose="020B0604020202020204" pitchFamily="34" charset="0"/>
-              </a:rPr>
-              <a:t>Elastic Load Balancing</a:t>
-            </a:r>
-          </a:p>
-        </p:txBody>
-      </p:sp>
-      <p:sp>
-        <p:nvSpPr>
-          <p:cNvPr id="23" name="TextBox 9">
-            <a:extLst>
-              <a:ext uri="{FF2B5EF4-FFF2-40B4-BE49-F238E27FC236}">
-                <a16:creationId xmlns:a16="http://schemas.microsoft.com/office/drawing/2014/main" id="{7B3F2410-50D0-43A7-A68B-41492420D351}"/>
-              </a:ext>
-            </a:extLst>
-          </p:cNvPr>
-          <p:cNvSpPr txBox="1">
-            <a:spLocks noChangeArrowheads="1"/>
-          </p:cNvSpPr>
-          <p:nvPr/>
-        </p:nvSpPr>
-        <p:spPr bwMode="auto">
-          <a:xfrm>
-            <a:off x="8346403" y="9865995"/>
-            <a:ext cx="1737360" cy="276999"/>
-          </a:xfrm>
-          <a:prstGeom prst="rect">
-            <a:avLst/>
-          </a:prstGeom>
-          <a:noFill/>
-          <a:ln>
-            <a:noFill/>
-          </a:ln>
-          <a:extLst>
-            <a:ext uri="{909E8E84-426E-40DD-AFC4-6F175D3DCCD1}">
-              <a14:hiddenFill xmlns:a14="http://schemas.microsoft.com/office/drawing/2010/main">
-                <a:solidFill>
-                  <a:srgbClr val="FFFFFF"/>
-                </a:solidFill>
-              </a14:hiddenFill>
-            </a:ext>
-            <a:ext uri="{91240B29-F687-4F45-9708-019B960494DF}">
-              <a14:hiddenLine xmlns:a14="http://schemas.microsoft.com/office/drawing/2010/main" w="9525">
-                <a:solidFill>
-                  <a:srgbClr val="000000"/>
-                </a:solidFill>
-                <a:miter lim="800000"/>
-                <a:headEnd/>
-                <a:tailEnd/>
-              </a14:hiddenLine>
-            </a:ext>
-          </a:extLst>
-        </p:spPr>
-        <p:txBody>
-          <a:bodyPr wrap="square">
-            <a:spAutoFit/>
-          </a:bodyPr>
-          <a:lstStyle>
-            <a:lvl1pPr>
-              <a:defRPr>
-                <a:solidFill>
-                  <a:schemeClr val="tx1"/>
-                </a:solidFill>
-                <a:latin typeface="Calibri" panose="020F0502020204030204" pitchFamily="34" charset="0"/>
-              </a:defRPr>
-            </a:lvl1pPr>
-            <a:lvl2pPr marL="742950" indent="-285750">
-              <a:defRPr>
-                <a:solidFill>
-                  <a:schemeClr val="tx1"/>
-                </a:solidFill>
-                <a:latin typeface="Calibri" panose="020F0502020204030204" pitchFamily="34" charset="0"/>
-              </a:defRPr>
-            </a:lvl2pPr>
-            <a:lvl3pPr marL="1143000" indent="-228600">
-              <a:defRPr>
-                <a:solidFill>
-                  <a:schemeClr val="tx1"/>
-                </a:solidFill>
-                <a:latin typeface="Calibri" panose="020F0502020204030204" pitchFamily="34" charset="0"/>
-              </a:defRPr>
-            </a:lvl3pPr>
-            <a:lvl4pPr marL="1600200" indent="-228600">
-              <a:defRPr>
-                <a:solidFill>
-                  <a:schemeClr val="tx1"/>
-                </a:solidFill>
-                <a:latin typeface="Calibri" panose="020F0502020204030204" pitchFamily="34" charset="0"/>
-              </a:defRPr>
-            </a:lvl4pPr>
-            <a:lvl5pPr marL="2057400" indent="-228600">
-              <a:defRPr>
-                <a:solidFill>
-                  <a:schemeClr val="tx1"/>
-                </a:solidFill>
-                <a:latin typeface="Calibri" panose="020F0502020204030204" pitchFamily="34" charset="0"/>
-              </a:defRPr>
-            </a:lvl5pPr>
-            <a:lvl6pPr marL="2514600" indent="-228600" eaLnBrk="0" fontAlgn="base" hangingPunct="0">
-              <a:spcBef>
-                <a:spcPct val="0"/>
-              </a:spcBef>
-              <a:spcAft>
-                <a:spcPct val="0"/>
-              </a:spcAft>
-              <a:defRPr>
-                <a:solidFill>
-                  <a:schemeClr val="tx1"/>
-                </a:solidFill>
-                <a:latin typeface="Calibri" panose="020F0502020204030204" pitchFamily="34" charset="0"/>
-              </a:defRPr>
-            </a:lvl6pPr>
-            <a:lvl7pPr marL="2971800" indent="-228600" eaLnBrk="0" fontAlgn="base" hangingPunct="0">
-              <a:spcBef>
-                <a:spcPct val="0"/>
-              </a:spcBef>
-              <a:spcAft>
-                <a:spcPct val="0"/>
-              </a:spcAft>
-              <a:defRPr>
-                <a:solidFill>
-                  <a:schemeClr val="tx1"/>
-                </a:solidFill>
-                <a:latin typeface="Calibri" panose="020F0502020204030204" pitchFamily="34" charset="0"/>
-              </a:defRPr>
-            </a:lvl7pPr>
-            <a:lvl8pPr marL="3429000" indent="-228600" eaLnBrk="0" fontAlgn="base" hangingPunct="0">
-              <a:spcBef>
-                <a:spcPct val="0"/>
-              </a:spcBef>
-              <a:spcAft>
-                <a:spcPct val="0"/>
-              </a:spcAft>
-              <a:defRPr>
-                <a:solidFill>
-                  <a:schemeClr val="tx1"/>
-                </a:solidFill>
-                <a:latin typeface="Calibri" panose="020F0502020204030204" pitchFamily="34" charset="0"/>
-              </a:defRPr>
-            </a:lvl8pPr>
-            <a:lvl9pPr marL="3886200" indent="-228600" eaLnBrk="0" fontAlgn="base" hangingPunct="0">
-              <a:spcBef>
-                <a:spcPct val="0"/>
-              </a:spcBef>
-              <a:spcAft>
-                <a:spcPct val="0"/>
-              </a:spcAft>
-              <a:defRPr>
-                <a:solidFill>
-                  <a:schemeClr val="tx1"/>
-                </a:solidFill>
-                <a:latin typeface="Calibri" panose="020F0502020204030204" pitchFamily="34" charset="0"/>
-              </a:defRPr>
-            </a:lvl9pPr>
-          </a:lstStyle>
-          <a:p>
-            <a:pPr algn="ctr" eaLnBrk="1" hangingPunct="1"/>
-            <a:r>
-              <a:rPr lang="en-US" altLang="en-US" sz="1200" dirty="0">
-                <a:latin typeface="Arial" panose="020B0604020202020204" pitchFamily="34" charset="0"/>
-                <a:ea typeface="Amazon Ember" panose="020B0603020204020204" pitchFamily="34" charset="0"/>
-                <a:cs typeface="Arial" panose="020B0604020202020204" pitchFamily="34" charset="0"/>
-              </a:rPr>
-              <a:t>Amazon EKS</a:t>
-            </a:r>
-          </a:p>
-        </p:txBody>
-      </p:sp>
-      <p:sp>
-        <p:nvSpPr>
-          <p:cNvPr id="24" name="TextBox 9">
-            <a:extLst>
-              <a:ext uri="{FF2B5EF4-FFF2-40B4-BE49-F238E27FC236}">
-                <a16:creationId xmlns:a16="http://schemas.microsoft.com/office/drawing/2014/main" id="{7C6CEF76-EC75-4B39-AD30-BFCE43CC1F6F}"/>
-              </a:ext>
-            </a:extLst>
-          </p:cNvPr>
-          <p:cNvSpPr txBox="1">
-            <a:spLocks noChangeArrowheads="1"/>
-          </p:cNvSpPr>
-          <p:nvPr/>
-        </p:nvSpPr>
-        <p:spPr bwMode="auto">
-          <a:xfrm>
-            <a:off x="10083197" y="9865995"/>
-            <a:ext cx="1737360" cy="276999"/>
-          </a:xfrm>
-          <a:prstGeom prst="rect">
-            <a:avLst/>
-          </a:prstGeom>
-          <a:noFill/>
-          <a:ln>
-            <a:noFill/>
-          </a:ln>
-          <a:extLst>
-            <a:ext uri="{909E8E84-426E-40DD-AFC4-6F175D3DCCD1}">
-              <a14:hiddenFill xmlns:a14="http://schemas.microsoft.com/office/drawing/2010/main">
-                <a:solidFill>
-                  <a:srgbClr val="FFFFFF"/>
-                </a:solidFill>
-              </a14:hiddenFill>
-            </a:ext>
-            <a:ext uri="{91240B29-F687-4F45-9708-019B960494DF}">
-              <a14:hiddenLine xmlns:a14="http://schemas.microsoft.com/office/drawing/2010/main" w="9525">
-                <a:solidFill>
-                  <a:srgbClr val="000000"/>
-                </a:solidFill>
-                <a:miter lim="800000"/>
-                <a:headEnd/>
-                <a:tailEnd/>
-              </a14:hiddenLine>
-            </a:ext>
-          </a:extLst>
-        </p:spPr>
-        <p:txBody>
-          <a:bodyPr>
-            <a:spAutoFit/>
-          </a:bodyPr>
-          <a:lstStyle>
-            <a:lvl1pPr>
-              <a:defRPr>
-                <a:solidFill>
-                  <a:schemeClr val="tx1"/>
-                </a:solidFill>
-                <a:latin typeface="Calibri" panose="020F0502020204030204" pitchFamily="34" charset="0"/>
-              </a:defRPr>
-            </a:lvl1pPr>
-            <a:lvl2pPr marL="742950" indent="-285750">
-              <a:defRPr>
-                <a:solidFill>
-                  <a:schemeClr val="tx1"/>
-                </a:solidFill>
-                <a:latin typeface="Calibri" panose="020F0502020204030204" pitchFamily="34" charset="0"/>
-              </a:defRPr>
-            </a:lvl2pPr>
-            <a:lvl3pPr marL="1143000" indent="-228600">
-              <a:defRPr>
-                <a:solidFill>
-                  <a:schemeClr val="tx1"/>
-                </a:solidFill>
-                <a:latin typeface="Calibri" panose="020F0502020204030204" pitchFamily="34" charset="0"/>
-              </a:defRPr>
-            </a:lvl3pPr>
-            <a:lvl4pPr marL="1600200" indent="-228600">
-              <a:defRPr>
-                <a:solidFill>
-                  <a:schemeClr val="tx1"/>
-                </a:solidFill>
-                <a:latin typeface="Calibri" panose="020F0502020204030204" pitchFamily="34" charset="0"/>
-              </a:defRPr>
-            </a:lvl4pPr>
-            <a:lvl5pPr marL="2057400" indent="-228600">
-              <a:defRPr>
-                <a:solidFill>
-                  <a:schemeClr val="tx1"/>
-                </a:solidFill>
-                <a:latin typeface="Calibri" panose="020F0502020204030204" pitchFamily="34" charset="0"/>
-              </a:defRPr>
-            </a:lvl5pPr>
-            <a:lvl6pPr marL="2514600" indent="-228600" eaLnBrk="0" fontAlgn="base" hangingPunct="0">
-              <a:spcBef>
-                <a:spcPct val="0"/>
-              </a:spcBef>
-              <a:spcAft>
-                <a:spcPct val="0"/>
-              </a:spcAft>
-              <a:defRPr>
-                <a:solidFill>
-                  <a:schemeClr val="tx1"/>
-                </a:solidFill>
-                <a:latin typeface="Calibri" panose="020F0502020204030204" pitchFamily="34" charset="0"/>
-              </a:defRPr>
-            </a:lvl6pPr>
-            <a:lvl7pPr marL="2971800" indent="-228600" eaLnBrk="0" fontAlgn="base" hangingPunct="0">
-              <a:spcBef>
-                <a:spcPct val="0"/>
-              </a:spcBef>
-              <a:spcAft>
-                <a:spcPct val="0"/>
-              </a:spcAft>
-              <a:defRPr>
-                <a:solidFill>
-                  <a:schemeClr val="tx1"/>
-                </a:solidFill>
-                <a:latin typeface="Calibri" panose="020F0502020204030204" pitchFamily="34" charset="0"/>
-              </a:defRPr>
-            </a:lvl7pPr>
-            <a:lvl8pPr marL="3429000" indent="-228600" eaLnBrk="0" fontAlgn="base" hangingPunct="0">
-              <a:spcBef>
-                <a:spcPct val="0"/>
-              </a:spcBef>
-              <a:spcAft>
-                <a:spcPct val="0"/>
-              </a:spcAft>
-              <a:defRPr>
-                <a:solidFill>
-                  <a:schemeClr val="tx1"/>
-                </a:solidFill>
-                <a:latin typeface="Calibri" panose="020F0502020204030204" pitchFamily="34" charset="0"/>
-              </a:defRPr>
-            </a:lvl8pPr>
-            <a:lvl9pPr marL="3886200" indent="-228600" eaLnBrk="0" fontAlgn="base" hangingPunct="0">
-              <a:spcBef>
-                <a:spcPct val="0"/>
-              </a:spcBef>
-              <a:spcAft>
-                <a:spcPct val="0"/>
-              </a:spcAft>
-              <a:defRPr>
-                <a:solidFill>
-                  <a:schemeClr val="tx1"/>
-                </a:solidFill>
-                <a:latin typeface="Calibri" panose="020F0502020204030204" pitchFamily="34" charset="0"/>
-              </a:defRPr>
-            </a:lvl9pPr>
-          </a:lstStyle>
-          <a:p>
-            <a:pPr algn="ctr" eaLnBrk="1" hangingPunct="1"/>
-            <a:r>
-              <a:rPr lang="en-US" altLang="en-US" sz="1200" dirty="0">
-                <a:latin typeface="Arial" panose="020B0604020202020204" pitchFamily="34" charset="0"/>
-                <a:ea typeface="Amazon Ember" panose="020B0603020204020204" pitchFamily="34" charset="0"/>
-                <a:cs typeface="Arial" panose="020B0604020202020204" pitchFamily="34" charset="0"/>
-              </a:rPr>
-              <a:t>Amazon EBS</a:t>
-            </a:r>
-          </a:p>
-        </p:txBody>
-      </p:sp>
-      <p:sp>
-        <p:nvSpPr>
-          <p:cNvPr id="25" name="TextBox 9">
-            <a:extLst>
-              <a:ext uri="{FF2B5EF4-FFF2-40B4-BE49-F238E27FC236}">
-                <a16:creationId xmlns:a16="http://schemas.microsoft.com/office/drawing/2014/main" id="{EA5CC5E6-B365-431C-AC4B-A68DD432BD3F}"/>
-              </a:ext>
-            </a:extLst>
-          </p:cNvPr>
-          <p:cNvSpPr txBox="1">
-            <a:spLocks noChangeArrowheads="1"/>
-          </p:cNvSpPr>
-          <p:nvPr/>
-        </p:nvSpPr>
-        <p:spPr bwMode="auto">
-          <a:xfrm>
-            <a:off x="11820883" y="9865995"/>
-            <a:ext cx="1737360" cy="276999"/>
-          </a:xfrm>
-          <a:prstGeom prst="rect">
-            <a:avLst/>
-          </a:prstGeom>
-          <a:noFill/>
-          <a:ln>
-            <a:noFill/>
-          </a:ln>
-          <a:extLst>
-            <a:ext uri="{909E8E84-426E-40DD-AFC4-6F175D3DCCD1}">
-              <a14:hiddenFill xmlns:a14="http://schemas.microsoft.com/office/drawing/2010/main">
-                <a:solidFill>
-                  <a:srgbClr val="FFFFFF"/>
-                </a:solidFill>
-              </a14:hiddenFill>
-            </a:ext>
-            <a:ext uri="{91240B29-F687-4F45-9708-019B960494DF}">
-              <a14:hiddenLine xmlns:a14="http://schemas.microsoft.com/office/drawing/2010/main" w="9525">
-                <a:solidFill>
-                  <a:srgbClr val="000000"/>
-                </a:solidFill>
-                <a:miter lim="800000"/>
-                <a:headEnd/>
-                <a:tailEnd/>
-              </a14:hiddenLine>
-            </a:ext>
-          </a:extLst>
-        </p:spPr>
-        <p:txBody>
-          <a:bodyPr>
-            <a:spAutoFit/>
-          </a:bodyPr>
-          <a:lstStyle>
-            <a:lvl1pPr>
-              <a:defRPr>
-                <a:solidFill>
-                  <a:schemeClr val="tx1"/>
-                </a:solidFill>
-                <a:latin typeface="Calibri" panose="020F0502020204030204" pitchFamily="34" charset="0"/>
-              </a:defRPr>
-            </a:lvl1pPr>
-            <a:lvl2pPr marL="742950" indent="-285750">
-              <a:defRPr>
-                <a:solidFill>
-                  <a:schemeClr val="tx1"/>
-                </a:solidFill>
-                <a:latin typeface="Calibri" panose="020F0502020204030204" pitchFamily="34" charset="0"/>
-              </a:defRPr>
-            </a:lvl2pPr>
-            <a:lvl3pPr marL="1143000" indent="-228600">
-              <a:defRPr>
-                <a:solidFill>
-                  <a:schemeClr val="tx1"/>
-                </a:solidFill>
-                <a:latin typeface="Calibri" panose="020F0502020204030204" pitchFamily="34" charset="0"/>
-              </a:defRPr>
-            </a:lvl3pPr>
-            <a:lvl4pPr marL="1600200" indent="-228600">
-              <a:defRPr>
-                <a:solidFill>
-                  <a:schemeClr val="tx1"/>
-                </a:solidFill>
-                <a:latin typeface="Calibri" panose="020F0502020204030204" pitchFamily="34" charset="0"/>
-              </a:defRPr>
-            </a:lvl4pPr>
-            <a:lvl5pPr marL="2057400" indent="-228600">
-              <a:defRPr>
-                <a:solidFill>
-                  <a:schemeClr val="tx1"/>
-                </a:solidFill>
-                <a:latin typeface="Calibri" panose="020F0502020204030204" pitchFamily="34" charset="0"/>
-              </a:defRPr>
-            </a:lvl5pPr>
-            <a:lvl6pPr marL="2514600" indent="-228600" eaLnBrk="0" fontAlgn="base" hangingPunct="0">
-              <a:spcBef>
-                <a:spcPct val="0"/>
-              </a:spcBef>
-              <a:spcAft>
-                <a:spcPct val="0"/>
-              </a:spcAft>
-              <a:defRPr>
-                <a:solidFill>
-                  <a:schemeClr val="tx1"/>
-                </a:solidFill>
-                <a:latin typeface="Calibri" panose="020F0502020204030204" pitchFamily="34" charset="0"/>
-              </a:defRPr>
-            </a:lvl6pPr>
-            <a:lvl7pPr marL="2971800" indent="-228600" eaLnBrk="0" fontAlgn="base" hangingPunct="0">
-              <a:spcBef>
-                <a:spcPct val="0"/>
-              </a:spcBef>
-              <a:spcAft>
-                <a:spcPct val="0"/>
-              </a:spcAft>
-              <a:defRPr>
-                <a:solidFill>
-                  <a:schemeClr val="tx1"/>
-                </a:solidFill>
-                <a:latin typeface="Calibri" panose="020F0502020204030204" pitchFamily="34" charset="0"/>
-              </a:defRPr>
-            </a:lvl7pPr>
-            <a:lvl8pPr marL="3429000" indent="-228600" eaLnBrk="0" fontAlgn="base" hangingPunct="0">
-              <a:spcBef>
-                <a:spcPct val="0"/>
-              </a:spcBef>
-              <a:spcAft>
-                <a:spcPct val="0"/>
-              </a:spcAft>
-              <a:defRPr>
-                <a:solidFill>
-                  <a:schemeClr val="tx1"/>
-                </a:solidFill>
-                <a:latin typeface="Calibri" panose="020F0502020204030204" pitchFamily="34" charset="0"/>
-              </a:defRPr>
-            </a:lvl8pPr>
-            <a:lvl9pPr marL="3886200" indent="-228600" eaLnBrk="0" fontAlgn="base" hangingPunct="0">
-              <a:spcBef>
-                <a:spcPct val="0"/>
-              </a:spcBef>
-              <a:spcAft>
-                <a:spcPct val="0"/>
-              </a:spcAft>
-              <a:defRPr>
-                <a:solidFill>
-                  <a:schemeClr val="tx1"/>
-                </a:solidFill>
-                <a:latin typeface="Calibri" panose="020F0502020204030204" pitchFamily="34" charset="0"/>
-              </a:defRPr>
-            </a:lvl9pPr>
-          </a:lstStyle>
-          <a:p>
-            <a:pPr algn="ctr" eaLnBrk="1" hangingPunct="1"/>
-            <a:r>
-              <a:rPr lang="en-US" altLang="en-US" sz="1200" dirty="0">
-                <a:latin typeface="Arial" panose="020B0604020202020204" pitchFamily="34" charset="0"/>
-                <a:ea typeface="Amazon Ember" panose="020B0603020204020204" pitchFamily="34" charset="0"/>
-                <a:cs typeface="Arial" panose="020B0604020202020204" pitchFamily="34" charset="0"/>
-              </a:rPr>
-              <a:t>Amazon RDS</a:t>
-            </a:r>
-          </a:p>
-        </p:txBody>
-      </p:sp>
-      <p:sp>
-        <p:nvSpPr>
-          <p:cNvPr id="31" name="TextBox 12">
-            <a:extLst>
-              <a:ext uri="{FF2B5EF4-FFF2-40B4-BE49-F238E27FC236}">
-                <a16:creationId xmlns:a16="http://schemas.microsoft.com/office/drawing/2014/main" id="{F3C6BEA9-9ADC-41D2-AD72-BF72C7F16499}"/>
-              </a:ext>
-            </a:extLst>
-          </p:cNvPr>
-          <p:cNvSpPr txBox="1">
-            <a:spLocks noChangeArrowheads="1"/>
-          </p:cNvSpPr>
-          <p:nvPr/>
-        </p:nvSpPr>
-        <p:spPr bwMode="auto">
-          <a:xfrm>
-            <a:off x="13559170" y="9865995"/>
-            <a:ext cx="1737360" cy="276999"/>
-          </a:xfrm>
-          <a:prstGeom prst="rect">
-            <a:avLst/>
-          </a:prstGeom>
-          <a:noFill/>
-          <a:ln>
-            <a:noFill/>
-          </a:ln>
-          <a:extLst>
-            <a:ext uri="{909E8E84-426E-40DD-AFC4-6F175D3DCCD1}">
-              <a14:hiddenFill xmlns:a14="http://schemas.microsoft.com/office/drawing/2010/main">
-                <a:solidFill>
-                  <a:srgbClr val="FFFFFF"/>
-                </a:solidFill>
-              </a14:hiddenFill>
-            </a:ext>
-            <a:ext uri="{91240B29-F687-4F45-9708-019B960494DF}">
-              <a14:hiddenLine xmlns:a14="http://schemas.microsoft.com/office/drawing/2010/main" w="9525">
-                <a:solidFill>
-                  <a:srgbClr val="000000"/>
-                </a:solidFill>
-                <a:miter lim="800000"/>
-                <a:headEnd/>
-                <a:tailEnd/>
-              </a14:hiddenLine>
-            </a:ext>
-          </a:extLst>
-        </p:spPr>
-        <p:txBody>
-          <a:bodyPr>
-            <a:spAutoFit/>
-          </a:bodyPr>
-          <a:lstStyle>
-            <a:lvl1pPr>
-              <a:defRPr>
-                <a:solidFill>
-                  <a:schemeClr val="tx1"/>
-                </a:solidFill>
-                <a:latin typeface="Calibri" panose="020F0502020204030204" pitchFamily="34" charset="0"/>
-              </a:defRPr>
-            </a:lvl1pPr>
-            <a:lvl2pPr marL="742950" indent="-285750">
-              <a:defRPr>
-                <a:solidFill>
-                  <a:schemeClr val="tx1"/>
-                </a:solidFill>
-                <a:latin typeface="Calibri" panose="020F0502020204030204" pitchFamily="34" charset="0"/>
-              </a:defRPr>
-            </a:lvl2pPr>
-            <a:lvl3pPr marL="1143000" indent="-228600">
-              <a:defRPr>
-                <a:solidFill>
-                  <a:schemeClr val="tx1"/>
-                </a:solidFill>
-                <a:latin typeface="Calibri" panose="020F0502020204030204" pitchFamily="34" charset="0"/>
-              </a:defRPr>
-            </a:lvl3pPr>
-            <a:lvl4pPr marL="1600200" indent="-228600">
-              <a:defRPr>
-                <a:solidFill>
-                  <a:schemeClr val="tx1"/>
-                </a:solidFill>
-                <a:latin typeface="Calibri" panose="020F0502020204030204" pitchFamily="34" charset="0"/>
-              </a:defRPr>
-            </a:lvl4pPr>
-            <a:lvl5pPr marL="2057400" indent="-228600">
-              <a:defRPr>
-                <a:solidFill>
-                  <a:schemeClr val="tx1"/>
-                </a:solidFill>
-                <a:latin typeface="Calibri" panose="020F0502020204030204" pitchFamily="34" charset="0"/>
-              </a:defRPr>
-            </a:lvl5pPr>
-            <a:lvl6pPr marL="2514600" indent="-228600" eaLnBrk="0" fontAlgn="base" hangingPunct="0">
-              <a:spcBef>
-                <a:spcPct val="0"/>
-              </a:spcBef>
-              <a:spcAft>
-                <a:spcPct val="0"/>
-              </a:spcAft>
-              <a:defRPr>
-                <a:solidFill>
-                  <a:schemeClr val="tx1"/>
-                </a:solidFill>
-                <a:latin typeface="Calibri" panose="020F0502020204030204" pitchFamily="34" charset="0"/>
-              </a:defRPr>
-            </a:lvl6pPr>
-            <a:lvl7pPr marL="2971800" indent="-228600" eaLnBrk="0" fontAlgn="base" hangingPunct="0">
-              <a:spcBef>
-                <a:spcPct val="0"/>
-              </a:spcBef>
-              <a:spcAft>
-                <a:spcPct val="0"/>
-              </a:spcAft>
-              <a:defRPr>
-                <a:solidFill>
-                  <a:schemeClr val="tx1"/>
-                </a:solidFill>
-                <a:latin typeface="Calibri" panose="020F0502020204030204" pitchFamily="34" charset="0"/>
-              </a:defRPr>
-            </a:lvl7pPr>
-            <a:lvl8pPr marL="3429000" indent="-228600" eaLnBrk="0" fontAlgn="base" hangingPunct="0">
-              <a:spcBef>
-                <a:spcPct val="0"/>
-              </a:spcBef>
-              <a:spcAft>
-                <a:spcPct val="0"/>
-              </a:spcAft>
-              <a:defRPr>
-                <a:solidFill>
-                  <a:schemeClr val="tx1"/>
-                </a:solidFill>
-                <a:latin typeface="Calibri" panose="020F0502020204030204" pitchFamily="34" charset="0"/>
-              </a:defRPr>
-            </a:lvl8pPr>
-            <a:lvl9pPr marL="3886200" indent="-228600" eaLnBrk="0" fontAlgn="base" hangingPunct="0">
-              <a:spcBef>
-                <a:spcPct val="0"/>
-              </a:spcBef>
-              <a:spcAft>
-                <a:spcPct val="0"/>
-              </a:spcAft>
-              <a:defRPr>
-                <a:solidFill>
-                  <a:schemeClr val="tx1"/>
-                </a:solidFill>
-                <a:latin typeface="Calibri" panose="020F0502020204030204" pitchFamily="34" charset="0"/>
-              </a:defRPr>
-            </a:lvl9pPr>
-          </a:lstStyle>
-          <a:p>
-            <a:pPr algn="ctr" eaLnBrk="1" hangingPunct="1"/>
-            <a:r>
-              <a:rPr lang="en-US" altLang="en-US" sz="1200" dirty="0">
-                <a:latin typeface="Arial" panose="020B0604020202020204" pitchFamily="34" charset="0"/>
-                <a:ea typeface="Amazon Ember" panose="020B0603020204020204" pitchFamily="34" charset="0"/>
-                <a:cs typeface="Arial" panose="020B0604020202020204" pitchFamily="34" charset="0"/>
-              </a:rPr>
-              <a:t>Amazon Route 53</a:t>
-            </a:r>
-          </a:p>
-        </p:txBody>
-      </p:sp>
-      <p:pic>
-        <p:nvPicPr>
-          <p:cNvPr id="55" name="Graphic 60">
-            <a:extLst>
-              <a:ext uri="{FF2B5EF4-FFF2-40B4-BE49-F238E27FC236}">
-                <a16:creationId xmlns:a16="http://schemas.microsoft.com/office/drawing/2014/main" id="{CA881357-9887-4A98-9EA0-DF6FF98BD1DF}"/>
-              </a:ext>
-            </a:extLst>
-          </p:cNvPr>
-          <p:cNvPicPr>
-            <a:picLocks noChangeAspect="1" noChangeArrowheads="1"/>
-          </p:cNvPicPr>
-          <p:nvPr/>
-        </p:nvPicPr>
-        <p:blipFill>
-          <a:blip r:embed="rId8">
-            <a:extLst>
-              <a:ext uri="{28A0092B-C50C-407E-A947-70E740481C1C}">
-                <a14:useLocalDpi xmlns:a14="http://schemas.microsoft.com/office/drawing/2010/main" val="0"/>
-              </a:ext>
-            </a:extLst>
-          </a:blip>
-          <a:srcRect/>
-          <a:stretch>
-            <a:fillRect/>
-          </a:stretch>
-        </p:blipFill>
-        <p:spPr bwMode="auto">
-          <a:xfrm>
-            <a:off x="7374956" y="5852160"/>
-            <a:ext cx="457200" cy="457200"/>
-          </a:xfrm>
-          <a:prstGeom prst="rect">
-            <a:avLst/>
-          </a:prstGeom>
-          <a:noFill/>
-          <a:ln>
-            <a:noFill/>
-          </a:ln>
-          <a:extLst>
-            <a:ext uri="{909E8E84-426E-40DD-AFC4-6F175D3DCCD1}">
-              <a14:hiddenFill xmlns:a14="http://schemas.microsoft.com/office/drawing/2010/main">
-                <a:solidFill>
-                  <a:srgbClr val="FFFFFF"/>
-                </a:solidFill>
-              </a14:hiddenFill>
-            </a:ext>
-            <a:ext uri="{91240B29-F687-4F45-9708-019B960494DF}">
-              <a14:hiddenLine xmlns:a14="http://schemas.microsoft.com/office/drawing/2010/main" w="9525">
-                <a:solidFill>
-                  <a:srgbClr val="000000"/>
-                </a:solidFill>
-                <a:miter lim="800000"/>
-                <a:headEnd/>
-                <a:tailEnd/>
-              </a14:hiddenLine>
-            </a:ext>
-          </a:extLst>
-        </p:spPr>
-      </p:pic>
-      <p:pic>
-        <p:nvPicPr>
-          <p:cNvPr id="59" name="Graphic 58">
-            <a:extLst>
-              <a:ext uri="{FF2B5EF4-FFF2-40B4-BE49-F238E27FC236}">
-                <a16:creationId xmlns:a16="http://schemas.microsoft.com/office/drawing/2014/main" id="{EB0FB1F6-9B0E-4B83-A455-5383328B1227}"/>
-              </a:ext>
-            </a:extLst>
-          </p:cNvPr>
-          <p:cNvPicPr>
-            <a:picLocks noChangeAspect="1"/>
-          </p:cNvPicPr>
-          <p:nvPr/>
-        </p:nvPicPr>
-        <p:blipFill>
-          <a:blip r:embed="rId9">
-            <a:extLst>
-              <a:ext uri="{96DAC541-7B7A-43D3-8B79-37D633B846F1}">
-                <asvg:svgBlip xmlns:asvg="http://schemas.microsoft.com/office/drawing/2016/SVG/main" r:embed="rId10"/>
-              </a:ext>
-            </a:extLst>
-          </a:blip>
-          <a:stretch>
-            <a:fillRect/>
-          </a:stretch>
-        </p:blipFill>
-        <p:spPr>
-          <a:xfrm>
-            <a:off x="9410700" y="5760720"/>
-            <a:ext cx="381000" cy="381000"/>
-          </a:xfrm>
-          <a:prstGeom prst="rect">
-            <a:avLst/>
-          </a:prstGeom>
-        </p:spPr>
-      </p:pic>
-      <p:pic>
-        <p:nvPicPr>
-          <p:cNvPr id="61" name="Graphic 60">
-            <a:extLst>
-              <a:ext uri="{FF2B5EF4-FFF2-40B4-BE49-F238E27FC236}">
-                <a16:creationId xmlns:a16="http://schemas.microsoft.com/office/drawing/2014/main" id="{78C06612-0F4B-4651-9C35-B98A7D5F9FBA}"/>
-              </a:ext>
-            </a:extLst>
-          </p:cNvPr>
-          <p:cNvPicPr>
-            <a:picLocks noChangeAspect="1"/>
-          </p:cNvPicPr>
-          <p:nvPr/>
-        </p:nvPicPr>
-        <p:blipFill>
-          <a:blip r:embed="rId9">
-            <a:extLst>
-              <a:ext uri="{96DAC541-7B7A-43D3-8B79-37D633B846F1}">
-                <asvg:svgBlip xmlns:asvg="http://schemas.microsoft.com/office/drawing/2016/SVG/main" r:embed="rId10"/>
-              </a:ext>
-            </a:extLst>
-          </a:blip>
-          <a:stretch>
-            <a:fillRect/>
-          </a:stretch>
-        </p:blipFill>
-        <p:spPr>
-          <a:xfrm>
-            <a:off x="9410700" y="7478832"/>
-            <a:ext cx="381000" cy="381000"/>
-          </a:xfrm>
-          <a:prstGeom prst="rect">
-            <a:avLst/>
-          </a:prstGeom>
-        </p:spPr>
-      </p:pic>
-      <p:sp>
-        <p:nvSpPr>
-          <p:cNvPr id="84" name="Rectangle 83">
-            <a:extLst>
-              <a:ext uri="{FF2B5EF4-FFF2-40B4-BE49-F238E27FC236}">
-                <a16:creationId xmlns:a16="http://schemas.microsoft.com/office/drawing/2014/main" id="{20D4F6A7-F0AE-4F28-B6F7-6D3D4C416999}"/>
-              </a:ext>
-            </a:extLst>
-          </p:cNvPr>
-          <p:cNvSpPr/>
-          <p:nvPr/>
-        </p:nvSpPr>
-        <p:spPr>
-          <a:xfrm>
-            <a:off x="10325100" y="4023360"/>
-            <a:ext cx="2468880" cy="4815840"/>
-          </a:xfrm>
-          <a:prstGeom prst="rect">
-            <a:avLst/>
-          </a:prstGeom>
-          <a:noFill/>
-          <a:ln w="12700">
+          <a:ln w="15875">
             <a:solidFill>
-              <a:srgbClr val="5B9CD5"/>
+              <a:srgbClr val="00A4A6"/>
             </a:solidFill>
             <a:prstDash val="dash"/>
           </a:ln>
@@ -5169,610 +4563,40 @@
             <a:r>
               <a:rPr lang="en-US" sz="1200" dirty="0">
                 <a:solidFill>
-                  <a:srgbClr val="5B9CD5"/>
+                  <a:schemeClr val="tx1"/>
                 </a:solidFill>
                 <a:latin typeface="Arial" panose="020B0604020202020204" pitchFamily="34" charset="0"/>
                 <a:cs typeface="Arial" panose="020B0604020202020204" pitchFamily="34" charset="0"/>
               </a:rPr>
-              <a:t>Availability </a:t>
-            </a:r>
-            <a:r>
-              <a:rPr lang="en-US" sz="1200">
-                <a:solidFill>
-                  <a:srgbClr val="5B9CD5"/>
-                </a:solidFill>
-                <a:latin typeface="Arial" panose="020B0604020202020204" pitchFamily="34" charset="0"/>
-                <a:cs typeface="Arial" panose="020B0604020202020204" pitchFamily="34" charset="0"/>
-              </a:rPr>
-              <a:t>Zone 2</a:t>
-            </a:r>
-            <a:endParaRPr lang="en-US" sz="1200" dirty="0">
-              <a:solidFill>
-                <a:srgbClr val="5B9CD5"/>
-              </a:solidFill>
-              <a:latin typeface="Arial" panose="020B0604020202020204" pitchFamily="34" charset="0"/>
-              <a:cs typeface="Arial" panose="020B0604020202020204" pitchFamily="34" charset="0"/>
-            </a:endParaRPr>
-          </a:p>
-        </p:txBody>
-      </p:sp>
-      <p:pic>
-        <p:nvPicPr>
-          <p:cNvPr id="89" name="Graphic 62">
+              <a:t>Availability Zone 2</a:t>
+            </a:r>
+          </a:p>
+        </p:txBody>
+      </p:sp>
+      <p:sp>
+        <p:nvSpPr>
+          <p:cNvPr id="99" name="Rectangle 98">
             <a:extLst>
               <a:ext uri="{FF2B5EF4-FFF2-40B4-BE49-F238E27FC236}">
-                <a16:creationId xmlns:a16="http://schemas.microsoft.com/office/drawing/2014/main" id="{F455C4F1-4562-40DD-B387-D6FABAD5352C}"/>
+                <a16:creationId xmlns:a16="http://schemas.microsoft.com/office/drawing/2014/main" id="{733A896B-C378-41C2-A789-D805FAC0FCC2}"/>
               </a:ext>
             </a:extLst>
           </p:cNvPr>
-          <p:cNvPicPr>
-            <a:picLocks noChangeAspect="1" noChangeArrowheads="1"/>
-          </p:cNvPicPr>
+          <p:cNvSpPr/>
           <p:nvPr/>
-        </p:nvPicPr>
-        <p:blipFill>
-          <a:blip r:embed="rId6" cstate="print">
-            <a:extLst>
-              <a:ext uri="{28A0092B-C50C-407E-A947-70E740481C1C}">
-                <a14:useLocalDpi xmlns:a14="http://schemas.microsoft.com/office/drawing/2010/main" val="0"/>
-              </a:ext>
-            </a:extLst>
-          </a:blip>
-          <a:srcRect/>
-          <a:stretch>
-            <a:fillRect/>
-          </a:stretch>
-        </p:blipFill>
+        </p:nvSpPr>
         <p:spPr bwMode="auto">
           <a:xfrm>
-            <a:off x="11330940" y="7594336"/>
-            <a:ext cx="457200" cy="457200"/>
+            <a:off x="13168655" y="5577804"/>
+            <a:ext cx="2468880" cy="5029200"/>
           </a:xfrm>
           <a:prstGeom prst="rect">
             <a:avLst/>
           </a:prstGeom>
           <a:noFill/>
-          <a:ln>
-            <a:noFill/>
-          </a:ln>
-          <a:extLst>
-            <a:ext uri="{909E8E84-426E-40DD-AFC4-6F175D3DCCD1}">
-              <a14:hiddenFill xmlns:a14="http://schemas.microsoft.com/office/drawing/2010/main">
-                <a:solidFill>
-                  <a:srgbClr val="FFFFFF"/>
-                </a:solidFill>
-              </a14:hiddenFill>
-            </a:ext>
-            <a:ext uri="{91240B29-F687-4F45-9708-019B960494DF}">
-              <a14:hiddenLine xmlns:a14="http://schemas.microsoft.com/office/drawing/2010/main" w="9525">
-                <a:solidFill>
-                  <a:srgbClr val="000000"/>
-                </a:solidFill>
-                <a:miter lim="800000"/>
-                <a:headEnd/>
-                <a:tailEnd/>
-              </a14:hiddenLine>
-            </a:ext>
-          </a:extLst>
-        </p:spPr>
-      </p:pic>
-      <p:sp>
-        <p:nvSpPr>
-          <p:cNvPr id="90" name="TextBox 89">
-            <a:extLst>
-              <a:ext uri="{FF2B5EF4-FFF2-40B4-BE49-F238E27FC236}">
-                <a16:creationId xmlns:a16="http://schemas.microsoft.com/office/drawing/2014/main" id="{FE96AF15-D4DB-4A53-BA9F-D632F7597B7A}"/>
-              </a:ext>
-            </a:extLst>
-          </p:cNvPr>
-          <p:cNvSpPr txBox="1"/>
-          <p:nvPr/>
-        </p:nvSpPr>
-        <p:spPr>
-          <a:xfrm>
-            <a:off x="11012519" y="6312199"/>
-            <a:ext cx="1097280" cy="261610"/>
-          </a:xfrm>
-          <a:prstGeom prst="rect">
-            <a:avLst/>
-          </a:prstGeom>
-          <a:noFill/>
-        </p:spPr>
-        <p:txBody>
-          <a:bodyPr wrap="square" rtlCol="0">
-            <a:spAutoFit/>
-          </a:bodyPr>
-          <a:lstStyle/>
-          <a:p>
-            <a:pPr algn="ctr" defTabSz="914400"/>
-            <a:r>
-              <a:rPr lang="en-US" sz="1100" dirty="0">
-                <a:solidFill>
-                  <a:srgbClr val="232F3D"/>
-                </a:solidFill>
-                <a:latin typeface="Arial" panose="020B0604020202020204" pitchFamily="34" charset="0"/>
-                <a:cs typeface="Arial" panose="020B0604020202020204" pitchFamily="34" charset="0"/>
-              </a:rPr>
-              <a:t>Bastion host</a:t>
-            </a:r>
-          </a:p>
-        </p:txBody>
-      </p:sp>
-      <p:sp>
-        <p:nvSpPr>
-          <p:cNvPr id="91" name="TextBox 17">
-            <a:extLst>
-              <a:ext uri="{FF2B5EF4-FFF2-40B4-BE49-F238E27FC236}">
-                <a16:creationId xmlns:a16="http://schemas.microsoft.com/office/drawing/2014/main" id="{45815FD2-5597-4FE8-BBD3-67E5AAC4CFDD}"/>
-              </a:ext>
-            </a:extLst>
-          </p:cNvPr>
-          <p:cNvSpPr txBox="1">
-            <a:spLocks noChangeArrowheads="1"/>
-          </p:cNvSpPr>
-          <p:nvPr/>
-        </p:nvSpPr>
-        <p:spPr bwMode="auto">
-          <a:xfrm>
-            <a:off x="11012206" y="5396865"/>
-            <a:ext cx="1097280" cy="261610"/>
-          </a:xfrm>
-          <a:prstGeom prst="rect">
-            <a:avLst/>
-          </a:prstGeom>
-          <a:noFill/>
-          <a:ln>
-            <a:noFill/>
-          </a:ln>
-          <a:extLst>
-            <a:ext uri="{909E8E84-426E-40DD-AFC4-6F175D3DCCD1}">
-              <a14:hiddenFill xmlns:a14="http://schemas.microsoft.com/office/drawing/2010/main">
-                <a:solidFill>
-                  <a:srgbClr val="FFFFFF"/>
-                </a:solidFill>
-              </a14:hiddenFill>
-            </a:ext>
-            <a:ext uri="{91240B29-F687-4F45-9708-019B960494DF}">
-              <a14:hiddenLine xmlns:a14="http://schemas.microsoft.com/office/drawing/2010/main" w="9525">
-                <a:solidFill>
-                  <a:srgbClr val="000000"/>
-                </a:solidFill>
-                <a:miter lim="800000"/>
-                <a:headEnd/>
-                <a:tailEnd/>
-              </a14:hiddenLine>
-            </a:ext>
-          </a:extLst>
-        </p:spPr>
-        <p:txBody>
-          <a:bodyPr wrap="square">
-            <a:spAutoFit/>
-          </a:bodyPr>
-          <a:lstStyle>
-            <a:lvl1pPr>
-              <a:defRPr>
-                <a:solidFill>
-                  <a:schemeClr val="tx1"/>
-                </a:solidFill>
-                <a:latin typeface="Calibri" panose="020F0502020204030204" pitchFamily="34" charset="0"/>
-              </a:defRPr>
-            </a:lvl1pPr>
-            <a:lvl2pPr marL="742950" indent="-285750">
-              <a:defRPr>
-                <a:solidFill>
-                  <a:schemeClr val="tx1"/>
-                </a:solidFill>
-                <a:latin typeface="Calibri" panose="020F0502020204030204" pitchFamily="34" charset="0"/>
-              </a:defRPr>
-            </a:lvl2pPr>
-            <a:lvl3pPr marL="1143000" indent="-228600">
-              <a:defRPr>
-                <a:solidFill>
-                  <a:schemeClr val="tx1"/>
-                </a:solidFill>
-                <a:latin typeface="Calibri" panose="020F0502020204030204" pitchFamily="34" charset="0"/>
-              </a:defRPr>
-            </a:lvl3pPr>
-            <a:lvl4pPr marL="1600200" indent="-228600">
-              <a:defRPr>
-                <a:solidFill>
-                  <a:schemeClr val="tx1"/>
-                </a:solidFill>
-                <a:latin typeface="Calibri" panose="020F0502020204030204" pitchFamily="34" charset="0"/>
-              </a:defRPr>
-            </a:lvl4pPr>
-            <a:lvl5pPr marL="2057400" indent="-228600">
-              <a:defRPr>
-                <a:solidFill>
-                  <a:schemeClr val="tx1"/>
-                </a:solidFill>
-                <a:latin typeface="Calibri" panose="020F0502020204030204" pitchFamily="34" charset="0"/>
-              </a:defRPr>
-            </a:lvl5pPr>
-            <a:lvl6pPr marL="2514600" indent="-228600" eaLnBrk="0" fontAlgn="base" hangingPunct="0">
-              <a:spcBef>
-                <a:spcPct val="0"/>
-              </a:spcBef>
-              <a:spcAft>
-                <a:spcPct val="0"/>
-              </a:spcAft>
-              <a:defRPr>
-                <a:solidFill>
-                  <a:schemeClr val="tx1"/>
-                </a:solidFill>
-                <a:latin typeface="Calibri" panose="020F0502020204030204" pitchFamily="34" charset="0"/>
-              </a:defRPr>
-            </a:lvl6pPr>
-            <a:lvl7pPr marL="2971800" indent="-228600" eaLnBrk="0" fontAlgn="base" hangingPunct="0">
-              <a:spcBef>
-                <a:spcPct val="0"/>
-              </a:spcBef>
-              <a:spcAft>
-                <a:spcPct val="0"/>
-              </a:spcAft>
-              <a:defRPr>
-                <a:solidFill>
-                  <a:schemeClr val="tx1"/>
-                </a:solidFill>
-                <a:latin typeface="Calibri" panose="020F0502020204030204" pitchFamily="34" charset="0"/>
-              </a:defRPr>
-            </a:lvl7pPr>
-            <a:lvl8pPr marL="3429000" indent="-228600" eaLnBrk="0" fontAlgn="base" hangingPunct="0">
-              <a:spcBef>
-                <a:spcPct val="0"/>
-              </a:spcBef>
-              <a:spcAft>
-                <a:spcPct val="0"/>
-              </a:spcAft>
-              <a:defRPr>
-                <a:solidFill>
-                  <a:schemeClr val="tx1"/>
-                </a:solidFill>
-                <a:latin typeface="Calibri" panose="020F0502020204030204" pitchFamily="34" charset="0"/>
-              </a:defRPr>
-            </a:lvl8pPr>
-            <a:lvl9pPr marL="3886200" indent="-228600" eaLnBrk="0" fontAlgn="base" hangingPunct="0">
-              <a:spcBef>
-                <a:spcPct val="0"/>
-              </a:spcBef>
-              <a:spcAft>
-                <a:spcPct val="0"/>
-              </a:spcAft>
-              <a:defRPr>
-                <a:solidFill>
-                  <a:schemeClr val="tx1"/>
-                </a:solidFill>
-                <a:latin typeface="Calibri" panose="020F0502020204030204" pitchFamily="34" charset="0"/>
-              </a:defRPr>
-            </a:lvl9pPr>
-          </a:lstStyle>
-          <a:p>
-            <a:pPr algn="ctr" eaLnBrk="1" hangingPunct="1"/>
-            <a:r>
-              <a:rPr lang="en-US" altLang="en-US" sz="1100" dirty="0">
-                <a:latin typeface="Arial" panose="020B0604020202020204" pitchFamily="34" charset="0"/>
-                <a:ea typeface="Amazon Ember" panose="020B0603020204020204" pitchFamily="34" charset="0"/>
-                <a:cs typeface="Arial" panose="020B0604020202020204" pitchFamily="34" charset="0"/>
-              </a:rPr>
-              <a:t>NAT gateway</a:t>
-            </a:r>
-          </a:p>
-        </p:txBody>
-      </p:sp>
-      <p:pic>
-        <p:nvPicPr>
-          <p:cNvPr id="92" name="Graphic 35">
-            <a:extLst>
-              <a:ext uri="{FF2B5EF4-FFF2-40B4-BE49-F238E27FC236}">
-                <a16:creationId xmlns:a16="http://schemas.microsoft.com/office/drawing/2014/main" id="{A482BAD9-F4F5-4CBE-8380-E7DE289B10B8}"/>
-              </a:ext>
-            </a:extLst>
-          </p:cNvPr>
-          <p:cNvPicPr>
-            <a:picLocks noChangeAspect="1" noChangeArrowheads="1"/>
-          </p:cNvPicPr>
-          <p:nvPr/>
-        </p:nvPicPr>
-        <p:blipFill>
-          <a:blip r:embed="rId7" cstate="print">
-            <a:extLst>
-              <a:ext uri="{28A0092B-C50C-407E-A947-70E740481C1C}">
-                <a14:useLocalDpi xmlns:a14="http://schemas.microsoft.com/office/drawing/2010/main" val="0"/>
-              </a:ext>
-            </a:extLst>
-          </a:blip>
-          <a:srcRect/>
-          <a:stretch>
-            <a:fillRect/>
-          </a:stretch>
-        </p:blipFill>
-        <p:spPr bwMode="auto">
-          <a:xfrm>
-            <a:off x="11330940" y="4937760"/>
-            <a:ext cx="457200" cy="457200"/>
-          </a:xfrm>
-          <a:prstGeom prst="rect">
-            <a:avLst/>
-          </a:prstGeom>
-          <a:noFill/>
-          <a:ln>
-            <a:noFill/>
-          </a:ln>
-          <a:extLst>
-            <a:ext uri="{909E8E84-426E-40DD-AFC4-6F175D3DCCD1}">
-              <a14:hiddenFill xmlns:a14="http://schemas.microsoft.com/office/drawing/2010/main">
-                <a:solidFill>
-                  <a:srgbClr val="FFFFFF"/>
-                </a:solidFill>
-              </a14:hiddenFill>
-            </a:ext>
-            <a:ext uri="{91240B29-F687-4F45-9708-019B960494DF}">
-              <a14:hiddenLine xmlns:a14="http://schemas.microsoft.com/office/drawing/2010/main" w="9525">
-                <a:solidFill>
-                  <a:srgbClr val="000000"/>
-                </a:solidFill>
-                <a:miter lim="800000"/>
-                <a:headEnd/>
-                <a:tailEnd/>
-              </a14:hiddenLine>
-            </a:ext>
-          </a:extLst>
-        </p:spPr>
-      </p:pic>
-      <p:sp>
-        <p:nvSpPr>
-          <p:cNvPr id="93" name="TextBox 17">
-            <a:extLst>
-              <a:ext uri="{FF2B5EF4-FFF2-40B4-BE49-F238E27FC236}">
-                <a16:creationId xmlns:a16="http://schemas.microsoft.com/office/drawing/2014/main" id="{AE957032-3B82-416E-BACB-310EA9936A42}"/>
-              </a:ext>
-            </a:extLst>
-          </p:cNvPr>
-          <p:cNvSpPr txBox="1">
-            <a:spLocks noChangeArrowheads="1"/>
-          </p:cNvSpPr>
-          <p:nvPr/>
-        </p:nvSpPr>
-        <p:spPr bwMode="auto">
-          <a:xfrm>
-            <a:off x="10828117" y="8052573"/>
-            <a:ext cx="1463040" cy="261610"/>
-          </a:xfrm>
-          <a:prstGeom prst="rect">
-            <a:avLst/>
-          </a:prstGeom>
-          <a:noFill/>
-          <a:ln>
-            <a:noFill/>
-          </a:ln>
-          <a:extLst>
-            <a:ext uri="{909E8E84-426E-40DD-AFC4-6F175D3DCCD1}">
-              <a14:hiddenFill xmlns:a14="http://schemas.microsoft.com/office/drawing/2010/main">
-                <a:solidFill>
-                  <a:srgbClr val="FFFFFF"/>
-                </a:solidFill>
-              </a14:hiddenFill>
-            </a:ext>
-            <a:ext uri="{91240B29-F687-4F45-9708-019B960494DF}">
-              <a14:hiddenLine xmlns:a14="http://schemas.microsoft.com/office/drawing/2010/main" w="9525">
-                <a:solidFill>
-                  <a:srgbClr val="000000"/>
-                </a:solidFill>
-                <a:miter lim="800000"/>
-                <a:headEnd/>
-                <a:tailEnd/>
-              </a14:hiddenLine>
-            </a:ext>
-          </a:extLst>
-        </p:spPr>
-        <p:txBody>
-          <a:bodyPr wrap="square">
-            <a:spAutoFit/>
-          </a:bodyPr>
-          <a:lstStyle>
-            <a:lvl1pPr>
-              <a:defRPr>
-                <a:solidFill>
-                  <a:schemeClr val="tx1"/>
-                </a:solidFill>
-                <a:latin typeface="Calibri" panose="020F0502020204030204" pitchFamily="34" charset="0"/>
-              </a:defRPr>
-            </a:lvl1pPr>
-            <a:lvl2pPr marL="742950" indent="-285750">
-              <a:defRPr>
-                <a:solidFill>
-                  <a:schemeClr val="tx1"/>
-                </a:solidFill>
-                <a:latin typeface="Calibri" panose="020F0502020204030204" pitchFamily="34" charset="0"/>
-              </a:defRPr>
-            </a:lvl2pPr>
-            <a:lvl3pPr marL="1143000" indent="-228600">
-              <a:defRPr>
-                <a:solidFill>
-                  <a:schemeClr val="tx1"/>
-                </a:solidFill>
-                <a:latin typeface="Calibri" panose="020F0502020204030204" pitchFamily="34" charset="0"/>
-              </a:defRPr>
-            </a:lvl3pPr>
-            <a:lvl4pPr marL="1600200" indent="-228600">
-              <a:defRPr>
-                <a:solidFill>
-                  <a:schemeClr val="tx1"/>
-                </a:solidFill>
-                <a:latin typeface="Calibri" panose="020F0502020204030204" pitchFamily="34" charset="0"/>
-              </a:defRPr>
-            </a:lvl4pPr>
-            <a:lvl5pPr marL="2057400" indent="-228600">
-              <a:defRPr>
-                <a:solidFill>
-                  <a:schemeClr val="tx1"/>
-                </a:solidFill>
-                <a:latin typeface="Calibri" panose="020F0502020204030204" pitchFamily="34" charset="0"/>
-              </a:defRPr>
-            </a:lvl5pPr>
-            <a:lvl6pPr marL="2514600" indent="-228600" eaLnBrk="0" fontAlgn="base" hangingPunct="0">
-              <a:spcBef>
-                <a:spcPct val="0"/>
-              </a:spcBef>
-              <a:spcAft>
-                <a:spcPct val="0"/>
-              </a:spcAft>
-              <a:defRPr>
-                <a:solidFill>
-                  <a:schemeClr val="tx1"/>
-                </a:solidFill>
-                <a:latin typeface="Calibri" panose="020F0502020204030204" pitchFamily="34" charset="0"/>
-              </a:defRPr>
-            </a:lvl6pPr>
-            <a:lvl7pPr marL="2971800" indent="-228600" eaLnBrk="0" fontAlgn="base" hangingPunct="0">
-              <a:spcBef>
-                <a:spcPct val="0"/>
-              </a:spcBef>
-              <a:spcAft>
-                <a:spcPct val="0"/>
-              </a:spcAft>
-              <a:defRPr>
-                <a:solidFill>
-                  <a:schemeClr val="tx1"/>
-                </a:solidFill>
-                <a:latin typeface="Calibri" panose="020F0502020204030204" pitchFamily="34" charset="0"/>
-              </a:defRPr>
-            </a:lvl7pPr>
-            <a:lvl8pPr marL="3429000" indent="-228600" eaLnBrk="0" fontAlgn="base" hangingPunct="0">
-              <a:spcBef>
-                <a:spcPct val="0"/>
-              </a:spcBef>
-              <a:spcAft>
-                <a:spcPct val="0"/>
-              </a:spcAft>
-              <a:defRPr>
-                <a:solidFill>
-                  <a:schemeClr val="tx1"/>
-                </a:solidFill>
-                <a:latin typeface="Calibri" panose="020F0502020204030204" pitchFamily="34" charset="0"/>
-              </a:defRPr>
-            </a:lvl8pPr>
-            <a:lvl9pPr marL="3886200" indent="-228600" eaLnBrk="0" fontAlgn="base" hangingPunct="0">
-              <a:spcBef>
-                <a:spcPct val="0"/>
-              </a:spcBef>
-              <a:spcAft>
-                <a:spcPct val="0"/>
-              </a:spcAft>
-              <a:defRPr>
-                <a:solidFill>
-                  <a:schemeClr val="tx1"/>
-                </a:solidFill>
-                <a:latin typeface="Calibri" panose="020F0502020204030204" pitchFamily="34" charset="0"/>
-              </a:defRPr>
-            </a:lvl9pPr>
-          </a:lstStyle>
-          <a:p>
-            <a:pPr algn="ctr" eaLnBrk="1" hangingPunct="1"/>
-            <a:r>
-              <a:rPr lang="en-US" altLang="en-US" sz="1100" dirty="0">
-                <a:latin typeface="Arial" panose="020B0604020202020204" pitchFamily="34" charset="0"/>
-                <a:ea typeface="Amazon Ember" panose="020B0603020204020204" pitchFamily="34" charset="0"/>
-                <a:cs typeface="Arial" panose="020B0604020202020204" pitchFamily="34" charset="0"/>
-              </a:rPr>
-              <a:t>Kubernetes nodes</a:t>
-            </a:r>
-          </a:p>
-        </p:txBody>
-      </p:sp>
-      <p:pic>
-        <p:nvPicPr>
-          <p:cNvPr id="94" name="Graphic 60">
-            <a:extLst>
-              <a:ext uri="{FF2B5EF4-FFF2-40B4-BE49-F238E27FC236}">
-                <a16:creationId xmlns:a16="http://schemas.microsoft.com/office/drawing/2014/main" id="{8A73B818-CCB0-4EFE-A9B8-1C3B7B2A4AAB}"/>
-              </a:ext>
-            </a:extLst>
-          </p:cNvPr>
-          <p:cNvPicPr>
-            <a:picLocks noChangeAspect="1" noChangeArrowheads="1"/>
-          </p:cNvPicPr>
-          <p:nvPr/>
-        </p:nvPicPr>
-        <p:blipFill>
-          <a:blip r:embed="rId11">
-            <a:extLst>
-              <a:ext uri="{BEBA8EAE-BF5A-486C-A8C5-ECC9F3942E4B}">
-                <a14:imgProps xmlns:a14="http://schemas.microsoft.com/office/drawing/2010/main">
-                  <a14:imgLayer r:embed="rId12">
-                    <a14:imgEffect>
-                      <a14:artisticBlur/>
-                    </a14:imgEffect>
-                  </a14:imgLayer>
-                </a14:imgProps>
-              </a:ext>
-              <a:ext uri="{28A0092B-C50C-407E-A947-70E740481C1C}">
-                <a14:useLocalDpi xmlns:a14="http://schemas.microsoft.com/office/drawing/2010/main" val="0"/>
-              </a:ext>
-            </a:extLst>
-          </a:blip>
-          <a:srcRect/>
-          <a:stretch>
-            <a:fillRect/>
-          </a:stretch>
-        </p:blipFill>
-        <p:spPr bwMode="auto">
-          <a:xfrm>
-            <a:off x="11330940" y="5852160"/>
-            <a:ext cx="457200" cy="457200"/>
-          </a:xfrm>
-          <a:prstGeom prst="rect">
-            <a:avLst/>
-          </a:prstGeom>
-          <a:noFill/>
-          <a:ln>
-            <a:noFill/>
-          </a:ln>
-          <a:extLst>
-            <a:ext uri="{909E8E84-426E-40DD-AFC4-6F175D3DCCD1}">
-              <a14:hiddenFill xmlns:a14="http://schemas.microsoft.com/office/drawing/2010/main">
-                <a:solidFill>
-                  <a:srgbClr val="FFFFFF"/>
-                </a:solidFill>
-              </a14:hiddenFill>
-            </a:ext>
-            <a:ext uri="{91240B29-F687-4F45-9708-019B960494DF}">
-              <a14:hiddenLine xmlns:a14="http://schemas.microsoft.com/office/drawing/2010/main" w="9525">
-                <a:solidFill>
-                  <a:srgbClr val="000000"/>
-                </a:solidFill>
-                <a:miter lim="800000"/>
-                <a:headEnd/>
-                <a:tailEnd/>
-              </a14:hiddenLine>
-            </a:ext>
-          </a:extLst>
-        </p:spPr>
-      </p:pic>
-      <p:sp>
-        <p:nvSpPr>
-          <p:cNvPr id="95" name="Rectangle 94">
-            <a:extLst>
-              <a:ext uri="{FF2B5EF4-FFF2-40B4-BE49-F238E27FC236}">
-                <a16:creationId xmlns:a16="http://schemas.microsoft.com/office/drawing/2014/main" id="{BE8AA619-4232-4C20-83D3-66952F7D0A37}"/>
-              </a:ext>
-            </a:extLst>
-          </p:cNvPr>
-          <p:cNvSpPr/>
-          <p:nvPr/>
-        </p:nvSpPr>
-        <p:spPr>
-          <a:xfrm>
-            <a:off x="13068300" y="4023360"/>
-            <a:ext cx="2468880" cy="4815840"/>
-          </a:xfrm>
-          <a:prstGeom prst="rect">
-            <a:avLst/>
-          </a:prstGeom>
-          <a:noFill/>
-          <a:ln w="12700">
+          <a:ln w="15875">
             <a:solidFill>
-              <a:srgbClr val="5B9CD5"/>
+              <a:srgbClr val="00A4A6"/>
             </a:solidFill>
             <a:prstDash val="dash"/>
           </a:ln>
@@ -5809,7 +4633,7 @@
             <a:r>
               <a:rPr lang="en-US" sz="1200" dirty="0">
                 <a:solidFill>
-                  <a:srgbClr val="5B9CD5"/>
+                  <a:schemeClr val="tx1"/>
                 </a:solidFill>
                 <a:latin typeface="Arial" panose="020B0604020202020204" pitchFamily="34" charset="0"/>
                 <a:cs typeface="Arial" panose="020B0604020202020204" pitchFamily="34" charset="0"/>
@@ -5819,876 +4643,32 @@
           </a:p>
         </p:txBody>
       </p:sp>
-      <p:pic>
-        <p:nvPicPr>
-          <p:cNvPr id="100" name="Graphic 62">
+      <p:sp>
+        <p:nvSpPr>
+          <p:cNvPr id="106" name="Rectangle 105">
             <a:extLst>
               <a:ext uri="{FF2B5EF4-FFF2-40B4-BE49-F238E27FC236}">
-                <a16:creationId xmlns:a16="http://schemas.microsoft.com/office/drawing/2014/main" id="{D247CF2C-C5B9-4674-B48E-131347AAAD66}"/>
+                <a16:creationId xmlns:a16="http://schemas.microsoft.com/office/drawing/2014/main" id="{62DFD166-90CF-47D9-AC19-187D6D3DB9DC}"/>
               </a:ext>
             </a:extLst>
           </p:cNvPr>
-          <p:cNvPicPr>
-            <a:picLocks noChangeAspect="1" noChangeArrowheads="1"/>
-          </p:cNvPicPr>
+          <p:cNvSpPr/>
           <p:nvPr/>
-        </p:nvPicPr>
-        <p:blipFill>
-          <a:blip r:embed="rId6" cstate="print">
-            <a:extLst>
-              <a:ext uri="{28A0092B-C50C-407E-A947-70E740481C1C}">
-                <a14:useLocalDpi xmlns:a14="http://schemas.microsoft.com/office/drawing/2010/main" val="0"/>
-              </a:ext>
-            </a:extLst>
-          </a:blip>
-          <a:srcRect/>
-          <a:stretch>
-            <a:fillRect/>
-          </a:stretch>
-        </p:blipFill>
-        <p:spPr bwMode="auto">
+        </p:nvSpPr>
+        <p:spPr>
           <a:xfrm>
-            <a:off x="14074140" y="7594336"/>
-            <a:ext cx="457200" cy="457200"/>
+            <a:off x="6662767" y="6305302"/>
+            <a:ext cx="2103120" cy="2286000"/>
           </a:xfrm>
           <a:prstGeom prst="rect">
             <a:avLst/>
           </a:prstGeom>
           <a:noFill/>
-          <a:ln>
-            <a:noFill/>
-          </a:ln>
-          <a:extLst>
-            <a:ext uri="{909E8E84-426E-40DD-AFC4-6F175D3DCCD1}">
-              <a14:hiddenFill xmlns:a14="http://schemas.microsoft.com/office/drawing/2010/main">
-                <a:solidFill>
-                  <a:srgbClr val="FFFFFF"/>
-                </a:solidFill>
-              </a14:hiddenFill>
-            </a:ext>
-            <a:ext uri="{91240B29-F687-4F45-9708-019B960494DF}">
-              <a14:hiddenLine xmlns:a14="http://schemas.microsoft.com/office/drawing/2010/main" w="9525">
-                <a:solidFill>
-                  <a:srgbClr val="000000"/>
-                </a:solidFill>
-                <a:miter lim="800000"/>
-                <a:headEnd/>
-                <a:tailEnd/>
-              </a14:hiddenLine>
-            </a:ext>
-          </a:extLst>
-        </p:spPr>
-      </p:pic>
-      <p:sp>
-        <p:nvSpPr>
-          <p:cNvPr id="101" name="TextBox 100">
-            <a:extLst>
-              <a:ext uri="{FF2B5EF4-FFF2-40B4-BE49-F238E27FC236}">
-                <a16:creationId xmlns:a16="http://schemas.microsoft.com/office/drawing/2014/main" id="{348D2AD6-C7CF-4D6A-A1B9-22F5DD819963}"/>
-              </a:ext>
-            </a:extLst>
-          </p:cNvPr>
-          <p:cNvSpPr txBox="1"/>
-          <p:nvPr/>
-        </p:nvSpPr>
-        <p:spPr>
-          <a:xfrm>
-            <a:off x="13754750" y="6312199"/>
-            <a:ext cx="1097280" cy="261610"/>
-          </a:xfrm>
-          <a:prstGeom prst="rect">
-            <a:avLst/>
-          </a:prstGeom>
-          <a:noFill/>
-        </p:spPr>
-        <p:txBody>
-          <a:bodyPr wrap="square" rtlCol="0">
-            <a:spAutoFit/>
-          </a:bodyPr>
-          <a:lstStyle/>
-          <a:p>
-            <a:pPr algn="ctr" defTabSz="914400"/>
-            <a:r>
-              <a:rPr lang="en-US" sz="1100" dirty="0">
-                <a:solidFill>
-                  <a:srgbClr val="232F3D"/>
-                </a:solidFill>
-                <a:latin typeface="Arial" panose="020B0604020202020204" pitchFamily="34" charset="0"/>
-                <a:cs typeface="Arial" panose="020B0604020202020204" pitchFamily="34" charset="0"/>
-              </a:rPr>
-              <a:t>Bastion host</a:t>
-            </a:r>
-          </a:p>
-        </p:txBody>
-      </p:sp>
-      <p:sp>
-        <p:nvSpPr>
-          <p:cNvPr id="102" name="TextBox 17">
-            <a:extLst>
-              <a:ext uri="{FF2B5EF4-FFF2-40B4-BE49-F238E27FC236}">
-                <a16:creationId xmlns:a16="http://schemas.microsoft.com/office/drawing/2014/main" id="{4327DD3E-A559-4DF2-837C-732EB8F07CC2}"/>
-              </a:ext>
-            </a:extLst>
-          </p:cNvPr>
-          <p:cNvSpPr txBox="1">
-            <a:spLocks noChangeArrowheads="1"/>
-          </p:cNvSpPr>
-          <p:nvPr/>
-        </p:nvSpPr>
-        <p:spPr bwMode="auto">
-          <a:xfrm>
-            <a:off x="13754437" y="5397800"/>
-            <a:ext cx="1097280" cy="261610"/>
-          </a:xfrm>
-          <a:prstGeom prst="rect">
-            <a:avLst/>
-          </a:prstGeom>
-          <a:noFill/>
-          <a:ln>
-            <a:noFill/>
-          </a:ln>
-          <a:extLst>
-            <a:ext uri="{909E8E84-426E-40DD-AFC4-6F175D3DCCD1}">
-              <a14:hiddenFill xmlns:a14="http://schemas.microsoft.com/office/drawing/2010/main">
-                <a:solidFill>
-                  <a:srgbClr val="FFFFFF"/>
-                </a:solidFill>
-              </a14:hiddenFill>
-            </a:ext>
-            <a:ext uri="{91240B29-F687-4F45-9708-019B960494DF}">
-              <a14:hiddenLine xmlns:a14="http://schemas.microsoft.com/office/drawing/2010/main" w="9525">
-                <a:solidFill>
-                  <a:srgbClr val="000000"/>
-                </a:solidFill>
-                <a:miter lim="800000"/>
-                <a:headEnd/>
-                <a:tailEnd/>
-              </a14:hiddenLine>
-            </a:ext>
-          </a:extLst>
-        </p:spPr>
-        <p:txBody>
-          <a:bodyPr wrap="square">
-            <a:spAutoFit/>
-          </a:bodyPr>
-          <a:lstStyle>
-            <a:lvl1pPr>
-              <a:defRPr>
-                <a:solidFill>
-                  <a:schemeClr val="tx1"/>
-                </a:solidFill>
-                <a:latin typeface="Calibri" panose="020F0502020204030204" pitchFamily="34" charset="0"/>
-              </a:defRPr>
-            </a:lvl1pPr>
-            <a:lvl2pPr marL="742950" indent="-285750">
-              <a:defRPr>
-                <a:solidFill>
-                  <a:schemeClr val="tx1"/>
-                </a:solidFill>
-                <a:latin typeface="Calibri" panose="020F0502020204030204" pitchFamily="34" charset="0"/>
-              </a:defRPr>
-            </a:lvl2pPr>
-            <a:lvl3pPr marL="1143000" indent="-228600">
-              <a:defRPr>
-                <a:solidFill>
-                  <a:schemeClr val="tx1"/>
-                </a:solidFill>
-                <a:latin typeface="Calibri" panose="020F0502020204030204" pitchFamily="34" charset="0"/>
-              </a:defRPr>
-            </a:lvl3pPr>
-            <a:lvl4pPr marL="1600200" indent="-228600">
-              <a:defRPr>
-                <a:solidFill>
-                  <a:schemeClr val="tx1"/>
-                </a:solidFill>
-                <a:latin typeface="Calibri" panose="020F0502020204030204" pitchFamily="34" charset="0"/>
-              </a:defRPr>
-            </a:lvl4pPr>
-            <a:lvl5pPr marL="2057400" indent="-228600">
-              <a:defRPr>
-                <a:solidFill>
-                  <a:schemeClr val="tx1"/>
-                </a:solidFill>
-                <a:latin typeface="Calibri" panose="020F0502020204030204" pitchFamily="34" charset="0"/>
-              </a:defRPr>
-            </a:lvl5pPr>
-            <a:lvl6pPr marL="2514600" indent="-228600" eaLnBrk="0" fontAlgn="base" hangingPunct="0">
-              <a:spcBef>
-                <a:spcPct val="0"/>
-              </a:spcBef>
-              <a:spcAft>
-                <a:spcPct val="0"/>
-              </a:spcAft>
-              <a:defRPr>
-                <a:solidFill>
-                  <a:schemeClr val="tx1"/>
-                </a:solidFill>
-                <a:latin typeface="Calibri" panose="020F0502020204030204" pitchFamily="34" charset="0"/>
-              </a:defRPr>
-            </a:lvl6pPr>
-            <a:lvl7pPr marL="2971800" indent="-228600" eaLnBrk="0" fontAlgn="base" hangingPunct="0">
-              <a:spcBef>
-                <a:spcPct val="0"/>
-              </a:spcBef>
-              <a:spcAft>
-                <a:spcPct val="0"/>
-              </a:spcAft>
-              <a:defRPr>
-                <a:solidFill>
-                  <a:schemeClr val="tx1"/>
-                </a:solidFill>
-                <a:latin typeface="Calibri" panose="020F0502020204030204" pitchFamily="34" charset="0"/>
-              </a:defRPr>
-            </a:lvl7pPr>
-            <a:lvl8pPr marL="3429000" indent="-228600" eaLnBrk="0" fontAlgn="base" hangingPunct="0">
-              <a:spcBef>
-                <a:spcPct val="0"/>
-              </a:spcBef>
-              <a:spcAft>
-                <a:spcPct val="0"/>
-              </a:spcAft>
-              <a:defRPr>
-                <a:solidFill>
-                  <a:schemeClr val="tx1"/>
-                </a:solidFill>
-                <a:latin typeface="Calibri" panose="020F0502020204030204" pitchFamily="34" charset="0"/>
-              </a:defRPr>
-            </a:lvl8pPr>
-            <a:lvl9pPr marL="3886200" indent="-228600" eaLnBrk="0" fontAlgn="base" hangingPunct="0">
-              <a:spcBef>
-                <a:spcPct val="0"/>
-              </a:spcBef>
-              <a:spcAft>
-                <a:spcPct val="0"/>
-              </a:spcAft>
-              <a:defRPr>
-                <a:solidFill>
-                  <a:schemeClr val="tx1"/>
-                </a:solidFill>
-                <a:latin typeface="Calibri" panose="020F0502020204030204" pitchFamily="34" charset="0"/>
-              </a:defRPr>
-            </a:lvl9pPr>
-          </a:lstStyle>
-          <a:p>
-            <a:pPr algn="ctr" eaLnBrk="1" hangingPunct="1"/>
-            <a:r>
-              <a:rPr lang="en-US" altLang="en-US" sz="1100" dirty="0">
-                <a:latin typeface="Arial" panose="020B0604020202020204" pitchFamily="34" charset="0"/>
-                <a:ea typeface="Amazon Ember" panose="020B0603020204020204" pitchFamily="34" charset="0"/>
-                <a:cs typeface="Arial" panose="020B0604020202020204" pitchFamily="34" charset="0"/>
-              </a:rPr>
-              <a:t>NAT gateway</a:t>
-            </a:r>
-          </a:p>
-        </p:txBody>
-      </p:sp>
-      <p:pic>
-        <p:nvPicPr>
-          <p:cNvPr id="103" name="Graphic 35">
-            <a:extLst>
-              <a:ext uri="{FF2B5EF4-FFF2-40B4-BE49-F238E27FC236}">
-                <a16:creationId xmlns:a16="http://schemas.microsoft.com/office/drawing/2014/main" id="{F0D7CED5-D624-48F3-85DB-D3F50B9041AB}"/>
-              </a:ext>
-            </a:extLst>
-          </p:cNvPr>
-          <p:cNvPicPr>
-            <a:picLocks noChangeAspect="1" noChangeArrowheads="1"/>
-          </p:cNvPicPr>
-          <p:nvPr/>
-        </p:nvPicPr>
-        <p:blipFill>
-          <a:blip r:embed="rId7" cstate="print">
-            <a:extLst>
-              <a:ext uri="{28A0092B-C50C-407E-A947-70E740481C1C}">
-                <a14:useLocalDpi xmlns:a14="http://schemas.microsoft.com/office/drawing/2010/main" val="0"/>
-              </a:ext>
-            </a:extLst>
-          </a:blip>
-          <a:srcRect/>
-          <a:stretch>
-            <a:fillRect/>
-          </a:stretch>
-        </p:blipFill>
-        <p:spPr bwMode="auto">
-          <a:xfrm>
-            <a:off x="14074140" y="4937760"/>
-            <a:ext cx="457200" cy="457200"/>
-          </a:xfrm>
-          <a:prstGeom prst="rect">
-            <a:avLst/>
-          </a:prstGeom>
-          <a:noFill/>
-          <a:ln>
-            <a:noFill/>
-          </a:ln>
-          <a:extLst>
-            <a:ext uri="{909E8E84-426E-40DD-AFC4-6F175D3DCCD1}">
-              <a14:hiddenFill xmlns:a14="http://schemas.microsoft.com/office/drawing/2010/main">
-                <a:solidFill>
-                  <a:srgbClr val="FFFFFF"/>
-                </a:solidFill>
-              </a14:hiddenFill>
-            </a:ext>
-            <a:ext uri="{91240B29-F687-4F45-9708-019B960494DF}">
-              <a14:hiddenLine xmlns:a14="http://schemas.microsoft.com/office/drawing/2010/main" w="9525">
-                <a:solidFill>
-                  <a:srgbClr val="000000"/>
-                </a:solidFill>
-                <a:miter lim="800000"/>
-                <a:headEnd/>
-                <a:tailEnd/>
-              </a14:hiddenLine>
-            </a:ext>
-          </a:extLst>
-        </p:spPr>
-      </p:pic>
-      <p:sp>
-        <p:nvSpPr>
-          <p:cNvPr id="104" name="TextBox 17">
-            <a:extLst>
-              <a:ext uri="{FF2B5EF4-FFF2-40B4-BE49-F238E27FC236}">
-                <a16:creationId xmlns:a16="http://schemas.microsoft.com/office/drawing/2014/main" id="{514BA473-BCCF-4E89-A848-66B963AB5581}"/>
-              </a:ext>
-            </a:extLst>
-          </p:cNvPr>
-          <p:cNvSpPr txBox="1">
-            <a:spLocks noChangeArrowheads="1"/>
-          </p:cNvSpPr>
-          <p:nvPr/>
-        </p:nvSpPr>
-        <p:spPr bwMode="auto">
-          <a:xfrm>
-            <a:off x="13572253" y="8052573"/>
-            <a:ext cx="1463040" cy="261610"/>
-          </a:xfrm>
-          <a:prstGeom prst="rect">
-            <a:avLst/>
-          </a:prstGeom>
-          <a:noFill/>
-          <a:ln>
-            <a:noFill/>
-          </a:ln>
-          <a:extLst>
-            <a:ext uri="{909E8E84-426E-40DD-AFC4-6F175D3DCCD1}">
-              <a14:hiddenFill xmlns:a14="http://schemas.microsoft.com/office/drawing/2010/main">
-                <a:solidFill>
-                  <a:srgbClr val="FFFFFF"/>
-                </a:solidFill>
-              </a14:hiddenFill>
-            </a:ext>
-            <a:ext uri="{91240B29-F687-4F45-9708-019B960494DF}">
-              <a14:hiddenLine xmlns:a14="http://schemas.microsoft.com/office/drawing/2010/main" w="9525">
-                <a:solidFill>
-                  <a:srgbClr val="000000"/>
-                </a:solidFill>
-                <a:miter lim="800000"/>
-                <a:headEnd/>
-                <a:tailEnd/>
-              </a14:hiddenLine>
-            </a:ext>
-          </a:extLst>
-        </p:spPr>
-        <p:txBody>
-          <a:bodyPr wrap="square">
-            <a:spAutoFit/>
-          </a:bodyPr>
-          <a:lstStyle>
-            <a:lvl1pPr>
-              <a:defRPr>
-                <a:solidFill>
-                  <a:schemeClr val="tx1"/>
-                </a:solidFill>
-                <a:latin typeface="Calibri" panose="020F0502020204030204" pitchFamily="34" charset="0"/>
-              </a:defRPr>
-            </a:lvl1pPr>
-            <a:lvl2pPr marL="742950" indent="-285750">
-              <a:defRPr>
-                <a:solidFill>
-                  <a:schemeClr val="tx1"/>
-                </a:solidFill>
-                <a:latin typeface="Calibri" panose="020F0502020204030204" pitchFamily="34" charset="0"/>
-              </a:defRPr>
-            </a:lvl2pPr>
-            <a:lvl3pPr marL="1143000" indent="-228600">
-              <a:defRPr>
-                <a:solidFill>
-                  <a:schemeClr val="tx1"/>
-                </a:solidFill>
-                <a:latin typeface="Calibri" panose="020F0502020204030204" pitchFamily="34" charset="0"/>
-              </a:defRPr>
-            </a:lvl3pPr>
-            <a:lvl4pPr marL="1600200" indent="-228600">
-              <a:defRPr>
-                <a:solidFill>
-                  <a:schemeClr val="tx1"/>
-                </a:solidFill>
-                <a:latin typeface="Calibri" panose="020F0502020204030204" pitchFamily="34" charset="0"/>
-              </a:defRPr>
-            </a:lvl4pPr>
-            <a:lvl5pPr marL="2057400" indent="-228600">
-              <a:defRPr>
-                <a:solidFill>
-                  <a:schemeClr val="tx1"/>
-                </a:solidFill>
-                <a:latin typeface="Calibri" panose="020F0502020204030204" pitchFamily="34" charset="0"/>
-              </a:defRPr>
-            </a:lvl5pPr>
-            <a:lvl6pPr marL="2514600" indent="-228600" eaLnBrk="0" fontAlgn="base" hangingPunct="0">
-              <a:spcBef>
-                <a:spcPct val="0"/>
-              </a:spcBef>
-              <a:spcAft>
-                <a:spcPct val="0"/>
-              </a:spcAft>
-              <a:defRPr>
-                <a:solidFill>
-                  <a:schemeClr val="tx1"/>
-                </a:solidFill>
-                <a:latin typeface="Calibri" panose="020F0502020204030204" pitchFamily="34" charset="0"/>
-              </a:defRPr>
-            </a:lvl6pPr>
-            <a:lvl7pPr marL="2971800" indent="-228600" eaLnBrk="0" fontAlgn="base" hangingPunct="0">
-              <a:spcBef>
-                <a:spcPct val="0"/>
-              </a:spcBef>
-              <a:spcAft>
-                <a:spcPct val="0"/>
-              </a:spcAft>
-              <a:defRPr>
-                <a:solidFill>
-                  <a:schemeClr val="tx1"/>
-                </a:solidFill>
-                <a:latin typeface="Calibri" panose="020F0502020204030204" pitchFamily="34" charset="0"/>
-              </a:defRPr>
-            </a:lvl7pPr>
-            <a:lvl8pPr marL="3429000" indent="-228600" eaLnBrk="0" fontAlgn="base" hangingPunct="0">
-              <a:spcBef>
-                <a:spcPct val="0"/>
-              </a:spcBef>
-              <a:spcAft>
-                <a:spcPct val="0"/>
-              </a:spcAft>
-              <a:defRPr>
-                <a:solidFill>
-                  <a:schemeClr val="tx1"/>
-                </a:solidFill>
-                <a:latin typeface="Calibri" panose="020F0502020204030204" pitchFamily="34" charset="0"/>
-              </a:defRPr>
-            </a:lvl8pPr>
-            <a:lvl9pPr marL="3886200" indent="-228600" eaLnBrk="0" fontAlgn="base" hangingPunct="0">
-              <a:spcBef>
-                <a:spcPct val="0"/>
-              </a:spcBef>
-              <a:spcAft>
-                <a:spcPct val="0"/>
-              </a:spcAft>
-              <a:defRPr>
-                <a:solidFill>
-                  <a:schemeClr val="tx1"/>
-                </a:solidFill>
-                <a:latin typeface="Calibri" panose="020F0502020204030204" pitchFamily="34" charset="0"/>
-              </a:defRPr>
-            </a:lvl9pPr>
-          </a:lstStyle>
-          <a:p>
-            <a:pPr algn="ctr" eaLnBrk="1" hangingPunct="1"/>
-            <a:r>
-              <a:rPr lang="en-US" altLang="en-US" sz="1100" dirty="0">
-                <a:latin typeface="Arial" panose="020B0604020202020204" pitchFamily="34" charset="0"/>
-                <a:ea typeface="Amazon Ember" panose="020B0603020204020204" pitchFamily="34" charset="0"/>
-                <a:cs typeface="Arial" panose="020B0604020202020204" pitchFamily="34" charset="0"/>
-              </a:rPr>
-              <a:t>Kubernetes nodes</a:t>
-            </a:r>
-          </a:p>
-        </p:txBody>
-      </p:sp>
-      <p:pic>
-        <p:nvPicPr>
-          <p:cNvPr id="105" name="Graphic 60">
-            <a:extLst>
-              <a:ext uri="{FF2B5EF4-FFF2-40B4-BE49-F238E27FC236}">
-                <a16:creationId xmlns:a16="http://schemas.microsoft.com/office/drawing/2014/main" id="{B8028ADB-9C6C-4375-8CB1-5A88EC8A3568}"/>
-              </a:ext>
-            </a:extLst>
-          </p:cNvPr>
-          <p:cNvPicPr>
-            <a:picLocks noChangeAspect="1" noChangeArrowheads="1"/>
-          </p:cNvPicPr>
-          <p:nvPr/>
-        </p:nvPicPr>
-        <p:blipFill>
-          <a:blip r:embed="rId11">
-            <a:extLst>
-              <a:ext uri="{BEBA8EAE-BF5A-486C-A8C5-ECC9F3942E4B}">
-                <a14:imgProps xmlns:a14="http://schemas.microsoft.com/office/drawing/2010/main">
-                  <a14:imgLayer r:embed="rId12">
-                    <a14:imgEffect>
-                      <a14:artisticBlur/>
-                    </a14:imgEffect>
-                  </a14:imgLayer>
-                </a14:imgProps>
-              </a:ext>
-              <a:ext uri="{28A0092B-C50C-407E-A947-70E740481C1C}">
-                <a14:useLocalDpi xmlns:a14="http://schemas.microsoft.com/office/drawing/2010/main" val="0"/>
-              </a:ext>
-            </a:extLst>
-          </a:blip>
-          <a:srcRect/>
-          <a:stretch>
-            <a:fillRect/>
-          </a:stretch>
-        </p:blipFill>
-        <p:spPr bwMode="auto">
-          <a:xfrm>
-            <a:off x="14074140" y="5852160"/>
-            <a:ext cx="457200" cy="457200"/>
-          </a:xfrm>
-          <a:prstGeom prst="rect">
-            <a:avLst/>
-          </a:prstGeom>
-          <a:noFill/>
-          <a:ln>
-            <a:noFill/>
-          </a:ln>
-          <a:extLst>
-            <a:ext uri="{909E8E84-426E-40DD-AFC4-6F175D3DCCD1}">
-              <a14:hiddenFill xmlns:a14="http://schemas.microsoft.com/office/drawing/2010/main">
-                <a:solidFill>
-                  <a:srgbClr val="FFFFFF"/>
-                </a:solidFill>
-              </a14:hiddenFill>
-            </a:ext>
-            <a:ext uri="{91240B29-F687-4F45-9708-019B960494DF}">
-              <a14:hiddenLine xmlns:a14="http://schemas.microsoft.com/office/drawing/2010/main" w="9525">
-                <a:solidFill>
-                  <a:srgbClr val="000000"/>
-                </a:solidFill>
-                <a:miter lim="800000"/>
-                <a:headEnd/>
-                <a:tailEnd/>
-              </a14:hiddenLine>
-            </a:ext>
-          </a:extLst>
-        </p:spPr>
-      </p:pic>
-      <p:pic>
-        <p:nvPicPr>
-          <p:cNvPr id="54" name="Graphic 6">
-            <a:extLst>
-              <a:ext uri="{FF2B5EF4-FFF2-40B4-BE49-F238E27FC236}">
-                <a16:creationId xmlns:a16="http://schemas.microsoft.com/office/drawing/2014/main" id="{04775A14-BDC6-49C2-8478-CBB47DE32DD6}"/>
-              </a:ext>
-            </a:extLst>
-          </p:cNvPr>
-          <p:cNvPicPr>
-            <a:picLocks noChangeAspect="1" noChangeArrowheads="1"/>
-          </p:cNvPicPr>
-          <p:nvPr/>
-        </p:nvPicPr>
-        <p:blipFill>
-          <a:blip r:embed="rId13"/>
-          <a:srcRect/>
-          <a:stretch/>
-        </p:blipFill>
-        <p:spPr bwMode="auto">
-          <a:xfrm>
-            <a:off x="7098384" y="9102477"/>
-            <a:ext cx="762000" cy="762000"/>
-          </a:xfrm>
-          <a:prstGeom prst="rect">
-            <a:avLst/>
-          </a:prstGeom>
-          <a:noFill/>
-          <a:ln>
-            <a:noFill/>
-          </a:ln>
-          <a:extLst>
-            <a:ext uri="{909E8E84-426E-40DD-AFC4-6F175D3DCCD1}">
-              <a14:hiddenFill xmlns:a14="http://schemas.microsoft.com/office/drawing/2010/main">
-                <a:solidFill>
-                  <a:srgbClr val="FFFFFF"/>
-                </a:solidFill>
-              </a14:hiddenFill>
-            </a:ext>
-            <a:ext uri="{91240B29-F687-4F45-9708-019B960494DF}">
-              <a14:hiddenLine xmlns:a14="http://schemas.microsoft.com/office/drawing/2010/main" w="9525">
-                <a:solidFill>
-                  <a:srgbClr val="000000"/>
-                </a:solidFill>
-                <a:miter lim="800000"/>
-                <a:headEnd/>
-                <a:tailEnd/>
-              </a14:hiddenLine>
-            </a:ext>
-          </a:extLst>
-        </p:spPr>
-      </p:pic>
-      <p:pic>
-        <p:nvPicPr>
-          <p:cNvPr id="56" name="Graphic 23">
-            <a:extLst>
-              <a:ext uri="{FF2B5EF4-FFF2-40B4-BE49-F238E27FC236}">
-                <a16:creationId xmlns:a16="http://schemas.microsoft.com/office/drawing/2014/main" id="{C6AE94D9-8FC3-4CC3-BEC1-D8868CDAF30B}"/>
-              </a:ext>
-            </a:extLst>
-          </p:cNvPr>
-          <p:cNvPicPr>
-            <a:picLocks noChangeAspect="1" noChangeArrowheads="1"/>
-          </p:cNvPicPr>
-          <p:nvPr/>
-        </p:nvPicPr>
-        <p:blipFill>
-          <a:blip r:embed="rId14">
-            <a:extLst>
-              <a:ext uri="{28A0092B-C50C-407E-A947-70E740481C1C}">
-                <a14:useLocalDpi xmlns:a14="http://schemas.microsoft.com/office/drawing/2010/main" val="0"/>
-              </a:ext>
-            </a:extLst>
-          </a:blip>
-          <a:srcRect/>
-          <a:stretch>
-            <a:fillRect/>
-          </a:stretch>
-        </p:blipFill>
-        <p:spPr bwMode="auto">
-          <a:xfrm>
-            <a:off x="8834083" y="9102477"/>
-            <a:ext cx="762000" cy="762000"/>
-          </a:xfrm>
-          <a:prstGeom prst="rect">
-            <a:avLst/>
-          </a:prstGeom>
-          <a:noFill/>
-          <a:ln>
-            <a:noFill/>
-          </a:ln>
-          <a:extLst>
-            <a:ext uri="{909E8E84-426E-40DD-AFC4-6F175D3DCCD1}">
-              <a14:hiddenFill xmlns:a14="http://schemas.microsoft.com/office/drawing/2010/main">
-                <a:solidFill>
-                  <a:srgbClr val="FFFFFF"/>
-                </a:solidFill>
-              </a14:hiddenFill>
-            </a:ext>
-            <a:ext uri="{91240B29-F687-4F45-9708-019B960494DF}">
-              <a14:hiddenLine xmlns:a14="http://schemas.microsoft.com/office/drawing/2010/main" w="9525">
-                <a:solidFill>
-                  <a:srgbClr val="000000"/>
-                </a:solidFill>
-                <a:miter lim="800000"/>
-                <a:headEnd/>
-                <a:tailEnd/>
-              </a14:hiddenLine>
-            </a:ext>
-          </a:extLst>
-        </p:spPr>
-      </p:pic>
-      <p:pic>
-        <p:nvPicPr>
-          <p:cNvPr id="57" name="Graphic 17">
-            <a:extLst>
-              <a:ext uri="{FF2B5EF4-FFF2-40B4-BE49-F238E27FC236}">
-                <a16:creationId xmlns:a16="http://schemas.microsoft.com/office/drawing/2014/main" id="{0F0098D1-7284-4423-A181-2CFF8FF95B0F}"/>
-              </a:ext>
-            </a:extLst>
-          </p:cNvPr>
-          <p:cNvPicPr>
-            <a:picLocks noChangeAspect="1" noChangeArrowheads="1"/>
-          </p:cNvPicPr>
-          <p:nvPr/>
-        </p:nvPicPr>
-        <p:blipFill>
-          <a:blip r:embed="rId15">
-            <a:extLst>
-              <a:ext uri="{28A0092B-C50C-407E-A947-70E740481C1C}">
-                <a14:useLocalDpi xmlns:a14="http://schemas.microsoft.com/office/drawing/2010/main" val="0"/>
-              </a:ext>
-            </a:extLst>
-          </a:blip>
-          <a:srcRect/>
-          <a:stretch>
-            <a:fillRect/>
-          </a:stretch>
-        </p:blipFill>
-        <p:spPr bwMode="auto">
-          <a:xfrm>
-            <a:off x="10565227" y="9102477"/>
-            <a:ext cx="762000" cy="762000"/>
-          </a:xfrm>
-          <a:prstGeom prst="rect">
-            <a:avLst/>
-          </a:prstGeom>
-          <a:noFill/>
-          <a:ln>
-            <a:noFill/>
-          </a:ln>
-          <a:extLst>
-            <a:ext uri="{909E8E84-426E-40DD-AFC4-6F175D3DCCD1}">
-              <a14:hiddenFill xmlns:a14="http://schemas.microsoft.com/office/drawing/2010/main">
-                <a:solidFill>
-                  <a:srgbClr val="FFFFFF"/>
-                </a:solidFill>
-              </a14:hiddenFill>
-            </a:ext>
-            <a:ext uri="{91240B29-F687-4F45-9708-019B960494DF}">
-              <a14:hiddenLine xmlns:a14="http://schemas.microsoft.com/office/drawing/2010/main" w="9525">
-                <a:solidFill>
-                  <a:srgbClr val="000000"/>
-                </a:solidFill>
-                <a:miter lim="800000"/>
-                <a:headEnd/>
-                <a:tailEnd/>
-              </a14:hiddenLine>
-            </a:ext>
-          </a:extLst>
-        </p:spPr>
-      </p:pic>
-      <p:pic>
-        <p:nvPicPr>
-          <p:cNvPr id="62" name="Graphic 6">
-            <a:extLst>
-              <a:ext uri="{FF2B5EF4-FFF2-40B4-BE49-F238E27FC236}">
-                <a16:creationId xmlns:a16="http://schemas.microsoft.com/office/drawing/2014/main" id="{ECFF1106-CBAA-45E0-9A94-FC620828373A}"/>
-              </a:ext>
-            </a:extLst>
-          </p:cNvPr>
-          <p:cNvPicPr>
-            <a:picLocks noChangeAspect="1" noChangeArrowheads="1"/>
-          </p:cNvPicPr>
-          <p:nvPr/>
-        </p:nvPicPr>
-        <p:blipFill>
-          <a:blip r:embed="rId16">
-            <a:extLst>
-              <a:ext uri="{28A0092B-C50C-407E-A947-70E740481C1C}">
-                <a14:useLocalDpi xmlns:a14="http://schemas.microsoft.com/office/drawing/2010/main" val="0"/>
-              </a:ext>
-            </a:extLst>
-          </a:blip>
-          <a:srcRect/>
-          <a:stretch>
-            <a:fillRect/>
-          </a:stretch>
-        </p:blipFill>
-        <p:spPr bwMode="auto">
-          <a:xfrm>
-            <a:off x="12308563" y="9102477"/>
-            <a:ext cx="762000" cy="762000"/>
-          </a:xfrm>
-          <a:prstGeom prst="rect">
-            <a:avLst/>
-          </a:prstGeom>
-          <a:noFill/>
-          <a:ln>
-            <a:noFill/>
-          </a:ln>
-          <a:extLst>
-            <a:ext uri="{909E8E84-426E-40DD-AFC4-6F175D3DCCD1}">
-              <a14:hiddenFill xmlns:a14="http://schemas.microsoft.com/office/drawing/2010/main">
-                <a:solidFill>
-                  <a:srgbClr val="FFFFFF"/>
-                </a:solidFill>
-              </a14:hiddenFill>
-            </a:ext>
-            <a:ext uri="{91240B29-F687-4F45-9708-019B960494DF}">
-              <a14:hiddenLine xmlns:a14="http://schemas.microsoft.com/office/drawing/2010/main" w="9525">
-                <a:solidFill>
-                  <a:srgbClr val="000000"/>
-                </a:solidFill>
-                <a:miter lim="800000"/>
-                <a:headEnd/>
-                <a:tailEnd/>
-              </a14:hiddenLine>
-            </a:ext>
-          </a:extLst>
-        </p:spPr>
-      </p:pic>
-      <p:pic>
-        <p:nvPicPr>
-          <p:cNvPr id="63" name="Graphic 21">
-            <a:extLst>
-              <a:ext uri="{FF2B5EF4-FFF2-40B4-BE49-F238E27FC236}">
-                <a16:creationId xmlns:a16="http://schemas.microsoft.com/office/drawing/2014/main" id="{42B75D60-C1A5-4DC5-8A46-B143144EAF10}"/>
-              </a:ext>
-            </a:extLst>
-          </p:cNvPr>
-          <p:cNvPicPr>
-            <a:picLocks noChangeAspect="1" noChangeArrowheads="1"/>
-          </p:cNvPicPr>
-          <p:nvPr/>
-        </p:nvPicPr>
-        <p:blipFill>
-          <a:blip r:embed="rId17">
-            <a:extLst>
-              <a:ext uri="{28A0092B-C50C-407E-A947-70E740481C1C}">
-                <a14:useLocalDpi xmlns:a14="http://schemas.microsoft.com/office/drawing/2010/main" val="0"/>
-              </a:ext>
-            </a:extLst>
-          </a:blip>
-          <a:srcRect/>
-          <a:stretch>
-            <a:fillRect/>
-          </a:stretch>
-        </p:blipFill>
-        <p:spPr bwMode="auto">
-          <a:xfrm>
-            <a:off x="14046850" y="9102477"/>
-            <a:ext cx="762000" cy="762000"/>
-          </a:xfrm>
-          <a:prstGeom prst="rect">
-            <a:avLst/>
-          </a:prstGeom>
-          <a:noFill/>
-          <a:ln>
-            <a:noFill/>
-          </a:ln>
-          <a:extLst>
-            <a:ext uri="{909E8E84-426E-40DD-AFC4-6F175D3DCCD1}">
-              <a14:hiddenFill xmlns:a14="http://schemas.microsoft.com/office/drawing/2010/main">
-                <a:solidFill>
-                  <a:srgbClr val="FFFFFF"/>
-                </a:solidFill>
-              </a14:hiddenFill>
-            </a:ext>
-            <a:ext uri="{91240B29-F687-4F45-9708-019B960494DF}">
-              <a14:hiddenLine xmlns:a14="http://schemas.microsoft.com/office/drawing/2010/main" w="9525">
-                <a:solidFill>
-                  <a:srgbClr val="000000"/>
-                </a:solidFill>
-                <a:miter lim="800000"/>
-                <a:headEnd/>
-                <a:tailEnd/>
-              </a14:hiddenLine>
-            </a:ext>
-          </a:extLst>
-        </p:spPr>
-      </p:pic>
-      <p:sp>
-        <p:nvSpPr>
-          <p:cNvPr id="65" name="Rectangle 64">
-            <a:extLst>
-              <a:ext uri="{FF2B5EF4-FFF2-40B4-BE49-F238E27FC236}">
-                <a16:creationId xmlns:a16="http://schemas.microsoft.com/office/drawing/2014/main" id="{7B46BFA1-FFEF-4CD7-89B2-9C3BD0BD10E3}"/>
-              </a:ext>
-            </a:extLst>
-          </p:cNvPr>
-          <p:cNvSpPr/>
-          <p:nvPr/>
-        </p:nvSpPr>
-        <p:spPr bwMode="auto">
-          <a:xfrm>
-            <a:off x="5478778" y="4383072"/>
-            <a:ext cx="10226042" cy="4297680"/>
-          </a:xfrm>
-          <a:prstGeom prst="rect">
-            <a:avLst/>
-          </a:prstGeom>
-          <a:noFill/>
-          <a:ln w="12700">
+          <a:ln w="15875">
             <a:solidFill>
-              <a:srgbClr val="693BC5"/>
+              <a:srgbClr val="7AA116"/>
             </a:solidFill>
+            <a:prstDash val="solid"/>
           </a:ln>
         </p:spPr>
         <p:style>
@@ -6722,24 +4702,93 @@
             </a:pPr>
             <a:r>
               <a:rPr lang="en-US" sz="1200" dirty="0">
-                <a:ln w="0"/>
-                <a:solidFill>
-                  <a:srgbClr val="693BC5"/>
+                <a:solidFill>
+                  <a:schemeClr val="tx1"/>
                 </a:solidFill>
                 <a:latin typeface="Arial" panose="020B0604020202020204" pitchFamily="34" charset="0"/>
                 <a:cs typeface="Arial" panose="020B0604020202020204" pitchFamily="34" charset="0"/>
               </a:rPr>
-              <a:t>VPC</a:t>
+              <a:t>Public subnet</a:t>
+            </a:r>
+          </a:p>
+        </p:txBody>
+      </p:sp>
+      <p:sp>
+        <p:nvSpPr>
+          <p:cNvPr id="108" name="Rectangle 107">
+            <a:extLst>
+              <a:ext uri="{FF2B5EF4-FFF2-40B4-BE49-F238E27FC236}">
+                <a16:creationId xmlns:a16="http://schemas.microsoft.com/office/drawing/2014/main" id="{320A4F3D-25E2-4E5A-9994-B50880D3E537}"/>
+              </a:ext>
+            </a:extLst>
+          </p:cNvPr>
+          <p:cNvSpPr/>
+          <p:nvPr/>
+        </p:nvSpPr>
+        <p:spPr>
+          <a:xfrm>
+            <a:off x="6662767" y="8778207"/>
+            <a:ext cx="2103120" cy="1554480"/>
+          </a:xfrm>
+          <a:prstGeom prst="rect">
+            <a:avLst/>
+          </a:prstGeom>
+          <a:noFill/>
+          <a:ln w="15875">
+            <a:solidFill>
+              <a:srgbClr val="00A4A6"/>
+            </a:solidFill>
+            <a:prstDash val="solid"/>
+          </a:ln>
+        </p:spPr>
+        <p:style>
+          <a:lnRef idx="2">
+            <a:schemeClr val="accent1">
+              <a:shade val="50000"/>
+            </a:schemeClr>
+          </a:lnRef>
+          <a:fillRef idx="1">
+            <a:schemeClr val="accent1"/>
+          </a:fillRef>
+          <a:effectRef idx="0">
+            <a:schemeClr val="accent1"/>
+          </a:effectRef>
+          <a:fontRef idx="minor">
+            <a:schemeClr val="lt1"/>
+          </a:fontRef>
+        </p:style>
+        <p:txBody>
+          <a:bodyPr lIns="502920" tIns="91440"/>
+          <a:lstStyle/>
+          <a:p>
+            <a:pPr eaLnBrk="1" fontAlgn="auto" hangingPunct="1">
+              <a:spcBef>
+                <a:spcPts val="0"/>
+              </a:spcBef>
+              <a:spcAft>
+                <a:spcPts val="0"/>
+              </a:spcAft>
+              <a:defRPr/>
+            </a:pPr>
+            <a:r>
+              <a:rPr lang="en-US" sz="1200" dirty="0">
+                <a:solidFill>
+                  <a:schemeClr val="tx1"/>
+                </a:solidFill>
+                <a:latin typeface="Arial" panose="020B0604020202020204" pitchFamily="34" charset="0"/>
+                <a:cs typeface="Arial" panose="020B0604020202020204" pitchFamily="34" charset="0"/>
+              </a:rPr>
+              <a:t>Private subnet</a:t>
             </a:r>
           </a:p>
         </p:txBody>
       </p:sp>
       <p:pic>
         <p:nvPicPr>
-          <p:cNvPr id="66" name="Graphic 65">
+          <p:cNvPr id="110" name="Graphic 109">
             <a:extLst>
               <a:ext uri="{FF2B5EF4-FFF2-40B4-BE49-F238E27FC236}">
-                <a16:creationId xmlns:a16="http://schemas.microsoft.com/office/drawing/2014/main" id="{4DCC58C8-D301-4020-BA64-FF92329D4A56}"/>
+                <a16:creationId xmlns:a16="http://schemas.microsoft.com/office/drawing/2014/main" id="{3DF10C00-6D08-4A36-92E9-10C500BC3454}"/>
               </a:ext>
             </a:extLst>
           </p:cNvPr>
@@ -6749,10 +4798,10 @@
           <p:nvPr/>
         </p:nvPicPr>
         <p:blipFill>
-          <a:blip r:embed="rId18">
+          <a:blip r:embed="rId9">
             <a:extLst>
               <a:ext uri="{96DAC541-7B7A-43D3-8B79-37D633B846F1}">
-                <asvg:svgBlip xmlns:asvg="http://schemas.microsoft.com/office/drawing/2016/SVG/main" r:embed="rId19"/>
+                <asvg:svgBlip xmlns:asvg="http://schemas.microsoft.com/office/drawing/2016/SVG/main" r:embed="rId10"/>
               </a:ext>
             </a:extLst>
           </a:blip>
@@ -6761,7 +4810,7 @@
         </p:blipFill>
         <p:spPr>
           <a:xfrm>
-            <a:off x="5480366" y="4383072"/>
+            <a:off x="6670984" y="6305302"/>
             <a:ext cx="381000" cy="381000"/>
           </a:xfrm>
           <a:prstGeom prst="rect">
@@ -6769,12 +4818,47 @@
           </a:prstGeom>
         </p:spPr>
       </p:pic>
-      <p:sp>
-        <p:nvSpPr>
-          <p:cNvPr id="75" name="Rectangle 74">
+      <p:pic>
+        <p:nvPicPr>
+          <p:cNvPr id="111" name="Graphic 110">
             <a:extLst>
               <a:ext uri="{FF2B5EF4-FFF2-40B4-BE49-F238E27FC236}">
-                <a16:creationId xmlns:a16="http://schemas.microsoft.com/office/drawing/2014/main" id="{4DDA990D-4C92-4A36-B915-748448103B85}"/>
+                <a16:creationId xmlns:a16="http://schemas.microsoft.com/office/drawing/2014/main" id="{04209A40-36DB-4740-AE86-A5467AB339AC}"/>
+              </a:ext>
+            </a:extLst>
+          </p:cNvPr>
+          <p:cNvPicPr>
+            <a:picLocks noChangeAspect="1"/>
+          </p:cNvPicPr>
+          <p:nvPr/>
+        </p:nvPicPr>
+        <p:blipFill>
+          <a:blip r:embed="rId11">
+            <a:extLst>
+              <a:ext uri="{96DAC541-7B7A-43D3-8B79-37D633B846F1}">
+                <asvg:svgBlip xmlns:asvg="http://schemas.microsoft.com/office/drawing/2016/SVG/main" r:embed="rId12"/>
+              </a:ext>
+            </a:extLst>
+          </a:blip>
+          <a:srcRect/>
+          <a:stretch/>
+        </p:blipFill>
+        <p:spPr>
+          <a:xfrm>
+            <a:off x="6670984" y="8778207"/>
+            <a:ext cx="381000" cy="381000"/>
+          </a:xfrm>
+          <a:prstGeom prst="rect">
+            <a:avLst/>
+          </a:prstGeom>
+        </p:spPr>
+      </p:pic>
+      <p:sp>
+        <p:nvSpPr>
+          <p:cNvPr id="116" name="Rectangle 115">
+            <a:extLst>
+              <a:ext uri="{FF2B5EF4-FFF2-40B4-BE49-F238E27FC236}">
+                <a16:creationId xmlns:a16="http://schemas.microsoft.com/office/drawing/2014/main" id="{DBE73959-0B64-4D75-8A4D-58A67283874A}"/>
               </a:ext>
             </a:extLst>
           </p:cNvPr>
@@ -6783,19 +4867,1094 @@
         </p:nvSpPr>
         <p:spPr>
           <a:xfrm>
-            <a:off x="6547425" y="4583304"/>
-            <a:ext cx="2075688" cy="2294205"/>
+            <a:off x="10608442" y="6309327"/>
+            <a:ext cx="2103120" cy="2286000"/>
           </a:xfrm>
           <a:prstGeom prst="rect">
             <a:avLst/>
           </a:prstGeom>
-          <a:solidFill>
-            <a:srgbClr val="1D8900">
-              <a:alpha val="9804"/>
-            </a:srgbClr>
-          </a:solidFill>
-          <a:ln w="12700">
+          <a:noFill/>
+          <a:ln w="15875">
+            <a:solidFill>
+              <a:srgbClr val="7AA116"/>
+            </a:solidFill>
+            <a:prstDash val="solid"/>
+          </a:ln>
+        </p:spPr>
+        <p:style>
+          <a:lnRef idx="2">
+            <a:schemeClr val="accent1">
+              <a:shade val="50000"/>
+            </a:schemeClr>
+          </a:lnRef>
+          <a:fillRef idx="1">
+            <a:schemeClr val="accent1"/>
+          </a:fillRef>
+          <a:effectRef idx="0">
+            <a:schemeClr val="accent1"/>
+          </a:effectRef>
+          <a:fontRef idx="minor">
+            <a:schemeClr val="lt1"/>
+          </a:fontRef>
+        </p:style>
+        <p:txBody>
+          <a:bodyPr lIns="502920" tIns="91440"/>
+          <a:lstStyle/>
+          <a:p>
+            <a:pPr eaLnBrk="1" fontAlgn="auto" hangingPunct="1">
+              <a:spcBef>
+                <a:spcPts val="0"/>
+              </a:spcBef>
+              <a:spcAft>
+                <a:spcPts val="0"/>
+              </a:spcAft>
+              <a:defRPr/>
+            </a:pPr>
+            <a:r>
+              <a:rPr lang="en-US" sz="1200" dirty="0">
+                <a:solidFill>
+                  <a:schemeClr val="tx1"/>
+                </a:solidFill>
+                <a:latin typeface="Arial" panose="020B0604020202020204" pitchFamily="34" charset="0"/>
+                <a:cs typeface="Arial" panose="020B0604020202020204" pitchFamily="34" charset="0"/>
+              </a:rPr>
+              <a:t>Public subnet</a:t>
+            </a:r>
+          </a:p>
+        </p:txBody>
+      </p:sp>
+      <p:sp>
+        <p:nvSpPr>
+          <p:cNvPr id="117" name="Rectangle 116">
+            <a:extLst>
+              <a:ext uri="{FF2B5EF4-FFF2-40B4-BE49-F238E27FC236}">
+                <a16:creationId xmlns:a16="http://schemas.microsoft.com/office/drawing/2014/main" id="{8B270956-B7CD-4AEC-BA96-94ADCB94B70D}"/>
+              </a:ext>
+            </a:extLst>
+          </p:cNvPr>
+          <p:cNvSpPr/>
+          <p:nvPr/>
+        </p:nvSpPr>
+        <p:spPr>
+          <a:xfrm>
+            <a:off x="10608442" y="8778207"/>
+            <a:ext cx="2103120" cy="1554480"/>
+          </a:xfrm>
+          <a:prstGeom prst="rect">
+            <a:avLst/>
+          </a:prstGeom>
+          <a:noFill/>
+          <a:ln w="15875">
+            <a:solidFill>
+              <a:srgbClr val="00A4A6"/>
+            </a:solidFill>
+            <a:prstDash val="solid"/>
+          </a:ln>
+        </p:spPr>
+        <p:style>
+          <a:lnRef idx="2">
+            <a:schemeClr val="accent1">
+              <a:shade val="50000"/>
+            </a:schemeClr>
+          </a:lnRef>
+          <a:fillRef idx="1">
+            <a:schemeClr val="accent1"/>
+          </a:fillRef>
+          <a:effectRef idx="0">
+            <a:schemeClr val="accent1"/>
+          </a:effectRef>
+          <a:fontRef idx="minor">
+            <a:schemeClr val="lt1"/>
+          </a:fontRef>
+        </p:style>
+        <p:txBody>
+          <a:bodyPr lIns="502920" tIns="91440"/>
+          <a:lstStyle/>
+          <a:p>
+            <a:pPr eaLnBrk="1" fontAlgn="auto" hangingPunct="1">
+              <a:spcBef>
+                <a:spcPts val="0"/>
+              </a:spcBef>
+              <a:spcAft>
+                <a:spcPts val="0"/>
+              </a:spcAft>
+              <a:defRPr/>
+            </a:pPr>
+            <a:r>
+              <a:rPr lang="en-US" sz="1200" dirty="0">
+                <a:solidFill>
+                  <a:schemeClr val="tx1"/>
+                </a:solidFill>
+                <a:latin typeface="Arial" panose="020B0604020202020204" pitchFamily="34" charset="0"/>
+                <a:cs typeface="Arial" panose="020B0604020202020204" pitchFamily="34" charset="0"/>
+              </a:rPr>
+              <a:t>Private subnet</a:t>
+            </a:r>
+          </a:p>
+        </p:txBody>
+      </p:sp>
+      <p:pic>
+        <p:nvPicPr>
+          <p:cNvPr id="118" name="Graphic 117">
+            <a:extLst>
+              <a:ext uri="{FF2B5EF4-FFF2-40B4-BE49-F238E27FC236}">
+                <a16:creationId xmlns:a16="http://schemas.microsoft.com/office/drawing/2014/main" id="{0BE19557-A5C5-47AC-8379-23ABAE504069}"/>
+              </a:ext>
+            </a:extLst>
+          </p:cNvPr>
+          <p:cNvPicPr>
+            <a:picLocks noChangeAspect="1"/>
+          </p:cNvPicPr>
+          <p:nvPr/>
+        </p:nvPicPr>
+        <p:blipFill>
+          <a:blip r:embed="rId9">
+            <a:extLst>
+              <a:ext uri="{96DAC541-7B7A-43D3-8B79-37D633B846F1}">
+                <asvg:svgBlip xmlns:asvg="http://schemas.microsoft.com/office/drawing/2016/SVG/main" r:embed="rId10"/>
+              </a:ext>
+            </a:extLst>
+          </a:blip>
+          <a:srcRect/>
+          <a:stretch/>
+        </p:blipFill>
+        <p:spPr>
+          <a:xfrm>
+            <a:off x="10608442" y="6309327"/>
+            <a:ext cx="381000" cy="381000"/>
+          </a:xfrm>
+          <a:prstGeom prst="rect">
+            <a:avLst/>
+          </a:prstGeom>
+        </p:spPr>
+      </p:pic>
+      <p:pic>
+        <p:nvPicPr>
+          <p:cNvPr id="119" name="Graphic 118">
+            <a:extLst>
+              <a:ext uri="{FF2B5EF4-FFF2-40B4-BE49-F238E27FC236}">
+                <a16:creationId xmlns:a16="http://schemas.microsoft.com/office/drawing/2014/main" id="{17B6B747-6AFD-4120-B9B6-BDC39CF89F45}"/>
+              </a:ext>
+            </a:extLst>
+          </p:cNvPr>
+          <p:cNvPicPr>
+            <a:picLocks noChangeAspect="1"/>
+          </p:cNvPicPr>
+          <p:nvPr/>
+        </p:nvPicPr>
+        <p:blipFill>
+          <a:blip r:embed="rId11">
+            <a:extLst>
+              <a:ext uri="{96DAC541-7B7A-43D3-8B79-37D633B846F1}">
+                <asvg:svgBlip xmlns:asvg="http://schemas.microsoft.com/office/drawing/2016/SVG/main" r:embed="rId12"/>
+              </a:ext>
+            </a:extLst>
+          </a:blip>
+          <a:srcRect/>
+          <a:stretch/>
+        </p:blipFill>
+        <p:spPr>
+          <a:xfrm>
+            <a:off x="10608442" y="8778207"/>
+            <a:ext cx="381000" cy="381000"/>
+          </a:xfrm>
+          <a:prstGeom prst="rect">
+            <a:avLst/>
+          </a:prstGeom>
+        </p:spPr>
+      </p:pic>
+      <p:sp>
+        <p:nvSpPr>
+          <p:cNvPr id="124" name="Rectangle 123">
+            <a:extLst>
+              <a:ext uri="{FF2B5EF4-FFF2-40B4-BE49-F238E27FC236}">
+                <a16:creationId xmlns:a16="http://schemas.microsoft.com/office/drawing/2014/main" id="{540BB364-54ED-4CEE-8A07-02F079C3D9C3}"/>
+              </a:ext>
+            </a:extLst>
+          </p:cNvPr>
+          <p:cNvSpPr/>
+          <p:nvPr/>
+        </p:nvSpPr>
+        <p:spPr>
+          <a:xfrm>
+            <a:off x="13351535" y="6309327"/>
+            <a:ext cx="2103120" cy="2286000"/>
+          </a:xfrm>
+          <a:prstGeom prst="rect">
+            <a:avLst/>
+          </a:prstGeom>
+          <a:noFill/>
+          <a:ln w="15875">
+            <a:solidFill>
+              <a:srgbClr val="7AA116"/>
+            </a:solidFill>
+            <a:prstDash val="solid"/>
+          </a:ln>
+        </p:spPr>
+        <p:style>
+          <a:lnRef idx="2">
+            <a:schemeClr val="accent1">
+              <a:shade val="50000"/>
+            </a:schemeClr>
+          </a:lnRef>
+          <a:fillRef idx="1">
+            <a:schemeClr val="accent1"/>
+          </a:fillRef>
+          <a:effectRef idx="0">
+            <a:schemeClr val="accent1"/>
+          </a:effectRef>
+          <a:fontRef idx="minor">
+            <a:schemeClr val="lt1"/>
+          </a:fontRef>
+        </p:style>
+        <p:txBody>
+          <a:bodyPr lIns="502920" tIns="91440"/>
+          <a:lstStyle/>
+          <a:p>
+            <a:pPr eaLnBrk="1" fontAlgn="auto" hangingPunct="1">
+              <a:spcBef>
+                <a:spcPts val="0"/>
+              </a:spcBef>
+              <a:spcAft>
+                <a:spcPts val="0"/>
+              </a:spcAft>
+              <a:defRPr/>
+            </a:pPr>
+            <a:r>
+              <a:rPr lang="en-US" sz="1200" dirty="0">
+                <a:solidFill>
+                  <a:schemeClr val="tx1"/>
+                </a:solidFill>
+                <a:latin typeface="Arial" panose="020B0604020202020204" pitchFamily="34" charset="0"/>
+                <a:cs typeface="Arial" panose="020B0604020202020204" pitchFamily="34" charset="0"/>
+              </a:rPr>
+              <a:t>Public subnet</a:t>
+            </a:r>
+          </a:p>
+        </p:txBody>
+      </p:sp>
+      <p:sp>
+        <p:nvSpPr>
+          <p:cNvPr id="125" name="Rectangle 124">
+            <a:extLst>
+              <a:ext uri="{FF2B5EF4-FFF2-40B4-BE49-F238E27FC236}">
+                <a16:creationId xmlns:a16="http://schemas.microsoft.com/office/drawing/2014/main" id="{2FF24FB0-4C05-49A2-B3DC-021D13A7C51C}"/>
+              </a:ext>
+            </a:extLst>
+          </p:cNvPr>
+          <p:cNvSpPr/>
+          <p:nvPr/>
+        </p:nvSpPr>
+        <p:spPr>
+          <a:xfrm>
+            <a:off x="13351535" y="8778207"/>
+            <a:ext cx="2103120" cy="1554480"/>
+          </a:xfrm>
+          <a:prstGeom prst="rect">
+            <a:avLst/>
+          </a:prstGeom>
+          <a:noFill/>
+          <a:ln w="15875">
+            <a:solidFill>
+              <a:srgbClr val="00A4A6"/>
+            </a:solidFill>
+            <a:prstDash val="solid"/>
+          </a:ln>
+        </p:spPr>
+        <p:style>
+          <a:lnRef idx="2">
+            <a:schemeClr val="accent1">
+              <a:shade val="50000"/>
+            </a:schemeClr>
+          </a:lnRef>
+          <a:fillRef idx="1">
+            <a:schemeClr val="accent1"/>
+          </a:fillRef>
+          <a:effectRef idx="0">
+            <a:schemeClr val="accent1"/>
+          </a:effectRef>
+          <a:fontRef idx="minor">
+            <a:schemeClr val="lt1"/>
+          </a:fontRef>
+        </p:style>
+        <p:txBody>
+          <a:bodyPr lIns="502920" tIns="91440"/>
+          <a:lstStyle/>
+          <a:p>
+            <a:pPr eaLnBrk="1" fontAlgn="auto" hangingPunct="1">
+              <a:spcBef>
+                <a:spcPts val="0"/>
+              </a:spcBef>
+              <a:spcAft>
+                <a:spcPts val="0"/>
+              </a:spcAft>
+              <a:defRPr/>
+            </a:pPr>
+            <a:r>
+              <a:rPr lang="en-US" sz="1200" dirty="0">
+                <a:solidFill>
+                  <a:schemeClr val="tx1"/>
+                </a:solidFill>
+                <a:latin typeface="Arial" panose="020B0604020202020204" pitchFamily="34" charset="0"/>
+                <a:cs typeface="Arial" panose="020B0604020202020204" pitchFamily="34" charset="0"/>
+              </a:rPr>
+              <a:t>Private subnet</a:t>
+            </a:r>
+          </a:p>
+        </p:txBody>
+      </p:sp>
+      <p:pic>
+        <p:nvPicPr>
+          <p:cNvPr id="126" name="Graphic 125">
+            <a:extLst>
+              <a:ext uri="{FF2B5EF4-FFF2-40B4-BE49-F238E27FC236}">
+                <a16:creationId xmlns:a16="http://schemas.microsoft.com/office/drawing/2014/main" id="{4E1F0494-4108-4BD4-83AD-AD65B5695D9D}"/>
+              </a:ext>
+            </a:extLst>
+          </p:cNvPr>
+          <p:cNvPicPr>
+            <a:picLocks noChangeAspect="1"/>
+          </p:cNvPicPr>
+          <p:nvPr/>
+        </p:nvPicPr>
+        <p:blipFill>
+          <a:blip r:embed="rId9">
+            <a:extLst>
+              <a:ext uri="{96DAC541-7B7A-43D3-8B79-37D633B846F1}">
+                <asvg:svgBlip xmlns:asvg="http://schemas.microsoft.com/office/drawing/2016/SVG/main" r:embed="rId10"/>
+              </a:ext>
+            </a:extLst>
+          </a:blip>
+          <a:srcRect/>
+          <a:stretch/>
+        </p:blipFill>
+        <p:spPr>
+          <a:xfrm>
+            <a:off x="13351535" y="6309327"/>
+            <a:ext cx="381000" cy="381000"/>
+          </a:xfrm>
+          <a:prstGeom prst="rect">
+            <a:avLst/>
+          </a:prstGeom>
+        </p:spPr>
+      </p:pic>
+      <p:pic>
+        <p:nvPicPr>
+          <p:cNvPr id="127" name="Graphic 126">
+            <a:extLst>
+              <a:ext uri="{FF2B5EF4-FFF2-40B4-BE49-F238E27FC236}">
+                <a16:creationId xmlns:a16="http://schemas.microsoft.com/office/drawing/2014/main" id="{63BBF2D8-D51B-46E0-913C-CC8316E3DDBD}"/>
+              </a:ext>
+            </a:extLst>
+          </p:cNvPr>
+          <p:cNvPicPr>
+            <a:picLocks noChangeAspect="1"/>
+          </p:cNvPicPr>
+          <p:nvPr/>
+        </p:nvPicPr>
+        <p:blipFill>
+          <a:blip r:embed="rId11">
+            <a:extLst>
+              <a:ext uri="{96DAC541-7B7A-43D3-8B79-37D633B846F1}">
+                <asvg:svgBlip xmlns:asvg="http://schemas.microsoft.com/office/drawing/2016/SVG/main" r:embed="rId12"/>
+              </a:ext>
+            </a:extLst>
+          </a:blip>
+          <a:srcRect/>
+          <a:stretch/>
+        </p:blipFill>
+        <p:spPr>
+          <a:xfrm>
+            <a:off x="13351535" y="8778207"/>
+            <a:ext cx="381000" cy="381000"/>
+          </a:xfrm>
+          <a:prstGeom prst="rect">
+            <a:avLst/>
+          </a:prstGeom>
+        </p:spPr>
+      </p:pic>
+      <p:sp>
+        <p:nvSpPr>
+          <p:cNvPr id="130" name="TextBox 17">
+            <a:extLst>
+              <a:ext uri="{FF2B5EF4-FFF2-40B4-BE49-F238E27FC236}">
+                <a16:creationId xmlns:a16="http://schemas.microsoft.com/office/drawing/2014/main" id="{9403FB7F-481E-4C38-8D82-066F8EB09CFF}"/>
+              </a:ext>
+            </a:extLst>
+          </p:cNvPr>
+          <p:cNvSpPr txBox="1">
+            <a:spLocks noChangeArrowheads="1"/>
+          </p:cNvSpPr>
+          <p:nvPr/>
+        </p:nvSpPr>
+        <p:spPr bwMode="auto">
+          <a:xfrm>
+            <a:off x="7095137" y="7133765"/>
+            <a:ext cx="1234766" cy="276999"/>
+          </a:xfrm>
+          <a:prstGeom prst="rect">
+            <a:avLst/>
+          </a:prstGeom>
+          <a:noFill/>
+          <a:ln>
             <a:noFill/>
+          </a:ln>
+          <a:extLst>
+            <a:ext uri="{909E8E84-426E-40DD-AFC4-6F175D3DCCD1}">
+              <a14:hiddenFill xmlns:a14="http://schemas.microsoft.com/office/drawing/2010/main">
+                <a:solidFill>
+                  <a:srgbClr val="FFFFFF"/>
+                </a:solidFill>
+              </a14:hiddenFill>
+            </a:ext>
+            <a:ext uri="{91240B29-F687-4F45-9708-019B960494DF}">
+              <a14:hiddenLine xmlns:a14="http://schemas.microsoft.com/office/drawing/2010/main" w="9525">
+                <a:solidFill>
+                  <a:srgbClr val="000000"/>
+                </a:solidFill>
+                <a:miter lim="800000"/>
+                <a:headEnd/>
+                <a:tailEnd/>
+              </a14:hiddenLine>
+            </a:ext>
+          </a:extLst>
+        </p:spPr>
+        <p:txBody>
+          <a:bodyPr wrap="square">
+            <a:spAutoFit/>
+          </a:bodyPr>
+          <a:lstStyle>
+            <a:lvl1pPr>
+              <a:defRPr>
+                <a:solidFill>
+                  <a:schemeClr val="tx1"/>
+                </a:solidFill>
+                <a:latin typeface="Calibri" panose="020F0502020204030204" pitchFamily="34" charset="0"/>
+              </a:defRPr>
+            </a:lvl1pPr>
+            <a:lvl2pPr marL="742950" indent="-285750">
+              <a:defRPr>
+                <a:solidFill>
+                  <a:schemeClr val="tx1"/>
+                </a:solidFill>
+                <a:latin typeface="Calibri" panose="020F0502020204030204" pitchFamily="34" charset="0"/>
+              </a:defRPr>
+            </a:lvl2pPr>
+            <a:lvl3pPr marL="1143000" indent="-228600">
+              <a:defRPr>
+                <a:solidFill>
+                  <a:schemeClr val="tx1"/>
+                </a:solidFill>
+                <a:latin typeface="Calibri" panose="020F0502020204030204" pitchFamily="34" charset="0"/>
+              </a:defRPr>
+            </a:lvl3pPr>
+            <a:lvl4pPr marL="1600200" indent="-228600">
+              <a:defRPr>
+                <a:solidFill>
+                  <a:schemeClr val="tx1"/>
+                </a:solidFill>
+                <a:latin typeface="Calibri" panose="020F0502020204030204" pitchFamily="34" charset="0"/>
+              </a:defRPr>
+            </a:lvl4pPr>
+            <a:lvl5pPr marL="2057400" indent="-228600">
+              <a:defRPr>
+                <a:solidFill>
+                  <a:schemeClr val="tx1"/>
+                </a:solidFill>
+                <a:latin typeface="Calibri" panose="020F0502020204030204" pitchFamily="34" charset="0"/>
+              </a:defRPr>
+            </a:lvl5pPr>
+            <a:lvl6pPr marL="2514600" indent="-228600" eaLnBrk="0" fontAlgn="base" hangingPunct="0">
+              <a:spcBef>
+                <a:spcPct val="0"/>
+              </a:spcBef>
+              <a:spcAft>
+                <a:spcPct val="0"/>
+              </a:spcAft>
+              <a:defRPr>
+                <a:solidFill>
+                  <a:schemeClr val="tx1"/>
+                </a:solidFill>
+                <a:latin typeface="Calibri" panose="020F0502020204030204" pitchFamily="34" charset="0"/>
+              </a:defRPr>
+            </a:lvl6pPr>
+            <a:lvl7pPr marL="2971800" indent="-228600" eaLnBrk="0" fontAlgn="base" hangingPunct="0">
+              <a:spcBef>
+                <a:spcPct val="0"/>
+              </a:spcBef>
+              <a:spcAft>
+                <a:spcPct val="0"/>
+              </a:spcAft>
+              <a:defRPr>
+                <a:solidFill>
+                  <a:schemeClr val="tx1"/>
+                </a:solidFill>
+                <a:latin typeface="Calibri" panose="020F0502020204030204" pitchFamily="34" charset="0"/>
+              </a:defRPr>
+            </a:lvl7pPr>
+            <a:lvl8pPr marL="3429000" indent="-228600" eaLnBrk="0" fontAlgn="base" hangingPunct="0">
+              <a:spcBef>
+                <a:spcPct val="0"/>
+              </a:spcBef>
+              <a:spcAft>
+                <a:spcPct val="0"/>
+              </a:spcAft>
+              <a:defRPr>
+                <a:solidFill>
+                  <a:schemeClr val="tx1"/>
+                </a:solidFill>
+                <a:latin typeface="Calibri" panose="020F0502020204030204" pitchFamily="34" charset="0"/>
+              </a:defRPr>
+            </a:lvl8pPr>
+            <a:lvl9pPr marL="3886200" indent="-228600" eaLnBrk="0" fontAlgn="base" hangingPunct="0">
+              <a:spcBef>
+                <a:spcPct val="0"/>
+              </a:spcBef>
+              <a:spcAft>
+                <a:spcPct val="0"/>
+              </a:spcAft>
+              <a:defRPr>
+                <a:solidFill>
+                  <a:schemeClr val="tx1"/>
+                </a:solidFill>
+                <a:latin typeface="Calibri" panose="020F0502020204030204" pitchFamily="34" charset="0"/>
+              </a:defRPr>
+            </a:lvl9pPr>
+          </a:lstStyle>
+          <a:p>
+            <a:pPr algn="ctr" eaLnBrk="1" hangingPunct="1"/>
+            <a:r>
+              <a:rPr lang="en-US" altLang="en-US" sz="1200" dirty="0">
+                <a:latin typeface="Arial" panose="020B0604020202020204" pitchFamily="34" charset="0"/>
+                <a:ea typeface="Amazon Ember" panose="020B0603020204020204" pitchFamily="34" charset="0"/>
+                <a:cs typeface="Arial" panose="020B0604020202020204" pitchFamily="34" charset="0"/>
+              </a:rPr>
+              <a:t>NAT gateway</a:t>
+            </a:r>
+          </a:p>
+        </p:txBody>
+      </p:sp>
+      <p:pic>
+        <p:nvPicPr>
+          <p:cNvPr id="131" name="Graphic 35">
+            <a:extLst>
+              <a:ext uri="{FF2B5EF4-FFF2-40B4-BE49-F238E27FC236}">
+                <a16:creationId xmlns:a16="http://schemas.microsoft.com/office/drawing/2014/main" id="{90045EF2-042D-4A50-98D6-B90EFB23EE18}"/>
+              </a:ext>
+            </a:extLst>
+          </p:cNvPr>
+          <p:cNvPicPr>
+            <a:picLocks noChangeAspect="1" noChangeArrowheads="1"/>
+          </p:cNvPicPr>
+          <p:nvPr/>
+        </p:nvPicPr>
+        <p:blipFill>
+          <a:blip r:embed="rId13">
+            <a:extLst>
+              <a:ext uri="{96DAC541-7B7A-43D3-8B79-37D633B846F1}">
+                <asvg:svgBlip xmlns:asvg="http://schemas.microsoft.com/office/drawing/2016/SVG/main" r:embed="rId14"/>
+              </a:ext>
+            </a:extLst>
+          </a:blip>
+          <a:srcRect/>
+          <a:stretch/>
+        </p:blipFill>
+        <p:spPr bwMode="auto">
+          <a:xfrm>
+            <a:off x="7485727" y="6675087"/>
+            <a:ext cx="457200" cy="457200"/>
+          </a:xfrm>
+          <a:prstGeom prst="rect">
+            <a:avLst/>
+          </a:prstGeom>
+          <a:noFill/>
+          <a:ln>
+            <a:noFill/>
+          </a:ln>
+          <a:extLst>
+            <a:ext uri="{909E8E84-426E-40DD-AFC4-6F175D3DCCD1}">
+              <a14:hiddenFill xmlns:a14="http://schemas.microsoft.com/office/drawing/2010/main">
+                <a:solidFill>
+                  <a:srgbClr val="FFFFFF"/>
+                </a:solidFill>
+              </a14:hiddenFill>
+            </a:ext>
+            <a:ext uri="{91240B29-F687-4F45-9708-019B960494DF}">
+              <a14:hiddenLine xmlns:a14="http://schemas.microsoft.com/office/drawing/2010/main" w="9525">
+                <a:solidFill>
+                  <a:srgbClr val="000000"/>
+                </a:solidFill>
+                <a:miter lim="800000"/>
+                <a:headEnd/>
+                <a:tailEnd/>
+              </a14:hiddenLine>
+            </a:ext>
+          </a:extLst>
+        </p:spPr>
+      </p:pic>
+      <p:sp>
+        <p:nvSpPr>
+          <p:cNvPr id="134" name="TextBox 17">
+            <a:extLst>
+              <a:ext uri="{FF2B5EF4-FFF2-40B4-BE49-F238E27FC236}">
+                <a16:creationId xmlns:a16="http://schemas.microsoft.com/office/drawing/2014/main" id="{5C1545FB-EF50-4DE4-9711-30F76B5F86B6}"/>
+              </a:ext>
+            </a:extLst>
+          </p:cNvPr>
+          <p:cNvSpPr txBox="1">
+            <a:spLocks noChangeArrowheads="1"/>
+          </p:cNvSpPr>
+          <p:nvPr/>
+        </p:nvSpPr>
+        <p:spPr bwMode="auto">
+          <a:xfrm>
+            <a:off x="11043656" y="7131030"/>
+            <a:ext cx="1234766" cy="276999"/>
+          </a:xfrm>
+          <a:prstGeom prst="rect">
+            <a:avLst/>
+          </a:prstGeom>
+          <a:noFill/>
+          <a:ln>
+            <a:noFill/>
+          </a:ln>
+          <a:extLst>
+            <a:ext uri="{909E8E84-426E-40DD-AFC4-6F175D3DCCD1}">
+              <a14:hiddenFill xmlns:a14="http://schemas.microsoft.com/office/drawing/2010/main">
+                <a:solidFill>
+                  <a:srgbClr val="FFFFFF"/>
+                </a:solidFill>
+              </a14:hiddenFill>
+            </a:ext>
+            <a:ext uri="{91240B29-F687-4F45-9708-019B960494DF}">
+              <a14:hiddenLine xmlns:a14="http://schemas.microsoft.com/office/drawing/2010/main" w="9525">
+                <a:solidFill>
+                  <a:srgbClr val="000000"/>
+                </a:solidFill>
+                <a:miter lim="800000"/>
+                <a:headEnd/>
+                <a:tailEnd/>
+              </a14:hiddenLine>
+            </a:ext>
+          </a:extLst>
+        </p:spPr>
+        <p:txBody>
+          <a:bodyPr wrap="square">
+            <a:spAutoFit/>
+          </a:bodyPr>
+          <a:lstStyle>
+            <a:lvl1pPr>
+              <a:defRPr>
+                <a:solidFill>
+                  <a:schemeClr val="tx1"/>
+                </a:solidFill>
+                <a:latin typeface="Calibri" panose="020F0502020204030204" pitchFamily="34" charset="0"/>
+              </a:defRPr>
+            </a:lvl1pPr>
+            <a:lvl2pPr marL="742950" indent="-285750">
+              <a:defRPr>
+                <a:solidFill>
+                  <a:schemeClr val="tx1"/>
+                </a:solidFill>
+                <a:latin typeface="Calibri" panose="020F0502020204030204" pitchFamily="34" charset="0"/>
+              </a:defRPr>
+            </a:lvl2pPr>
+            <a:lvl3pPr marL="1143000" indent="-228600">
+              <a:defRPr>
+                <a:solidFill>
+                  <a:schemeClr val="tx1"/>
+                </a:solidFill>
+                <a:latin typeface="Calibri" panose="020F0502020204030204" pitchFamily="34" charset="0"/>
+              </a:defRPr>
+            </a:lvl3pPr>
+            <a:lvl4pPr marL="1600200" indent="-228600">
+              <a:defRPr>
+                <a:solidFill>
+                  <a:schemeClr val="tx1"/>
+                </a:solidFill>
+                <a:latin typeface="Calibri" panose="020F0502020204030204" pitchFamily="34" charset="0"/>
+              </a:defRPr>
+            </a:lvl4pPr>
+            <a:lvl5pPr marL="2057400" indent="-228600">
+              <a:defRPr>
+                <a:solidFill>
+                  <a:schemeClr val="tx1"/>
+                </a:solidFill>
+                <a:latin typeface="Calibri" panose="020F0502020204030204" pitchFamily="34" charset="0"/>
+              </a:defRPr>
+            </a:lvl5pPr>
+            <a:lvl6pPr marL="2514600" indent="-228600" eaLnBrk="0" fontAlgn="base" hangingPunct="0">
+              <a:spcBef>
+                <a:spcPct val="0"/>
+              </a:spcBef>
+              <a:spcAft>
+                <a:spcPct val="0"/>
+              </a:spcAft>
+              <a:defRPr>
+                <a:solidFill>
+                  <a:schemeClr val="tx1"/>
+                </a:solidFill>
+                <a:latin typeface="Calibri" panose="020F0502020204030204" pitchFamily="34" charset="0"/>
+              </a:defRPr>
+            </a:lvl6pPr>
+            <a:lvl7pPr marL="2971800" indent="-228600" eaLnBrk="0" fontAlgn="base" hangingPunct="0">
+              <a:spcBef>
+                <a:spcPct val="0"/>
+              </a:spcBef>
+              <a:spcAft>
+                <a:spcPct val="0"/>
+              </a:spcAft>
+              <a:defRPr>
+                <a:solidFill>
+                  <a:schemeClr val="tx1"/>
+                </a:solidFill>
+                <a:latin typeface="Calibri" panose="020F0502020204030204" pitchFamily="34" charset="0"/>
+              </a:defRPr>
+            </a:lvl7pPr>
+            <a:lvl8pPr marL="3429000" indent="-228600" eaLnBrk="0" fontAlgn="base" hangingPunct="0">
+              <a:spcBef>
+                <a:spcPct val="0"/>
+              </a:spcBef>
+              <a:spcAft>
+                <a:spcPct val="0"/>
+              </a:spcAft>
+              <a:defRPr>
+                <a:solidFill>
+                  <a:schemeClr val="tx1"/>
+                </a:solidFill>
+                <a:latin typeface="Calibri" panose="020F0502020204030204" pitchFamily="34" charset="0"/>
+              </a:defRPr>
+            </a:lvl8pPr>
+            <a:lvl9pPr marL="3886200" indent="-228600" eaLnBrk="0" fontAlgn="base" hangingPunct="0">
+              <a:spcBef>
+                <a:spcPct val="0"/>
+              </a:spcBef>
+              <a:spcAft>
+                <a:spcPct val="0"/>
+              </a:spcAft>
+              <a:defRPr>
+                <a:solidFill>
+                  <a:schemeClr val="tx1"/>
+                </a:solidFill>
+                <a:latin typeface="Calibri" panose="020F0502020204030204" pitchFamily="34" charset="0"/>
+              </a:defRPr>
+            </a:lvl9pPr>
+          </a:lstStyle>
+          <a:p>
+            <a:pPr algn="ctr" eaLnBrk="1" hangingPunct="1"/>
+            <a:r>
+              <a:rPr lang="en-US" altLang="en-US" sz="1200" dirty="0">
+                <a:latin typeface="Arial" panose="020B0604020202020204" pitchFamily="34" charset="0"/>
+                <a:ea typeface="Amazon Ember" panose="020B0603020204020204" pitchFamily="34" charset="0"/>
+                <a:cs typeface="Arial" panose="020B0604020202020204" pitchFamily="34" charset="0"/>
+              </a:rPr>
+              <a:t>NAT gateway</a:t>
+            </a:r>
+          </a:p>
+        </p:txBody>
+      </p:sp>
+      <p:pic>
+        <p:nvPicPr>
+          <p:cNvPr id="135" name="Graphic 35">
+            <a:extLst>
+              <a:ext uri="{FF2B5EF4-FFF2-40B4-BE49-F238E27FC236}">
+                <a16:creationId xmlns:a16="http://schemas.microsoft.com/office/drawing/2014/main" id="{50DE9BF4-3520-42FB-9A61-525E32D48C33}"/>
+              </a:ext>
+            </a:extLst>
+          </p:cNvPr>
+          <p:cNvPicPr>
+            <a:picLocks noChangeAspect="1" noChangeArrowheads="1"/>
+          </p:cNvPicPr>
+          <p:nvPr/>
+        </p:nvPicPr>
+        <p:blipFill>
+          <a:blip r:embed="rId13">
+            <a:extLst>
+              <a:ext uri="{96DAC541-7B7A-43D3-8B79-37D633B846F1}">
+                <asvg:svgBlip xmlns:asvg="http://schemas.microsoft.com/office/drawing/2016/SVG/main" r:embed="rId14"/>
+              </a:ext>
+            </a:extLst>
+          </a:blip>
+          <a:srcRect/>
+          <a:stretch/>
+        </p:blipFill>
+        <p:spPr bwMode="auto">
+          <a:xfrm>
+            <a:off x="11431295" y="6675087"/>
+            <a:ext cx="457200" cy="457200"/>
+          </a:xfrm>
+          <a:prstGeom prst="rect">
+            <a:avLst/>
+          </a:prstGeom>
+          <a:noFill/>
+          <a:ln>
+            <a:noFill/>
+          </a:ln>
+          <a:extLst>
+            <a:ext uri="{909E8E84-426E-40DD-AFC4-6F175D3DCCD1}">
+              <a14:hiddenFill xmlns:a14="http://schemas.microsoft.com/office/drawing/2010/main">
+                <a:solidFill>
+                  <a:srgbClr val="FFFFFF"/>
+                </a:solidFill>
+              </a14:hiddenFill>
+            </a:ext>
+            <a:ext uri="{91240B29-F687-4F45-9708-019B960494DF}">
+              <a14:hiddenLine xmlns:a14="http://schemas.microsoft.com/office/drawing/2010/main" w="9525">
+                <a:solidFill>
+                  <a:srgbClr val="000000"/>
+                </a:solidFill>
+                <a:miter lim="800000"/>
+                <a:headEnd/>
+                <a:tailEnd/>
+              </a14:hiddenLine>
+            </a:ext>
+          </a:extLst>
+        </p:spPr>
+      </p:pic>
+      <p:sp>
+        <p:nvSpPr>
+          <p:cNvPr id="138" name="TextBox 17">
+            <a:extLst>
+              <a:ext uri="{FF2B5EF4-FFF2-40B4-BE49-F238E27FC236}">
+                <a16:creationId xmlns:a16="http://schemas.microsoft.com/office/drawing/2014/main" id="{52FE3ECC-6587-416C-89BF-ABD20A779915}"/>
+              </a:ext>
+            </a:extLst>
+          </p:cNvPr>
+          <p:cNvSpPr txBox="1">
+            <a:spLocks noChangeArrowheads="1"/>
+          </p:cNvSpPr>
+          <p:nvPr/>
+        </p:nvSpPr>
+        <p:spPr bwMode="auto">
+          <a:xfrm>
+            <a:off x="13809077" y="7108067"/>
+            <a:ext cx="1234766" cy="276999"/>
+          </a:xfrm>
+          <a:prstGeom prst="rect">
+            <a:avLst/>
+          </a:prstGeom>
+          <a:noFill/>
+          <a:ln>
+            <a:noFill/>
+          </a:ln>
+          <a:extLst>
+            <a:ext uri="{909E8E84-426E-40DD-AFC4-6F175D3DCCD1}">
+              <a14:hiddenFill xmlns:a14="http://schemas.microsoft.com/office/drawing/2010/main">
+                <a:solidFill>
+                  <a:srgbClr val="FFFFFF"/>
+                </a:solidFill>
+              </a14:hiddenFill>
+            </a:ext>
+            <a:ext uri="{91240B29-F687-4F45-9708-019B960494DF}">
+              <a14:hiddenLine xmlns:a14="http://schemas.microsoft.com/office/drawing/2010/main" w="9525">
+                <a:solidFill>
+                  <a:srgbClr val="000000"/>
+                </a:solidFill>
+                <a:miter lim="800000"/>
+                <a:headEnd/>
+                <a:tailEnd/>
+              </a14:hiddenLine>
+            </a:ext>
+          </a:extLst>
+        </p:spPr>
+        <p:txBody>
+          <a:bodyPr wrap="square">
+            <a:spAutoFit/>
+          </a:bodyPr>
+          <a:lstStyle>
+            <a:lvl1pPr>
+              <a:defRPr>
+                <a:solidFill>
+                  <a:schemeClr val="tx1"/>
+                </a:solidFill>
+                <a:latin typeface="Calibri" panose="020F0502020204030204" pitchFamily="34" charset="0"/>
+              </a:defRPr>
+            </a:lvl1pPr>
+            <a:lvl2pPr marL="742950" indent="-285750">
+              <a:defRPr>
+                <a:solidFill>
+                  <a:schemeClr val="tx1"/>
+                </a:solidFill>
+                <a:latin typeface="Calibri" panose="020F0502020204030204" pitchFamily="34" charset="0"/>
+              </a:defRPr>
+            </a:lvl2pPr>
+            <a:lvl3pPr marL="1143000" indent="-228600">
+              <a:defRPr>
+                <a:solidFill>
+                  <a:schemeClr val="tx1"/>
+                </a:solidFill>
+                <a:latin typeface="Calibri" panose="020F0502020204030204" pitchFamily="34" charset="0"/>
+              </a:defRPr>
+            </a:lvl3pPr>
+            <a:lvl4pPr marL="1600200" indent="-228600">
+              <a:defRPr>
+                <a:solidFill>
+                  <a:schemeClr val="tx1"/>
+                </a:solidFill>
+                <a:latin typeface="Calibri" panose="020F0502020204030204" pitchFamily="34" charset="0"/>
+              </a:defRPr>
+            </a:lvl4pPr>
+            <a:lvl5pPr marL="2057400" indent="-228600">
+              <a:defRPr>
+                <a:solidFill>
+                  <a:schemeClr val="tx1"/>
+                </a:solidFill>
+                <a:latin typeface="Calibri" panose="020F0502020204030204" pitchFamily="34" charset="0"/>
+              </a:defRPr>
+            </a:lvl5pPr>
+            <a:lvl6pPr marL="2514600" indent="-228600" eaLnBrk="0" fontAlgn="base" hangingPunct="0">
+              <a:spcBef>
+                <a:spcPct val="0"/>
+              </a:spcBef>
+              <a:spcAft>
+                <a:spcPct val="0"/>
+              </a:spcAft>
+              <a:defRPr>
+                <a:solidFill>
+                  <a:schemeClr val="tx1"/>
+                </a:solidFill>
+                <a:latin typeface="Calibri" panose="020F0502020204030204" pitchFamily="34" charset="0"/>
+              </a:defRPr>
+            </a:lvl6pPr>
+            <a:lvl7pPr marL="2971800" indent="-228600" eaLnBrk="0" fontAlgn="base" hangingPunct="0">
+              <a:spcBef>
+                <a:spcPct val="0"/>
+              </a:spcBef>
+              <a:spcAft>
+                <a:spcPct val="0"/>
+              </a:spcAft>
+              <a:defRPr>
+                <a:solidFill>
+                  <a:schemeClr val="tx1"/>
+                </a:solidFill>
+                <a:latin typeface="Calibri" panose="020F0502020204030204" pitchFamily="34" charset="0"/>
+              </a:defRPr>
+            </a:lvl7pPr>
+            <a:lvl8pPr marL="3429000" indent="-228600" eaLnBrk="0" fontAlgn="base" hangingPunct="0">
+              <a:spcBef>
+                <a:spcPct val="0"/>
+              </a:spcBef>
+              <a:spcAft>
+                <a:spcPct val="0"/>
+              </a:spcAft>
+              <a:defRPr>
+                <a:solidFill>
+                  <a:schemeClr val="tx1"/>
+                </a:solidFill>
+                <a:latin typeface="Calibri" panose="020F0502020204030204" pitchFamily="34" charset="0"/>
+              </a:defRPr>
+            </a:lvl8pPr>
+            <a:lvl9pPr marL="3886200" indent="-228600" eaLnBrk="0" fontAlgn="base" hangingPunct="0">
+              <a:spcBef>
+                <a:spcPct val="0"/>
+              </a:spcBef>
+              <a:spcAft>
+                <a:spcPct val="0"/>
+              </a:spcAft>
+              <a:defRPr>
+                <a:solidFill>
+                  <a:schemeClr val="tx1"/>
+                </a:solidFill>
+                <a:latin typeface="Calibri" panose="020F0502020204030204" pitchFamily="34" charset="0"/>
+              </a:defRPr>
+            </a:lvl9pPr>
+          </a:lstStyle>
+          <a:p>
+            <a:pPr algn="ctr" eaLnBrk="1" hangingPunct="1"/>
+            <a:r>
+              <a:rPr lang="en-US" altLang="en-US" sz="1200" dirty="0">
+                <a:latin typeface="Arial" panose="020B0604020202020204" pitchFamily="34" charset="0"/>
+                <a:ea typeface="Amazon Ember" panose="020B0603020204020204" pitchFamily="34" charset="0"/>
+                <a:cs typeface="Arial" panose="020B0604020202020204" pitchFamily="34" charset="0"/>
+              </a:rPr>
+              <a:t>NAT gateway</a:t>
+            </a:r>
+          </a:p>
+        </p:txBody>
+      </p:sp>
+      <p:pic>
+        <p:nvPicPr>
+          <p:cNvPr id="139" name="Graphic 35">
+            <a:extLst>
+              <a:ext uri="{FF2B5EF4-FFF2-40B4-BE49-F238E27FC236}">
+                <a16:creationId xmlns:a16="http://schemas.microsoft.com/office/drawing/2014/main" id="{2A8A0686-3DCB-4C7C-898C-73DF9D9314A1}"/>
+              </a:ext>
+            </a:extLst>
+          </p:cNvPr>
+          <p:cNvPicPr>
+            <a:picLocks noChangeAspect="1" noChangeArrowheads="1"/>
+          </p:cNvPicPr>
+          <p:nvPr/>
+        </p:nvPicPr>
+        <p:blipFill>
+          <a:blip r:embed="rId13">
+            <a:extLst>
+              <a:ext uri="{96DAC541-7B7A-43D3-8B79-37D633B846F1}">
+                <asvg:svgBlip xmlns:asvg="http://schemas.microsoft.com/office/drawing/2016/SVG/main" r:embed="rId14"/>
+              </a:ext>
+            </a:extLst>
+          </a:blip>
+          <a:srcRect/>
+          <a:stretch/>
+        </p:blipFill>
+        <p:spPr bwMode="auto">
+          <a:xfrm>
+            <a:off x="14174495" y="6675087"/>
+            <a:ext cx="457200" cy="457200"/>
+          </a:xfrm>
+          <a:prstGeom prst="rect">
+            <a:avLst/>
+          </a:prstGeom>
+          <a:noFill/>
+          <a:ln>
+            <a:noFill/>
+          </a:ln>
+          <a:extLst>
+            <a:ext uri="{909E8E84-426E-40DD-AFC4-6F175D3DCCD1}">
+              <a14:hiddenFill xmlns:a14="http://schemas.microsoft.com/office/drawing/2010/main">
+                <a:solidFill>
+                  <a:srgbClr val="FFFFFF"/>
+                </a:solidFill>
+              </a14:hiddenFill>
+            </a:ext>
+            <a:ext uri="{91240B29-F687-4F45-9708-019B960494DF}">
+              <a14:hiddenLine xmlns:a14="http://schemas.microsoft.com/office/drawing/2010/main" w="9525">
+                <a:solidFill>
+                  <a:srgbClr val="000000"/>
+                </a:solidFill>
+                <a:miter lim="800000"/>
+                <a:headEnd/>
+                <a:tailEnd/>
+              </a14:hiddenLine>
+            </a:ext>
+          </a:extLst>
+        </p:spPr>
+      </p:pic>
+      <p:sp>
+        <p:nvSpPr>
+          <p:cNvPr id="140" name="Rectangle 139">
+            <a:extLst>
+              <a:ext uri="{FF2B5EF4-FFF2-40B4-BE49-F238E27FC236}">
+                <a16:creationId xmlns:a16="http://schemas.microsoft.com/office/drawing/2014/main" id="{5525ADD8-125D-42A5-AA5A-1418CF93350F}"/>
+              </a:ext>
+            </a:extLst>
+          </p:cNvPr>
+          <p:cNvSpPr/>
+          <p:nvPr/>
+        </p:nvSpPr>
+        <p:spPr>
+          <a:xfrm>
+            <a:off x="6950735" y="7498047"/>
+            <a:ext cx="8229600" cy="914400"/>
+          </a:xfrm>
+          <a:prstGeom prst="rect">
+            <a:avLst/>
+          </a:prstGeom>
+          <a:noFill/>
+          <a:ln w="15875">
+            <a:solidFill>
+              <a:srgbClr val="ED7100"/>
+            </a:solidFill>
             <a:prstDash val="dash"/>
           </a:ln>
         </p:spPr>
@@ -6816,33 +5975,73 @@
           </a:fontRef>
         </p:style>
         <p:txBody>
-          <a:bodyPr rot="0" spcFirstLastPara="0" vertOverflow="overflow" horzOverflow="overflow" vert="horz" wrap="square" lIns="502920" tIns="68580" rIns="137160" bIns="68580" numCol="1" spcCol="0" rtlCol="0" fromWordArt="0" anchor="t" anchorCtr="0" forceAA="0" compatLnSpc="1">
-            <a:prstTxWarp prst="textNoShape">
-              <a:avLst/>
-            </a:prstTxWarp>
-            <a:noAutofit/>
-          </a:bodyPr>
+          <a:bodyPr tIns="91440"/>
           <a:lstStyle/>
           <a:p>
+            <a:pPr eaLnBrk="1" fontAlgn="auto" hangingPunct="1">
+              <a:spcBef>
+                <a:spcPts val="0"/>
+              </a:spcBef>
+              <a:spcAft>
+                <a:spcPts val="0"/>
+              </a:spcAft>
+              <a:defRPr/>
+            </a:pPr>
+            <a:endParaRPr lang="en-US" sz="1200" dirty="0">
+              <a:solidFill>
+                <a:schemeClr val="tx1"/>
+              </a:solidFill>
+              <a:latin typeface="Arial" panose="020B0604020202020204" pitchFamily="34" charset="0"/>
+              <a:cs typeface="Arial" panose="020B0604020202020204" pitchFamily="34" charset="0"/>
+            </a:endParaRPr>
+          </a:p>
+          <a:p>
+            <a:pPr eaLnBrk="1" fontAlgn="auto" hangingPunct="1">
+              <a:spcBef>
+                <a:spcPts val="0"/>
+              </a:spcBef>
+              <a:spcAft>
+                <a:spcPts val="0"/>
+              </a:spcAft>
+              <a:defRPr/>
+            </a:pPr>
+            <a:endParaRPr lang="en-US" sz="1200" dirty="0">
+              <a:solidFill>
+                <a:schemeClr val="tx1"/>
+              </a:solidFill>
+              <a:latin typeface="Arial" panose="020B0604020202020204" pitchFamily="34" charset="0"/>
+              <a:cs typeface="Arial" panose="020B0604020202020204" pitchFamily="34" charset="0"/>
+            </a:endParaRPr>
+          </a:p>
+          <a:p>
+            <a:pPr eaLnBrk="1" fontAlgn="auto" hangingPunct="1">
+              <a:spcBef>
+                <a:spcPts val="0"/>
+              </a:spcBef>
+              <a:spcAft>
+                <a:spcPts val="0"/>
+              </a:spcAft>
+              <a:defRPr/>
+            </a:pPr>
             <a:r>
               <a:rPr lang="en-US" sz="1200" dirty="0">
                 <a:solidFill>
-                  <a:srgbClr val="1E8900"/>
+                  <a:schemeClr val="tx1"/>
                 </a:solidFill>
                 <a:latin typeface="Arial" panose="020B0604020202020204" pitchFamily="34" charset="0"/>
                 <a:cs typeface="Arial" panose="020B0604020202020204" pitchFamily="34" charset="0"/>
               </a:rPr>
-              <a:t>Public subnet</a:t>
+              <a:t>                                               Auto Scaling group</a:t>
             </a:r>
           </a:p>
         </p:txBody>
       </p:sp>
       <p:pic>
         <p:nvPicPr>
-          <p:cNvPr id="76" name="Graphic 75">
+          <p:cNvPr id="142" name="Graphic 141">
             <a:extLst>
               <a:ext uri="{FF2B5EF4-FFF2-40B4-BE49-F238E27FC236}">
-                <a16:creationId xmlns:a16="http://schemas.microsoft.com/office/drawing/2014/main" id="{3E2ABB06-2B74-4794-BDC7-48FA93E802F5}"/>
+                <a16:creationId xmlns:a16="http://schemas.microsoft.com/office/drawing/2014/main" id="{A5F95F94-3D01-47ED-95C2-1FF7E1B0A3B5}"/>
               </a:ext>
             </a:extLst>
           </p:cNvPr>
@@ -6852,20 +6051,19 @@
           <p:nvPr/>
         </p:nvPicPr>
         <p:blipFill>
-          <a:blip r:embed="rId20">
+          <a:blip r:embed="rId15">
             <a:extLst>
               <a:ext uri="{96DAC541-7B7A-43D3-8B79-37D633B846F1}">
-                <asvg:svgBlip xmlns:asvg="http://schemas.microsoft.com/office/drawing/2016/SVG/main" r:embed="rId21"/>
+                <asvg:svgBlip xmlns:asvg="http://schemas.microsoft.com/office/drawing/2016/SVG/main" r:embed="rId16"/>
               </a:ext>
             </a:extLst>
           </a:blip>
-          <a:stretch>
-            <a:fillRect/>
-          </a:stretch>
+          <a:srcRect/>
+          <a:stretch/>
         </p:blipFill>
         <p:spPr>
           <a:xfrm>
-            <a:off x="6547425" y="4583305"/>
+            <a:off x="9511055" y="7498047"/>
             <a:ext cx="381000" cy="381000"/>
           </a:xfrm>
           <a:prstGeom prst="rect">
@@ -6875,10 +6073,10 @@
       </p:pic>
       <p:sp>
         <p:nvSpPr>
-          <p:cNvPr id="77" name="Rectangle 76">
+          <p:cNvPr id="145" name="Rectangle 144">
             <a:extLst>
               <a:ext uri="{FF2B5EF4-FFF2-40B4-BE49-F238E27FC236}">
-                <a16:creationId xmlns:a16="http://schemas.microsoft.com/office/drawing/2014/main" id="{25BEA593-E713-4EF1-8E8A-A70F1085D273}"/>
+                <a16:creationId xmlns:a16="http://schemas.microsoft.com/office/drawing/2014/main" id="{526EA693-3D64-4915-A49C-7001257CB23A}"/>
               </a:ext>
             </a:extLst>
           </p:cNvPr>
@@ -6887,19 +6085,17 @@
         </p:nvSpPr>
         <p:spPr>
           <a:xfrm>
-            <a:off x="10507979" y="4573124"/>
-            <a:ext cx="2075688" cy="2294205"/>
+            <a:off x="6950735" y="9235407"/>
+            <a:ext cx="8229600" cy="914400"/>
           </a:xfrm>
           <a:prstGeom prst="rect">
             <a:avLst/>
           </a:prstGeom>
-          <a:solidFill>
-            <a:srgbClr val="1D8900">
-              <a:alpha val="9804"/>
-            </a:srgbClr>
-          </a:solidFill>
-          <a:ln w="12700">
-            <a:noFill/>
+          <a:noFill/>
+          <a:ln w="15875">
+            <a:solidFill>
+              <a:srgbClr val="ED7100"/>
+            </a:solidFill>
             <a:prstDash val="dash"/>
           </a:ln>
         </p:spPr>
@@ -6920,33 +6116,73 @@
           </a:fontRef>
         </p:style>
         <p:txBody>
-          <a:bodyPr rot="0" spcFirstLastPara="0" vertOverflow="overflow" horzOverflow="overflow" vert="horz" wrap="square" lIns="502920" tIns="68580" rIns="137160" bIns="68580" numCol="1" spcCol="0" rtlCol="0" fromWordArt="0" anchor="t" anchorCtr="0" forceAA="0" compatLnSpc="1">
-            <a:prstTxWarp prst="textNoShape">
-              <a:avLst/>
-            </a:prstTxWarp>
-            <a:noAutofit/>
-          </a:bodyPr>
+          <a:bodyPr tIns="91440"/>
           <a:lstStyle/>
           <a:p>
+            <a:pPr eaLnBrk="1" fontAlgn="auto" hangingPunct="1">
+              <a:spcBef>
+                <a:spcPts val="0"/>
+              </a:spcBef>
+              <a:spcAft>
+                <a:spcPts val="0"/>
+              </a:spcAft>
+              <a:defRPr/>
+            </a:pPr>
+            <a:endParaRPr lang="en-US" sz="1200" dirty="0">
+              <a:solidFill>
+                <a:schemeClr val="tx1"/>
+              </a:solidFill>
+              <a:latin typeface="Arial" panose="020B0604020202020204" pitchFamily="34" charset="0"/>
+              <a:cs typeface="Arial" panose="020B0604020202020204" pitchFamily="34" charset="0"/>
+            </a:endParaRPr>
+          </a:p>
+          <a:p>
+            <a:pPr eaLnBrk="1" fontAlgn="auto" hangingPunct="1">
+              <a:spcBef>
+                <a:spcPts val="0"/>
+              </a:spcBef>
+              <a:spcAft>
+                <a:spcPts val="0"/>
+              </a:spcAft>
+              <a:defRPr/>
+            </a:pPr>
+            <a:endParaRPr lang="en-US" sz="1200" dirty="0">
+              <a:solidFill>
+                <a:schemeClr val="tx1"/>
+              </a:solidFill>
+              <a:latin typeface="Arial" panose="020B0604020202020204" pitchFamily="34" charset="0"/>
+              <a:cs typeface="Arial" panose="020B0604020202020204" pitchFamily="34" charset="0"/>
+            </a:endParaRPr>
+          </a:p>
+          <a:p>
+            <a:pPr eaLnBrk="1" fontAlgn="auto" hangingPunct="1">
+              <a:spcBef>
+                <a:spcPts val="0"/>
+              </a:spcBef>
+              <a:spcAft>
+                <a:spcPts val="0"/>
+              </a:spcAft>
+              <a:defRPr/>
+            </a:pPr>
             <a:r>
               <a:rPr lang="en-US" sz="1200" dirty="0">
                 <a:solidFill>
-                  <a:srgbClr val="1E8900"/>
+                  <a:schemeClr val="tx1"/>
                 </a:solidFill>
                 <a:latin typeface="Arial" panose="020B0604020202020204" pitchFamily="34" charset="0"/>
                 <a:cs typeface="Arial" panose="020B0604020202020204" pitchFamily="34" charset="0"/>
               </a:rPr>
-              <a:t>Public subnet</a:t>
+              <a:t>                                               Auto Scaling group</a:t>
             </a:r>
           </a:p>
         </p:txBody>
       </p:sp>
       <p:pic>
         <p:nvPicPr>
-          <p:cNvPr id="78" name="Graphic 77">
+          <p:cNvPr id="146" name="Graphic 145">
             <a:extLst>
               <a:ext uri="{FF2B5EF4-FFF2-40B4-BE49-F238E27FC236}">
-                <a16:creationId xmlns:a16="http://schemas.microsoft.com/office/drawing/2014/main" id="{58BCE3E5-1ECD-48BC-A4B4-58590C508EE3}"/>
+                <a16:creationId xmlns:a16="http://schemas.microsoft.com/office/drawing/2014/main" id="{68711CBF-EC90-4FE7-B12C-1689EDDE7069}"/>
               </a:ext>
             </a:extLst>
           </p:cNvPr>
@@ -6956,10 +6192,206 @@
           <p:nvPr/>
         </p:nvPicPr>
         <p:blipFill>
-          <a:blip r:embed="rId20">
+          <a:blip r:embed="rId15">
             <a:extLst>
               <a:ext uri="{96DAC541-7B7A-43D3-8B79-37D633B846F1}">
-                <asvg:svgBlip xmlns:asvg="http://schemas.microsoft.com/office/drawing/2016/SVG/main" r:embed="rId21"/>
+                <asvg:svgBlip xmlns:asvg="http://schemas.microsoft.com/office/drawing/2016/SVG/main" r:embed="rId16"/>
+              </a:ext>
+            </a:extLst>
+          </a:blip>
+          <a:srcRect/>
+          <a:stretch/>
+        </p:blipFill>
+        <p:spPr>
+          <a:xfrm>
+            <a:off x="9511055" y="9235407"/>
+            <a:ext cx="381000" cy="381000"/>
+          </a:xfrm>
+          <a:prstGeom prst="rect">
+            <a:avLst/>
+          </a:prstGeom>
+        </p:spPr>
+      </p:pic>
+      <p:sp>
+        <p:nvSpPr>
+          <p:cNvPr id="149" name="TextBox 16">
+            <a:extLst>
+              <a:ext uri="{FF2B5EF4-FFF2-40B4-BE49-F238E27FC236}">
+                <a16:creationId xmlns:a16="http://schemas.microsoft.com/office/drawing/2014/main" id="{29C37836-05CF-4562-BFE3-7880DF411FCE}"/>
+              </a:ext>
+            </a:extLst>
+          </p:cNvPr>
+          <p:cNvSpPr txBox="1">
+            <a:spLocks noChangeArrowheads="1"/>
+          </p:cNvSpPr>
+          <p:nvPr/>
+        </p:nvSpPr>
+        <p:spPr bwMode="auto">
+          <a:xfrm>
+            <a:off x="7154735" y="8049130"/>
+            <a:ext cx="1115568" cy="276999"/>
+          </a:xfrm>
+          <a:prstGeom prst="rect">
+            <a:avLst/>
+          </a:prstGeom>
+          <a:noFill/>
+          <a:ln>
+            <a:noFill/>
+          </a:ln>
+          <a:extLst>
+            <a:ext uri="{909E8E84-426E-40DD-AFC4-6F175D3DCCD1}">
+              <a14:hiddenFill xmlns:a14="http://schemas.microsoft.com/office/drawing/2010/main">
+                <a:solidFill>
+                  <a:srgbClr val="FFFFFF"/>
+                </a:solidFill>
+              </a14:hiddenFill>
+            </a:ext>
+            <a:ext uri="{91240B29-F687-4F45-9708-019B960494DF}">
+              <a14:hiddenLine xmlns:a14="http://schemas.microsoft.com/office/drawing/2010/main" w="9525">
+                <a:solidFill>
+                  <a:srgbClr val="000000"/>
+                </a:solidFill>
+                <a:miter lim="800000"/>
+                <a:headEnd/>
+                <a:tailEnd/>
+              </a14:hiddenLine>
+            </a:ext>
+          </a:extLst>
+        </p:spPr>
+        <p:txBody>
+          <a:bodyPr wrap="square" lIns="0" rIns="0">
+            <a:spAutoFit/>
+          </a:bodyPr>
+          <a:lstStyle>
+            <a:lvl1pPr>
+              <a:defRPr>
+                <a:solidFill>
+                  <a:schemeClr val="tx1"/>
+                </a:solidFill>
+                <a:latin typeface="Calibri" panose="020F0502020204030204" pitchFamily="34" charset="0"/>
+              </a:defRPr>
+            </a:lvl1pPr>
+            <a:lvl2pPr marL="742950" indent="-285750">
+              <a:defRPr>
+                <a:solidFill>
+                  <a:schemeClr val="tx1"/>
+                </a:solidFill>
+                <a:latin typeface="Calibri" panose="020F0502020204030204" pitchFamily="34" charset="0"/>
+              </a:defRPr>
+            </a:lvl2pPr>
+            <a:lvl3pPr marL="1143000" indent="-228600">
+              <a:defRPr>
+                <a:solidFill>
+                  <a:schemeClr val="tx1"/>
+                </a:solidFill>
+                <a:latin typeface="Calibri" panose="020F0502020204030204" pitchFamily="34" charset="0"/>
+              </a:defRPr>
+            </a:lvl3pPr>
+            <a:lvl4pPr marL="1600200" indent="-228600">
+              <a:defRPr>
+                <a:solidFill>
+                  <a:schemeClr val="tx1"/>
+                </a:solidFill>
+                <a:latin typeface="Calibri" panose="020F0502020204030204" pitchFamily="34" charset="0"/>
+              </a:defRPr>
+            </a:lvl4pPr>
+            <a:lvl5pPr marL="2057400" indent="-228600">
+              <a:defRPr>
+                <a:solidFill>
+                  <a:schemeClr val="tx1"/>
+                </a:solidFill>
+                <a:latin typeface="Calibri" panose="020F0502020204030204" pitchFamily="34" charset="0"/>
+              </a:defRPr>
+            </a:lvl5pPr>
+            <a:lvl6pPr marL="2514600" indent="-228600" eaLnBrk="0" fontAlgn="base" hangingPunct="0">
+              <a:spcBef>
+                <a:spcPct val="0"/>
+              </a:spcBef>
+              <a:spcAft>
+                <a:spcPct val="0"/>
+              </a:spcAft>
+              <a:defRPr>
+                <a:solidFill>
+                  <a:schemeClr val="tx1"/>
+                </a:solidFill>
+                <a:latin typeface="Calibri" panose="020F0502020204030204" pitchFamily="34" charset="0"/>
+              </a:defRPr>
+            </a:lvl6pPr>
+            <a:lvl7pPr marL="2971800" indent="-228600" eaLnBrk="0" fontAlgn="base" hangingPunct="0">
+              <a:spcBef>
+                <a:spcPct val="0"/>
+              </a:spcBef>
+              <a:spcAft>
+                <a:spcPct val="0"/>
+              </a:spcAft>
+              <a:defRPr>
+                <a:solidFill>
+                  <a:schemeClr val="tx1"/>
+                </a:solidFill>
+                <a:latin typeface="Calibri" panose="020F0502020204030204" pitchFamily="34" charset="0"/>
+              </a:defRPr>
+            </a:lvl7pPr>
+            <a:lvl8pPr marL="3429000" indent="-228600" eaLnBrk="0" fontAlgn="base" hangingPunct="0">
+              <a:spcBef>
+                <a:spcPct val="0"/>
+              </a:spcBef>
+              <a:spcAft>
+                <a:spcPct val="0"/>
+              </a:spcAft>
+              <a:defRPr>
+                <a:solidFill>
+                  <a:schemeClr val="tx1"/>
+                </a:solidFill>
+                <a:latin typeface="Calibri" panose="020F0502020204030204" pitchFamily="34" charset="0"/>
+              </a:defRPr>
+            </a:lvl8pPr>
+            <a:lvl9pPr marL="3886200" indent="-228600" eaLnBrk="0" fontAlgn="base" hangingPunct="0">
+              <a:spcBef>
+                <a:spcPct val="0"/>
+              </a:spcBef>
+              <a:spcAft>
+                <a:spcPct val="0"/>
+              </a:spcAft>
+              <a:defRPr>
+                <a:solidFill>
+                  <a:schemeClr val="tx1"/>
+                </a:solidFill>
+                <a:latin typeface="Calibri" panose="020F0502020204030204" pitchFamily="34" charset="0"/>
+              </a:defRPr>
+            </a:lvl9pPr>
+          </a:lstStyle>
+          <a:p>
+            <a:pPr algn="ctr" eaLnBrk="1" hangingPunct="1"/>
+            <a:r>
+              <a:rPr lang="en-US" altLang="en-US" sz="1200" dirty="0">
+                <a:latin typeface="Arial" panose="020B0604020202020204" pitchFamily="34" charset="0"/>
+                <a:ea typeface="Amazon Ember" panose="020B0603020204020204" pitchFamily="34" charset="0"/>
+                <a:cs typeface="Arial" panose="020B0604020202020204" pitchFamily="34" charset="0"/>
+              </a:rPr>
+              <a:t>Bastion host</a:t>
+            </a:r>
+          </a:p>
+        </p:txBody>
+      </p:sp>
+      <p:pic>
+        <p:nvPicPr>
+          <p:cNvPr id="150" name="Graphic 149">
+            <a:extLst>
+              <a:ext uri="{FF2B5EF4-FFF2-40B4-BE49-F238E27FC236}">
+                <a16:creationId xmlns:a16="http://schemas.microsoft.com/office/drawing/2014/main" id="{C4F7936E-0D8B-4434-AC22-C61B7613802D}"/>
+              </a:ext>
+            </a:extLst>
+          </p:cNvPr>
+          <p:cNvPicPr>
+            <a:picLocks noChangeAspect="1"/>
+          </p:cNvPicPr>
+          <p:nvPr/>
+        </p:nvPicPr>
+        <p:blipFill>
+          <a:blip r:embed="rId17">
+            <a:extLst>
+              <a:ext uri="{96DAC541-7B7A-43D3-8B79-37D633B846F1}">
+                <asvg:svgBlip xmlns:asvg="http://schemas.microsoft.com/office/drawing/2016/SVG/main" r:embed="rId18"/>
               </a:ext>
             </a:extLst>
           </a:blip>
@@ -6969,8 +6401,8 @@
         </p:blipFill>
         <p:spPr>
           <a:xfrm>
-            <a:off x="10507979" y="4573125"/>
-            <a:ext cx="381000" cy="381000"/>
+            <a:off x="7485727" y="7589487"/>
+            <a:ext cx="457200" cy="457200"/>
           </a:xfrm>
           <a:prstGeom prst="rect">
             <a:avLst/>
@@ -6979,78 +6411,171 @@
       </p:pic>
       <p:sp>
         <p:nvSpPr>
-          <p:cNvPr id="81" name="Rectangle 80">
+          <p:cNvPr id="153" name="TextBox 16">
             <a:extLst>
               <a:ext uri="{FF2B5EF4-FFF2-40B4-BE49-F238E27FC236}">
-                <a16:creationId xmlns:a16="http://schemas.microsoft.com/office/drawing/2014/main" id="{A97FD959-2657-4D69-AABC-059E75CDE7A7}"/>
+                <a16:creationId xmlns:a16="http://schemas.microsoft.com/office/drawing/2014/main" id="{F3B3EB0A-F3CC-4BD6-90FA-E9FB4805282F}"/>
               </a:ext>
             </a:extLst>
           </p:cNvPr>
-          <p:cNvSpPr/>
+          <p:cNvSpPr txBox="1">
+            <a:spLocks noChangeArrowheads="1"/>
+          </p:cNvSpPr>
           <p:nvPr/>
         </p:nvSpPr>
-        <p:spPr>
+        <p:spPr bwMode="auto">
           <a:xfrm>
-            <a:off x="13250973" y="4556576"/>
-            <a:ext cx="2075688" cy="2294205"/>
+            <a:off x="7059823" y="9785834"/>
+            <a:ext cx="1305397" cy="276999"/>
           </a:xfrm>
           <a:prstGeom prst="rect">
             <a:avLst/>
           </a:prstGeom>
-          <a:solidFill>
-            <a:srgbClr val="1D8900">
-              <a:alpha val="9804"/>
-            </a:srgbClr>
-          </a:solidFill>
-          <a:ln w="12700">
+          <a:noFill/>
+          <a:ln>
             <a:noFill/>
-            <a:prstDash val="dash"/>
           </a:ln>
+          <a:extLst>
+            <a:ext uri="{909E8E84-426E-40DD-AFC4-6F175D3DCCD1}">
+              <a14:hiddenFill xmlns:a14="http://schemas.microsoft.com/office/drawing/2010/main">
+                <a:solidFill>
+                  <a:srgbClr val="FFFFFF"/>
+                </a:solidFill>
+              </a14:hiddenFill>
+            </a:ext>
+            <a:ext uri="{91240B29-F687-4F45-9708-019B960494DF}">
+              <a14:hiddenLine xmlns:a14="http://schemas.microsoft.com/office/drawing/2010/main" w="9525">
+                <a:solidFill>
+                  <a:srgbClr val="000000"/>
+                </a:solidFill>
+                <a:miter lim="800000"/>
+                <a:headEnd/>
+                <a:tailEnd/>
+              </a14:hiddenLine>
+            </a:ext>
+          </a:extLst>
         </p:spPr>
-        <p:style>
-          <a:lnRef idx="2">
-            <a:schemeClr val="accent1">
-              <a:shade val="50000"/>
-            </a:schemeClr>
-          </a:lnRef>
-          <a:fillRef idx="1">
-            <a:schemeClr val="accent1"/>
-          </a:fillRef>
-          <a:effectRef idx="0">
-            <a:schemeClr val="accent1"/>
-          </a:effectRef>
-          <a:fontRef idx="minor">
-            <a:schemeClr val="lt1"/>
-          </a:fontRef>
-        </p:style>
-        <p:txBody>
-          <a:bodyPr rot="0" spcFirstLastPara="0" vertOverflow="overflow" horzOverflow="overflow" vert="horz" wrap="square" lIns="502920" tIns="68580" rIns="137160" bIns="68580" numCol="1" spcCol="0" rtlCol="0" fromWordArt="0" anchor="t" anchorCtr="0" forceAA="0" compatLnSpc="1">
-            <a:prstTxWarp prst="textNoShape">
-              <a:avLst/>
-            </a:prstTxWarp>
-            <a:noAutofit/>
+        <p:txBody>
+          <a:bodyPr wrap="square" lIns="0" rIns="0">
+            <a:spAutoFit/>
           </a:bodyPr>
-          <a:lstStyle/>
-          <a:p>
-            <a:r>
-              <a:rPr lang="en-US" sz="1200" dirty="0">
-                <a:solidFill>
-                  <a:srgbClr val="1E8900"/>
-                </a:solidFill>
+          <a:lstStyle>
+            <a:lvl1pPr>
+              <a:defRPr>
+                <a:solidFill>
+                  <a:schemeClr val="tx1"/>
+                </a:solidFill>
+                <a:latin typeface="Calibri" panose="020F0502020204030204" pitchFamily="34" charset="0"/>
+              </a:defRPr>
+            </a:lvl1pPr>
+            <a:lvl2pPr marL="742950" indent="-285750">
+              <a:defRPr>
+                <a:solidFill>
+                  <a:schemeClr val="tx1"/>
+                </a:solidFill>
+                <a:latin typeface="Calibri" panose="020F0502020204030204" pitchFamily="34" charset="0"/>
+              </a:defRPr>
+            </a:lvl2pPr>
+            <a:lvl3pPr marL="1143000" indent="-228600">
+              <a:defRPr>
+                <a:solidFill>
+                  <a:schemeClr val="tx1"/>
+                </a:solidFill>
+                <a:latin typeface="Calibri" panose="020F0502020204030204" pitchFamily="34" charset="0"/>
+              </a:defRPr>
+            </a:lvl3pPr>
+            <a:lvl4pPr marL="1600200" indent="-228600">
+              <a:defRPr>
+                <a:solidFill>
+                  <a:schemeClr val="tx1"/>
+                </a:solidFill>
+                <a:latin typeface="Calibri" panose="020F0502020204030204" pitchFamily="34" charset="0"/>
+              </a:defRPr>
+            </a:lvl4pPr>
+            <a:lvl5pPr marL="2057400" indent="-228600">
+              <a:defRPr>
+                <a:solidFill>
+                  <a:schemeClr val="tx1"/>
+                </a:solidFill>
+                <a:latin typeface="Calibri" panose="020F0502020204030204" pitchFamily="34" charset="0"/>
+              </a:defRPr>
+            </a:lvl5pPr>
+            <a:lvl6pPr marL="2514600" indent="-228600" eaLnBrk="0" fontAlgn="base" hangingPunct="0">
+              <a:spcBef>
+                <a:spcPct val="0"/>
+              </a:spcBef>
+              <a:spcAft>
+                <a:spcPct val="0"/>
+              </a:spcAft>
+              <a:defRPr>
+                <a:solidFill>
+                  <a:schemeClr val="tx1"/>
+                </a:solidFill>
+                <a:latin typeface="Calibri" panose="020F0502020204030204" pitchFamily="34" charset="0"/>
+              </a:defRPr>
+            </a:lvl6pPr>
+            <a:lvl7pPr marL="2971800" indent="-228600" eaLnBrk="0" fontAlgn="base" hangingPunct="0">
+              <a:spcBef>
+                <a:spcPct val="0"/>
+              </a:spcBef>
+              <a:spcAft>
+                <a:spcPct val="0"/>
+              </a:spcAft>
+              <a:defRPr>
+                <a:solidFill>
+                  <a:schemeClr val="tx1"/>
+                </a:solidFill>
+                <a:latin typeface="Calibri" panose="020F0502020204030204" pitchFamily="34" charset="0"/>
+              </a:defRPr>
+            </a:lvl7pPr>
+            <a:lvl8pPr marL="3429000" indent="-228600" eaLnBrk="0" fontAlgn="base" hangingPunct="0">
+              <a:spcBef>
+                <a:spcPct val="0"/>
+              </a:spcBef>
+              <a:spcAft>
+                <a:spcPct val="0"/>
+              </a:spcAft>
+              <a:defRPr>
+                <a:solidFill>
+                  <a:schemeClr val="tx1"/>
+                </a:solidFill>
+                <a:latin typeface="Calibri" panose="020F0502020204030204" pitchFamily="34" charset="0"/>
+              </a:defRPr>
+            </a:lvl8pPr>
+            <a:lvl9pPr marL="3886200" indent="-228600" eaLnBrk="0" fontAlgn="base" hangingPunct="0">
+              <a:spcBef>
+                <a:spcPct val="0"/>
+              </a:spcBef>
+              <a:spcAft>
+                <a:spcPct val="0"/>
+              </a:spcAft>
+              <a:defRPr>
+                <a:solidFill>
+                  <a:schemeClr val="tx1"/>
+                </a:solidFill>
+                <a:latin typeface="Calibri" panose="020F0502020204030204" pitchFamily="34" charset="0"/>
+              </a:defRPr>
+            </a:lvl9pPr>
+          </a:lstStyle>
+          <a:p>
+            <a:pPr algn="ctr"/>
+            <a:r>
+              <a:rPr lang="en-US" altLang="en-US" sz="1200" dirty="0">
                 <a:latin typeface="Arial" panose="020B0604020202020204" pitchFamily="34" charset="0"/>
+                <a:ea typeface="Amazon Ember" panose="020B0603020204020204" pitchFamily="34" charset="0"/>
                 <a:cs typeface="Arial" panose="020B0604020202020204" pitchFamily="34" charset="0"/>
               </a:rPr>
-              <a:t>Public subnet</a:t>
+              <a:t>Kubernetes nodes</a:t>
             </a:r>
           </a:p>
         </p:txBody>
       </p:sp>
       <p:pic>
         <p:nvPicPr>
-          <p:cNvPr id="82" name="Graphic 81">
+          <p:cNvPr id="154" name="Graphic 153">
             <a:extLst>
               <a:ext uri="{FF2B5EF4-FFF2-40B4-BE49-F238E27FC236}">
-                <a16:creationId xmlns:a16="http://schemas.microsoft.com/office/drawing/2014/main" id="{FF758C1A-ABEF-4B87-A468-EB0F700B5F4C}"/>
+                <a16:creationId xmlns:a16="http://schemas.microsoft.com/office/drawing/2014/main" id="{2FAD7DBE-3B66-4823-A838-4C42C674A02B}"/>
               </a:ext>
             </a:extLst>
           </p:cNvPr>
@@ -7060,10 +6585,10 @@
           <p:nvPr/>
         </p:nvPicPr>
         <p:blipFill>
-          <a:blip r:embed="rId20">
+          <a:blip r:embed="rId19">
             <a:extLst>
               <a:ext uri="{96DAC541-7B7A-43D3-8B79-37D633B846F1}">
-                <asvg:svgBlip xmlns:asvg="http://schemas.microsoft.com/office/drawing/2016/SVG/main" r:embed="rId21"/>
+                <asvg:svgBlip xmlns:asvg="http://schemas.microsoft.com/office/drawing/2016/SVG/main" r:embed="rId20"/>
               </a:ext>
             </a:extLst>
           </a:blip>
@@ -7073,12 +6598,696 @@
         </p:blipFill>
         <p:spPr>
           <a:xfrm>
-            <a:off x="13250973" y="4556577"/>
-            <a:ext cx="381000" cy="381000"/>
+            <a:off x="7485727" y="9326847"/>
+            <a:ext cx="457200" cy="457200"/>
           </a:xfrm>
           <a:prstGeom prst="rect">
             <a:avLst/>
           </a:prstGeom>
+        </p:spPr>
+      </p:pic>
+      <p:sp>
+        <p:nvSpPr>
+          <p:cNvPr id="155" name="TextBox 16">
+            <a:extLst>
+              <a:ext uri="{FF2B5EF4-FFF2-40B4-BE49-F238E27FC236}">
+                <a16:creationId xmlns:a16="http://schemas.microsoft.com/office/drawing/2014/main" id="{3B9DBF4C-9320-46BE-BEE6-2EFBE8190D66}"/>
+              </a:ext>
+            </a:extLst>
+          </p:cNvPr>
+          <p:cNvSpPr txBox="1">
+            <a:spLocks noChangeArrowheads="1"/>
+          </p:cNvSpPr>
+          <p:nvPr/>
+        </p:nvSpPr>
+        <p:spPr bwMode="auto">
+          <a:xfrm>
+            <a:off x="11005962" y="9785832"/>
+            <a:ext cx="1305397" cy="276999"/>
+          </a:xfrm>
+          <a:prstGeom prst="rect">
+            <a:avLst/>
+          </a:prstGeom>
+          <a:noFill/>
+          <a:ln>
+            <a:noFill/>
+          </a:ln>
+          <a:extLst>
+            <a:ext uri="{909E8E84-426E-40DD-AFC4-6F175D3DCCD1}">
+              <a14:hiddenFill xmlns:a14="http://schemas.microsoft.com/office/drawing/2010/main">
+                <a:solidFill>
+                  <a:srgbClr val="FFFFFF"/>
+                </a:solidFill>
+              </a14:hiddenFill>
+            </a:ext>
+            <a:ext uri="{91240B29-F687-4F45-9708-019B960494DF}">
+              <a14:hiddenLine xmlns:a14="http://schemas.microsoft.com/office/drawing/2010/main" w="9525">
+                <a:solidFill>
+                  <a:srgbClr val="000000"/>
+                </a:solidFill>
+                <a:miter lim="800000"/>
+                <a:headEnd/>
+                <a:tailEnd/>
+              </a14:hiddenLine>
+            </a:ext>
+          </a:extLst>
+        </p:spPr>
+        <p:txBody>
+          <a:bodyPr wrap="square" lIns="0" rIns="0">
+            <a:spAutoFit/>
+          </a:bodyPr>
+          <a:lstStyle>
+            <a:lvl1pPr>
+              <a:defRPr>
+                <a:solidFill>
+                  <a:schemeClr val="tx1"/>
+                </a:solidFill>
+                <a:latin typeface="Calibri" panose="020F0502020204030204" pitchFamily="34" charset="0"/>
+              </a:defRPr>
+            </a:lvl1pPr>
+            <a:lvl2pPr marL="742950" indent="-285750">
+              <a:defRPr>
+                <a:solidFill>
+                  <a:schemeClr val="tx1"/>
+                </a:solidFill>
+                <a:latin typeface="Calibri" panose="020F0502020204030204" pitchFamily="34" charset="0"/>
+              </a:defRPr>
+            </a:lvl2pPr>
+            <a:lvl3pPr marL="1143000" indent="-228600">
+              <a:defRPr>
+                <a:solidFill>
+                  <a:schemeClr val="tx1"/>
+                </a:solidFill>
+                <a:latin typeface="Calibri" panose="020F0502020204030204" pitchFamily="34" charset="0"/>
+              </a:defRPr>
+            </a:lvl3pPr>
+            <a:lvl4pPr marL="1600200" indent="-228600">
+              <a:defRPr>
+                <a:solidFill>
+                  <a:schemeClr val="tx1"/>
+                </a:solidFill>
+                <a:latin typeface="Calibri" panose="020F0502020204030204" pitchFamily="34" charset="0"/>
+              </a:defRPr>
+            </a:lvl4pPr>
+            <a:lvl5pPr marL="2057400" indent="-228600">
+              <a:defRPr>
+                <a:solidFill>
+                  <a:schemeClr val="tx1"/>
+                </a:solidFill>
+                <a:latin typeface="Calibri" panose="020F0502020204030204" pitchFamily="34" charset="0"/>
+              </a:defRPr>
+            </a:lvl5pPr>
+            <a:lvl6pPr marL="2514600" indent="-228600" eaLnBrk="0" fontAlgn="base" hangingPunct="0">
+              <a:spcBef>
+                <a:spcPct val="0"/>
+              </a:spcBef>
+              <a:spcAft>
+                <a:spcPct val="0"/>
+              </a:spcAft>
+              <a:defRPr>
+                <a:solidFill>
+                  <a:schemeClr val="tx1"/>
+                </a:solidFill>
+                <a:latin typeface="Calibri" panose="020F0502020204030204" pitchFamily="34" charset="0"/>
+              </a:defRPr>
+            </a:lvl6pPr>
+            <a:lvl7pPr marL="2971800" indent="-228600" eaLnBrk="0" fontAlgn="base" hangingPunct="0">
+              <a:spcBef>
+                <a:spcPct val="0"/>
+              </a:spcBef>
+              <a:spcAft>
+                <a:spcPct val="0"/>
+              </a:spcAft>
+              <a:defRPr>
+                <a:solidFill>
+                  <a:schemeClr val="tx1"/>
+                </a:solidFill>
+                <a:latin typeface="Calibri" panose="020F0502020204030204" pitchFamily="34" charset="0"/>
+              </a:defRPr>
+            </a:lvl7pPr>
+            <a:lvl8pPr marL="3429000" indent="-228600" eaLnBrk="0" fontAlgn="base" hangingPunct="0">
+              <a:spcBef>
+                <a:spcPct val="0"/>
+              </a:spcBef>
+              <a:spcAft>
+                <a:spcPct val="0"/>
+              </a:spcAft>
+              <a:defRPr>
+                <a:solidFill>
+                  <a:schemeClr val="tx1"/>
+                </a:solidFill>
+                <a:latin typeface="Calibri" panose="020F0502020204030204" pitchFamily="34" charset="0"/>
+              </a:defRPr>
+            </a:lvl8pPr>
+            <a:lvl9pPr marL="3886200" indent="-228600" eaLnBrk="0" fontAlgn="base" hangingPunct="0">
+              <a:spcBef>
+                <a:spcPct val="0"/>
+              </a:spcBef>
+              <a:spcAft>
+                <a:spcPct val="0"/>
+              </a:spcAft>
+              <a:defRPr>
+                <a:solidFill>
+                  <a:schemeClr val="tx1"/>
+                </a:solidFill>
+                <a:latin typeface="Calibri" panose="020F0502020204030204" pitchFamily="34" charset="0"/>
+              </a:defRPr>
+            </a:lvl9pPr>
+          </a:lstStyle>
+          <a:p>
+            <a:pPr algn="ctr"/>
+            <a:r>
+              <a:rPr lang="en-US" altLang="en-US" sz="1200" dirty="0">
+                <a:latin typeface="Arial" panose="020B0604020202020204" pitchFamily="34" charset="0"/>
+                <a:ea typeface="Amazon Ember" panose="020B0603020204020204" pitchFamily="34" charset="0"/>
+                <a:cs typeface="Arial" panose="020B0604020202020204" pitchFamily="34" charset="0"/>
+              </a:rPr>
+              <a:t>Kubernetes nodes</a:t>
+            </a:r>
+          </a:p>
+        </p:txBody>
+      </p:sp>
+      <p:pic>
+        <p:nvPicPr>
+          <p:cNvPr id="156" name="Graphic 155">
+            <a:extLst>
+              <a:ext uri="{FF2B5EF4-FFF2-40B4-BE49-F238E27FC236}">
+                <a16:creationId xmlns:a16="http://schemas.microsoft.com/office/drawing/2014/main" id="{F42F25BD-7C5A-403F-B66F-983A315C3BA6}"/>
+              </a:ext>
+            </a:extLst>
+          </p:cNvPr>
+          <p:cNvPicPr>
+            <a:picLocks noChangeAspect="1"/>
+          </p:cNvPicPr>
+          <p:nvPr/>
+        </p:nvPicPr>
+        <p:blipFill>
+          <a:blip r:embed="rId19">
+            <a:extLst>
+              <a:ext uri="{96DAC541-7B7A-43D3-8B79-37D633B846F1}">
+                <asvg:svgBlip xmlns:asvg="http://schemas.microsoft.com/office/drawing/2016/SVG/main" r:embed="rId20"/>
+              </a:ext>
+            </a:extLst>
+          </a:blip>
+          <a:stretch>
+            <a:fillRect/>
+          </a:stretch>
+        </p:blipFill>
+        <p:spPr>
+          <a:xfrm>
+            <a:off x="11428914" y="9326847"/>
+            <a:ext cx="457200" cy="457200"/>
+          </a:xfrm>
+          <a:prstGeom prst="rect">
+            <a:avLst/>
+          </a:prstGeom>
+        </p:spPr>
+      </p:pic>
+      <p:sp>
+        <p:nvSpPr>
+          <p:cNvPr id="157" name="TextBox 16">
+            <a:extLst>
+              <a:ext uri="{FF2B5EF4-FFF2-40B4-BE49-F238E27FC236}">
+                <a16:creationId xmlns:a16="http://schemas.microsoft.com/office/drawing/2014/main" id="{AC4B2D9C-411F-4C58-97AE-3E491EFE6E72}"/>
+              </a:ext>
+            </a:extLst>
+          </p:cNvPr>
+          <p:cNvSpPr txBox="1">
+            <a:spLocks noChangeArrowheads="1"/>
+          </p:cNvSpPr>
+          <p:nvPr/>
+        </p:nvSpPr>
+        <p:spPr bwMode="auto">
+          <a:xfrm>
+            <a:off x="13773762" y="9754879"/>
+            <a:ext cx="1305397" cy="276999"/>
+          </a:xfrm>
+          <a:prstGeom prst="rect">
+            <a:avLst/>
+          </a:prstGeom>
+          <a:noFill/>
+          <a:ln>
+            <a:noFill/>
+          </a:ln>
+          <a:extLst>
+            <a:ext uri="{909E8E84-426E-40DD-AFC4-6F175D3DCCD1}">
+              <a14:hiddenFill xmlns:a14="http://schemas.microsoft.com/office/drawing/2010/main">
+                <a:solidFill>
+                  <a:srgbClr val="FFFFFF"/>
+                </a:solidFill>
+              </a14:hiddenFill>
+            </a:ext>
+            <a:ext uri="{91240B29-F687-4F45-9708-019B960494DF}">
+              <a14:hiddenLine xmlns:a14="http://schemas.microsoft.com/office/drawing/2010/main" w="9525">
+                <a:solidFill>
+                  <a:srgbClr val="000000"/>
+                </a:solidFill>
+                <a:miter lim="800000"/>
+                <a:headEnd/>
+                <a:tailEnd/>
+              </a14:hiddenLine>
+            </a:ext>
+          </a:extLst>
+        </p:spPr>
+        <p:txBody>
+          <a:bodyPr wrap="square" lIns="0" rIns="0">
+            <a:spAutoFit/>
+          </a:bodyPr>
+          <a:lstStyle>
+            <a:lvl1pPr>
+              <a:defRPr>
+                <a:solidFill>
+                  <a:schemeClr val="tx1"/>
+                </a:solidFill>
+                <a:latin typeface="Calibri" panose="020F0502020204030204" pitchFamily="34" charset="0"/>
+              </a:defRPr>
+            </a:lvl1pPr>
+            <a:lvl2pPr marL="742950" indent="-285750">
+              <a:defRPr>
+                <a:solidFill>
+                  <a:schemeClr val="tx1"/>
+                </a:solidFill>
+                <a:latin typeface="Calibri" panose="020F0502020204030204" pitchFamily="34" charset="0"/>
+              </a:defRPr>
+            </a:lvl2pPr>
+            <a:lvl3pPr marL="1143000" indent="-228600">
+              <a:defRPr>
+                <a:solidFill>
+                  <a:schemeClr val="tx1"/>
+                </a:solidFill>
+                <a:latin typeface="Calibri" panose="020F0502020204030204" pitchFamily="34" charset="0"/>
+              </a:defRPr>
+            </a:lvl3pPr>
+            <a:lvl4pPr marL="1600200" indent="-228600">
+              <a:defRPr>
+                <a:solidFill>
+                  <a:schemeClr val="tx1"/>
+                </a:solidFill>
+                <a:latin typeface="Calibri" panose="020F0502020204030204" pitchFamily="34" charset="0"/>
+              </a:defRPr>
+            </a:lvl4pPr>
+            <a:lvl5pPr marL="2057400" indent="-228600">
+              <a:defRPr>
+                <a:solidFill>
+                  <a:schemeClr val="tx1"/>
+                </a:solidFill>
+                <a:latin typeface="Calibri" panose="020F0502020204030204" pitchFamily="34" charset="0"/>
+              </a:defRPr>
+            </a:lvl5pPr>
+            <a:lvl6pPr marL="2514600" indent="-228600" eaLnBrk="0" fontAlgn="base" hangingPunct="0">
+              <a:spcBef>
+                <a:spcPct val="0"/>
+              </a:spcBef>
+              <a:spcAft>
+                <a:spcPct val="0"/>
+              </a:spcAft>
+              <a:defRPr>
+                <a:solidFill>
+                  <a:schemeClr val="tx1"/>
+                </a:solidFill>
+                <a:latin typeface="Calibri" panose="020F0502020204030204" pitchFamily="34" charset="0"/>
+              </a:defRPr>
+            </a:lvl6pPr>
+            <a:lvl7pPr marL="2971800" indent="-228600" eaLnBrk="0" fontAlgn="base" hangingPunct="0">
+              <a:spcBef>
+                <a:spcPct val="0"/>
+              </a:spcBef>
+              <a:spcAft>
+                <a:spcPct val="0"/>
+              </a:spcAft>
+              <a:defRPr>
+                <a:solidFill>
+                  <a:schemeClr val="tx1"/>
+                </a:solidFill>
+                <a:latin typeface="Calibri" panose="020F0502020204030204" pitchFamily="34" charset="0"/>
+              </a:defRPr>
+            </a:lvl7pPr>
+            <a:lvl8pPr marL="3429000" indent="-228600" eaLnBrk="0" fontAlgn="base" hangingPunct="0">
+              <a:spcBef>
+                <a:spcPct val="0"/>
+              </a:spcBef>
+              <a:spcAft>
+                <a:spcPct val="0"/>
+              </a:spcAft>
+              <a:defRPr>
+                <a:solidFill>
+                  <a:schemeClr val="tx1"/>
+                </a:solidFill>
+                <a:latin typeface="Calibri" panose="020F0502020204030204" pitchFamily="34" charset="0"/>
+              </a:defRPr>
+            </a:lvl8pPr>
+            <a:lvl9pPr marL="3886200" indent="-228600" eaLnBrk="0" fontAlgn="base" hangingPunct="0">
+              <a:spcBef>
+                <a:spcPct val="0"/>
+              </a:spcBef>
+              <a:spcAft>
+                <a:spcPct val="0"/>
+              </a:spcAft>
+              <a:defRPr>
+                <a:solidFill>
+                  <a:schemeClr val="tx1"/>
+                </a:solidFill>
+                <a:latin typeface="Calibri" panose="020F0502020204030204" pitchFamily="34" charset="0"/>
+              </a:defRPr>
+            </a:lvl9pPr>
+          </a:lstStyle>
+          <a:p>
+            <a:pPr algn="ctr"/>
+            <a:r>
+              <a:rPr lang="en-US" altLang="en-US" sz="1200" dirty="0">
+                <a:latin typeface="Arial" panose="020B0604020202020204" pitchFamily="34" charset="0"/>
+                <a:ea typeface="Amazon Ember" panose="020B0603020204020204" pitchFamily="34" charset="0"/>
+                <a:cs typeface="Arial" panose="020B0604020202020204" pitchFamily="34" charset="0"/>
+              </a:rPr>
+              <a:t>Kubernetes nodes</a:t>
+            </a:r>
+          </a:p>
+        </p:txBody>
+      </p:sp>
+      <p:pic>
+        <p:nvPicPr>
+          <p:cNvPr id="158" name="Graphic 157">
+            <a:extLst>
+              <a:ext uri="{FF2B5EF4-FFF2-40B4-BE49-F238E27FC236}">
+                <a16:creationId xmlns:a16="http://schemas.microsoft.com/office/drawing/2014/main" id="{6176F355-EF90-4E23-AC7A-70F80FC6FF2E}"/>
+              </a:ext>
+            </a:extLst>
+          </p:cNvPr>
+          <p:cNvPicPr>
+            <a:picLocks noChangeAspect="1"/>
+          </p:cNvPicPr>
+          <p:nvPr/>
+        </p:nvPicPr>
+        <p:blipFill>
+          <a:blip r:embed="rId19">
+            <a:extLst>
+              <a:ext uri="{96DAC541-7B7A-43D3-8B79-37D633B846F1}">
+                <asvg:svgBlip xmlns:asvg="http://schemas.microsoft.com/office/drawing/2016/SVG/main" r:embed="rId20"/>
+              </a:ext>
+            </a:extLst>
+          </a:blip>
+          <a:stretch>
+            <a:fillRect/>
+          </a:stretch>
+        </p:blipFill>
+        <p:spPr>
+          <a:xfrm>
+            <a:off x="14174495" y="9326847"/>
+            <a:ext cx="457200" cy="457200"/>
+          </a:xfrm>
+          <a:prstGeom prst="rect">
+            <a:avLst/>
+          </a:prstGeom>
+        </p:spPr>
+      </p:pic>
+      <p:pic>
+        <p:nvPicPr>
+          <p:cNvPr id="160" name="Graphic 6">
+            <a:extLst>
+              <a:ext uri="{FF2B5EF4-FFF2-40B4-BE49-F238E27FC236}">
+                <a16:creationId xmlns:a16="http://schemas.microsoft.com/office/drawing/2014/main" id="{B8C5C8B8-0735-43EF-8BFE-7D71DA15AD2A}"/>
+              </a:ext>
+            </a:extLst>
+          </p:cNvPr>
+          <p:cNvPicPr>
+            <a:picLocks noChangeAspect="1" noChangeArrowheads="1"/>
+          </p:cNvPicPr>
+          <p:nvPr/>
+        </p:nvPicPr>
+        <p:blipFill>
+          <a:blip r:embed="rId21">
+            <a:extLst>
+              <a:ext uri="{96DAC541-7B7A-43D3-8B79-37D633B846F1}">
+                <asvg:svgBlip xmlns:asvg="http://schemas.microsoft.com/office/drawing/2016/SVG/main" r:embed="rId22"/>
+              </a:ext>
+            </a:extLst>
+          </a:blip>
+          <a:srcRect/>
+          <a:stretch/>
+        </p:blipFill>
+        <p:spPr bwMode="auto">
+          <a:xfrm>
+            <a:off x="6522774" y="10925392"/>
+            <a:ext cx="762000" cy="762000"/>
+          </a:xfrm>
+          <a:prstGeom prst="rect">
+            <a:avLst/>
+          </a:prstGeom>
+          <a:noFill/>
+          <a:ln>
+            <a:noFill/>
+          </a:ln>
+          <a:extLst>
+            <a:ext uri="{909E8E84-426E-40DD-AFC4-6F175D3DCCD1}">
+              <a14:hiddenFill xmlns:a14="http://schemas.microsoft.com/office/drawing/2010/main">
+                <a:solidFill>
+                  <a:srgbClr val="FFFFFF"/>
+                </a:solidFill>
+              </a14:hiddenFill>
+            </a:ext>
+            <a:ext uri="{91240B29-F687-4F45-9708-019B960494DF}">
+              <a14:hiddenLine xmlns:a14="http://schemas.microsoft.com/office/drawing/2010/main" w="9525">
+                <a:solidFill>
+                  <a:srgbClr val="000000"/>
+                </a:solidFill>
+                <a:miter lim="800000"/>
+                <a:headEnd/>
+                <a:tailEnd/>
+              </a14:hiddenLine>
+            </a:ext>
+          </a:extLst>
+        </p:spPr>
+      </p:pic>
+      <p:pic>
+        <p:nvPicPr>
+          <p:cNvPr id="162" name="Graphic 23">
+            <a:extLst>
+              <a:ext uri="{FF2B5EF4-FFF2-40B4-BE49-F238E27FC236}">
+                <a16:creationId xmlns:a16="http://schemas.microsoft.com/office/drawing/2014/main" id="{53FEC51D-09B4-4D50-B2D3-260EE771542C}"/>
+              </a:ext>
+            </a:extLst>
+          </p:cNvPr>
+          <p:cNvPicPr>
+            <a:picLocks noChangeAspect="1" noChangeArrowheads="1"/>
+          </p:cNvPicPr>
+          <p:nvPr/>
+        </p:nvPicPr>
+        <p:blipFill>
+          <a:blip r:embed="rId23">
+            <a:extLst>
+              <a:ext uri="{96DAC541-7B7A-43D3-8B79-37D633B846F1}">
+                <asvg:svgBlip xmlns:asvg="http://schemas.microsoft.com/office/drawing/2016/SVG/main" r:embed="rId24"/>
+              </a:ext>
+            </a:extLst>
+          </a:blip>
+          <a:srcRect/>
+          <a:stretch/>
+        </p:blipFill>
+        <p:spPr bwMode="auto">
+          <a:xfrm>
+            <a:off x="8584905" y="10925392"/>
+            <a:ext cx="762000" cy="762000"/>
+          </a:xfrm>
+          <a:prstGeom prst="rect">
+            <a:avLst/>
+          </a:prstGeom>
+          <a:noFill/>
+          <a:ln>
+            <a:noFill/>
+          </a:ln>
+          <a:extLst>
+            <a:ext uri="{909E8E84-426E-40DD-AFC4-6F175D3DCCD1}">
+              <a14:hiddenFill xmlns:a14="http://schemas.microsoft.com/office/drawing/2010/main">
+                <a:solidFill>
+                  <a:srgbClr val="FFFFFF"/>
+                </a:solidFill>
+              </a14:hiddenFill>
+            </a:ext>
+            <a:ext uri="{91240B29-F687-4F45-9708-019B960494DF}">
+              <a14:hiddenLine xmlns:a14="http://schemas.microsoft.com/office/drawing/2010/main" w="9525">
+                <a:solidFill>
+                  <a:srgbClr val="000000"/>
+                </a:solidFill>
+                <a:miter lim="800000"/>
+                <a:headEnd/>
+                <a:tailEnd/>
+              </a14:hiddenLine>
+            </a:ext>
+          </a:extLst>
+        </p:spPr>
+      </p:pic>
+      <p:pic>
+        <p:nvPicPr>
+          <p:cNvPr id="164" name="Graphic 17">
+            <a:extLst>
+              <a:ext uri="{FF2B5EF4-FFF2-40B4-BE49-F238E27FC236}">
+                <a16:creationId xmlns:a16="http://schemas.microsoft.com/office/drawing/2014/main" id="{07F6B67C-D64C-4571-893D-E6AA8DE66BCE}"/>
+              </a:ext>
+            </a:extLst>
+          </p:cNvPr>
+          <p:cNvPicPr>
+            <a:picLocks noChangeAspect="1" noChangeArrowheads="1"/>
+          </p:cNvPicPr>
+          <p:nvPr/>
+        </p:nvPicPr>
+        <p:blipFill>
+          <a:blip r:embed="rId25">
+            <a:extLst>
+              <a:ext uri="{96DAC541-7B7A-43D3-8B79-37D633B846F1}">
+                <asvg:svgBlip xmlns:asvg="http://schemas.microsoft.com/office/drawing/2016/SVG/main" r:embed="rId26"/>
+              </a:ext>
+            </a:extLst>
+          </a:blip>
+          <a:srcRect/>
+          <a:stretch/>
+        </p:blipFill>
+        <p:spPr bwMode="auto">
+          <a:xfrm>
+            <a:off x="10688070" y="10925392"/>
+            <a:ext cx="762000" cy="762000"/>
+          </a:xfrm>
+          <a:prstGeom prst="rect">
+            <a:avLst/>
+          </a:prstGeom>
+          <a:noFill/>
+          <a:ln>
+            <a:noFill/>
+          </a:ln>
+          <a:extLst>
+            <a:ext uri="{909E8E84-426E-40DD-AFC4-6F175D3DCCD1}">
+              <a14:hiddenFill xmlns:a14="http://schemas.microsoft.com/office/drawing/2010/main">
+                <a:solidFill>
+                  <a:srgbClr val="FFFFFF"/>
+                </a:solidFill>
+              </a14:hiddenFill>
+            </a:ext>
+            <a:ext uri="{91240B29-F687-4F45-9708-019B960494DF}">
+              <a14:hiddenLine xmlns:a14="http://schemas.microsoft.com/office/drawing/2010/main" w="9525">
+                <a:solidFill>
+                  <a:srgbClr val="000000"/>
+                </a:solidFill>
+                <a:miter lim="800000"/>
+                <a:headEnd/>
+                <a:tailEnd/>
+              </a14:hiddenLine>
+            </a:ext>
+          </a:extLst>
+        </p:spPr>
+      </p:pic>
+      <p:pic>
+        <p:nvPicPr>
+          <p:cNvPr id="166" name="Graphic 6">
+            <a:extLst>
+              <a:ext uri="{FF2B5EF4-FFF2-40B4-BE49-F238E27FC236}">
+                <a16:creationId xmlns:a16="http://schemas.microsoft.com/office/drawing/2014/main" id="{495060C7-8E81-43AA-A86F-65AA7848488E}"/>
+              </a:ext>
+            </a:extLst>
+          </p:cNvPr>
+          <p:cNvPicPr>
+            <a:picLocks noChangeAspect="1" noChangeArrowheads="1"/>
+          </p:cNvPicPr>
+          <p:nvPr/>
+        </p:nvPicPr>
+        <p:blipFill>
+          <a:blip r:embed="rId27">
+            <a:extLst>
+              <a:ext uri="{96DAC541-7B7A-43D3-8B79-37D633B846F1}">
+                <asvg:svgBlip xmlns:asvg="http://schemas.microsoft.com/office/drawing/2016/SVG/main" r:embed="rId28"/>
+              </a:ext>
+            </a:extLst>
+          </a:blip>
+          <a:srcRect/>
+          <a:stretch/>
+        </p:blipFill>
+        <p:spPr bwMode="auto">
+          <a:xfrm>
+            <a:off x="12791190" y="10925392"/>
+            <a:ext cx="762000" cy="762000"/>
+          </a:xfrm>
+          <a:prstGeom prst="rect">
+            <a:avLst/>
+          </a:prstGeom>
+          <a:noFill/>
+          <a:ln>
+            <a:noFill/>
+          </a:ln>
+          <a:extLst>
+            <a:ext uri="{909E8E84-426E-40DD-AFC4-6F175D3DCCD1}">
+              <a14:hiddenFill xmlns:a14="http://schemas.microsoft.com/office/drawing/2010/main">
+                <a:solidFill>
+                  <a:srgbClr val="FFFFFF"/>
+                </a:solidFill>
+              </a14:hiddenFill>
+            </a:ext>
+            <a:ext uri="{91240B29-F687-4F45-9708-019B960494DF}">
+              <a14:hiddenLine xmlns:a14="http://schemas.microsoft.com/office/drawing/2010/main" w="9525">
+                <a:solidFill>
+                  <a:srgbClr val="000000"/>
+                </a:solidFill>
+                <a:miter lim="800000"/>
+                <a:headEnd/>
+                <a:tailEnd/>
+              </a14:hiddenLine>
+            </a:ext>
+          </a:extLst>
+        </p:spPr>
+      </p:pic>
+      <p:pic>
+        <p:nvPicPr>
+          <p:cNvPr id="168" name="Graphic 21">
+            <a:extLst>
+              <a:ext uri="{FF2B5EF4-FFF2-40B4-BE49-F238E27FC236}">
+                <a16:creationId xmlns:a16="http://schemas.microsoft.com/office/drawing/2014/main" id="{23AE77A8-649D-4C0A-B241-87B8B2EE18FC}"/>
+              </a:ext>
+            </a:extLst>
+          </p:cNvPr>
+          <p:cNvPicPr>
+            <a:picLocks noChangeAspect="1" noChangeArrowheads="1"/>
+          </p:cNvPicPr>
+          <p:nvPr/>
+        </p:nvPicPr>
+        <p:blipFill>
+          <a:blip r:embed="rId29">
+            <a:extLst>
+              <a:ext uri="{96DAC541-7B7A-43D3-8B79-37D633B846F1}">
+                <asvg:svgBlip xmlns:asvg="http://schemas.microsoft.com/office/drawing/2016/SVG/main" r:embed="rId30"/>
+              </a:ext>
+            </a:extLst>
+          </a:blip>
+          <a:srcRect/>
+          <a:stretch/>
+        </p:blipFill>
+        <p:spPr bwMode="auto">
+          <a:xfrm>
+            <a:off x="14894310" y="10925354"/>
+            <a:ext cx="762000" cy="762000"/>
+          </a:xfrm>
+          <a:prstGeom prst="rect">
+            <a:avLst/>
+          </a:prstGeom>
+          <a:noFill/>
+          <a:ln>
+            <a:noFill/>
+          </a:ln>
+          <a:extLst>
+            <a:ext uri="{909E8E84-426E-40DD-AFC4-6F175D3DCCD1}">
+              <a14:hiddenFill xmlns:a14="http://schemas.microsoft.com/office/drawing/2010/main">
+                <a:solidFill>
+                  <a:srgbClr val="FFFFFF"/>
+                </a:solidFill>
+              </a14:hiddenFill>
+            </a:ext>
+            <a:ext uri="{91240B29-F687-4F45-9708-019B960494DF}">
+              <a14:hiddenLine xmlns:a14="http://schemas.microsoft.com/office/drawing/2010/main" w="9525">
+                <a:solidFill>
+                  <a:srgbClr val="000000"/>
+                </a:solidFill>
+                <a:miter lim="800000"/>
+                <a:headEnd/>
+                <a:tailEnd/>
+              </a14:hiddenLine>
+            </a:ext>
+          </a:extLst>
         </p:spPr>
       </p:pic>
     </p:spTree>
